--- a/Spotify_Presentation.pptx
+++ b/Spotify_Presentation.pptx
@@ -16,6 +16,15 @@
     <p:sldId id="267" r:id="rId10"/>
     <p:sldId id="268" r:id="rId11"/>
     <p:sldId id="269" r:id="rId12"/>
+    <p:sldId id="270" r:id="rId13"/>
+    <p:sldId id="271" r:id="rId14"/>
+    <p:sldId id="272" r:id="rId15"/>
+    <p:sldId id="273" r:id="rId16"/>
+    <p:sldId id="274" r:id="rId17"/>
+    <p:sldId id="275" r:id="rId18"/>
+    <p:sldId id="276" r:id="rId19"/>
+    <p:sldId id="278" r:id="rId20"/>
+    <p:sldId id="277" r:id="rId21"/>
   </p:sldIdLst>
   <p:sldSz cx="12192000" cy="6858000"/>
   <p:notesSz cx="6858000" cy="9144000"/>
@@ -17753,7 +17762,7 @@
                 <a:effectLst/>
                 <a:latin typeface="Inter"/>
               </a:rPr>
-              <a:t>Show the 20 most popular under-30 Italian artist who published at least a track in 2018</a:t>
+              <a:t>Show the 30 genres with most danceable songs relative to songs released in 2019</a:t>
             </a:r>
             <a:endParaRPr lang="en-US" sz="2800" i="1" dirty="0">
               <a:effectLst/>
@@ -17764,10 +17773,10 @@
       </p:sp>
       <p:pic>
         <p:nvPicPr>
-          <p:cNvPr id="6" name="Immagine 5">
+          <p:cNvPr id="3" name="Immagine 2">
             <a:extLst>
               <a:ext uri="{FF2B5EF4-FFF2-40B4-BE49-F238E27FC236}">
-                <a16:creationId xmlns:a16="http://schemas.microsoft.com/office/drawing/2014/main" id="{DBF04919-1F60-4965-B56A-0BF8885F44ED}"/>
+                <a16:creationId xmlns:a16="http://schemas.microsoft.com/office/drawing/2014/main" id="{31C2F0AA-9590-46A4-807B-D19C6CC6DD86}"/>
               </a:ext>
             </a:extLst>
           </p:cNvPr>
@@ -17790,8 +17799,8 @@
         </p:blipFill>
         <p:spPr>
           <a:xfrm>
-            <a:off x="1203710" y="2276273"/>
-            <a:ext cx="9784580" cy="4134030"/>
+            <a:off x="1410003" y="2266073"/>
+            <a:ext cx="9114817" cy="3981201"/>
           </a:xfrm>
           <a:prstGeom prst="rect">
             <a:avLst/>
@@ -17802,6 +17811,913 @@
     <p:extLst>
       <p:ext uri="{BB962C8B-B14F-4D97-AF65-F5344CB8AC3E}">
         <p14:creationId xmlns:p14="http://schemas.microsoft.com/office/powerpoint/2010/main" val="1451770207"/>
+      </p:ext>
+    </p:extLst>
+  </p:cSld>
+  <p:clrMapOvr>
+    <a:masterClrMapping/>
+  </p:clrMapOvr>
+</p:sld>
+</file>
+
+<file path=ppt/slides/slide12.xml><?xml version="1.0" encoding="utf-8"?>
+<p:sld xmlns:a="http://schemas.openxmlformats.org/drawingml/2006/main" xmlns:r="http://schemas.openxmlformats.org/officeDocument/2006/relationships" xmlns:p="http://schemas.openxmlformats.org/presentationml/2006/main">
+  <p:cSld>
+    <p:spTree>
+      <p:nvGrpSpPr>
+        <p:cNvPr id="1" name=""/>
+        <p:cNvGrpSpPr/>
+        <p:nvPr/>
+      </p:nvGrpSpPr>
+      <p:grpSpPr>
+        <a:xfrm>
+          <a:off x="0" y="0"/>
+          <a:ext cx="0" cy="0"/>
+          <a:chOff x="0" y="0"/>
+          <a:chExt cx="0" cy="0"/>
+        </a:xfrm>
+      </p:grpSpPr>
+      <p:sp>
+        <p:nvSpPr>
+          <p:cNvPr id="4" name="Titolo 3">
+            <a:extLst>
+              <a:ext uri="{FF2B5EF4-FFF2-40B4-BE49-F238E27FC236}">
+                <a16:creationId xmlns:a16="http://schemas.microsoft.com/office/drawing/2014/main" id="{A32BADA9-D1E4-4A68-A522-AE21B0D0BA03}"/>
+              </a:ext>
+            </a:extLst>
+          </p:cNvPr>
+          <p:cNvSpPr>
+            <a:spLocks noGrp="1"/>
+          </p:cNvSpPr>
+          <p:nvPr>
+            <p:ph type="title"/>
+          </p:nvPr>
+        </p:nvSpPr>
+        <p:spPr>
+          <a:xfrm>
+            <a:off x="914400" y="1079770"/>
+            <a:ext cx="5181600" cy="749030"/>
+          </a:xfrm>
+        </p:spPr>
+        <p:txBody>
+          <a:bodyPr>
+            <a:normAutofit/>
+          </a:bodyPr>
+          <a:lstStyle/>
+          <a:p>
+            <a:r>
+              <a:rPr lang="it-IT" sz="3600" b="1" dirty="0"/>
+              <a:t>Query 4</a:t>
+            </a:r>
+          </a:p>
+        </p:txBody>
+      </p:sp>
+      <p:sp>
+        <p:nvSpPr>
+          <p:cNvPr id="5" name="Segnaposto contenuto 4">
+            <a:extLst>
+              <a:ext uri="{FF2B5EF4-FFF2-40B4-BE49-F238E27FC236}">
+                <a16:creationId xmlns:a16="http://schemas.microsoft.com/office/drawing/2014/main" id="{0822A188-4351-443E-9A73-0BDAAB88A97A}"/>
+              </a:ext>
+            </a:extLst>
+          </p:cNvPr>
+          <p:cNvSpPr>
+            <a:spLocks noGrp="1"/>
+          </p:cNvSpPr>
+          <p:nvPr>
+            <p:ph idx="1"/>
+          </p:nvPr>
+        </p:nvSpPr>
+        <p:spPr>
+          <a:xfrm>
+            <a:off x="914400" y="1654309"/>
+            <a:ext cx="10106025" cy="428625"/>
+          </a:xfrm>
+        </p:spPr>
+        <p:txBody>
+          <a:bodyPr>
+            <a:normAutofit lnSpcReduction="10000"/>
+          </a:bodyPr>
+          <a:lstStyle/>
+          <a:p>
+            <a:pPr marL="0" indent="0" algn="l" fontAlgn="base">
+              <a:buNone/>
+            </a:pPr>
+            <a:r>
+              <a:rPr lang="en-US" i="0" dirty="0">
+                <a:effectLst/>
+                <a:latin typeface="Inter"/>
+              </a:rPr>
+              <a:t>In 2019 there was more distinct singles in top 100 Argentina or top 100 Italy?</a:t>
+            </a:r>
+            <a:endParaRPr lang="en-US" sz="2800" i="1" dirty="0">
+              <a:effectLst/>
+              <a:latin typeface="Inter"/>
+            </a:endParaRPr>
+          </a:p>
+        </p:txBody>
+      </p:sp>
+    </p:spTree>
+    <p:extLst>
+      <p:ext uri="{BB962C8B-B14F-4D97-AF65-F5344CB8AC3E}">
+        <p14:creationId xmlns:p14="http://schemas.microsoft.com/office/powerpoint/2010/main" val="2314378995"/>
+      </p:ext>
+    </p:extLst>
+  </p:cSld>
+  <p:clrMapOvr>
+    <a:masterClrMapping/>
+  </p:clrMapOvr>
+</p:sld>
+</file>
+
+<file path=ppt/slides/slide13.xml><?xml version="1.0" encoding="utf-8"?>
+<p:sld xmlns:a="http://schemas.openxmlformats.org/drawingml/2006/main" xmlns:r="http://schemas.openxmlformats.org/officeDocument/2006/relationships" xmlns:p="http://schemas.openxmlformats.org/presentationml/2006/main">
+  <p:cSld>
+    <p:spTree>
+      <p:nvGrpSpPr>
+        <p:cNvPr id="1" name=""/>
+        <p:cNvGrpSpPr/>
+        <p:nvPr/>
+      </p:nvGrpSpPr>
+      <p:grpSpPr>
+        <a:xfrm>
+          <a:off x="0" y="0"/>
+          <a:ext cx="0" cy="0"/>
+          <a:chOff x="0" y="0"/>
+          <a:chExt cx="0" cy="0"/>
+        </a:xfrm>
+      </p:grpSpPr>
+      <p:sp>
+        <p:nvSpPr>
+          <p:cNvPr id="4" name="Titolo 3">
+            <a:extLst>
+              <a:ext uri="{FF2B5EF4-FFF2-40B4-BE49-F238E27FC236}">
+                <a16:creationId xmlns:a16="http://schemas.microsoft.com/office/drawing/2014/main" id="{A32BADA9-D1E4-4A68-A522-AE21B0D0BA03}"/>
+              </a:ext>
+            </a:extLst>
+          </p:cNvPr>
+          <p:cNvSpPr>
+            <a:spLocks noGrp="1"/>
+          </p:cNvSpPr>
+          <p:nvPr>
+            <p:ph type="title"/>
+          </p:nvPr>
+        </p:nvSpPr>
+        <p:spPr>
+          <a:xfrm>
+            <a:off x="914400" y="1079770"/>
+            <a:ext cx="5181600" cy="749030"/>
+          </a:xfrm>
+        </p:spPr>
+        <p:txBody>
+          <a:bodyPr>
+            <a:normAutofit/>
+          </a:bodyPr>
+          <a:lstStyle/>
+          <a:p>
+            <a:r>
+              <a:rPr lang="it-IT" sz="3600" b="1" dirty="0"/>
+              <a:t>Query 5</a:t>
+            </a:r>
+          </a:p>
+        </p:txBody>
+      </p:sp>
+      <p:sp>
+        <p:nvSpPr>
+          <p:cNvPr id="5" name="Segnaposto contenuto 4">
+            <a:extLst>
+              <a:ext uri="{FF2B5EF4-FFF2-40B4-BE49-F238E27FC236}">
+                <a16:creationId xmlns:a16="http://schemas.microsoft.com/office/drawing/2014/main" id="{0822A188-4351-443E-9A73-0BDAAB88A97A}"/>
+              </a:ext>
+            </a:extLst>
+          </p:cNvPr>
+          <p:cNvSpPr>
+            <a:spLocks noGrp="1"/>
+          </p:cNvSpPr>
+          <p:nvPr>
+            <p:ph idx="1"/>
+          </p:nvPr>
+        </p:nvSpPr>
+        <p:spPr>
+          <a:xfrm>
+            <a:off x="914400" y="1654309"/>
+            <a:ext cx="10106025" cy="428625"/>
+          </a:xfrm>
+        </p:spPr>
+        <p:txBody>
+          <a:bodyPr>
+            <a:normAutofit lnSpcReduction="10000"/>
+          </a:bodyPr>
+          <a:lstStyle/>
+          <a:p>
+            <a:pPr marL="0" indent="0" algn="l" fontAlgn="base">
+              <a:buNone/>
+            </a:pPr>
+            <a:r>
+              <a:rPr lang="en-US" i="0" dirty="0">
+                <a:effectLst/>
+                <a:latin typeface="Inter"/>
+              </a:rPr>
+              <a:t>How many times artist born after 2000 were present in top 100 Italy in 2020?</a:t>
+            </a:r>
+            <a:endParaRPr lang="en-US" sz="2800" i="1" dirty="0">
+              <a:effectLst/>
+              <a:latin typeface="Inter"/>
+            </a:endParaRPr>
+          </a:p>
+        </p:txBody>
+      </p:sp>
+    </p:spTree>
+    <p:extLst>
+      <p:ext uri="{BB962C8B-B14F-4D97-AF65-F5344CB8AC3E}">
+        <p14:creationId xmlns:p14="http://schemas.microsoft.com/office/powerpoint/2010/main" val="3800120861"/>
+      </p:ext>
+    </p:extLst>
+  </p:cSld>
+  <p:clrMapOvr>
+    <a:masterClrMapping/>
+  </p:clrMapOvr>
+</p:sld>
+</file>
+
+<file path=ppt/slides/slide14.xml><?xml version="1.0" encoding="utf-8"?>
+<p:sld xmlns:a="http://schemas.openxmlformats.org/drawingml/2006/main" xmlns:r="http://schemas.openxmlformats.org/officeDocument/2006/relationships" xmlns:p="http://schemas.openxmlformats.org/presentationml/2006/main">
+  <p:cSld>
+    <p:spTree>
+      <p:nvGrpSpPr>
+        <p:cNvPr id="1" name=""/>
+        <p:cNvGrpSpPr/>
+        <p:nvPr/>
+      </p:nvGrpSpPr>
+      <p:grpSpPr>
+        <a:xfrm>
+          <a:off x="0" y="0"/>
+          <a:ext cx="0" cy="0"/>
+          <a:chOff x="0" y="0"/>
+          <a:chExt cx="0" cy="0"/>
+        </a:xfrm>
+      </p:grpSpPr>
+      <p:sp>
+        <p:nvSpPr>
+          <p:cNvPr id="4" name="Titolo 3">
+            <a:extLst>
+              <a:ext uri="{FF2B5EF4-FFF2-40B4-BE49-F238E27FC236}">
+                <a16:creationId xmlns:a16="http://schemas.microsoft.com/office/drawing/2014/main" id="{A32BADA9-D1E4-4A68-A522-AE21B0D0BA03}"/>
+              </a:ext>
+            </a:extLst>
+          </p:cNvPr>
+          <p:cNvSpPr>
+            <a:spLocks noGrp="1"/>
+          </p:cNvSpPr>
+          <p:nvPr>
+            <p:ph type="title"/>
+          </p:nvPr>
+        </p:nvSpPr>
+        <p:spPr>
+          <a:xfrm>
+            <a:off x="914400" y="1079770"/>
+            <a:ext cx="5181600" cy="749030"/>
+          </a:xfrm>
+        </p:spPr>
+        <p:txBody>
+          <a:bodyPr>
+            <a:normAutofit/>
+          </a:bodyPr>
+          <a:lstStyle/>
+          <a:p>
+            <a:r>
+              <a:rPr lang="it-IT" sz="3600" b="1" dirty="0"/>
+              <a:t>Query 6</a:t>
+            </a:r>
+          </a:p>
+        </p:txBody>
+      </p:sp>
+      <p:sp>
+        <p:nvSpPr>
+          <p:cNvPr id="5" name="Segnaposto contenuto 4">
+            <a:extLst>
+              <a:ext uri="{FF2B5EF4-FFF2-40B4-BE49-F238E27FC236}">
+                <a16:creationId xmlns:a16="http://schemas.microsoft.com/office/drawing/2014/main" id="{0822A188-4351-443E-9A73-0BDAAB88A97A}"/>
+              </a:ext>
+            </a:extLst>
+          </p:cNvPr>
+          <p:cNvSpPr>
+            <a:spLocks noGrp="1"/>
+          </p:cNvSpPr>
+          <p:nvPr>
+            <p:ph idx="1"/>
+          </p:nvPr>
+        </p:nvSpPr>
+        <p:spPr>
+          <a:xfrm>
+            <a:off x="914400" y="1654309"/>
+            <a:ext cx="10106025" cy="428625"/>
+          </a:xfrm>
+        </p:spPr>
+        <p:txBody>
+          <a:bodyPr>
+            <a:normAutofit lnSpcReduction="10000"/>
+          </a:bodyPr>
+          <a:lstStyle/>
+          <a:p>
+            <a:pPr marL="0" indent="0" algn="l" fontAlgn="base">
+              <a:buNone/>
+            </a:pPr>
+            <a:r>
+              <a:rPr lang="en-US" i="0" dirty="0">
+                <a:effectLst/>
+                <a:latin typeface="Inter"/>
+              </a:rPr>
+              <a:t>Show average of different features of tracks through the months of the year in Italy</a:t>
+            </a:r>
+            <a:endParaRPr lang="en-US" sz="2800" i="1" dirty="0">
+              <a:effectLst/>
+              <a:latin typeface="Inter"/>
+            </a:endParaRPr>
+          </a:p>
+        </p:txBody>
+      </p:sp>
+      <p:pic>
+        <p:nvPicPr>
+          <p:cNvPr id="3" name="Immagine 2">
+            <a:extLst>
+              <a:ext uri="{FF2B5EF4-FFF2-40B4-BE49-F238E27FC236}">
+                <a16:creationId xmlns:a16="http://schemas.microsoft.com/office/drawing/2014/main" id="{B0737A41-A34F-4207-836D-8D2A02FD9A6D}"/>
+              </a:ext>
+            </a:extLst>
+          </p:cNvPr>
+          <p:cNvPicPr>
+            <a:picLocks noChangeAspect="1"/>
+          </p:cNvPicPr>
+          <p:nvPr/>
+        </p:nvPicPr>
+        <p:blipFill>
+          <a:blip r:embed="rId2">
+            <a:extLst>
+              <a:ext uri="{28A0092B-C50C-407E-A947-70E740481C1C}">
+                <a14:useLocalDpi xmlns:a14="http://schemas.microsoft.com/office/drawing/2010/main" val="0"/>
+              </a:ext>
+            </a:extLst>
+          </a:blip>
+          <a:stretch>
+            <a:fillRect/>
+          </a:stretch>
+        </p:blipFill>
+        <p:spPr>
+          <a:xfrm>
+            <a:off x="2010383" y="2311436"/>
+            <a:ext cx="8171234" cy="4093988"/>
+          </a:xfrm>
+          <a:prstGeom prst="rect">
+            <a:avLst/>
+          </a:prstGeom>
+        </p:spPr>
+      </p:pic>
+    </p:spTree>
+    <p:extLst>
+      <p:ext uri="{BB962C8B-B14F-4D97-AF65-F5344CB8AC3E}">
+        <p14:creationId xmlns:p14="http://schemas.microsoft.com/office/powerpoint/2010/main" val="2101370203"/>
+      </p:ext>
+    </p:extLst>
+  </p:cSld>
+  <p:clrMapOvr>
+    <a:masterClrMapping/>
+  </p:clrMapOvr>
+</p:sld>
+</file>
+
+<file path=ppt/slides/slide15.xml><?xml version="1.0" encoding="utf-8"?>
+<p:sld xmlns:a="http://schemas.openxmlformats.org/drawingml/2006/main" xmlns:r="http://schemas.openxmlformats.org/officeDocument/2006/relationships" xmlns:p="http://schemas.openxmlformats.org/presentationml/2006/main">
+  <p:cSld>
+    <p:spTree>
+      <p:nvGrpSpPr>
+        <p:cNvPr id="1" name=""/>
+        <p:cNvGrpSpPr/>
+        <p:nvPr/>
+      </p:nvGrpSpPr>
+      <p:grpSpPr>
+        <a:xfrm>
+          <a:off x="0" y="0"/>
+          <a:ext cx="0" cy="0"/>
+          <a:chOff x="0" y="0"/>
+          <a:chExt cx="0" cy="0"/>
+        </a:xfrm>
+      </p:grpSpPr>
+      <p:sp>
+        <p:nvSpPr>
+          <p:cNvPr id="4" name="Titolo 3">
+            <a:extLst>
+              <a:ext uri="{FF2B5EF4-FFF2-40B4-BE49-F238E27FC236}">
+                <a16:creationId xmlns:a16="http://schemas.microsoft.com/office/drawing/2014/main" id="{A32BADA9-D1E4-4A68-A522-AE21B0D0BA03}"/>
+              </a:ext>
+            </a:extLst>
+          </p:cNvPr>
+          <p:cNvSpPr>
+            <a:spLocks noGrp="1"/>
+          </p:cNvSpPr>
+          <p:nvPr>
+            <p:ph type="title"/>
+          </p:nvPr>
+        </p:nvSpPr>
+        <p:spPr>
+          <a:xfrm>
+            <a:off x="914400" y="1079770"/>
+            <a:ext cx="5181600" cy="749030"/>
+          </a:xfrm>
+        </p:spPr>
+        <p:txBody>
+          <a:bodyPr>
+            <a:normAutofit/>
+          </a:bodyPr>
+          <a:lstStyle/>
+          <a:p>
+            <a:r>
+              <a:rPr lang="it-IT" sz="3600" b="1" dirty="0"/>
+              <a:t>Query 7</a:t>
+            </a:r>
+          </a:p>
+        </p:txBody>
+      </p:sp>
+      <p:sp>
+        <p:nvSpPr>
+          <p:cNvPr id="5" name="Segnaposto contenuto 4">
+            <a:extLst>
+              <a:ext uri="{FF2B5EF4-FFF2-40B4-BE49-F238E27FC236}">
+                <a16:creationId xmlns:a16="http://schemas.microsoft.com/office/drawing/2014/main" id="{0822A188-4351-443E-9A73-0BDAAB88A97A}"/>
+              </a:ext>
+            </a:extLst>
+          </p:cNvPr>
+          <p:cNvSpPr>
+            <a:spLocks noGrp="1"/>
+          </p:cNvSpPr>
+          <p:nvPr>
+            <p:ph idx="1"/>
+          </p:nvPr>
+        </p:nvSpPr>
+        <p:spPr>
+          <a:xfrm>
+            <a:off x="914400" y="1654309"/>
+            <a:ext cx="10106025" cy="428625"/>
+          </a:xfrm>
+        </p:spPr>
+        <p:txBody>
+          <a:bodyPr>
+            <a:normAutofit lnSpcReduction="10000"/>
+          </a:bodyPr>
+          <a:lstStyle/>
+          <a:p>
+            <a:pPr marL="0" indent="0" algn="l" fontAlgn="base">
+              <a:buNone/>
+            </a:pPr>
+            <a:r>
+              <a:rPr lang="en-US" i="0" dirty="0">
+                <a:effectLst/>
+                <a:latin typeface="Inter"/>
+              </a:rPr>
+              <a:t>How many albums (at least 2) contains the same track?</a:t>
+            </a:r>
+            <a:endParaRPr lang="en-US" sz="2800" i="1" dirty="0">
+              <a:effectLst/>
+              <a:latin typeface="Inter"/>
+            </a:endParaRPr>
+          </a:p>
+        </p:txBody>
+      </p:sp>
+    </p:spTree>
+    <p:extLst>
+      <p:ext uri="{BB962C8B-B14F-4D97-AF65-F5344CB8AC3E}">
+        <p14:creationId xmlns:p14="http://schemas.microsoft.com/office/powerpoint/2010/main" val="2089010649"/>
+      </p:ext>
+    </p:extLst>
+  </p:cSld>
+  <p:clrMapOvr>
+    <a:masterClrMapping/>
+  </p:clrMapOvr>
+</p:sld>
+</file>
+
+<file path=ppt/slides/slide16.xml><?xml version="1.0" encoding="utf-8"?>
+<p:sld xmlns:a="http://schemas.openxmlformats.org/drawingml/2006/main" xmlns:r="http://schemas.openxmlformats.org/officeDocument/2006/relationships" xmlns:p="http://schemas.openxmlformats.org/presentationml/2006/main">
+  <p:cSld>
+    <p:spTree>
+      <p:nvGrpSpPr>
+        <p:cNvPr id="1" name=""/>
+        <p:cNvGrpSpPr/>
+        <p:nvPr/>
+      </p:nvGrpSpPr>
+      <p:grpSpPr>
+        <a:xfrm>
+          <a:off x="0" y="0"/>
+          <a:ext cx="0" cy="0"/>
+          <a:chOff x="0" y="0"/>
+          <a:chExt cx="0" cy="0"/>
+        </a:xfrm>
+      </p:grpSpPr>
+      <p:sp>
+        <p:nvSpPr>
+          <p:cNvPr id="4" name="Titolo 3">
+            <a:extLst>
+              <a:ext uri="{FF2B5EF4-FFF2-40B4-BE49-F238E27FC236}">
+                <a16:creationId xmlns:a16="http://schemas.microsoft.com/office/drawing/2014/main" id="{A32BADA9-D1E4-4A68-A522-AE21B0D0BA03}"/>
+              </a:ext>
+            </a:extLst>
+          </p:cNvPr>
+          <p:cNvSpPr>
+            <a:spLocks noGrp="1"/>
+          </p:cNvSpPr>
+          <p:nvPr>
+            <p:ph type="title"/>
+          </p:nvPr>
+        </p:nvSpPr>
+        <p:spPr>
+          <a:xfrm>
+            <a:off x="914400" y="1079770"/>
+            <a:ext cx="5181600" cy="749030"/>
+          </a:xfrm>
+        </p:spPr>
+        <p:txBody>
+          <a:bodyPr>
+            <a:normAutofit/>
+          </a:bodyPr>
+          <a:lstStyle/>
+          <a:p>
+            <a:r>
+              <a:rPr lang="it-IT" sz="3600" b="1" dirty="0"/>
+              <a:t>Query 8</a:t>
+            </a:r>
+          </a:p>
+        </p:txBody>
+      </p:sp>
+      <p:sp>
+        <p:nvSpPr>
+          <p:cNvPr id="5" name="Segnaposto contenuto 4">
+            <a:extLst>
+              <a:ext uri="{FF2B5EF4-FFF2-40B4-BE49-F238E27FC236}">
+                <a16:creationId xmlns:a16="http://schemas.microsoft.com/office/drawing/2014/main" id="{0822A188-4351-443E-9A73-0BDAAB88A97A}"/>
+              </a:ext>
+            </a:extLst>
+          </p:cNvPr>
+          <p:cNvSpPr>
+            <a:spLocks noGrp="1"/>
+          </p:cNvSpPr>
+          <p:nvPr>
+            <p:ph idx="1"/>
+          </p:nvPr>
+        </p:nvSpPr>
+        <p:spPr>
+          <a:xfrm>
+            <a:off x="914400" y="1654309"/>
+            <a:ext cx="10106025" cy="428625"/>
+          </a:xfrm>
+        </p:spPr>
+        <p:txBody>
+          <a:bodyPr>
+            <a:normAutofit lnSpcReduction="10000"/>
+          </a:bodyPr>
+          <a:lstStyle/>
+          <a:p>
+            <a:pPr marL="0" indent="0" algn="l" fontAlgn="base">
+              <a:buNone/>
+            </a:pPr>
+            <a:r>
+              <a:rPr lang="en-US" i="0" dirty="0">
+                <a:effectLst/>
+                <a:latin typeface="Inter"/>
+              </a:rPr>
+              <a:t>Show how many explicit tracks appears in the top 100 for each country</a:t>
+            </a:r>
+            <a:endParaRPr lang="en-US" sz="2800" i="1" dirty="0">
+              <a:effectLst/>
+              <a:latin typeface="Inter"/>
+            </a:endParaRPr>
+          </a:p>
+        </p:txBody>
+      </p:sp>
+      <p:pic>
+        <p:nvPicPr>
+          <p:cNvPr id="7" name="Immagine 6">
+            <a:extLst>
+              <a:ext uri="{FF2B5EF4-FFF2-40B4-BE49-F238E27FC236}">
+                <a16:creationId xmlns:a16="http://schemas.microsoft.com/office/drawing/2014/main" id="{21BCFAC6-566F-432A-ADD5-C519098AFE91}"/>
+              </a:ext>
+            </a:extLst>
+          </p:cNvPr>
+          <p:cNvPicPr>
+            <a:picLocks noChangeAspect="1"/>
+          </p:cNvPicPr>
+          <p:nvPr/>
+        </p:nvPicPr>
+        <p:blipFill>
+          <a:blip r:embed="rId2">
+            <a:extLst>
+              <a:ext uri="{28A0092B-C50C-407E-A947-70E740481C1C}">
+                <a14:useLocalDpi xmlns:a14="http://schemas.microsoft.com/office/drawing/2010/main" val="0"/>
+              </a:ext>
+            </a:extLst>
+          </a:blip>
+          <a:stretch>
+            <a:fillRect/>
+          </a:stretch>
+        </p:blipFill>
+        <p:spPr>
+          <a:xfrm>
+            <a:off x="1945025" y="2214420"/>
+            <a:ext cx="8044774" cy="4210794"/>
+          </a:xfrm>
+          <a:prstGeom prst="rect">
+            <a:avLst/>
+          </a:prstGeom>
+        </p:spPr>
+      </p:pic>
+    </p:spTree>
+    <p:extLst>
+      <p:ext uri="{BB962C8B-B14F-4D97-AF65-F5344CB8AC3E}">
+        <p14:creationId xmlns:p14="http://schemas.microsoft.com/office/powerpoint/2010/main" val="3174939941"/>
+      </p:ext>
+    </p:extLst>
+  </p:cSld>
+  <p:clrMapOvr>
+    <a:masterClrMapping/>
+  </p:clrMapOvr>
+</p:sld>
+</file>
+
+<file path=ppt/slides/slide17.xml><?xml version="1.0" encoding="utf-8"?>
+<p:sld xmlns:a="http://schemas.openxmlformats.org/drawingml/2006/main" xmlns:r="http://schemas.openxmlformats.org/officeDocument/2006/relationships" xmlns:p="http://schemas.openxmlformats.org/presentationml/2006/main">
+  <p:cSld>
+    <p:spTree>
+      <p:nvGrpSpPr>
+        <p:cNvPr id="1" name=""/>
+        <p:cNvGrpSpPr/>
+        <p:nvPr/>
+      </p:nvGrpSpPr>
+      <p:grpSpPr>
+        <a:xfrm>
+          <a:off x="0" y="0"/>
+          <a:ext cx="0" cy="0"/>
+          <a:chOff x="0" y="0"/>
+          <a:chExt cx="0" cy="0"/>
+        </a:xfrm>
+      </p:grpSpPr>
+      <p:sp>
+        <p:nvSpPr>
+          <p:cNvPr id="4" name="Titolo 3">
+            <a:extLst>
+              <a:ext uri="{FF2B5EF4-FFF2-40B4-BE49-F238E27FC236}">
+                <a16:creationId xmlns:a16="http://schemas.microsoft.com/office/drawing/2014/main" id="{A32BADA9-D1E4-4A68-A522-AE21B0D0BA03}"/>
+              </a:ext>
+            </a:extLst>
+          </p:cNvPr>
+          <p:cNvSpPr>
+            <a:spLocks noGrp="1"/>
+          </p:cNvSpPr>
+          <p:nvPr>
+            <p:ph type="title"/>
+          </p:nvPr>
+        </p:nvSpPr>
+        <p:spPr>
+          <a:xfrm>
+            <a:off x="914400" y="1079770"/>
+            <a:ext cx="5181600" cy="749030"/>
+          </a:xfrm>
+        </p:spPr>
+        <p:txBody>
+          <a:bodyPr>
+            <a:normAutofit/>
+          </a:bodyPr>
+          <a:lstStyle/>
+          <a:p>
+            <a:r>
+              <a:rPr lang="it-IT" sz="3600" b="1" dirty="0"/>
+              <a:t>Query 9</a:t>
+            </a:r>
+          </a:p>
+        </p:txBody>
+      </p:sp>
+      <p:sp>
+        <p:nvSpPr>
+          <p:cNvPr id="5" name="Segnaposto contenuto 4">
+            <a:extLst>
+              <a:ext uri="{FF2B5EF4-FFF2-40B4-BE49-F238E27FC236}">
+                <a16:creationId xmlns:a16="http://schemas.microsoft.com/office/drawing/2014/main" id="{0822A188-4351-443E-9A73-0BDAAB88A97A}"/>
+              </a:ext>
+            </a:extLst>
+          </p:cNvPr>
+          <p:cNvSpPr>
+            <a:spLocks noGrp="1"/>
+          </p:cNvSpPr>
+          <p:nvPr>
+            <p:ph idx="1"/>
+          </p:nvPr>
+        </p:nvSpPr>
+        <p:spPr>
+          <a:xfrm>
+            <a:off x="914400" y="1654309"/>
+            <a:ext cx="10106025" cy="428625"/>
+          </a:xfrm>
+        </p:spPr>
+        <p:txBody>
+          <a:bodyPr>
+            <a:normAutofit lnSpcReduction="10000"/>
+          </a:bodyPr>
+          <a:lstStyle/>
+          <a:p>
+            <a:pPr marL="0" indent="0" algn="l" fontAlgn="base">
+              <a:buNone/>
+            </a:pPr>
+            <a:r>
+              <a:rPr lang="en-US" i="0" dirty="0">
+                <a:effectLst/>
+                <a:latin typeface="Inter"/>
+              </a:rPr>
+              <a:t>How many songs from Japan or South Korea reaches Top 20 in US, Canada or Mexico?</a:t>
+            </a:r>
+            <a:endParaRPr lang="en-US" sz="2800" i="1" dirty="0">
+              <a:effectLst/>
+              <a:latin typeface="Inter"/>
+            </a:endParaRPr>
+          </a:p>
+        </p:txBody>
+      </p:sp>
+    </p:spTree>
+    <p:extLst>
+      <p:ext uri="{BB962C8B-B14F-4D97-AF65-F5344CB8AC3E}">
+        <p14:creationId xmlns:p14="http://schemas.microsoft.com/office/powerpoint/2010/main" val="2355192247"/>
+      </p:ext>
+    </p:extLst>
+  </p:cSld>
+  <p:clrMapOvr>
+    <a:masterClrMapping/>
+  </p:clrMapOvr>
+</p:sld>
+</file>
+
+<file path=ppt/slides/slide18.xml><?xml version="1.0" encoding="utf-8"?>
+<p:sld xmlns:a="http://schemas.openxmlformats.org/drawingml/2006/main" xmlns:r="http://schemas.openxmlformats.org/officeDocument/2006/relationships" xmlns:p="http://schemas.openxmlformats.org/presentationml/2006/main">
+  <p:cSld>
+    <p:spTree>
+      <p:nvGrpSpPr>
+        <p:cNvPr id="1" name=""/>
+        <p:cNvGrpSpPr/>
+        <p:nvPr/>
+      </p:nvGrpSpPr>
+      <p:grpSpPr>
+        <a:xfrm>
+          <a:off x="0" y="0"/>
+          <a:ext cx="0" cy="0"/>
+          <a:chOff x="0" y="0"/>
+          <a:chExt cx="0" cy="0"/>
+        </a:xfrm>
+      </p:grpSpPr>
+      <p:sp>
+        <p:nvSpPr>
+          <p:cNvPr id="4" name="Titolo 3">
+            <a:extLst>
+              <a:ext uri="{FF2B5EF4-FFF2-40B4-BE49-F238E27FC236}">
+                <a16:creationId xmlns:a16="http://schemas.microsoft.com/office/drawing/2014/main" id="{A32BADA9-D1E4-4A68-A522-AE21B0D0BA03}"/>
+              </a:ext>
+            </a:extLst>
+          </p:cNvPr>
+          <p:cNvSpPr>
+            <a:spLocks noGrp="1"/>
+          </p:cNvSpPr>
+          <p:nvPr>
+            <p:ph type="title"/>
+          </p:nvPr>
+        </p:nvSpPr>
+        <p:spPr>
+          <a:xfrm>
+            <a:off x="914400" y="1079770"/>
+            <a:ext cx="5181600" cy="749030"/>
+          </a:xfrm>
+        </p:spPr>
+        <p:txBody>
+          <a:bodyPr>
+            <a:normAutofit/>
+          </a:bodyPr>
+          <a:lstStyle/>
+          <a:p>
+            <a:r>
+              <a:rPr lang="it-IT" sz="3600" b="1" dirty="0"/>
+              <a:t>Query 10</a:t>
+            </a:r>
+          </a:p>
+        </p:txBody>
+      </p:sp>
+      <p:sp>
+        <p:nvSpPr>
+          <p:cNvPr id="5" name="Segnaposto contenuto 4">
+            <a:extLst>
+              <a:ext uri="{FF2B5EF4-FFF2-40B4-BE49-F238E27FC236}">
+                <a16:creationId xmlns:a16="http://schemas.microsoft.com/office/drawing/2014/main" id="{0822A188-4351-443E-9A73-0BDAAB88A97A}"/>
+              </a:ext>
+            </a:extLst>
+          </p:cNvPr>
+          <p:cNvSpPr>
+            <a:spLocks noGrp="1"/>
+          </p:cNvSpPr>
+          <p:nvPr>
+            <p:ph idx="1"/>
+          </p:nvPr>
+        </p:nvSpPr>
+        <p:spPr>
+          <a:xfrm>
+            <a:off x="914400" y="1654309"/>
+            <a:ext cx="10106025" cy="428625"/>
+          </a:xfrm>
+        </p:spPr>
+        <p:txBody>
+          <a:bodyPr>
+            <a:noAutofit/>
+          </a:bodyPr>
+          <a:lstStyle/>
+          <a:p>
+            <a:pPr marL="0" indent="0" algn="l" fontAlgn="base">
+              <a:buNone/>
+            </a:pPr>
+            <a:r>
+              <a:rPr lang="en-US" i="0" dirty="0">
+                <a:effectLst/>
+                <a:latin typeface="Inter"/>
+              </a:rPr>
+              <a:t>Show the 30 albums with the highest number of tracks present in Top 30 at the same time, showing also how many tracks are contained in the album</a:t>
+            </a:r>
+            <a:endParaRPr lang="en-US" i="1" dirty="0">
+              <a:effectLst/>
+              <a:latin typeface="Inter"/>
+            </a:endParaRPr>
+          </a:p>
+        </p:txBody>
+      </p:sp>
+    </p:spTree>
+    <p:extLst>
+      <p:ext uri="{BB962C8B-B14F-4D97-AF65-F5344CB8AC3E}">
+        <p14:creationId xmlns:p14="http://schemas.microsoft.com/office/powerpoint/2010/main" val="2620450647"/>
+      </p:ext>
+    </p:extLst>
+  </p:cSld>
+  <p:clrMapOvr>
+    <a:masterClrMapping/>
+  </p:clrMapOvr>
+</p:sld>
+</file>
+
+<file path=ppt/slides/slide19.xml><?xml version="1.0" encoding="utf-8"?>
+<p:sld xmlns:a="http://schemas.openxmlformats.org/drawingml/2006/main" xmlns:r="http://schemas.openxmlformats.org/officeDocument/2006/relationships" xmlns:p="http://schemas.openxmlformats.org/presentationml/2006/main">
+  <p:cSld>
+    <p:spTree>
+      <p:nvGrpSpPr>
+        <p:cNvPr id="1" name=""/>
+        <p:cNvGrpSpPr/>
+        <p:nvPr/>
+      </p:nvGrpSpPr>
+      <p:grpSpPr>
+        <a:xfrm>
+          <a:off x="0" y="0"/>
+          <a:ext cx="0" cy="0"/>
+          <a:chOff x="0" y="0"/>
+          <a:chExt cx="0" cy="0"/>
+        </a:xfrm>
+      </p:grpSpPr>
+      <p:sp>
+        <p:nvSpPr>
+          <p:cNvPr id="4" name="Titolo 3">
+            <a:extLst>
+              <a:ext uri="{FF2B5EF4-FFF2-40B4-BE49-F238E27FC236}">
+                <a16:creationId xmlns:a16="http://schemas.microsoft.com/office/drawing/2014/main" id="{A32BADA9-D1E4-4A68-A522-AE21B0D0BA03}"/>
+              </a:ext>
+            </a:extLst>
+          </p:cNvPr>
+          <p:cNvSpPr>
+            <a:spLocks noGrp="1"/>
+          </p:cNvSpPr>
+          <p:nvPr>
+            <p:ph type="title"/>
+          </p:nvPr>
+        </p:nvSpPr>
+        <p:spPr>
+          <a:xfrm>
+            <a:off x="914400" y="1079770"/>
+            <a:ext cx="5181600" cy="749030"/>
+          </a:xfrm>
+        </p:spPr>
+        <p:txBody>
+          <a:bodyPr>
+            <a:normAutofit/>
+          </a:bodyPr>
+          <a:lstStyle/>
+          <a:p>
+            <a:r>
+              <a:rPr lang="it-IT" sz="3600" b="1" dirty="0"/>
+              <a:t>Conclusions</a:t>
+            </a:r>
+          </a:p>
+        </p:txBody>
+      </p:sp>
+    </p:spTree>
+    <p:extLst>
+      <p:ext uri="{BB962C8B-B14F-4D97-AF65-F5344CB8AC3E}">
+        <p14:creationId xmlns:p14="http://schemas.microsoft.com/office/powerpoint/2010/main" val="455674377"/>
       </p:ext>
     </p:extLst>
   </p:cSld>
@@ -18192,6 +19108,72 @@
     <p:extLst>
       <p:ext uri="{BB962C8B-B14F-4D97-AF65-F5344CB8AC3E}">
         <p14:creationId xmlns:p14="http://schemas.microsoft.com/office/powerpoint/2010/main" val="4216747870"/>
+      </p:ext>
+    </p:extLst>
+  </p:cSld>
+  <p:clrMapOvr>
+    <a:masterClrMapping/>
+  </p:clrMapOvr>
+</p:sld>
+</file>
+
+<file path=ppt/slides/slide20.xml><?xml version="1.0" encoding="utf-8"?>
+<p:sld xmlns:a="http://schemas.openxmlformats.org/drawingml/2006/main" xmlns:r="http://schemas.openxmlformats.org/officeDocument/2006/relationships" xmlns:p="http://schemas.openxmlformats.org/presentationml/2006/main" showMasterSp="0">
+  <p:cSld>
+    <p:spTree>
+      <p:nvGrpSpPr>
+        <p:cNvPr id="1" name=""/>
+        <p:cNvGrpSpPr/>
+        <p:nvPr/>
+      </p:nvGrpSpPr>
+      <p:grpSpPr>
+        <a:xfrm>
+          <a:off x="0" y="0"/>
+          <a:ext cx="0" cy="0"/>
+          <a:chOff x="0" y="0"/>
+          <a:chExt cx="0" cy="0"/>
+        </a:xfrm>
+      </p:grpSpPr>
+      <p:sp>
+        <p:nvSpPr>
+          <p:cNvPr id="8" name="Titolo 7">
+            <a:extLst>
+              <a:ext uri="{FF2B5EF4-FFF2-40B4-BE49-F238E27FC236}">
+                <a16:creationId xmlns:a16="http://schemas.microsoft.com/office/drawing/2014/main" id="{8FB9DBF7-9D3D-4660-9F0F-06EC0DF6EE2A}"/>
+              </a:ext>
+            </a:extLst>
+          </p:cNvPr>
+          <p:cNvSpPr>
+            <a:spLocks noGrp="1"/>
+          </p:cNvSpPr>
+          <p:nvPr>
+            <p:ph type="title"/>
+          </p:nvPr>
+        </p:nvSpPr>
+        <p:spPr>
+          <a:xfrm>
+            <a:off x="2615727" y="2886076"/>
+            <a:ext cx="6960545" cy="1085847"/>
+          </a:xfrm>
+        </p:spPr>
+        <p:txBody>
+          <a:bodyPr>
+            <a:normAutofit/>
+          </a:bodyPr>
+          <a:lstStyle/>
+          <a:p>
+            <a:pPr algn="ctr"/>
+            <a:r>
+              <a:rPr lang="it-IT" sz="4400" dirty="0"/>
+              <a:t>Thank you for the attention</a:t>
+            </a:r>
+          </a:p>
+        </p:txBody>
+      </p:sp>
+    </p:spTree>
+    <p:extLst>
+      <p:ext uri="{BB962C8B-B14F-4D97-AF65-F5344CB8AC3E}">
+        <p14:creationId xmlns:p14="http://schemas.microsoft.com/office/powerpoint/2010/main" val="2105298116"/>
       </p:ext>
     </p:extLst>
   </p:cSld>

--- a/Spotify_Presentation.pptx
+++ b/Spotify_Presentation.pptx
@@ -17,14 +17,16 @@
     <p:sldId id="268" r:id="rId11"/>
     <p:sldId id="269" r:id="rId12"/>
     <p:sldId id="270" r:id="rId13"/>
-    <p:sldId id="271" r:id="rId14"/>
-    <p:sldId id="272" r:id="rId15"/>
-    <p:sldId id="273" r:id="rId16"/>
-    <p:sldId id="274" r:id="rId17"/>
-    <p:sldId id="275" r:id="rId18"/>
-    <p:sldId id="276" r:id="rId19"/>
-    <p:sldId id="278" r:id="rId20"/>
-    <p:sldId id="277" r:id="rId21"/>
+    <p:sldId id="279" r:id="rId14"/>
+    <p:sldId id="280" r:id="rId15"/>
+    <p:sldId id="271" r:id="rId16"/>
+    <p:sldId id="272" r:id="rId17"/>
+    <p:sldId id="273" r:id="rId18"/>
+    <p:sldId id="274" r:id="rId19"/>
+    <p:sldId id="275" r:id="rId20"/>
+    <p:sldId id="276" r:id="rId21"/>
+    <p:sldId id="278" r:id="rId22"/>
+    <p:sldId id="277" r:id="rId23"/>
   </p:sldIdLst>
   <p:sldSz cx="12192000" cy="6858000"/>
   <p:notesSz cx="6858000" cy="9144000"/>
@@ -13848,7 +13850,7 @@
           <a:p>
             <a:fld id="{D50BBD0C-4BCE-4185-AC12-129457AD71B1}" type="datetimeFigureOut">
               <a:rPr lang="it-IT" smtClean="0"/>
-              <a:t>21/11/2021</a:t>
+              <a:t>22/11/2021</a:t>
             </a:fld>
             <a:endParaRPr lang="it-IT"/>
           </a:p>
@@ -14048,7 +14050,7 @@
           <a:p>
             <a:fld id="{D50BBD0C-4BCE-4185-AC12-129457AD71B1}" type="datetimeFigureOut">
               <a:rPr lang="it-IT" smtClean="0"/>
-              <a:t>21/11/2021</a:t>
+              <a:t>22/11/2021</a:t>
             </a:fld>
             <a:endParaRPr lang="it-IT"/>
           </a:p>
@@ -14258,7 +14260,7 @@
           <a:p>
             <a:fld id="{D50BBD0C-4BCE-4185-AC12-129457AD71B1}" type="datetimeFigureOut">
               <a:rPr lang="it-IT" smtClean="0"/>
-              <a:t>21/11/2021</a:t>
+              <a:t>22/11/2021</a:t>
             </a:fld>
             <a:endParaRPr lang="it-IT"/>
           </a:p>
@@ -14458,7 +14460,7 @@
           <a:p>
             <a:fld id="{D50BBD0C-4BCE-4185-AC12-129457AD71B1}" type="datetimeFigureOut">
               <a:rPr lang="it-IT" smtClean="0"/>
-              <a:t>21/11/2021</a:t>
+              <a:t>22/11/2021</a:t>
             </a:fld>
             <a:endParaRPr lang="it-IT"/>
           </a:p>
@@ -14738,7 +14740,7 @@
           <a:p>
             <a:fld id="{D50BBD0C-4BCE-4185-AC12-129457AD71B1}" type="datetimeFigureOut">
               <a:rPr lang="it-IT" smtClean="0"/>
-              <a:t>21/11/2021</a:t>
+              <a:t>22/11/2021</a:t>
             </a:fld>
             <a:endParaRPr lang="it-IT"/>
           </a:p>
@@ -15006,7 +15008,7 @@
           <a:p>
             <a:fld id="{D50BBD0C-4BCE-4185-AC12-129457AD71B1}" type="datetimeFigureOut">
               <a:rPr lang="it-IT" smtClean="0"/>
-              <a:t>21/11/2021</a:t>
+              <a:t>22/11/2021</a:t>
             </a:fld>
             <a:endParaRPr lang="it-IT"/>
           </a:p>
@@ -15425,7 +15427,7 @@
           <a:p>
             <a:fld id="{D50BBD0C-4BCE-4185-AC12-129457AD71B1}" type="datetimeFigureOut">
               <a:rPr lang="it-IT" smtClean="0"/>
-              <a:t>21/11/2021</a:t>
+              <a:t>22/11/2021</a:t>
             </a:fld>
             <a:endParaRPr lang="it-IT"/>
           </a:p>
@@ -15567,7 +15569,7 @@
           <a:p>
             <a:fld id="{D50BBD0C-4BCE-4185-AC12-129457AD71B1}" type="datetimeFigureOut">
               <a:rPr lang="it-IT" smtClean="0"/>
-              <a:t>21/11/2021</a:t>
+              <a:t>22/11/2021</a:t>
             </a:fld>
             <a:endParaRPr lang="it-IT"/>
           </a:p>
@@ -15680,7 +15682,7 @@
           <a:p>
             <a:fld id="{D50BBD0C-4BCE-4185-AC12-129457AD71B1}" type="datetimeFigureOut">
               <a:rPr lang="it-IT" smtClean="0"/>
-              <a:t>21/11/2021</a:t>
+              <a:t>22/11/2021</a:t>
             </a:fld>
             <a:endParaRPr lang="it-IT"/>
           </a:p>
@@ -15995,7 +15997,7 @@
           <a:p>
             <a:fld id="{D50BBD0C-4BCE-4185-AC12-129457AD71B1}" type="datetimeFigureOut">
               <a:rPr lang="it-IT" smtClean="0"/>
-              <a:t>21/11/2021</a:t>
+              <a:t>22/11/2021</a:t>
             </a:fld>
             <a:endParaRPr lang="it-IT"/>
           </a:p>
@@ -16288,7 +16290,7 @@
           <a:p>
             <a:fld id="{D50BBD0C-4BCE-4185-AC12-129457AD71B1}" type="datetimeFigureOut">
               <a:rPr lang="it-IT" smtClean="0"/>
-              <a:t>21/11/2021</a:t>
+              <a:t>22/11/2021</a:t>
             </a:fld>
             <a:endParaRPr lang="it-IT"/>
           </a:p>
@@ -16529,7 +16531,7 @@
           <a:p>
             <a:fld id="{D50BBD0C-4BCE-4185-AC12-129457AD71B1}" type="datetimeFigureOut">
               <a:rPr lang="it-IT" smtClean="0"/>
-              <a:t>21/11/2021</a:t>
+              <a:t>22/11/2021</a:t>
             </a:fld>
             <a:endParaRPr lang="it-IT"/>
           </a:p>
@@ -17977,6 +17979,508 @@
           <a:p>
             <a:r>
               <a:rPr lang="it-IT" sz="3600" b="1" dirty="0"/>
+              <a:t>Query 4</a:t>
+            </a:r>
+          </a:p>
+        </p:txBody>
+      </p:sp>
+      <p:sp>
+        <p:nvSpPr>
+          <p:cNvPr id="5" name="Segnaposto contenuto 4">
+            <a:extLst>
+              <a:ext uri="{FF2B5EF4-FFF2-40B4-BE49-F238E27FC236}">
+                <a16:creationId xmlns:a16="http://schemas.microsoft.com/office/drawing/2014/main" id="{0822A188-4351-443E-9A73-0BDAAB88A97A}"/>
+              </a:ext>
+            </a:extLst>
+          </p:cNvPr>
+          <p:cNvSpPr>
+            <a:spLocks noGrp="1"/>
+          </p:cNvSpPr>
+          <p:nvPr>
+            <p:ph idx="1"/>
+          </p:nvPr>
+        </p:nvSpPr>
+        <p:spPr>
+          <a:xfrm>
+            <a:off x="914400" y="1654309"/>
+            <a:ext cx="10106025" cy="428625"/>
+          </a:xfrm>
+        </p:spPr>
+        <p:txBody>
+          <a:bodyPr>
+            <a:normAutofit lnSpcReduction="10000"/>
+          </a:bodyPr>
+          <a:lstStyle/>
+          <a:p>
+            <a:pPr marL="0" indent="0" algn="l" fontAlgn="base">
+              <a:buNone/>
+            </a:pPr>
+            <a:r>
+              <a:rPr lang="en-US" i="0" dirty="0">
+                <a:effectLst/>
+                <a:latin typeface="Inter"/>
+              </a:rPr>
+              <a:t>In 2019 there was more distinct singles in top 100 Argentina or top 100 Italy?</a:t>
+            </a:r>
+            <a:endParaRPr lang="en-US" sz="2800" i="1" dirty="0">
+              <a:effectLst/>
+              <a:latin typeface="Inter"/>
+            </a:endParaRPr>
+          </a:p>
+        </p:txBody>
+      </p:sp>
+      <p:pic>
+        <p:nvPicPr>
+          <p:cNvPr id="3" name="Immagine 2">
+            <a:extLst>
+              <a:ext uri="{FF2B5EF4-FFF2-40B4-BE49-F238E27FC236}">
+                <a16:creationId xmlns:a16="http://schemas.microsoft.com/office/drawing/2014/main" id="{853B2E31-06B7-4638-B100-4D7615DB64DC}"/>
+              </a:ext>
+            </a:extLst>
+          </p:cNvPr>
+          <p:cNvPicPr>
+            <a:picLocks noChangeAspect="1"/>
+          </p:cNvPicPr>
+          <p:nvPr/>
+        </p:nvPicPr>
+        <p:blipFill>
+          <a:blip r:embed="rId2"/>
+          <a:stretch>
+            <a:fillRect/>
+          </a:stretch>
+        </p:blipFill>
+        <p:spPr>
+          <a:xfrm>
+            <a:off x="1894169" y="2403339"/>
+            <a:ext cx="8146486" cy="1554615"/>
+          </a:xfrm>
+          <a:prstGeom prst="rect">
+            <a:avLst/>
+          </a:prstGeom>
+        </p:spPr>
+      </p:pic>
+    </p:spTree>
+    <p:extLst>
+      <p:ext uri="{BB962C8B-B14F-4D97-AF65-F5344CB8AC3E}">
+        <p14:creationId xmlns:p14="http://schemas.microsoft.com/office/powerpoint/2010/main" val="3705705473"/>
+      </p:ext>
+    </p:extLst>
+  </p:cSld>
+  <p:clrMapOvr>
+    <a:masterClrMapping/>
+  </p:clrMapOvr>
+</p:sld>
+</file>
+
+<file path=ppt/slides/slide14.xml><?xml version="1.0" encoding="utf-8"?>
+<p:sld xmlns:a="http://schemas.openxmlformats.org/drawingml/2006/main" xmlns:r="http://schemas.openxmlformats.org/officeDocument/2006/relationships" xmlns:p="http://schemas.openxmlformats.org/presentationml/2006/main">
+  <p:cSld>
+    <p:spTree>
+      <p:nvGrpSpPr>
+        <p:cNvPr id="1" name=""/>
+        <p:cNvGrpSpPr/>
+        <p:nvPr/>
+      </p:nvGrpSpPr>
+      <p:grpSpPr>
+        <a:xfrm>
+          <a:off x="0" y="0"/>
+          <a:ext cx="0" cy="0"/>
+          <a:chOff x="0" y="0"/>
+          <a:chExt cx="0" cy="0"/>
+        </a:xfrm>
+      </p:grpSpPr>
+      <p:sp>
+        <p:nvSpPr>
+          <p:cNvPr id="4" name="Titolo 3">
+            <a:extLst>
+              <a:ext uri="{FF2B5EF4-FFF2-40B4-BE49-F238E27FC236}">
+                <a16:creationId xmlns:a16="http://schemas.microsoft.com/office/drawing/2014/main" id="{A32BADA9-D1E4-4A68-A522-AE21B0D0BA03}"/>
+              </a:ext>
+            </a:extLst>
+          </p:cNvPr>
+          <p:cNvSpPr>
+            <a:spLocks noGrp="1"/>
+          </p:cNvSpPr>
+          <p:nvPr>
+            <p:ph type="title"/>
+          </p:nvPr>
+        </p:nvSpPr>
+        <p:spPr>
+          <a:xfrm>
+            <a:off x="914400" y="1079770"/>
+            <a:ext cx="5181600" cy="749030"/>
+          </a:xfrm>
+        </p:spPr>
+        <p:txBody>
+          <a:bodyPr>
+            <a:normAutofit/>
+          </a:bodyPr>
+          <a:lstStyle/>
+          <a:p>
+            <a:r>
+              <a:rPr lang="it-IT" sz="3600" b="1" dirty="0"/>
+              <a:t>Query 4</a:t>
+            </a:r>
+          </a:p>
+        </p:txBody>
+      </p:sp>
+      <p:sp>
+        <p:nvSpPr>
+          <p:cNvPr id="5" name="Segnaposto contenuto 4">
+            <a:extLst>
+              <a:ext uri="{FF2B5EF4-FFF2-40B4-BE49-F238E27FC236}">
+                <a16:creationId xmlns:a16="http://schemas.microsoft.com/office/drawing/2014/main" id="{0822A188-4351-443E-9A73-0BDAAB88A97A}"/>
+              </a:ext>
+            </a:extLst>
+          </p:cNvPr>
+          <p:cNvSpPr>
+            <a:spLocks noGrp="1"/>
+          </p:cNvSpPr>
+          <p:nvPr>
+            <p:ph idx="1"/>
+          </p:nvPr>
+        </p:nvSpPr>
+        <p:spPr>
+          <a:xfrm>
+            <a:off x="914400" y="1654309"/>
+            <a:ext cx="10106025" cy="428625"/>
+          </a:xfrm>
+        </p:spPr>
+        <p:txBody>
+          <a:bodyPr>
+            <a:normAutofit lnSpcReduction="10000"/>
+          </a:bodyPr>
+          <a:lstStyle/>
+          <a:p>
+            <a:pPr marL="0" indent="0" algn="l" fontAlgn="base">
+              <a:buNone/>
+            </a:pPr>
+            <a:r>
+              <a:rPr lang="en-US" i="0" dirty="0">
+                <a:effectLst/>
+                <a:latin typeface="Inter"/>
+              </a:rPr>
+              <a:t>In 2019 there was more distinct singles in top 100 Argentina or top 100 Italy?</a:t>
+            </a:r>
+            <a:endParaRPr lang="en-US" sz="2800" i="1" dirty="0">
+              <a:effectLst/>
+              <a:latin typeface="Inter"/>
+            </a:endParaRPr>
+          </a:p>
+        </p:txBody>
+      </p:sp>
+      <p:pic>
+        <p:nvPicPr>
+          <p:cNvPr id="3" name="Immagine 2">
+            <a:extLst>
+              <a:ext uri="{FF2B5EF4-FFF2-40B4-BE49-F238E27FC236}">
+                <a16:creationId xmlns:a16="http://schemas.microsoft.com/office/drawing/2014/main" id="{853B2E31-06B7-4638-B100-4D7615DB64DC}"/>
+              </a:ext>
+            </a:extLst>
+          </p:cNvPr>
+          <p:cNvPicPr>
+            <a:picLocks noChangeAspect="1"/>
+          </p:cNvPicPr>
+          <p:nvPr/>
+        </p:nvPicPr>
+        <p:blipFill>
+          <a:blip r:embed="rId2"/>
+          <a:stretch>
+            <a:fillRect/>
+          </a:stretch>
+        </p:blipFill>
+        <p:spPr>
+          <a:xfrm>
+            <a:off x="1894169" y="2403339"/>
+            <a:ext cx="8146486" cy="1554615"/>
+          </a:xfrm>
+          <a:prstGeom prst="rect">
+            <a:avLst/>
+          </a:prstGeom>
+        </p:spPr>
+      </p:pic>
+      <p:sp>
+        <p:nvSpPr>
+          <p:cNvPr id="6" name="Segnaposto contenuto 4">
+            <a:extLst>
+              <a:ext uri="{FF2B5EF4-FFF2-40B4-BE49-F238E27FC236}">
+                <a16:creationId xmlns:a16="http://schemas.microsoft.com/office/drawing/2014/main" id="{1BA0C8C3-2817-4236-B342-74704E9FBDB3}"/>
+              </a:ext>
+            </a:extLst>
+          </p:cNvPr>
+          <p:cNvSpPr txBox="1">
+            <a:spLocks/>
+          </p:cNvSpPr>
+          <p:nvPr/>
+        </p:nvSpPr>
+        <p:spPr>
+          <a:xfrm>
+            <a:off x="1894170" y="4207009"/>
+            <a:ext cx="8146486" cy="1831841"/>
+          </a:xfrm>
+          <a:prstGeom prst="rect">
+            <a:avLst/>
+          </a:prstGeom>
+        </p:spPr>
+        <p:txBody>
+          <a:bodyPr vert="horz" lIns="91440" tIns="45720" rIns="91440" bIns="45720" rtlCol="0">
+            <a:normAutofit/>
+          </a:bodyPr>
+          <a:lstStyle>
+            <a:lvl1pPr marL="228600" indent="-228600" algn="l" defTabSz="914400" rtl="0" eaLnBrk="1" latinLnBrk="0" hangingPunct="1">
+              <a:lnSpc>
+                <a:spcPct val="120000"/>
+              </a:lnSpc>
+              <a:spcBef>
+                <a:spcPts val="1000"/>
+              </a:spcBef>
+              <a:buSzPct val="87000"/>
+              <a:buFont typeface="Arial" panose="020B0604020202020204" pitchFamily="34" charset="0"/>
+              <a:buChar char="•"/>
+              <a:defRPr sz="2000" kern="1200">
+                <a:solidFill>
+                  <a:schemeClr val="tx1"/>
+                </a:solidFill>
+                <a:latin typeface="+mn-lt"/>
+                <a:ea typeface="+mn-ea"/>
+                <a:cs typeface="+mn-cs"/>
+              </a:defRPr>
+            </a:lvl1pPr>
+            <a:lvl2pPr marL="274320" indent="0" algn="l" defTabSz="914400" rtl="0" eaLnBrk="1" latinLnBrk="0" hangingPunct="1">
+              <a:lnSpc>
+                <a:spcPct val="120000"/>
+              </a:lnSpc>
+              <a:spcBef>
+                <a:spcPts val="500"/>
+              </a:spcBef>
+              <a:buSzPct val="87000"/>
+              <a:buFontTx/>
+              <a:buNone/>
+              <a:defRPr sz="1800" kern="1200">
+                <a:solidFill>
+                  <a:schemeClr val="tx1"/>
+                </a:solidFill>
+                <a:latin typeface="+mn-lt"/>
+                <a:ea typeface="+mn-ea"/>
+                <a:cs typeface="+mn-cs"/>
+              </a:defRPr>
+            </a:lvl2pPr>
+            <a:lvl3pPr marL="548640" indent="-228600" algn="l" defTabSz="914400" rtl="0" eaLnBrk="1" latinLnBrk="0" hangingPunct="1">
+              <a:lnSpc>
+                <a:spcPct val="120000"/>
+              </a:lnSpc>
+              <a:spcBef>
+                <a:spcPts val="500"/>
+              </a:spcBef>
+              <a:buSzPct val="87000"/>
+              <a:buFont typeface="Arial" panose="020B0604020202020204" pitchFamily="34" charset="0"/>
+              <a:buChar char="•"/>
+              <a:defRPr sz="1600" kern="1200">
+                <a:solidFill>
+                  <a:schemeClr val="tx1"/>
+                </a:solidFill>
+                <a:latin typeface="+mn-lt"/>
+                <a:ea typeface="+mn-ea"/>
+                <a:cs typeface="+mn-cs"/>
+              </a:defRPr>
+            </a:lvl3pPr>
+            <a:lvl4pPr marL="594360" indent="0" algn="l" defTabSz="914400" rtl="0" eaLnBrk="1" latinLnBrk="0" hangingPunct="1">
+              <a:lnSpc>
+                <a:spcPct val="120000"/>
+              </a:lnSpc>
+              <a:spcBef>
+                <a:spcPts val="500"/>
+              </a:spcBef>
+              <a:buSzPct val="87000"/>
+              <a:buFontTx/>
+              <a:buNone/>
+              <a:defRPr sz="1400" kern="1200">
+                <a:solidFill>
+                  <a:schemeClr val="tx1"/>
+                </a:solidFill>
+                <a:latin typeface="+mn-lt"/>
+                <a:ea typeface="+mn-ea"/>
+                <a:cs typeface="+mn-cs"/>
+              </a:defRPr>
+            </a:lvl4pPr>
+            <a:lvl5pPr marL="822960" indent="-228600" algn="l" defTabSz="914400" rtl="0" eaLnBrk="1" latinLnBrk="0" hangingPunct="1">
+              <a:lnSpc>
+                <a:spcPct val="120000"/>
+              </a:lnSpc>
+              <a:spcBef>
+                <a:spcPts val="500"/>
+              </a:spcBef>
+              <a:buSzPct val="87000"/>
+              <a:buFont typeface="Arial" panose="020B0604020202020204" pitchFamily="34" charset="0"/>
+              <a:buChar char="•"/>
+              <a:defRPr sz="1400" kern="1200">
+                <a:solidFill>
+                  <a:schemeClr val="tx1"/>
+                </a:solidFill>
+                <a:latin typeface="+mn-lt"/>
+                <a:ea typeface="+mn-ea"/>
+                <a:cs typeface="+mn-cs"/>
+              </a:defRPr>
+            </a:lvl5pPr>
+            <a:lvl6pPr marL="2514600" indent="-228600" algn="l" defTabSz="914400" rtl="0" eaLnBrk="1" latinLnBrk="0" hangingPunct="1">
+              <a:lnSpc>
+                <a:spcPct val="90000"/>
+              </a:lnSpc>
+              <a:spcBef>
+                <a:spcPts val="500"/>
+              </a:spcBef>
+              <a:buFont typeface="Arial" panose="020B0604020202020204" pitchFamily="34" charset="0"/>
+              <a:buChar char="•"/>
+              <a:defRPr sz="1800" kern="1200">
+                <a:solidFill>
+                  <a:schemeClr val="tx1"/>
+                </a:solidFill>
+                <a:latin typeface="+mn-lt"/>
+                <a:ea typeface="+mn-ea"/>
+                <a:cs typeface="+mn-cs"/>
+              </a:defRPr>
+            </a:lvl6pPr>
+            <a:lvl7pPr marL="2971800" indent="-228600" algn="l" defTabSz="914400" rtl="0" eaLnBrk="1" latinLnBrk="0" hangingPunct="1">
+              <a:lnSpc>
+                <a:spcPct val="90000"/>
+              </a:lnSpc>
+              <a:spcBef>
+                <a:spcPts val="500"/>
+              </a:spcBef>
+              <a:buFont typeface="Arial" panose="020B0604020202020204" pitchFamily="34" charset="0"/>
+              <a:buChar char="•"/>
+              <a:defRPr sz="1800" kern="1200">
+                <a:solidFill>
+                  <a:schemeClr val="tx1"/>
+                </a:solidFill>
+                <a:latin typeface="+mn-lt"/>
+                <a:ea typeface="+mn-ea"/>
+                <a:cs typeface="+mn-cs"/>
+              </a:defRPr>
+            </a:lvl7pPr>
+            <a:lvl8pPr marL="3429000" indent="-228600" algn="l" defTabSz="914400" rtl="0" eaLnBrk="1" latinLnBrk="0" hangingPunct="1">
+              <a:lnSpc>
+                <a:spcPct val="90000"/>
+              </a:lnSpc>
+              <a:spcBef>
+                <a:spcPts val="500"/>
+              </a:spcBef>
+              <a:buFont typeface="Arial" panose="020B0604020202020204" pitchFamily="34" charset="0"/>
+              <a:buChar char="•"/>
+              <a:defRPr sz="1800" kern="1200">
+                <a:solidFill>
+                  <a:schemeClr val="tx1"/>
+                </a:solidFill>
+                <a:latin typeface="+mn-lt"/>
+                <a:ea typeface="+mn-ea"/>
+                <a:cs typeface="+mn-cs"/>
+              </a:defRPr>
+            </a:lvl8pPr>
+            <a:lvl9pPr marL="3886200" indent="-228600" algn="l" defTabSz="914400" rtl="0" eaLnBrk="1" latinLnBrk="0" hangingPunct="1">
+              <a:lnSpc>
+                <a:spcPct val="90000"/>
+              </a:lnSpc>
+              <a:spcBef>
+                <a:spcPts val="500"/>
+              </a:spcBef>
+              <a:buFont typeface="Arial" panose="020B0604020202020204" pitchFamily="34" charset="0"/>
+              <a:buChar char="•"/>
+              <a:defRPr sz="1800" kern="1200">
+                <a:solidFill>
+                  <a:schemeClr val="tx1"/>
+                </a:solidFill>
+                <a:latin typeface="+mn-lt"/>
+                <a:ea typeface="+mn-ea"/>
+                <a:cs typeface="+mn-cs"/>
+              </a:defRPr>
+            </a:lvl9pPr>
+          </a:lstStyle>
+          <a:p>
+            <a:pPr fontAlgn="base">
+              <a:buFont typeface="Wingdings" panose="05000000000000000000" pitchFamily="2" charset="2"/>
+              <a:buChar char="q"/>
+            </a:pPr>
+            <a:r>
+              <a:rPr lang="en-US" sz="2800" dirty="0">
+                <a:latin typeface="Inter"/>
+              </a:rPr>
+              <a:t> Argentina : 302 singles</a:t>
+            </a:r>
+          </a:p>
+          <a:p>
+            <a:pPr fontAlgn="base">
+              <a:buFont typeface="Wingdings" panose="05000000000000000000" pitchFamily="2" charset="2"/>
+              <a:buChar char="q"/>
+            </a:pPr>
+            <a:r>
+              <a:rPr lang="en-US" sz="2800" i="1" dirty="0">
+                <a:latin typeface="Inter"/>
+              </a:rPr>
+              <a:t> Italy : 272 singles</a:t>
+            </a:r>
+          </a:p>
+        </p:txBody>
+      </p:sp>
+    </p:spTree>
+    <p:extLst>
+      <p:ext uri="{BB962C8B-B14F-4D97-AF65-F5344CB8AC3E}">
+        <p14:creationId xmlns:p14="http://schemas.microsoft.com/office/powerpoint/2010/main" val="4266519328"/>
+      </p:ext>
+    </p:extLst>
+  </p:cSld>
+  <p:clrMapOvr>
+    <a:masterClrMapping/>
+  </p:clrMapOvr>
+</p:sld>
+</file>
+
+<file path=ppt/slides/slide15.xml><?xml version="1.0" encoding="utf-8"?>
+<p:sld xmlns:a="http://schemas.openxmlformats.org/drawingml/2006/main" xmlns:r="http://schemas.openxmlformats.org/officeDocument/2006/relationships" xmlns:p="http://schemas.openxmlformats.org/presentationml/2006/main">
+  <p:cSld>
+    <p:spTree>
+      <p:nvGrpSpPr>
+        <p:cNvPr id="1" name=""/>
+        <p:cNvGrpSpPr/>
+        <p:nvPr/>
+      </p:nvGrpSpPr>
+      <p:grpSpPr>
+        <a:xfrm>
+          <a:off x="0" y="0"/>
+          <a:ext cx="0" cy="0"/>
+          <a:chOff x="0" y="0"/>
+          <a:chExt cx="0" cy="0"/>
+        </a:xfrm>
+      </p:grpSpPr>
+      <p:sp>
+        <p:nvSpPr>
+          <p:cNvPr id="4" name="Titolo 3">
+            <a:extLst>
+              <a:ext uri="{FF2B5EF4-FFF2-40B4-BE49-F238E27FC236}">
+                <a16:creationId xmlns:a16="http://schemas.microsoft.com/office/drawing/2014/main" id="{A32BADA9-D1E4-4A68-A522-AE21B0D0BA03}"/>
+              </a:ext>
+            </a:extLst>
+          </p:cNvPr>
+          <p:cNvSpPr>
+            <a:spLocks noGrp="1"/>
+          </p:cNvSpPr>
+          <p:nvPr>
+            <p:ph type="title"/>
+          </p:nvPr>
+        </p:nvSpPr>
+        <p:spPr>
+          <a:xfrm>
+            <a:off x="914400" y="1079770"/>
+            <a:ext cx="5181600" cy="749030"/>
+          </a:xfrm>
+        </p:spPr>
+        <p:txBody>
+          <a:bodyPr>
+            <a:normAutofit/>
+          </a:bodyPr>
+          <a:lstStyle/>
+          <a:p>
+            <a:r>
+              <a:rPr lang="it-IT" sz="3600" b="1" dirty="0"/>
               <a:t>Query 5</a:t>
             </a:r>
           </a:p>
@@ -18040,7 +18544,7 @@
 </p:sld>
 </file>
 
-<file path=ppt/slides/slide14.xml><?xml version="1.0" encoding="utf-8"?>
+<file path=ppt/slides/slide16.xml><?xml version="1.0" encoding="utf-8"?>
 <p:sld xmlns:a="http://schemas.openxmlformats.org/drawingml/2006/main" xmlns:r="http://schemas.openxmlformats.org/officeDocument/2006/relationships" xmlns:p="http://schemas.openxmlformats.org/presentationml/2006/main">
   <p:cSld>
     <p:spTree>
@@ -18186,7 +18690,7 @@
 </p:sld>
 </file>
 
-<file path=ppt/slides/slide15.xml><?xml version="1.0" encoding="utf-8"?>
+<file path=ppt/slides/slide17.xml><?xml version="1.0" encoding="utf-8"?>
 <p:sld xmlns:a="http://schemas.openxmlformats.org/drawingml/2006/main" xmlns:r="http://schemas.openxmlformats.org/officeDocument/2006/relationships" xmlns:p="http://schemas.openxmlformats.org/presentationml/2006/main">
   <p:cSld>
     <p:spTree>
@@ -18296,7 +18800,7 @@
 </p:sld>
 </file>
 
-<file path=ppt/slides/slide16.xml><?xml version="1.0" encoding="utf-8"?>
+<file path=ppt/slides/slide18.xml><?xml version="1.0" encoding="utf-8"?>
 <p:sld xmlns:a="http://schemas.openxmlformats.org/drawingml/2006/main" xmlns:r="http://schemas.openxmlformats.org/officeDocument/2006/relationships" xmlns:p="http://schemas.openxmlformats.org/presentationml/2006/main">
   <p:cSld>
     <p:spTree>
@@ -18442,7 +18946,7 @@
 </p:sld>
 </file>
 
-<file path=ppt/slides/slide17.xml><?xml version="1.0" encoding="utf-8"?>
+<file path=ppt/slides/slide19.xml><?xml version="1.0" encoding="utf-8"?>
 <p:sld xmlns:a="http://schemas.openxmlformats.org/drawingml/2006/main" xmlns:r="http://schemas.openxmlformats.org/officeDocument/2006/relationships" xmlns:p="http://schemas.openxmlformats.org/presentationml/2006/main">
   <p:cSld>
     <p:spTree>
@@ -18543,181 +19047,6 @@
     <p:extLst>
       <p:ext uri="{BB962C8B-B14F-4D97-AF65-F5344CB8AC3E}">
         <p14:creationId xmlns:p14="http://schemas.microsoft.com/office/powerpoint/2010/main" val="2355192247"/>
-      </p:ext>
-    </p:extLst>
-  </p:cSld>
-  <p:clrMapOvr>
-    <a:masterClrMapping/>
-  </p:clrMapOvr>
-</p:sld>
-</file>
-
-<file path=ppt/slides/slide18.xml><?xml version="1.0" encoding="utf-8"?>
-<p:sld xmlns:a="http://schemas.openxmlformats.org/drawingml/2006/main" xmlns:r="http://schemas.openxmlformats.org/officeDocument/2006/relationships" xmlns:p="http://schemas.openxmlformats.org/presentationml/2006/main">
-  <p:cSld>
-    <p:spTree>
-      <p:nvGrpSpPr>
-        <p:cNvPr id="1" name=""/>
-        <p:cNvGrpSpPr/>
-        <p:nvPr/>
-      </p:nvGrpSpPr>
-      <p:grpSpPr>
-        <a:xfrm>
-          <a:off x="0" y="0"/>
-          <a:ext cx="0" cy="0"/>
-          <a:chOff x="0" y="0"/>
-          <a:chExt cx="0" cy="0"/>
-        </a:xfrm>
-      </p:grpSpPr>
-      <p:sp>
-        <p:nvSpPr>
-          <p:cNvPr id="4" name="Titolo 3">
-            <a:extLst>
-              <a:ext uri="{FF2B5EF4-FFF2-40B4-BE49-F238E27FC236}">
-                <a16:creationId xmlns:a16="http://schemas.microsoft.com/office/drawing/2014/main" id="{A32BADA9-D1E4-4A68-A522-AE21B0D0BA03}"/>
-              </a:ext>
-            </a:extLst>
-          </p:cNvPr>
-          <p:cNvSpPr>
-            <a:spLocks noGrp="1"/>
-          </p:cNvSpPr>
-          <p:nvPr>
-            <p:ph type="title"/>
-          </p:nvPr>
-        </p:nvSpPr>
-        <p:spPr>
-          <a:xfrm>
-            <a:off x="914400" y="1079770"/>
-            <a:ext cx="5181600" cy="749030"/>
-          </a:xfrm>
-        </p:spPr>
-        <p:txBody>
-          <a:bodyPr>
-            <a:normAutofit/>
-          </a:bodyPr>
-          <a:lstStyle/>
-          <a:p>
-            <a:r>
-              <a:rPr lang="it-IT" sz="3600" b="1" dirty="0"/>
-              <a:t>Query 10</a:t>
-            </a:r>
-          </a:p>
-        </p:txBody>
-      </p:sp>
-      <p:sp>
-        <p:nvSpPr>
-          <p:cNvPr id="5" name="Segnaposto contenuto 4">
-            <a:extLst>
-              <a:ext uri="{FF2B5EF4-FFF2-40B4-BE49-F238E27FC236}">
-                <a16:creationId xmlns:a16="http://schemas.microsoft.com/office/drawing/2014/main" id="{0822A188-4351-443E-9A73-0BDAAB88A97A}"/>
-              </a:ext>
-            </a:extLst>
-          </p:cNvPr>
-          <p:cNvSpPr>
-            <a:spLocks noGrp="1"/>
-          </p:cNvSpPr>
-          <p:nvPr>
-            <p:ph idx="1"/>
-          </p:nvPr>
-        </p:nvSpPr>
-        <p:spPr>
-          <a:xfrm>
-            <a:off x="914400" y="1654309"/>
-            <a:ext cx="10106025" cy="428625"/>
-          </a:xfrm>
-        </p:spPr>
-        <p:txBody>
-          <a:bodyPr>
-            <a:noAutofit/>
-          </a:bodyPr>
-          <a:lstStyle/>
-          <a:p>
-            <a:pPr marL="0" indent="0" algn="l" fontAlgn="base">
-              <a:buNone/>
-            </a:pPr>
-            <a:r>
-              <a:rPr lang="en-US" i="0" dirty="0">
-                <a:effectLst/>
-                <a:latin typeface="Inter"/>
-              </a:rPr>
-              <a:t>Show the 30 albums with the highest number of tracks present in Top 30 at the same time, showing also how many tracks are contained in the album</a:t>
-            </a:r>
-            <a:endParaRPr lang="en-US" i="1" dirty="0">
-              <a:effectLst/>
-              <a:latin typeface="Inter"/>
-            </a:endParaRPr>
-          </a:p>
-        </p:txBody>
-      </p:sp>
-    </p:spTree>
-    <p:extLst>
-      <p:ext uri="{BB962C8B-B14F-4D97-AF65-F5344CB8AC3E}">
-        <p14:creationId xmlns:p14="http://schemas.microsoft.com/office/powerpoint/2010/main" val="2620450647"/>
-      </p:ext>
-    </p:extLst>
-  </p:cSld>
-  <p:clrMapOvr>
-    <a:masterClrMapping/>
-  </p:clrMapOvr>
-</p:sld>
-</file>
-
-<file path=ppt/slides/slide19.xml><?xml version="1.0" encoding="utf-8"?>
-<p:sld xmlns:a="http://schemas.openxmlformats.org/drawingml/2006/main" xmlns:r="http://schemas.openxmlformats.org/officeDocument/2006/relationships" xmlns:p="http://schemas.openxmlformats.org/presentationml/2006/main">
-  <p:cSld>
-    <p:spTree>
-      <p:nvGrpSpPr>
-        <p:cNvPr id="1" name=""/>
-        <p:cNvGrpSpPr/>
-        <p:nvPr/>
-      </p:nvGrpSpPr>
-      <p:grpSpPr>
-        <a:xfrm>
-          <a:off x="0" y="0"/>
-          <a:ext cx="0" cy="0"/>
-          <a:chOff x="0" y="0"/>
-          <a:chExt cx="0" cy="0"/>
-        </a:xfrm>
-      </p:grpSpPr>
-      <p:sp>
-        <p:nvSpPr>
-          <p:cNvPr id="4" name="Titolo 3">
-            <a:extLst>
-              <a:ext uri="{FF2B5EF4-FFF2-40B4-BE49-F238E27FC236}">
-                <a16:creationId xmlns:a16="http://schemas.microsoft.com/office/drawing/2014/main" id="{A32BADA9-D1E4-4A68-A522-AE21B0D0BA03}"/>
-              </a:ext>
-            </a:extLst>
-          </p:cNvPr>
-          <p:cNvSpPr>
-            <a:spLocks noGrp="1"/>
-          </p:cNvSpPr>
-          <p:nvPr>
-            <p:ph type="title"/>
-          </p:nvPr>
-        </p:nvSpPr>
-        <p:spPr>
-          <a:xfrm>
-            <a:off x="914400" y="1079770"/>
-            <a:ext cx="5181600" cy="749030"/>
-          </a:xfrm>
-        </p:spPr>
-        <p:txBody>
-          <a:bodyPr>
-            <a:normAutofit/>
-          </a:bodyPr>
-          <a:lstStyle/>
-          <a:p>
-            <a:r>
-              <a:rPr lang="it-IT" sz="3600" b="1" dirty="0"/>
-              <a:t>Conclusions</a:t>
-            </a:r>
-          </a:p>
-        </p:txBody>
-      </p:sp>
-    </p:spTree>
-    <p:extLst>
-      <p:ext uri="{BB962C8B-B14F-4D97-AF65-F5344CB8AC3E}">
-        <p14:creationId xmlns:p14="http://schemas.microsoft.com/office/powerpoint/2010/main" val="455674377"/>
       </p:ext>
     </p:extLst>
   </p:cSld>
@@ -19118,6 +19447,181 @@
 </file>
 
 <file path=ppt/slides/slide20.xml><?xml version="1.0" encoding="utf-8"?>
+<p:sld xmlns:a="http://schemas.openxmlformats.org/drawingml/2006/main" xmlns:r="http://schemas.openxmlformats.org/officeDocument/2006/relationships" xmlns:p="http://schemas.openxmlformats.org/presentationml/2006/main">
+  <p:cSld>
+    <p:spTree>
+      <p:nvGrpSpPr>
+        <p:cNvPr id="1" name=""/>
+        <p:cNvGrpSpPr/>
+        <p:nvPr/>
+      </p:nvGrpSpPr>
+      <p:grpSpPr>
+        <a:xfrm>
+          <a:off x="0" y="0"/>
+          <a:ext cx="0" cy="0"/>
+          <a:chOff x="0" y="0"/>
+          <a:chExt cx="0" cy="0"/>
+        </a:xfrm>
+      </p:grpSpPr>
+      <p:sp>
+        <p:nvSpPr>
+          <p:cNvPr id="4" name="Titolo 3">
+            <a:extLst>
+              <a:ext uri="{FF2B5EF4-FFF2-40B4-BE49-F238E27FC236}">
+                <a16:creationId xmlns:a16="http://schemas.microsoft.com/office/drawing/2014/main" id="{A32BADA9-D1E4-4A68-A522-AE21B0D0BA03}"/>
+              </a:ext>
+            </a:extLst>
+          </p:cNvPr>
+          <p:cNvSpPr>
+            <a:spLocks noGrp="1"/>
+          </p:cNvSpPr>
+          <p:nvPr>
+            <p:ph type="title"/>
+          </p:nvPr>
+        </p:nvSpPr>
+        <p:spPr>
+          <a:xfrm>
+            <a:off x="914400" y="1079770"/>
+            <a:ext cx="5181600" cy="749030"/>
+          </a:xfrm>
+        </p:spPr>
+        <p:txBody>
+          <a:bodyPr>
+            <a:normAutofit/>
+          </a:bodyPr>
+          <a:lstStyle/>
+          <a:p>
+            <a:r>
+              <a:rPr lang="it-IT" sz="3600" b="1" dirty="0"/>
+              <a:t>Query 10</a:t>
+            </a:r>
+          </a:p>
+        </p:txBody>
+      </p:sp>
+      <p:sp>
+        <p:nvSpPr>
+          <p:cNvPr id="5" name="Segnaposto contenuto 4">
+            <a:extLst>
+              <a:ext uri="{FF2B5EF4-FFF2-40B4-BE49-F238E27FC236}">
+                <a16:creationId xmlns:a16="http://schemas.microsoft.com/office/drawing/2014/main" id="{0822A188-4351-443E-9A73-0BDAAB88A97A}"/>
+              </a:ext>
+            </a:extLst>
+          </p:cNvPr>
+          <p:cNvSpPr>
+            <a:spLocks noGrp="1"/>
+          </p:cNvSpPr>
+          <p:nvPr>
+            <p:ph idx="1"/>
+          </p:nvPr>
+        </p:nvSpPr>
+        <p:spPr>
+          <a:xfrm>
+            <a:off x="914400" y="1654309"/>
+            <a:ext cx="10106025" cy="428625"/>
+          </a:xfrm>
+        </p:spPr>
+        <p:txBody>
+          <a:bodyPr>
+            <a:noAutofit/>
+          </a:bodyPr>
+          <a:lstStyle/>
+          <a:p>
+            <a:pPr marL="0" indent="0" algn="l" fontAlgn="base">
+              <a:buNone/>
+            </a:pPr>
+            <a:r>
+              <a:rPr lang="en-US" i="0" dirty="0">
+                <a:effectLst/>
+                <a:latin typeface="Inter"/>
+              </a:rPr>
+              <a:t>Show the 30 albums with the highest number of tracks present in Top 30 at the same time, showing also how many tracks are contained in the album</a:t>
+            </a:r>
+            <a:endParaRPr lang="en-US" i="1" dirty="0">
+              <a:effectLst/>
+              <a:latin typeface="Inter"/>
+            </a:endParaRPr>
+          </a:p>
+        </p:txBody>
+      </p:sp>
+    </p:spTree>
+    <p:extLst>
+      <p:ext uri="{BB962C8B-B14F-4D97-AF65-F5344CB8AC3E}">
+        <p14:creationId xmlns:p14="http://schemas.microsoft.com/office/powerpoint/2010/main" val="2620450647"/>
+      </p:ext>
+    </p:extLst>
+  </p:cSld>
+  <p:clrMapOvr>
+    <a:masterClrMapping/>
+  </p:clrMapOvr>
+</p:sld>
+</file>
+
+<file path=ppt/slides/slide21.xml><?xml version="1.0" encoding="utf-8"?>
+<p:sld xmlns:a="http://schemas.openxmlformats.org/drawingml/2006/main" xmlns:r="http://schemas.openxmlformats.org/officeDocument/2006/relationships" xmlns:p="http://schemas.openxmlformats.org/presentationml/2006/main">
+  <p:cSld>
+    <p:spTree>
+      <p:nvGrpSpPr>
+        <p:cNvPr id="1" name=""/>
+        <p:cNvGrpSpPr/>
+        <p:nvPr/>
+      </p:nvGrpSpPr>
+      <p:grpSpPr>
+        <a:xfrm>
+          <a:off x="0" y="0"/>
+          <a:ext cx="0" cy="0"/>
+          <a:chOff x="0" y="0"/>
+          <a:chExt cx="0" cy="0"/>
+        </a:xfrm>
+      </p:grpSpPr>
+      <p:sp>
+        <p:nvSpPr>
+          <p:cNvPr id="4" name="Titolo 3">
+            <a:extLst>
+              <a:ext uri="{FF2B5EF4-FFF2-40B4-BE49-F238E27FC236}">
+                <a16:creationId xmlns:a16="http://schemas.microsoft.com/office/drawing/2014/main" id="{A32BADA9-D1E4-4A68-A522-AE21B0D0BA03}"/>
+              </a:ext>
+            </a:extLst>
+          </p:cNvPr>
+          <p:cNvSpPr>
+            <a:spLocks noGrp="1"/>
+          </p:cNvSpPr>
+          <p:nvPr>
+            <p:ph type="title"/>
+          </p:nvPr>
+        </p:nvSpPr>
+        <p:spPr>
+          <a:xfrm>
+            <a:off x="914400" y="1079770"/>
+            <a:ext cx="5181600" cy="749030"/>
+          </a:xfrm>
+        </p:spPr>
+        <p:txBody>
+          <a:bodyPr>
+            <a:normAutofit/>
+          </a:bodyPr>
+          <a:lstStyle/>
+          <a:p>
+            <a:r>
+              <a:rPr lang="it-IT" sz="3600" b="1" dirty="0"/>
+              <a:t>Conclusions</a:t>
+            </a:r>
+          </a:p>
+        </p:txBody>
+      </p:sp>
+    </p:spTree>
+    <p:extLst>
+      <p:ext uri="{BB962C8B-B14F-4D97-AF65-F5344CB8AC3E}">
+        <p14:creationId xmlns:p14="http://schemas.microsoft.com/office/powerpoint/2010/main" val="455674377"/>
+      </p:ext>
+    </p:extLst>
+  </p:cSld>
+  <p:clrMapOvr>
+    <a:masterClrMapping/>
+  </p:clrMapOvr>
+</p:sld>
+</file>
+
+<file path=ppt/slides/slide22.xml><?xml version="1.0" encoding="utf-8"?>
 <p:sld xmlns:a="http://schemas.openxmlformats.org/drawingml/2006/main" xmlns:r="http://schemas.openxmlformats.org/officeDocument/2006/relationships" xmlns:p="http://schemas.openxmlformats.org/presentationml/2006/main" showMasterSp="0">
   <p:cSld>
     <p:spTree>
@@ -19228,13 +19732,8 @@
           <a:p>
             <a:r>
               <a:rPr lang="it-IT" b="1" dirty="0"/>
-              <a:t>Dataset </a:t>
+              <a:t>Dataset Reduction</a:t>
             </a:r>
-            <a:r>
-              <a:rPr lang="it-IT" b="1" dirty="0" err="1"/>
-              <a:t>Reduction</a:t>
-            </a:r>
-            <a:endParaRPr lang="it-IT" b="1" dirty="0"/>
           </a:p>
         </p:txBody>
       </p:sp>

--- a/Spotify_Presentation.pptx
+++ b/Spotify_Presentation.pptx
@@ -17629,10 +17629,10 @@
       </p:sp>
       <p:pic>
         <p:nvPicPr>
-          <p:cNvPr id="6" name="Immagine 5">
+          <p:cNvPr id="8" name="Immagine 7">
             <a:extLst>
               <a:ext uri="{FF2B5EF4-FFF2-40B4-BE49-F238E27FC236}">
-                <a16:creationId xmlns:a16="http://schemas.microsoft.com/office/drawing/2014/main" id="{DBF04919-1F60-4965-B56A-0BF8885F44ED}"/>
+                <a16:creationId xmlns:a16="http://schemas.microsoft.com/office/drawing/2014/main" id="{71F729CC-6676-4AD0-BC66-0D3595B9B302}"/>
               </a:ext>
             </a:extLst>
           </p:cNvPr>
@@ -17655,8 +17655,8 @@
         </p:blipFill>
         <p:spPr>
           <a:xfrm>
-            <a:off x="1203710" y="2276273"/>
-            <a:ext cx="9784580" cy="4134030"/>
+            <a:off x="857655" y="2171525"/>
+            <a:ext cx="10476689" cy="4426450"/>
           </a:xfrm>
           <a:prstGeom prst="rect">
             <a:avLst/>
@@ -17775,10 +17775,10 @@
       </p:sp>
       <p:pic>
         <p:nvPicPr>
-          <p:cNvPr id="3" name="Immagine 2">
+          <p:cNvPr id="8" name="Immagine 7">
             <a:extLst>
               <a:ext uri="{FF2B5EF4-FFF2-40B4-BE49-F238E27FC236}">
-                <a16:creationId xmlns:a16="http://schemas.microsoft.com/office/drawing/2014/main" id="{31C2F0AA-9590-46A4-807B-D19C6CC6DD86}"/>
+                <a16:creationId xmlns:a16="http://schemas.microsoft.com/office/drawing/2014/main" id="{3009B8B0-21D3-4F17-A281-05ABC8100E27}"/>
               </a:ext>
             </a:extLst>
           </p:cNvPr>
@@ -17801,8 +17801,8 @@
         </p:blipFill>
         <p:spPr>
           <a:xfrm>
-            <a:off x="1410003" y="2266073"/>
-            <a:ext cx="9114817" cy="3981201"/>
+            <a:off x="1346525" y="2212258"/>
+            <a:ext cx="9498949" cy="4122870"/>
           </a:xfrm>
           <a:prstGeom prst="rect">
             <a:avLst/>
@@ -18531,6 +18531,1203 @@
           </a:p>
         </p:txBody>
       </p:sp>
+      <p:graphicFrame>
+        <p:nvGraphicFramePr>
+          <p:cNvPr id="6" name="Tabella 12">
+            <a:extLst>
+              <a:ext uri="{FF2B5EF4-FFF2-40B4-BE49-F238E27FC236}">
+                <a16:creationId xmlns:a16="http://schemas.microsoft.com/office/drawing/2014/main" id="{2504D2EB-B51B-49F6-81A7-050AB014DF24}"/>
+              </a:ext>
+            </a:extLst>
+          </p:cNvPr>
+          <p:cNvGraphicFramePr>
+            <a:graphicFrameLocks/>
+          </p:cNvGraphicFramePr>
+          <p:nvPr>
+            <p:extLst>
+              <p:ext uri="{D42A27DB-BD31-4B8C-83A1-F6EECF244321}">
+                <p14:modId xmlns:p14="http://schemas.microsoft.com/office/powerpoint/2010/main" val="3956969732"/>
+              </p:ext>
+            </p:extLst>
+          </p:nvPr>
+        </p:nvGraphicFramePr>
+        <p:xfrm>
+          <a:off x="914399" y="2082934"/>
+          <a:ext cx="10506075" cy="4615300"/>
+        </p:xfrm>
+        <a:graphic>
+          <a:graphicData uri="http://schemas.openxmlformats.org/drawingml/2006/table">
+            <a:tbl>
+              <a:tblPr firstRow="1" bandRow="1">
+                <a:tableStyleId>{5C22544A-7EE6-4342-B048-85BDC9FD1C3A}</a:tableStyleId>
+              </a:tblPr>
+              <a:tblGrid>
+                <a:gridCol w="4187204">
+                  <a:extLst>
+                    <a:ext uri="{9D8B030D-6E8A-4147-A177-3AD203B41FA5}">
+                      <a16:colId xmlns:a16="http://schemas.microsoft.com/office/drawing/2014/main" val="3166993402"/>
+                    </a:ext>
+                  </a:extLst>
+                </a:gridCol>
+                <a:gridCol w="1712947">
+                  <a:extLst>
+                    <a:ext uri="{9D8B030D-6E8A-4147-A177-3AD203B41FA5}">
+                      <a16:colId xmlns:a16="http://schemas.microsoft.com/office/drawing/2014/main" val="2461625038"/>
+                    </a:ext>
+                  </a:extLst>
+                </a:gridCol>
+                <a:gridCol w="1903274">
+                  <a:extLst>
+                    <a:ext uri="{9D8B030D-6E8A-4147-A177-3AD203B41FA5}">
+                      <a16:colId xmlns:a16="http://schemas.microsoft.com/office/drawing/2014/main" val="1191886570"/>
+                    </a:ext>
+                  </a:extLst>
+                </a:gridCol>
+                <a:gridCol w="1284710">
+                  <a:extLst>
+                    <a:ext uri="{9D8B030D-6E8A-4147-A177-3AD203B41FA5}">
+                      <a16:colId xmlns:a16="http://schemas.microsoft.com/office/drawing/2014/main" val="3486526979"/>
+                    </a:ext>
+                  </a:extLst>
+                </a:gridCol>
+                <a:gridCol w="1417940">
+                  <a:extLst>
+                    <a:ext uri="{9D8B030D-6E8A-4147-A177-3AD203B41FA5}">
+                      <a16:colId xmlns:a16="http://schemas.microsoft.com/office/drawing/2014/main" val="3837789272"/>
+                    </a:ext>
+                  </a:extLst>
+                </a:gridCol>
+              </a:tblGrid>
+              <a:tr h="224534">
+                <a:tc>
+                  <a:txBody>
+                    <a:bodyPr/>
+                    <a:lstStyle/>
+                    <a:p>
+                      <a:pPr algn="ctr"/>
+                      <a:r>
+                        <a:rPr lang="it-IT" sz="1200" b="1" i="0" dirty="0">
+                          <a:solidFill>
+                            <a:schemeClr val="bg1"/>
+                          </a:solidFill>
+                          <a:latin typeface="+mn-lt"/>
+                        </a:rPr>
+                        <a:t>Track Name</a:t>
+                      </a:r>
+                    </a:p>
+                  </a:txBody>
+                  <a:tcPr/>
+                </a:tc>
+                <a:tc>
+                  <a:txBody>
+                    <a:bodyPr/>
+                    <a:lstStyle/>
+                    <a:p>
+                      <a:pPr algn="ctr"/>
+                      <a:r>
+                        <a:rPr lang="it-IT" sz="1200" b="1" i="0" dirty="0">
+                          <a:solidFill>
+                            <a:schemeClr val="bg1"/>
+                          </a:solidFill>
+                          <a:latin typeface="+mn-lt"/>
+                        </a:rPr>
+                        <a:t>Artist Name</a:t>
+                      </a:r>
+                    </a:p>
+                  </a:txBody>
+                  <a:tcPr/>
+                </a:tc>
+                <a:tc>
+                  <a:txBody>
+                    <a:bodyPr/>
+                    <a:lstStyle/>
+                    <a:p>
+                      <a:pPr algn="ctr"/>
+                      <a:r>
+                        <a:rPr lang="it-IT" sz="1200" b="1" i="0" dirty="0">
+                          <a:solidFill>
+                            <a:schemeClr val="bg1"/>
+                          </a:solidFill>
+                          <a:latin typeface="+mn-lt"/>
+                        </a:rPr>
+                        <a:t>Artist Real Name</a:t>
+                      </a:r>
+                    </a:p>
+                  </a:txBody>
+                  <a:tcPr/>
+                </a:tc>
+                <a:tc>
+                  <a:txBody>
+                    <a:bodyPr/>
+                    <a:lstStyle/>
+                    <a:p>
+                      <a:pPr lvl="0" algn="ctr">
+                        <a:buNone/>
+                      </a:pPr>
+                      <a:r>
+                        <a:rPr lang="it-IT" sz="1200" b="1" i="0" u="none" strike="noStrike" noProof="0" dirty="0">
+                          <a:solidFill>
+                            <a:schemeClr val="bg1"/>
+                          </a:solidFill>
+                          <a:latin typeface="+mn-lt"/>
+                        </a:rPr>
+                        <a:t>BirthDate</a:t>
+                      </a:r>
+                      <a:endParaRPr lang="it-IT" sz="1200" b="1" i="0" dirty="0">
+                        <a:solidFill>
+                          <a:schemeClr val="bg1"/>
+                        </a:solidFill>
+                        <a:latin typeface="+mn-lt"/>
+                      </a:endParaRPr>
+                    </a:p>
+                  </a:txBody>
+                  <a:tcPr/>
+                </a:tc>
+                <a:tc>
+                  <a:txBody>
+                    <a:bodyPr/>
+                    <a:lstStyle/>
+                    <a:p>
+                      <a:pPr lvl="0" algn="ctr">
+                        <a:buNone/>
+                      </a:pPr>
+                      <a:r>
+                        <a:rPr lang="it-IT" sz="1200" b="1" i="0" u="none" strike="noStrike" noProof="0" dirty="0" err="1">
+                          <a:solidFill>
+                            <a:schemeClr val="bg1"/>
+                          </a:solidFill>
+                          <a:latin typeface="+mn-lt"/>
+                        </a:rPr>
+                        <a:t>numAppereances</a:t>
+                      </a:r>
+                      <a:endParaRPr lang="it-IT" sz="1200" b="1" i="0" dirty="0">
+                        <a:solidFill>
+                          <a:schemeClr val="bg1"/>
+                        </a:solidFill>
+                        <a:latin typeface="+mn-lt"/>
+                      </a:endParaRPr>
+                    </a:p>
+                  </a:txBody>
+                  <a:tcPr/>
+                </a:tc>
+                <a:extLst>
+                  <a:ext uri="{0D108BD9-81ED-4DB2-BD59-A6C34878D82A}">
+                    <a16:rowId xmlns:a16="http://schemas.microsoft.com/office/drawing/2014/main" val="1255640995"/>
+                  </a:ext>
+                </a:extLst>
+              </a:tr>
+              <a:tr h="523912">
+                <a:tc>
+                  <a:txBody>
+                    <a:bodyPr/>
+                    <a:lstStyle/>
+                    <a:p>
+                      <a:r>
+                        <a:rPr lang="it-IT" sz="1400" dirty="0">
+                          <a:effectLst/>
+                        </a:rPr>
+                        <a:t>blun7 a </a:t>
+                      </a:r>
+                      <a:r>
+                        <a:rPr lang="it-IT" sz="1400" dirty="0" err="1">
+                          <a:effectLst/>
+                        </a:rPr>
+                        <a:t>swishland</a:t>
+                      </a:r>
+                      <a:endParaRPr lang="it-IT" sz="1400" dirty="0">
+                        <a:effectLst/>
+                      </a:endParaRPr>
+                    </a:p>
+                  </a:txBody>
+                  <a:tcPr marL="60960" marR="60960" marT="30480" marB="30480" anchor="ctr"/>
+                </a:tc>
+                <a:tc>
+                  <a:txBody>
+                    <a:bodyPr/>
+                    <a:lstStyle/>
+                    <a:p>
+                      <a:r>
+                        <a:rPr lang="it-IT" sz="1400" dirty="0" err="1">
+                          <a:effectLst/>
+                        </a:rPr>
+                        <a:t>tha</a:t>
+                      </a:r>
+                      <a:r>
+                        <a:rPr lang="it-IT" sz="1400" dirty="0">
+                          <a:effectLst/>
+                        </a:rPr>
+                        <a:t> Supreme</a:t>
+                      </a:r>
+                    </a:p>
+                  </a:txBody>
+                  <a:tcPr marL="60960" marR="60960" marT="30480" marB="30480" anchor="ctr"/>
+                </a:tc>
+                <a:tc>
+                  <a:txBody>
+                    <a:bodyPr/>
+                    <a:lstStyle/>
+                    <a:p>
+                      <a:r>
+                        <a:rPr lang="it-IT" sz="1400" dirty="0">
+                          <a:effectLst/>
+                        </a:rPr>
+                        <a:t>Davide Mattei</a:t>
+                      </a:r>
+                    </a:p>
+                  </a:txBody>
+                  <a:tcPr marL="60960" marR="60960" marT="30480" marB="30480" anchor="ctr"/>
+                </a:tc>
+                <a:tc>
+                  <a:txBody>
+                    <a:bodyPr/>
+                    <a:lstStyle/>
+                    <a:p>
+                      <a:r>
+                        <a:rPr lang="it-IT" sz="1400" dirty="0">
+                          <a:effectLst/>
+                        </a:rPr>
+                        <a:t>2001-03-17</a:t>
+                      </a:r>
+                    </a:p>
+                  </a:txBody>
+                  <a:tcPr marL="60960" marR="60960" marT="30480" marB="30480" anchor="ctr"/>
+                </a:tc>
+                <a:tc>
+                  <a:txBody>
+                    <a:bodyPr/>
+                    <a:lstStyle/>
+                    <a:p>
+                      <a:pPr marL="0" marR="0" lvl="0" indent="0" algn="ctr" defTabSz="914400" rtl="0" eaLnBrk="1" fontAlgn="auto" latinLnBrk="0" hangingPunct="1">
+                        <a:lnSpc>
+                          <a:spcPct val="100000"/>
+                        </a:lnSpc>
+                        <a:spcBef>
+                          <a:spcPts val="0"/>
+                        </a:spcBef>
+                        <a:spcAft>
+                          <a:spcPts val="0"/>
+                        </a:spcAft>
+                        <a:buClrTx/>
+                        <a:buSzTx/>
+                        <a:buFontTx/>
+                        <a:buNone/>
+                        <a:tabLst/>
+                        <a:defRPr/>
+                      </a:pPr>
+                      <a:r>
+                        <a:rPr lang="it-IT" sz="1400" b="1" dirty="0">
+                          <a:effectLst/>
+                        </a:rPr>
+                        <a:t>44</a:t>
+                      </a:r>
+                    </a:p>
+                  </a:txBody>
+                  <a:tcPr anchor="ctr"/>
+                </a:tc>
+                <a:extLst>
+                  <a:ext uri="{0D108BD9-81ED-4DB2-BD59-A6C34878D82A}">
+                    <a16:rowId xmlns:a16="http://schemas.microsoft.com/office/drawing/2014/main" val="1889553313"/>
+                  </a:ext>
+                </a:extLst>
+              </a:tr>
+              <a:tr h="498963">
+                <a:tc>
+                  <a:txBody>
+                    <a:bodyPr/>
+                    <a:lstStyle/>
+                    <a:p>
+                      <a:r>
+                        <a:rPr lang="it-IT" sz="1400" dirty="0">
+                          <a:effectLst/>
+                        </a:rPr>
+                        <a:t>Cin </a:t>
+                      </a:r>
+                      <a:r>
+                        <a:rPr lang="it-IT" sz="1400" dirty="0" err="1">
+                          <a:effectLst/>
+                        </a:rPr>
+                        <a:t>Cin</a:t>
+                      </a:r>
+                      <a:endParaRPr lang="it-IT" sz="1400" dirty="0">
+                        <a:effectLst/>
+                      </a:endParaRPr>
+                    </a:p>
+                  </a:txBody>
+                  <a:tcPr marL="60960" marR="60960" marT="30480" marB="30480" anchor="ctr"/>
+                </a:tc>
+                <a:tc>
+                  <a:txBody>
+                    <a:bodyPr/>
+                    <a:lstStyle/>
+                    <a:p>
+                      <a:r>
+                        <a:rPr lang="it-IT" sz="1400">
+                          <a:effectLst/>
+                        </a:rPr>
+                        <a:t>Yanomi</a:t>
+                      </a:r>
+                    </a:p>
+                  </a:txBody>
+                  <a:tcPr marL="60960" marR="60960" marT="30480" marB="30480" anchor="ctr"/>
+                </a:tc>
+                <a:tc>
+                  <a:txBody>
+                    <a:bodyPr/>
+                    <a:lstStyle/>
+                    <a:p>
+                      <a:r>
+                        <a:rPr lang="it-IT" sz="1400">
+                          <a:effectLst/>
+                        </a:rPr>
+                        <a:t>Andrea De Filippi</a:t>
+                      </a:r>
+                    </a:p>
+                  </a:txBody>
+                  <a:tcPr marL="60960" marR="60960" marT="30480" marB="30480" anchor="ctr"/>
+                </a:tc>
+                <a:tc>
+                  <a:txBody>
+                    <a:bodyPr/>
+                    <a:lstStyle/>
+                    <a:p>
+                      <a:r>
+                        <a:rPr lang="it-IT" sz="1400">
+                          <a:effectLst/>
+                        </a:rPr>
+                        <a:t>2000-08-22</a:t>
+                      </a:r>
+                    </a:p>
+                  </a:txBody>
+                  <a:tcPr marL="60960" marR="60960" marT="30480" marB="30480" anchor="ctr"/>
+                </a:tc>
+                <a:tc>
+                  <a:txBody>
+                    <a:bodyPr/>
+                    <a:lstStyle/>
+                    <a:p>
+                      <a:pPr algn="ctr"/>
+                      <a:r>
+                        <a:rPr lang="it-IT" sz="1400" b="1" dirty="0">
+                          <a:effectLst/>
+                        </a:rPr>
+                        <a:t>38</a:t>
+                      </a:r>
+                    </a:p>
+                  </a:txBody>
+                  <a:tcPr marL="60960" marR="60960" marT="30480" marB="30480" anchor="ctr"/>
+                </a:tc>
+                <a:extLst>
+                  <a:ext uri="{0D108BD9-81ED-4DB2-BD59-A6C34878D82A}">
+                    <a16:rowId xmlns:a16="http://schemas.microsoft.com/office/drawing/2014/main" val="2280957678"/>
+                  </a:ext>
+                </a:extLst>
+              </a:tr>
+              <a:tr h="274430">
+                <a:tc>
+                  <a:txBody>
+                    <a:bodyPr/>
+                    <a:lstStyle/>
+                    <a:p>
+                      <a:r>
+                        <a:rPr lang="it-IT" sz="1400" dirty="0" err="1">
+                          <a:effectLst/>
+                        </a:rPr>
+                        <a:t>Roses</a:t>
+                      </a:r>
+                      <a:r>
+                        <a:rPr lang="it-IT" sz="1400" dirty="0">
+                          <a:effectLst/>
+                        </a:rPr>
+                        <a:t> - </a:t>
+                      </a:r>
+                      <a:r>
+                        <a:rPr lang="it-IT" sz="1400" dirty="0" err="1">
+                          <a:effectLst/>
+                        </a:rPr>
+                        <a:t>Imanbek</a:t>
+                      </a:r>
+                      <a:r>
+                        <a:rPr lang="it-IT" sz="1400" dirty="0">
+                          <a:effectLst/>
+                        </a:rPr>
+                        <a:t> Remix</a:t>
+                      </a:r>
+                    </a:p>
+                  </a:txBody>
+                  <a:tcPr marL="60960" marR="60960" marT="30480" marB="30480" anchor="ctr"/>
+                </a:tc>
+                <a:tc>
+                  <a:txBody>
+                    <a:bodyPr/>
+                    <a:lstStyle/>
+                    <a:p>
+                      <a:r>
+                        <a:rPr lang="it-IT" sz="1400">
+                          <a:effectLst/>
+                        </a:rPr>
+                        <a:t>Imanbek</a:t>
+                      </a:r>
+                    </a:p>
+                  </a:txBody>
+                  <a:tcPr marL="60960" marR="60960" marT="30480" marB="30480" anchor="ctr"/>
+                </a:tc>
+                <a:tc>
+                  <a:txBody>
+                    <a:bodyPr/>
+                    <a:lstStyle/>
+                    <a:p>
+                      <a:r>
+                        <a:rPr lang="it-IT" sz="1400">
+                          <a:effectLst/>
+                        </a:rPr>
+                        <a:t>Imanbek</a:t>
+                      </a:r>
+                    </a:p>
+                  </a:txBody>
+                  <a:tcPr marL="60960" marR="60960" marT="30480" marB="30480" anchor="ctr"/>
+                </a:tc>
+                <a:tc>
+                  <a:txBody>
+                    <a:bodyPr/>
+                    <a:lstStyle/>
+                    <a:p>
+                      <a:r>
+                        <a:rPr lang="it-IT" sz="1400">
+                          <a:effectLst/>
+                        </a:rPr>
+                        <a:t>2000-10-21</a:t>
+                      </a:r>
+                    </a:p>
+                  </a:txBody>
+                  <a:tcPr marL="60960" marR="60960" marT="30480" marB="30480" anchor="ctr"/>
+                </a:tc>
+                <a:tc>
+                  <a:txBody>
+                    <a:bodyPr/>
+                    <a:lstStyle/>
+                    <a:p>
+                      <a:pPr algn="ctr"/>
+                      <a:r>
+                        <a:rPr lang="it-IT" sz="1400" b="1" dirty="0">
+                          <a:effectLst/>
+                        </a:rPr>
+                        <a:t>37</a:t>
+                      </a:r>
+                    </a:p>
+                  </a:txBody>
+                  <a:tcPr marL="60960" marR="60960" marT="30480" marB="30480" anchor="ctr"/>
+                </a:tc>
+                <a:extLst>
+                  <a:ext uri="{0D108BD9-81ED-4DB2-BD59-A6C34878D82A}">
+                    <a16:rowId xmlns:a16="http://schemas.microsoft.com/office/drawing/2014/main" val="2192274213"/>
+                  </a:ext>
+                </a:extLst>
+              </a:tr>
+              <a:tr h="274430">
+                <a:tc>
+                  <a:txBody>
+                    <a:bodyPr/>
+                    <a:lstStyle/>
+                    <a:p>
+                      <a:r>
+                        <a:rPr lang="it-IT" sz="1400" dirty="0">
+                          <a:effectLst/>
+                        </a:rPr>
+                        <a:t>Dance </a:t>
+                      </a:r>
+                      <a:r>
+                        <a:rPr lang="it-IT" sz="1400" dirty="0" err="1">
+                          <a:effectLst/>
+                        </a:rPr>
+                        <a:t>Monkey</a:t>
+                      </a:r>
+                      <a:endParaRPr lang="it-IT" sz="1400" dirty="0">
+                        <a:effectLst/>
+                      </a:endParaRPr>
+                    </a:p>
+                  </a:txBody>
+                  <a:tcPr marL="60960" marR="60960" marT="30480" marB="30480" anchor="ctr"/>
+                </a:tc>
+                <a:tc>
+                  <a:txBody>
+                    <a:bodyPr/>
+                    <a:lstStyle/>
+                    <a:p>
+                      <a:r>
+                        <a:rPr lang="it-IT" sz="1400" dirty="0" err="1">
+                          <a:effectLst/>
+                        </a:rPr>
+                        <a:t>Tones</a:t>
+                      </a:r>
+                      <a:r>
+                        <a:rPr lang="it-IT" sz="1400" dirty="0">
+                          <a:effectLst/>
+                        </a:rPr>
+                        <a:t> And I</a:t>
+                      </a:r>
+                    </a:p>
+                  </a:txBody>
+                  <a:tcPr marL="60960" marR="60960" marT="30480" marB="30480" anchor="ctr"/>
+                </a:tc>
+                <a:tc>
+                  <a:txBody>
+                    <a:bodyPr/>
+                    <a:lstStyle/>
+                    <a:p>
+                      <a:r>
+                        <a:rPr lang="it-IT" sz="1400">
+                          <a:effectLst/>
+                        </a:rPr>
+                        <a:t>Toni Watson</a:t>
+                      </a:r>
+                    </a:p>
+                  </a:txBody>
+                  <a:tcPr marL="60960" marR="60960" marT="30480" marB="30480" anchor="ctr"/>
+                </a:tc>
+                <a:tc>
+                  <a:txBody>
+                    <a:bodyPr/>
+                    <a:lstStyle/>
+                    <a:p>
+                      <a:r>
+                        <a:rPr lang="it-IT" sz="1400">
+                          <a:effectLst/>
+                        </a:rPr>
+                        <a:t>2000-08-13</a:t>
+                      </a:r>
+                    </a:p>
+                  </a:txBody>
+                  <a:tcPr marL="60960" marR="60960" marT="30480" marB="30480" anchor="ctr"/>
+                </a:tc>
+                <a:tc>
+                  <a:txBody>
+                    <a:bodyPr/>
+                    <a:lstStyle/>
+                    <a:p>
+                      <a:pPr algn="ctr"/>
+                      <a:r>
+                        <a:rPr lang="it-IT" sz="1400" b="1" dirty="0">
+                          <a:effectLst/>
+                        </a:rPr>
+                        <a:t>32</a:t>
+                      </a:r>
+                    </a:p>
+                  </a:txBody>
+                  <a:tcPr marL="60960" marR="60960" marT="30480" marB="30480" anchor="ctr"/>
+                </a:tc>
+                <a:extLst>
+                  <a:ext uri="{0D108BD9-81ED-4DB2-BD59-A6C34878D82A}">
+                    <a16:rowId xmlns:a16="http://schemas.microsoft.com/office/drawing/2014/main" val="2772147380"/>
+                  </a:ext>
+                </a:extLst>
+              </a:tr>
+              <a:tr h="274430">
+                <a:tc>
+                  <a:txBody>
+                    <a:bodyPr/>
+                    <a:lstStyle/>
+                    <a:p>
+                      <a:r>
+                        <a:rPr lang="it-IT" sz="1400">
+                          <a:effectLst/>
+                        </a:rPr>
+                        <a:t>fuck 3x</a:t>
+                      </a:r>
+                    </a:p>
+                  </a:txBody>
+                  <a:tcPr marL="60960" marR="60960" marT="30480" marB="30480" anchor="ctr"/>
+                </a:tc>
+                <a:tc>
+                  <a:txBody>
+                    <a:bodyPr/>
+                    <a:lstStyle/>
+                    <a:p>
+                      <a:r>
+                        <a:rPr lang="it-IT" sz="1400" dirty="0" err="1">
+                          <a:effectLst/>
+                        </a:rPr>
+                        <a:t>tha</a:t>
+                      </a:r>
+                      <a:r>
+                        <a:rPr lang="it-IT" sz="1400" dirty="0">
+                          <a:effectLst/>
+                        </a:rPr>
+                        <a:t> Supreme</a:t>
+                      </a:r>
+                    </a:p>
+                  </a:txBody>
+                  <a:tcPr marL="60960" marR="60960" marT="30480" marB="30480" anchor="ctr"/>
+                </a:tc>
+                <a:tc>
+                  <a:txBody>
+                    <a:bodyPr/>
+                    <a:lstStyle/>
+                    <a:p>
+                      <a:r>
+                        <a:rPr lang="it-IT" sz="1400">
+                          <a:effectLst/>
+                        </a:rPr>
+                        <a:t>Davide Mattei</a:t>
+                      </a:r>
+                    </a:p>
+                  </a:txBody>
+                  <a:tcPr marL="60960" marR="60960" marT="30480" marB="30480" anchor="ctr"/>
+                </a:tc>
+                <a:tc>
+                  <a:txBody>
+                    <a:bodyPr/>
+                    <a:lstStyle/>
+                    <a:p>
+                      <a:r>
+                        <a:rPr lang="it-IT" sz="1400" dirty="0">
+                          <a:effectLst/>
+                        </a:rPr>
+                        <a:t>2001-03-17</a:t>
+                      </a:r>
+                    </a:p>
+                  </a:txBody>
+                  <a:tcPr marL="60960" marR="60960" marT="30480" marB="30480" anchor="ctr"/>
+                </a:tc>
+                <a:tc>
+                  <a:txBody>
+                    <a:bodyPr/>
+                    <a:lstStyle/>
+                    <a:p>
+                      <a:pPr algn="ctr"/>
+                      <a:r>
+                        <a:rPr lang="it-IT" sz="1400" b="1" dirty="0">
+                          <a:effectLst/>
+                        </a:rPr>
+                        <a:t>30</a:t>
+                      </a:r>
+                    </a:p>
+                  </a:txBody>
+                  <a:tcPr marL="60960" marR="60960" marT="30480" marB="30480" anchor="ctr"/>
+                </a:tc>
+                <a:extLst>
+                  <a:ext uri="{0D108BD9-81ED-4DB2-BD59-A6C34878D82A}">
+                    <a16:rowId xmlns:a16="http://schemas.microsoft.com/office/drawing/2014/main" val="89622780"/>
+                  </a:ext>
+                </a:extLst>
+              </a:tr>
+              <a:tr h="498963">
+                <a:tc>
+                  <a:txBody>
+                    <a:bodyPr/>
+                    <a:lstStyle/>
+                    <a:p>
+                      <a:r>
+                        <a:rPr lang="en-US" sz="1400">
+                          <a:effectLst/>
+                        </a:rPr>
+                        <a:t>Nena (feat. Geolier &amp; Andry The Hitmaker)</a:t>
+                      </a:r>
+                    </a:p>
+                  </a:txBody>
+                  <a:tcPr marL="60960" marR="60960" marT="30480" marB="30480" anchor="ctr"/>
+                </a:tc>
+                <a:tc>
+                  <a:txBody>
+                    <a:bodyPr/>
+                    <a:lstStyle/>
+                    <a:p>
+                      <a:r>
+                        <a:rPr lang="it-IT" sz="1400" dirty="0" err="1">
+                          <a:effectLst/>
+                        </a:rPr>
+                        <a:t>Geolier</a:t>
+                      </a:r>
+                      <a:endParaRPr lang="it-IT" sz="1400" dirty="0">
+                        <a:effectLst/>
+                      </a:endParaRPr>
+                    </a:p>
+                  </a:txBody>
+                  <a:tcPr marL="60960" marR="60960" marT="30480" marB="30480" anchor="ctr"/>
+                </a:tc>
+                <a:tc>
+                  <a:txBody>
+                    <a:bodyPr/>
+                    <a:lstStyle/>
+                    <a:p>
+                      <a:r>
+                        <a:rPr lang="it-IT" sz="1400" dirty="0" err="1">
+                          <a:effectLst/>
+                        </a:rPr>
+                        <a:t>Geolier</a:t>
+                      </a:r>
+                      <a:endParaRPr lang="it-IT" sz="1400" dirty="0">
+                        <a:effectLst/>
+                      </a:endParaRPr>
+                    </a:p>
+                  </a:txBody>
+                  <a:tcPr marL="60960" marR="60960" marT="30480" marB="30480" anchor="ctr"/>
+                </a:tc>
+                <a:tc>
+                  <a:txBody>
+                    <a:bodyPr/>
+                    <a:lstStyle/>
+                    <a:p>
+                      <a:r>
+                        <a:rPr lang="it-IT" sz="1400">
+                          <a:effectLst/>
+                        </a:rPr>
+                        <a:t>2000-03-23</a:t>
+                      </a:r>
+                    </a:p>
+                  </a:txBody>
+                  <a:tcPr marL="60960" marR="60960" marT="30480" marB="30480" anchor="ctr"/>
+                </a:tc>
+                <a:tc>
+                  <a:txBody>
+                    <a:bodyPr/>
+                    <a:lstStyle/>
+                    <a:p>
+                      <a:pPr algn="ctr"/>
+                      <a:r>
+                        <a:rPr lang="it-IT" sz="1400" b="1" dirty="0">
+                          <a:effectLst/>
+                        </a:rPr>
+                        <a:t>28</a:t>
+                      </a:r>
+                    </a:p>
+                  </a:txBody>
+                  <a:tcPr marL="60960" marR="60960" marT="30480" marB="30480" anchor="ctr"/>
+                </a:tc>
+                <a:extLst>
+                  <a:ext uri="{0D108BD9-81ED-4DB2-BD59-A6C34878D82A}">
+                    <a16:rowId xmlns:a16="http://schemas.microsoft.com/office/drawing/2014/main" val="1086527724"/>
+                  </a:ext>
+                </a:extLst>
+              </a:tr>
+              <a:tr h="498963">
+                <a:tc>
+                  <a:txBody>
+                    <a:bodyPr/>
+                    <a:lstStyle/>
+                    <a:p>
+                      <a:r>
+                        <a:rPr lang="it-IT" sz="1400" dirty="0">
+                          <a:effectLst/>
+                        </a:rPr>
+                        <a:t>SUPREME - L'ego (</a:t>
+                      </a:r>
+                      <a:r>
+                        <a:rPr lang="it-IT" sz="1400" dirty="0" err="1">
+                          <a:effectLst/>
+                        </a:rPr>
+                        <a:t>feat</a:t>
+                      </a:r>
+                      <a:r>
+                        <a:rPr lang="it-IT" sz="1400" dirty="0">
+                          <a:effectLst/>
+                        </a:rPr>
+                        <a:t>. </a:t>
+                      </a:r>
+                      <a:r>
+                        <a:rPr lang="it-IT" sz="1400" dirty="0" err="1">
+                          <a:effectLst/>
+                        </a:rPr>
+                        <a:t>tha</a:t>
+                      </a:r>
+                      <a:r>
+                        <a:rPr lang="it-IT" sz="1400" dirty="0">
+                          <a:effectLst/>
+                        </a:rPr>
+                        <a:t> Supreme &amp; Sfera </a:t>
+                      </a:r>
+                      <a:r>
+                        <a:rPr lang="it-IT" sz="1400" dirty="0" err="1">
+                          <a:effectLst/>
+                        </a:rPr>
+                        <a:t>Ebb</a:t>
+                      </a:r>
+                      <a:r>
+                        <a:rPr lang="it-IT" sz="1400" dirty="0">
+                          <a:effectLst/>
+                        </a:rPr>
+                        <a:t>...)</a:t>
+                      </a:r>
+                    </a:p>
+                  </a:txBody>
+                  <a:tcPr marL="60960" marR="60960" marT="30480" marB="30480" anchor="ctr"/>
+                </a:tc>
+                <a:tc>
+                  <a:txBody>
+                    <a:bodyPr/>
+                    <a:lstStyle/>
+                    <a:p>
+                      <a:r>
+                        <a:rPr lang="it-IT" sz="1400">
+                          <a:effectLst/>
+                        </a:rPr>
+                        <a:t>tha Supreme</a:t>
+                      </a:r>
+                    </a:p>
+                  </a:txBody>
+                  <a:tcPr marL="60960" marR="60960" marT="30480" marB="30480" anchor="ctr"/>
+                </a:tc>
+                <a:tc>
+                  <a:txBody>
+                    <a:bodyPr/>
+                    <a:lstStyle/>
+                    <a:p>
+                      <a:r>
+                        <a:rPr lang="it-IT" sz="1400" dirty="0">
+                          <a:effectLst/>
+                        </a:rPr>
+                        <a:t>Davide Mattei</a:t>
+                      </a:r>
+                    </a:p>
+                  </a:txBody>
+                  <a:tcPr marL="60960" marR="60960" marT="30480" marB="30480" anchor="ctr"/>
+                </a:tc>
+                <a:tc>
+                  <a:txBody>
+                    <a:bodyPr/>
+                    <a:lstStyle/>
+                    <a:p>
+                      <a:r>
+                        <a:rPr lang="it-IT" sz="1400">
+                          <a:effectLst/>
+                        </a:rPr>
+                        <a:t>2001-03-17</a:t>
+                      </a:r>
+                    </a:p>
+                  </a:txBody>
+                  <a:tcPr marL="60960" marR="60960" marT="30480" marB="30480" anchor="ctr"/>
+                </a:tc>
+                <a:tc>
+                  <a:txBody>
+                    <a:bodyPr/>
+                    <a:lstStyle/>
+                    <a:p>
+                      <a:pPr algn="ctr"/>
+                      <a:r>
+                        <a:rPr lang="it-IT" sz="1400" b="1" dirty="0">
+                          <a:effectLst/>
+                        </a:rPr>
+                        <a:t>28</a:t>
+                      </a:r>
+                    </a:p>
+                  </a:txBody>
+                  <a:tcPr marL="60960" marR="60960" marT="30480" marB="30480" anchor="ctr"/>
+                </a:tc>
+                <a:extLst>
+                  <a:ext uri="{0D108BD9-81ED-4DB2-BD59-A6C34878D82A}">
+                    <a16:rowId xmlns:a16="http://schemas.microsoft.com/office/drawing/2014/main" val="2580150930"/>
+                  </a:ext>
+                </a:extLst>
+              </a:tr>
+              <a:tr h="498963">
+                <a:tc>
+                  <a:txBody>
+                    <a:bodyPr/>
+                    <a:lstStyle/>
+                    <a:p>
+                      <a:r>
+                        <a:rPr lang="it-IT" sz="1400">
+                          <a:effectLst/>
+                        </a:rPr>
+                        <a:t>TesTa TrA Le NuVoLE, pT. 2 – prod. Yanomi</a:t>
+                      </a:r>
+                    </a:p>
+                  </a:txBody>
+                  <a:tcPr marL="60960" marR="60960" marT="30480" marB="30480" anchor="ctr"/>
+                </a:tc>
+                <a:tc>
+                  <a:txBody>
+                    <a:bodyPr/>
+                    <a:lstStyle/>
+                    <a:p>
+                      <a:r>
+                        <a:rPr lang="it-IT" sz="1400">
+                          <a:effectLst/>
+                        </a:rPr>
+                        <a:t>Yanomi</a:t>
+                      </a:r>
+                    </a:p>
+                  </a:txBody>
+                  <a:tcPr marL="60960" marR="60960" marT="30480" marB="30480" anchor="ctr"/>
+                </a:tc>
+                <a:tc>
+                  <a:txBody>
+                    <a:bodyPr/>
+                    <a:lstStyle/>
+                    <a:p>
+                      <a:r>
+                        <a:rPr lang="it-IT" sz="1400" dirty="0">
+                          <a:effectLst/>
+                        </a:rPr>
+                        <a:t>Andrea De Filippi</a:t>
+                      </a:r>
+                    </a:p>
+                  </a:txBody>
+                  <a:tcPr marL="60960" marR="60960" marT="30480" marB="30480" anchor="ctr"/>
+                </a:tc>
+                <a:tc>
+                  <a:txBody>
+                    <a:bodyPr/>
+                    <a:lstStyle/>
+                    <a:p>
+                      <a:r>
+                        <a:rPr lang="it-IT" sz="1400" dirty="0">
+                          <a:effectLst/>
+                        </a:rPr>
+                        <a:t>2000-08-22</a:t>
+                      </a:r>
+                    </a:p>
+                  </a:txBody>
+                  <a:tcPr marL="60960" marR="60960" marT="30480" marB="30480" anchor="ctr"/>
+                </a:tc>
+                <a:tc>
+                  <a:txBody>
+                    <a:bodyPr/>
+                    <a:lstStyle/>
+                    <a:p>
+                      <a:pPr algn="ctr"/>
+                      <a:r>
+                        <a:rPr lang="it-IT" sz="1400" b="1" dirty="0">
+                          <a:effectLst/>
+                        </a:rPr>
+                        <a:t>24</a:t>
+                      </a:r>
+                    </a:p>
+                  </a:txBody>
+                  <a:tcPr marL="60960" marR="60960" marT="30480" marB="30480" anchor="ctr"/>
+                </a:tc>
+                <a:extLst>
+                  <a:ext uri="{0D108BD9-81ED-4DB2-BD59-A6C34878D82A}">
+                    <a16:rowId xmlns:a16="http://schemas.microsoft.com/office/drawing/2014/main" val="1899529535"/>
+                  </a:ext>
+                </a:extLst>
+              </a:tr>
+              <a:tr h="498963">
+                <a:tc>
+                  <a:txBody>
+                    <a:bodyPr/>
+                    <a:lstStyle/>
+                    <a:p>
+                      <a:r>
+                        <a:rPr lang="en-US" sz="1400">
+                          <a:effectLst/>
+                        </a:rPr>
+                        <a:t>death bed (coffee for your head)</a:t>
+                      </a:r>
+                    </a:p>
+                  </a:txBody>
+                  <a:tcPr marL="60960" marR="60960" marT="30480" marB="30480" anchor="ctr"/>
+                </a:tc>
+                <a:tc>
+                  <a:txBody>
+                    <a:bodyPr/>
+                    <a:lstStyle/>
+                    <a:p>
+                      <a:r>
+                        <a:rPr lang="it-IT" sz="1400">
+                          <a:effectLst/>
+                        </a:rPr>
+                        <a:t>beabadoobee</a:t>
+                      </a:r>
+                    </a:p>
+                  </a:txBody>
+                  <a:tcPr marL="60960" marR="60960" marT="30480" marB="30480" anchor="ctr"/>
+                </a:tc>
+                <a:tc>
+                  <a:txBody>
+                    <a:bodyPr/>
+                    <a:lstStyle/>
+                    <a:p>
+                      <a:r>
+                        <a:rPr lang="it-IT" sz="1400" dirty="0">
+                          <a:effectLst/>
+                        </a:rPr>
+                        <a:t>Beatrice </a:t>
+                      </a:r>
+                      <a:r>
+                        <a:rPr lang="it-IT" sz="1400" dirty="0" err="1">
+                          <a:effectLst/>
+                        </a:rPr>
+                        <a:t>Kristi</a:t>
+                      </a:r>
+                      <a:r>
+                        <a:rPr lang="it-IT" sz="1400" dirty="0">
+                          <a:effectLst/>
+                        </a:rPr>
+                        <a:t> </a:t>
+                      </a:r>
+                      <a:r>
+                        <a:rPr lang="it-IT" sz="1400" dirty="0" err="1">
+                          <a:effectLst/>
+                        </a:rPr>
+                        <a:t>Laus</a:t>
+                      </a:r>
+                      <a:endParaRPr lang="it-IT" sz="1400" dirty="0">
+                        <a:effectLst/>
+                      </a:endParaRPr>
+                    </a:p>
+                  </a:txBody>
+                  <a:tcPr marL="60960" marR="60960" marT="30480" marB="30480" anchor="ctr"/>
+                </a:tc>
+                <a:tc>
+                  <a:txBody>
+                    <a:bodyPr/>
+                    <a:lstStyle/>
+                    <a:p>
+                      <a:r>
+                        <a:rPr lang="it-IT" sz="1400" dirty="0">
+                          <a:effectLst/>
+                        </a:rPr>
+                        <a:t>2000-06-03</a:t>
+                      </a:r>
+                    </a:p>
+                  </a:txBody>
+                  <a:tcPr marL="60960" marR="60960" marT="30480" marB="30480" anchor="ctr"/>
+                </a:tc>
+                <a:tc>
+                  <a:txBody>
+                    <a:bodyPr/>
+                    <a:lstStyle/>
+                    <a:p>
+                      <a:pPr algn="ctr"/>
+                      <a:r>
+                        <a:rPr lang="it-IT" sz="1400" b="1" dirty="0">
+                          <a:effectLst/>
+                        </a:rPr>
+                        <a:t>24</a:t>
+                      </a:r>
+                    </a:p>
+                  </a:txBody>
+                  <a:tcPr marL="60960" marR="60960" marT="30480" marB="30480" anchor="ctr"/>
+                </a:tc>
+                <a:extLst>
+                  <a:ext uri="{0D108BD9-81ED-4DB2-BD59-A6C34878D82A}">
+                    <a16:rowId xmlns:a16="http://schemas.microsoft.com/office/drawing/2014/main" val="1947964374"/>
+                  </a:ext>
+                </a:extLst>
+              </a:tr>
+              <a:tr h="498963">
+                <a:tc>
+                  <a:txBody>
+                    <a:bodyPr/>
+                    <a:lstStyle/>
+                    <a:p>
+                      <a:r>
+                        <a:rPr lang="it-IT" sz="1400" dirty="0">
+                          <a:effectLst/>
+                        </a:rPr>
+                        <a:t>M' </a:t>
+                      </a:r>
+                      <a:r>
+                        <a:rPr lang="it-IT" sz="1400" dirty="0" err="1">
+                          <a:effectLst/>
+                        </a:rPr>
+                        <a:t>Manc</a:t>
+                      </a:r>
+                      <a:r>
+                        <a:rPr lang="it-IT" sz="1400" dirty="0">
+                          <a:effectLst/>
+                        </a:rPr>
+                        <a:t> (con </a:t>
+                      </a:r>
+                      <a:r>
+                        <a:rPr lang="it-IT" sz="1400" dirty="0" err="1">
+                          <a:effectLst/>
+                        </a:rPr>
+                        <a:t>Geolier</a:t>
+                      </a:r>
+                      <a:r>
+                        <a:rPr lang="it-IT" sz="1400" dirty="0">
+                          <a:effectLst/>
+                        </a:rPr>
+                        <a:t> &amp; Sfera </a:t>
+                      </a:r>
+                      <a:r>
+                        <a:rPr lang="it-IT" sz="1400" dirty="0" err="1">
+                          <a:effectLst/>
+                        </a:rPr>
+                        <a:t>Ebbasta</a:t>
+                      </a:r>
+                      <a:r>
+                        <a:rPr lang="it-IT" sz="1400" dirty="0">
+                          <a:effectLst/>
+                        </a:rPr>
+                        <a:t>)</a:t>
+                      </a:r>
+                    </a:p>
+                  </a:txBody>
+                  <a:tcPr marL="60960" marR="60960" marT="30480" marB="30480" anchor="ctr"/>
+                </a:tc>
+                <a:tc>
+                  <a:txBody>
+                    <a:bodyPr/>
+                    <a:lstStyle/>
+                    <a:p>
+                      <a:r>
+                        <a:rPr lang="it-IT" sz="1400">
+                          <a:effectLst/>
+                        </a:rPr>
+                        <a:t>Geolier</a:t>
+                      </a:r>
+                    </a:p>
+                  </a:txBody>
+                  <a:tcPr marL="60960" marR="60960" marT="30480" marB="30480" anchor="ctr"/>
+                </a:tc>
+                <a:tc>
+                  <a:txBody>
+                    <a:bodyPr/>
+                    <a:lstStyle/>
+                    <a:p>
+                      <a:r>
+                        <a:rPr lang="it-IT" sz="1400">
+                          <a:effectLst/>
+                        </a:rPr>
+                        <a:t>Geolier</a:t>
+                      </a:r>
+                    </a:p>
+                  </a:txBody>
+                  <a:tcPr marL="60960" marR="60960" marT="30480" marB="30480" anchor="ctr"/>
+                </a:tc>
+                <a:tc>
+                  <a:txBody>
+                    <a:bodyPr/>
+                    <a:lstStyle/>
+                    <a:p>
+                      <a:r>
+                        <a:rPr lang="it-IT" sz="1400">
+                          <a:effectLst/>
+                        </a:rPr>
+                        <a:t>2000-03-23</a:t>
+                      </a:r>
+                    </a:p>
+                  </a:txBody>
+                  <a:tcPr marL="60960" marR="60960" marT="30480" marB="30480" anchor="ctr"/>
+                </a:tc>
+                <a:tc>
+                  <a:txBody>
+                    <a:bodyPr/>
+                    <a:lstStyle/>
+                    <a:p>
+                      <a:pPr algn="ctr"/>
+                      <a:r>
+                        <a:rPr lang="it-IT" sz="1400" b="1" dirty="0">
+                          <a:effectLst/>
+                        </a:rPr>
+                        <a:t>21</a:t>
+                      </a:r>
+                    </a:p>
+                  </a:txBody>
+                  <a:tcPr marL="60960" marR="60960" marT="30480" marB="30480" anchor="ctr"/>
+                </a:tc>
+                <a:extLst>
+                  <a:ext uri="{0D108BD9-81ED-4DB2-BD59-A6C34878D82A}">
+                    <a16:rowId xmlns:a16="http://schemas.microsoft.com/office/drawing/2014/main" val="1408510068"/>
+                  </a:ext>
+                </a:extLst>
+              </a:tr>
+            </a:tbl>
+          </a:graphicData>
+        </a:graphic>
+      </p:graphicFrame>
     </p:spTree>
     <p:extLst>
       <p:ext uri="{BB962C8B-B14F-4D97-AF65-F5344CB8AC3E}">
@@ -18643,10 +19840,10 @@
       </p:sp>
       <p:pic>
         <p:nvPicPr>
-          <p:cNvPr id="3" name="Immagine 2">
+          <p:cNvPr id="6" name="Immagine 5">
             <a:extLst>
               <a:ext uri="{FF2B5EF4-FFF2-40B4-BE49-F238E27FC236}">
-                <a16:creationId xmlns:a16="http://schemas.microsoft.com/office/drawing/2014/main" id="{B0737A41-A34F-4207-836D-8D2A02FD9A6D}"/>
+                <a16:creationId xmlns:a16="http://schemas.microsoft.com/office/drawing/2014/main" id="{1E5FC330-7EFE-4C32-9F5A-D9614B37561C}"/>
               </a:ext>
             </a:extLst>
           </p:cNvPr>
@@ -18669,8 +19866,8 @@
         </p:blipFill>
         <p:spPr>
           <a:xfrm>
-            <a:off x="2010383" y="2311436"/>
-            <a:ext cx="8171234" cy="4093988"/>
+            <a:off x="1582366" y="2236861"/>
+            <a:ext cx="9027268" cy="4480224"/>
           </a:xfrm>
           <a:prstGeom prst="rect">
             <a:avLst/>

--- a/Spotify_Presentation.pptx
+++ b/Spotify_Presentation.pptx
@@ -18522,7 +18522,7 @@
                 <a:effectLst/>
                 <a:latin typeface="Inter"/>
               </a:rPr>
-              <a:t>How many times artist born after 2000 were present in top 100 Italy in 2020?</a:t>
+              <a:t>How many times tracks made by an artist born after 2000 were present in top 100 Italy in 2020?</a:t>
             </a:r>
             <a:endParaRPr lang="en-US" sz="2800" i="1" dirty="0">
               <a:effectLst/>

--- a/Spotify_Presentation.pptx
+++ b/Spotify_Presentation.pptx
@@ -22,11 +22,14 @@
     <p:sldId id="271" r:id="rId16"/>
     <p:sldId id="272" r:id="rId17"/>
     <p:sldId id="273" r:id="rId18"/>
-    <p:sldId id="274" r:id="rId19"/>
-    <p:sldId id="275" r:id="rId20"/>
-    <p:sldId id="276" r:id="rId21"/>
-    <p:sldId id="278" r:id="rId22"/>
-    <p:sldId id="277" r:id="rId23"/>
+    <p:sldId id="281" r:id="rId19"/>
+    <p:sldId id="282" r:id="rId20"/>
+    <p:sldId id="274" r:id="rId21"/>
+    <p:sldId id="275" r:id="rId22"/>
+    <p:sldId id="283" r:id="rId23"/>
+    <p:sldId id="276" r:id="rId24"/>
+    <p:sldId id="278" r:id="rId25"/>
+    <p:sldId id="277" r:id="rId26"/>
   </p:sldIdLst>
   <p:sldSz cx="12192000" cy="6858000"/>
   <p:notesSz cx="6858000" cy="9144000"/>
@@ -19984,6 +19987,695 @@
           </a:p>
         </p:txBody>
       </p:sp>
+      <p:graphicFrame>
+        <p:nvGraphicFramePr>
+          <p:cNvPr id="6" name="Tabella 12">
+            <a:extLst>
+              <a:ext uri="{FF2B5EF4-FFF2-40B4-BE49-F238E27FC236}">
+                <a16:creationId xmlns:a16="http://schemas.microsoft.com/office/drawing/2014/main" id="{10188830-0AB5-4404-86FD-C8EAD6964955}"/>
+              </a:ext>
+            </a:extLst>
+          </p:cNvPr>
+          <p:cNvGraphicFramePr>
+            <a:graphicFrameLocks/>
+          </p:cNvGraphicFramePr>
+          <p:nvPr>
+            <p:extLst>
+              <p:ext uri="{D42A27DB-BD31-4B8C-83A1-F6EECF244321}">
+                <p14:modId xmlns:p14="http://schemas.microsoft.com/office/powerpoint/2010/main" val="999611574"/>
+              </p:ext>
+            </p:extLst>
+          </p:nvPr>
+        </p:nvGraphicFramePr>
+        <p:xfrm>
+          <a:off x="914399" y="2057401"/>
+          <a:ext cx="10639426" cy="4596061"/>
+        </p:xfrm>
+        <a:graphic>
+          <a:graphicData uri="http://schemas.openxmlformats.org/drawingml/2006/table">
+            <a:tbl>
+              <a:tblPr firstRow="1" bandRow="1">
+                <a:tableStyleId>{5C22544A-7EE6-4342-B048-85BDC9FD1C3A}</a:tableStyleId>
+              </a:tblPr>
+              <a:tblGrid>
+                <a:gridCol w="4600576">
+                  <a:extLst>
+                    <a:ext uri="{9D8B030D-6E8A-4147-A177-3AD203B41FA5}">
+                      <a16:colId xmlns:a16="http://schemas.microsoft.com/office/drawing/2014/main" val="2461625038"/>
+                    </a:ext>
+                  </a:extLst>
+                </a:gridCol>
+                <a:gridCol w="4905375">
+                  <a:extLst>
+                    <a:ext uri="{9D8B030D-6E8A-4147-A177-3AD203B41FA5}">
+                      <a16:colId xmlns:a16="http://schemas.microsoft.com/office/drawing/2014/main" val="1191886570"/>
+                    </a:ext>
+                  </a:extLst>
+                </a:gridCol>
+                <a:gridCol w="1133475">
+                  <a:extLst>
+                    <a:ext uri="{9D8B030D-6E8A-4147-A177-3AD203B41FA5}">
+                      <a16:colId xmlns:a16="http://schemas.microsoft.com/office/drawing/2014/main" val="3486526979"/>
+                    </a:ext>
+                  </a:extLst>
+                </a:gridCol>
+              </a:tblGrid>
+              <a:tr h="270633">
+                <a:tc>
+                  <a:txBody>
+                    <a:bodyPr/>
+                    <a:lstStyle/>
+                    <a:p>
+                      <a:pPr algn="ctr"/>
+                      <a:r>
+                        <a:rPr lang="it-IT" sz="1200" b="1" i="0" dirty="0">
+                          <a:solidFill>
+                            <a:schemeClr val="bg1"/>
+                          </a:solidFill>
+                          <a:latin typeface="+mn-lt"/>
+                        </a:rPr>
+                        <a:t>Track Name</a:t>
+                      </a:r>
+                    </a:p>
+                  </a:txBody>
+                  <a:tcPr/>
+                </a:tc>
+                <a:tc>
+                  <a:txBody>
+                    <a:bodyPr/>
+                    <a:lstStyle/>
+                    <a:p>
+                      <a:pPr algn="ctr"/>
+                      <a:r>
+                        <a:rPr lang="it-IT" sz="1200" b="1" i="0" dirty="0" err="1">
+                          <a:solidFill>
+                            <a:schemeClr val="bg1"/>
+                          </a:solidFill>
+                          <a:latin typeface="+mn-lt"/>
+                        </a:rPr>
+                        <a:t>Albums</a:t>
+                      </a:r>
+                      <a:endParaRPr lang="it-IT" sz="1200" b="1" i="0" dirty="0">
+                        <a:solidFill>
+                          <a:schemeClr val="bg1"/>
+                        </a:solidFill>
+                        <a:latin typeface="+mn-lt"/>
+                      </a:endParaRPr>
+                    </a:p>
+                  </a:txBody>
+                  <a:tcPr/>
+                </a:tc>
+                <a:tc>
+                  <a:txBody>
+                    <a:bodyPr/>
+                    <a:lstStyle/>
+                    <a:p>
+                      <a:pPr lvl="0" algn="ctr">
+                        <a:buNone/>
+                      </a:pPr>
+                      <a:r>
+                        <a:rPr lang="it-IT" sz="1200" b="1" i="0" u="none" strike="noStrike" noProof="0" dirty="0" err="1">
+                          <a:solidFill>
+                            <a:schemeClr val="bg1"/>
+                          </a:solidFill>
+                          <a:latin typeface="+mn-lt"/>
+                        </a:rPr>
+                        <a:t>albumCount</a:t>
+                      </a:r>
+                      <a:endParaRPr lang="it-IT" sz="1200" b="1" i="0" dirty="0">
+                        <a:solidFill>
+                          <a:schemeClr val="bg1"/>
+                        </a:solidFill>
+                        <a:latin typeface="+mn-lt"/>
+                      </a:endParaRPr>
+                    </a:p>
+                  </a:txBody>
+                  <a:tcPr/>
+                </a:tc>
+                <a:extLst>
+                  <a:ext uri="{0D108BD9-81ED-4DB2-BD59-A6C34878D82A}">
+                    <a16:rowId xmlns:a16="http://schemas.microsoft.com/office/drawing/2014/main" val="1255640995"/>
+                  </a:ext>
+                </a:extLst>
+              </a:tr>
+              <a:tr h="435949">
+                <a:tc>
+                  <a:txBody>
+                    <a:bodyPr/>
+                    <a:lstStyle/>
+                    <a:p>
+                      <a:r>
+                        <a:rPr lang="it-IT">
+                          <a:effectLst/>
+                        </a:rPr>
+                        <a:t>Boogieman (feat. Salmo) (Ghali, Salmo)</a:t>
+                      </a:r>
+                    </a:p>
+                  </a:txBody>
+                  <a:tcPr marL="60960" marR="60960" marT="30480" marB="30480" anchor="ctr"/>
+                </a:tc>
+                <a:tc>
+                  <a:txBody>
+                    <a:bodyPr/>
+                    <a:lstStyle/>
+                    <a:p>
+                      <a:r>
+                        <a:rPr lang="it-IT">
+                          <a:effectLst/>
+                        </a:rPr>
+                        <a:t>DNA, Boogieman (feat. Salmo)</a:t>
+                      </a:r>
+                    </a:p>
+                  </a:txBody>
+                  <a:tcPr marL="60960" marR="60960" marT="30480" marB="30480" anchor="ctr"/>
+                </a:tc>
+                <a:tc>
+                  <a:txBody>
+                    <a:bodyPr/>
+                    <a:lstStyle/>
+                    <a:p>
+                      <a:pPr algn="ctr"/>
+                      <a:r>
+                        <a:rPr lang="it-IT" b="0" dirty="0">
+                          <a:effectLst/>
+                        </a:rPr>
+                        <a:t>6</a:t>
+                      </a:r>
+                    </a:p>
+                  </a:txBody>
+                  <a:tcPr marL="60960" marR="60960" marT="30480" marB="30480" anchor="ctr"/>
+                </a:tc>
+                <a:extLst>
+                  <a:ext uri="{0D108BD9-81ED-4DB2-BD59-A6C34878D82A}">
+                    <a16:rowId xmlns:a16="http://schemas.microsoft.com/office/drawing/2014/main" val="1889553313"/>
+                  </a:ext>
+                </a:extLst>
+              </a:tr>
+              <a:tr h="415188">
+                <a:tc>
+                  <a:txBody>
+                    <a:bodyPr/>
+                    <a:lstStyle/>
+                    <a:p>
+                      <a:r>
+                        <a:rPr lang="it-IT">
+                          <a:effectLst/>
+                        </a:rPr>
+                        <a:t>Believer (Imagine Dragons)</a:t>
+                      </a:r>
+                    </a:p>
+                  </a:txBody>
+                  <a:tcPr marL="60960" marR="60960" marT="30480" marB="30480" anchor="ctr"/>
+                </a:tc>
+                <a:tc>
+                  <a:txBody>
+                    <a:bodyPr/>
+                    <a:lstStyle/>
+                    <a:p>
+                      <a:r>
+                        <a:rPr lang="it-IT">
+                          <a:effectLst/>
+                        </a:rPr>
+                        <a:t>Evolve, Believer</a:t>
+                      </a:r>
+                    </a:p>
+                  </a:txBody>
+                  <a:tcPr marL="60960" marR="60960" marT="30480" marB="30480" anchor="ctr"/>
+                </a:tc>
+                <a:tc>
+                  <a:txBody>
+                    <a:bodyPr/>
+                    <a:lstStyle/>
+                    <a:p>
+                      <a:pPr algn="ctr"/>
+                      <a:r>
+                        <a:rPr lang="it-IT" b="0" dirty="0">
+                          <a:effectLst/>
+                        </a:rPr>
+                        <a:t>6</a:t>
+                      </a:r>
+                    </a:p>
+                  </a:txBody>
+                  <a:tcPr marL="60960" marR="60960" marT="30480" marB="30480" anchor="ctr"/>
+                </a:tc>
+                <a:extLst>
+                  <a:ext uri="{0D108BD9-81ED-4DB2-BD59-A6C34878D82A}">
+                    <a16:rowId xmlns:a16="http://schemas.microsoft.com/office/drawing/2014/main" val="2280957678"/>
+                  </a:ext>
+                </a:extLst>
+              </a:tr>
+              <a:tr h="330774">
+                <a:tc>
+                  <a:txBody>
+                    <a:bodyPr/>
+                    <a:lstStyle/>
+                    <a:p>
+                      <a:r>
+                        <a:rPr lang="it-IT">
+                          <a:effectLst/>
+                        </a:rPr>
+                        <a:t>Thunder (Imagine Dragons)</a:t>
+                      </a:r>
+                    </a:p>
+                  </a:txBody>
+                  <a:tcPr marL="60960" marR="60960" marT="30480" marB="30480" anchor="ctr"/>
+                </a:tc>
+                <a:tc>
+                  <a:txBody>
+                    <a:bodyPr/>
+                    <a:lstStyle/>
+                    <a:p>
+                      <a:r>
+                        <a:rPr lang="it-IT">
+                          <a:effectLst/>
+                        </a:rPr>
+                        <a:t>Evolve, Thunder</a:t>
+                      </a:r>
+                    </a:p>
+                  </a:txBody>
+                  <a:tcPr marL="60960" marR="60960" marT="30480" marB="30480" anchor="ctr"/>
+                </a:tc>
+                <a:tc>
+                  <a:txBody>
+                    <a:bodyPr/>
+                    <a:lstStyle/>
+                    <a:p>
+                      <a:pPr algn="ctr"/>
+                      <a:r>
+                        <a:rPr lang="it-IT" b="0" dirty="0">
+                          <a:effectLst/>
+                        </a:rPr>
+                        <a:t>6</a:t>
+                      </a:r>
+                    </a:p>
+                  </a:txBody>
+                  <a:tcPr marL="60960" marR="60960" marT="30480" marB="30480" anchor="ctr"/>
+                </a:tc>
+                <a:extLst>
+                  <a:ext uri="{0D108BD9-81ED-4DB2-BD59-A6C34878D82A}">
+                    <a16:rowId xmlns:a16="http://schemas.microsoft.com/office/drawing/2014/main" val="2192274213"/>
+                  </a:ext>
+                </a:extLst>
+              </a:tr>
+              <a:tr h="330774">
+                <a:tc>
+                  <a:txBody>
+                    <a:bodyPr/>
+                    <a:lstStyle/>
+                    <a:p>
+                      <a:r>
+                        <a:rPr lang="it-IT">
+                          <a:effectLst/>
+                        </a:rPr>
+                        <a:t>Feelings (Lauv)</a:t>
+                      </a:r>
+                    </a:p>
+                  </a:txBody>
+                  <a:tcPr marL="60960" marR="60960" marT="30480" marB="30480" anchor="ctr"/>
+                </a:tc>
+                <a:tc>
+                  <a:txBody>
+                    <a:bodyPr/>
+                    <a:lstStyle/>
+                    <a:p>
+                      <a:r>
+                        <a:rPr lang="it-IT" dirty="0">
+                          <a:effectLst/>
+                        </a:rPr>
+                        <a:t>~</a:t>
+                      </a:r>
+                      <a:r>
+                        <a:rPr lang="it-IT" dirty="0" err="1">
+                          <a:effectLst/>
+                        </a:rPr>
+                        <a:t>how</a:t>
+                      </a:r>
+                      <a:r>
+                        <a:rPr lang="it-IT" dirty="0">
+                          <a:effectLst/>
+                        </a:rPr>
+                        <a:t> </a:t>
+                      </a:r>
+                      <a:r>
+                        <a:rPr lang="it-IT" dirty="0" err="1">
+                          <a:effectLst/>
+                        </a:rPr>
+                        <a:t>i'm</a:t>
+                      </a:r>
+                      <a:r>
+                        <a:rPr lang="it-IT" dirty="0">
+                          <a:effectLst/>
+                        </a:rPr>
+                        <a:t> feeling~, Feelings</a:t>
+                      </a:r>
+                    </a:p>
+                  </a:txBody>
+                  <a:tcPr marL="60960" marR="60960" marT="30480" marB="30480" anchor="ctr"/>
+                </a:tc>
+                <a:tc>
+                  <a:txBody>
+                    <a:bodyPr/>
+                    <a:lstStyle/>
+                    <a:p>
+                      <a:pPr algn="ctr"/>
+                      <a:r>
+                        <a:rPr lang="it-IT" b="0" dirty="0">
+                          <a:effectLst/>
+                        </a:rPr>
+                        <a:t>6</a:t>
+                      </a:r>
+                    </a:p>
+                  </a:txBody>
+                  <a:tcPr marL="60960" marR="60960" marT="30480" marB="30480" anchor="ctr"/>
+                </a:tc>
+                <a:extLst>
+                  <a:ext uri="{0D108BD9-81ED-4DB2-BD59-A6C34878D82A}">
+                    <a16:rowId xmlns:a16="http://schemas.microsoft.com/office/drawing/2014/main" val="2772147380"/>
+                  </a:ext>
+                </a:extLst>
+              </a:tr>
+              <a:tr h="330774">
+                <a:tc>
+                  <a:txBody>
+                    <a:bodyPr/>
+                    <a:lstStyle/>
+                    <a:p>
+                      <a:r>
+                        <a:rPr lang="en-US">
+                          <a:effectLst/>
+                        </a:rPr>
+                        <a:t>i'm so tired... (Troye Sivan, Lauv)</a:t>
+                      </a:r>
+                    </a:p>
+                  </a:txBody>
+                  <a:tcPr marL="60960" marR="60960" marT="30480" marB="30480" anchor="ctr"/>
+                </a:tc>
+                <a:tc>
+                  <a:txBody>
+                    <a:bodyPr/>
+                    <a:lstStyle/>
+                    <a:p>
+                      <a:r>
+                        <a:rPr lang="en-US">
+                          <a:effectLst/>
+                        </a:rPr>
+                        <a:t>~how i'm feeling~, i'm so tired...</a:t>
+                      </a:r>
+                    </a:p>
+                  </a:txBody>
+                  <a:tcPr marL="60960" marR="60960" marT="30480" marB="30480" anchor="ctr"/>
+                </a:tc>
+                <a:tc>
+                  <a:txBody>
+                    <a:bodyPr/>
+                    <a:lstStyle/>
+                    <a:p>
+                      <a:pPr algn="ctr"/>
+                      <a:r>
+                        <a:rPr lang="it-IT" b="0" dirty="0">
+                          <a:effectLst/>
+                        </a:rPr>
+                        <a:t>6</a:t>
+                      </a:r>
+                    </a:p>
+                  </a:txBody>
+                  <a:tcPr marL="60960" marR="60960" marT="30480" marB="30480" anchor="ctr"/>
+                </a:tc>
+                <a:extLst>
+                  <a:ext uri="{0D108BD9-81ED-4DB2-BD59-A6C34878D82A}">
+                    <a16:rowId xmlns:a16="http://schemas.microsoft.com/office/drawing/2014/main" val="89622780"/>
+                  </a:ext>
+                </a:extLst>
+              </a:tr>
+              <a:tr h="415188">
+                <a:tc>
+                  <a:txBody>
+                    <a:bodyPr/>
+                    <a:lstStyle/>
+                    <a:p>
+                      <a:r>
+                        <a:rPr lang="it-IT">
+                          <a:effectLst/>
+                        </a:rPr>
+                        <a:t>Verloren (Tabitha)</a:t>
+                      </a:r>
+                    </a:p>
+                  </a:txBody>
+                  <a:tcPr marL="60960" marR="60960" marT="30480" marB="30480" anchor="ctr"/>
+                </a:tc>
+                <a:tc>
+                  <a:txBody>
+                    <a:bodyPr/>
+                    <a:lstStyle/>
+                    <a:p>
+                      <a:r>
+                        <a:rPr lang="it-IT">
+                          <a:effectLst/>
+                        </a:rPr>
+                        <a:t>Beste Zangers Seizoen 2020 (Tabitha)</a:t>
+                      </a:r>
+                    </a:p>
+                  </a:txBody>
+                  <a:tcPr marL="60960" marR="60960" marT="30480" marB="30480" anchor="ctr"/>
+                </a:tc>
+                <a:tc>
+                  <a:txBody>
+                    <a:bodyPr/>
+                    <a:lstStyle/>
+                    <a:p>
+                      <a:pPr algn="ctr"/>
+                      <a:r>
+                        <a:rPr lang="it-IT" b="0" dirty="0">
+                          <a:effectLst/>
+                        </a:rPr>
+                        <a:t>5</a:t>
+                      </a:r>
+                    </a:p>
+                  </a:txBody>
+                  <a:tcPr marL="60960" marR="60960" marT="30480" marB="30480" anchor="ctr"/>
+                </a:tc>
+                <a:extLst>
+                  <a:ext uri="{0D108BD9-81ED-4DB2-BD59-A6C34878D82A}">
+                    <a16:rowId xmlns:a16="http://schemas.microsoft.com/office/drawing/2014/main" val="1086527724"/>
+                  </a:ext>
+                </a:extLst>
+              </a:tr>
+              <a:tr h="415188">
+                <a:tc>
+                  <a:txBody>
+                    <a:bodyPr/>
+                    <a:lstStyle/>
+                    <a:p>
+                      <a:r>
+                        <a:rPr lang="it-IT">
+                          <a:effectLst/>
+                        </a:rPr>
+                        <a:t>Good Times (Ghali)</a:t>
+                      </a:r>
+                    </a:p>
+                  </a:txBody>
+                  <a:tcPr marL="60960" marR="60960" marT="30480" marB="30480" anchor="ctr"/>
+                </a:tc>
+                <a:tc>
+                  <a:txBody>
+                    <a:bodyPr/>
+                    <a:lstStyle/>
+                    <a:p>
+                      <a:r>
+                        <a:rPr lang="it-IT">
+                          <a:effectLst/>
+                        </a:rPr>
+                        <a:t>DNA</a:t>
+                      </a:r>
+                    </a:p>
+                  </a:txBody>
+                  <a:tcPr marL="60960" marR="60960" marT="30480" marB="30480" anchor="ctr"/>
+                </a:tc>
+                <a:tc>
+                  <a:txBody>
+                    <a:bodyPr/>
+                    <a:lstStyle/>
+                    <a:p>
+                      <a:pPr algn="ctr"/>
+                      <a:r>
+                        <a:rPr lang="it-IT" b="0" dirty="0">
+                          <a:effectLst/>
+                        </a:rPr>
+                        <a:t>5</a:t>
+                      </a:r>
+                    </a:p>
+                  </a:txBody>
+                  <a:tcPr marL="60960" marR="60960" marT="30480" marB="30480" anchor="ctr"/>
+                </a:tc>
+                <a:extLst>
+                  <a:ext uri="{0D108BD9-81ED-4DB2-BD59-A6C34878D82A}">
+                    <a16:rowId xmlns:a16="http://schemas.microsoft.com/office/drawing/2014/main" val="2580150930"/>
+                  </a:ext>
+                </a:extLst>
+              </a:tr>
+              <a:tr h="415188">
+                <a:tc>
+                  <a:txBody>
+                    <a:bodyPr/>
+                    <a:lstStyle/>
+                    <a:p>
+                      <a:r>
+                        <a:rPr lang="en-US">
+                          <a:effectLst/>
+                        </a:rPr>
+                        <a:t>Whatever It Takes (Imagine Dragons)</a:t>
+                      </a:r>
+                    </a:p>
+                  </a:txBody>
+                  <a:tcPr marL="60960" marR="60960" marT="30480" marB="30480" anchor="ctr"/>
+                </a:tc>
+                <a:tc>
+                  <a:txBody>
+                    <a:bodyPr/>
+                    <a:lstStyle/>
+                    <a:p>
+                      <a:r>
+                        <a:rPr lang="it-IT">
+                          <a:effectLst/>
+                        </a:rPr>
+                        <a:t>Evolve, Whatever It Takes</a:t>
+                      </a:r>
+                    </a:p>
+                  </a:txBody>
+                  <a:tcPr marL="60960" marR="60960" marT="30480" marB="30480" anchor="ctr"/>
+                </a:tc>
+                <a:tc>
+                  <a:txBody>
+                    <a:bodyPr/>
+                    <a:lstStyle/>
+                    <a:p>
+                      <a:pPr algn="ctr"/>
+                      <a:r>
+                        <a:rPr lang="it-IT" b="0" dirty="0">
+                          <a:effectLst/>
+                        </a:rPr>
+                        <a:t>5</a:t>
+                      </a:r>
+                    </a:p>
+                  </a:txBody>
+                  <a:tcPr marL="60960" marR="60960" marT="30480" marB="30480" anchor="ctr"/>
+                </a:tc>
+                <a:extLst>
+                  <a:ext uri="{0D108BD9-81ED-4DB2-BD59-A6C34878D82A}">
+                    <a16:rowId xmlns:a16="http://schemas.microsoft.com/office/drawing/2014/main" val="1899529535"/>
+                  </a:ext>
+                </a:extLst>
+              </a:tr>
+              <a:tr h="601408">
+                <a:tc>
+                  <a:txBody>
+                    <a:bodyPr/>
+                    <a:lstStyle/>
+                    <a:p>
+                      <a:r>
+                        <a:rPr lang="en-US">
+                          <a:effectLst/>
+                        </a:rPr>
+                        <a:t>Sunflower - Spider-Man: Into the Spider-Verse ...</a:t>
+                      </a:r>
+                    </a:p>
+                  </a:txBody>
+                  <a:tcPr marL="60960" marR="60960" marT="30480" marB="30480" anchor="ctr"/>
+                </a:tc>
+                <a:tc>
+                  <a:txBody>
+                    <a:bodyPr/>
+                    <a:lstStyle/>
+                    <a:p>
+                      <a:r>
+                        <a:rPr lang="en-US">
+                          <a:effectLst/>
+                        </a:rPr>
+                        <a:t>Hollywood's Bleeding, Sunflower (Spider-Man: I...</a:t>
+                      </a:r>
+                    </a:p>
+                  </a:txBody>
+                  <a:tcPr marL="60960" marR="60960" marT="30480" marB="30480" anchor="ctr"/>
+                </a:tc>
+                <a:tc>
+                  <a:txBody>
+                    <a:bodyPr/>
+                    <a:lstStyle/>
+                    <a:p>
+                      <a:pPr algn="ctr"/>
+                      <a:r>
+                        <a:rPr lang="it-IT" b="0" dirty="0">
+                          <a:effectLst/>
+                        </a:rPr>
+                        <a:t>5</a:t>
+                      </a:r>
+                    </a:p>
+                  </a:txBody>
+                  <a:tcPr marL="60960" marR="60960" marT="30480" marB="30480" anchor="ctr"/>
+                </a:tc>
+                <a:extLst>
+                  <a:ext uri="{0D108BD9-81ED-4DB2-BD59-A6C34878D82A}">
+                    <a16:rowId xmlns:a16="http://schemas.microsoft.com/office/drawing/2014/main" val="1947964374"/>
+                  </a:ext>
+                </a:extLst>
+              </a:tr>
+              <a:tr h="601408">
+                <a:tc>
+                  <a:txBody>
+                    <a:bodyPr/>
+                    <a:lstStyle/>
+                    <a:p>
+                      <a:r>
+                        <a:rPr lang="en-US" dirty="0">
+                          <a:effectLst/>
+                        </a:rPr>
+                        <a:t>My Only Wish (This Year) (Britney Spears)</a:t>
+                      </a:r>
+                    </a:p>
+                  </a:txBody>
+                  <a:tcPr marL="60960" marR="60960" marT="30480" marB="30480" anchor="ctr"/>
+                </a:tc>
+                <a:tc>
+                  <a:txBody>
+                    <a:bodyPr/>
+                    <a:lstStyle/>
+                    <a:p>
+                      <a:r>
+                        <a:rPr lang="en-US" dirty="0">
+                          <a:effectLst/>
+                        </a:rPr>
+                        <a:t>Pop &amp; Wave - Christmas Edition, Five Songs Of ...</a:t>
+                      </a:r>
+                    </a:p>
+                  </a:txBody>
+                  <a:tcPr marL="60960" marR="60960" marT="30480" marB="30480" anchor="ctr"/>
+                </a:tc>
+                <a:tc>
+                  <a:txBody>
+                    <a:bodyPr/>
+                    <a:lstStyle/>
+                    <a:p>
+                      <a:pPr algn="ctr"/>
+                      <a:r>
+                        <a:rPr lang="it-IT" b="0" dirty="0">
+                          <a:effectLst/>
+                        </a:rPr>
+                        <a:t>5</a:t>
+                      </a:r>
+                    </a:p>
+                  </a:txBody>
+                  <a:tcPr marL="60960" marR="60960" marT="30480" marB="30480" anchor="ctr"/>
+                </a:tc>
+                <a:extLst>
+                  <a:ext uri="{0D108BD9-81ED-4DB2-BD59-A6C34878D82A}">
+                    <a16:rowId xmlns:a16="http://schemas.microsoft.com/office/drawing/2014/main" val="1408510068"/>
+                  </a:ext>
+                </a:extLst>
+              </a:tr>
+            </a:tbl>
+          </a:graphicData>
+        </a:graphic>
+      </p:graphicFrame>
     </p:spTree>
     <p:extLst>
       <p:ext uri="{BB962C8B-B14F-4D97-AF65-F5344CB8AC3E}">
@@ -20044,7 +20736,7 @@
           <a:p>
             <a:r>
               <a:rPr lang="it-IT" sz="3600" b="1" dirty="0"/>
-              <a:t>Query 8</a:t>
+              <a:t>Query 7</a:t>
             </a:r>
           </a:p>
         </p:txBody>
@@ -20085,7 +20777,7 @@
                 <a:effectLst/>
                 <a:latin typeface="Inter"/>
               </a:rPr>
-              <a:t>Show how many explicit tracks appears in the top 100 for each country</a:t>
+              <a:t>How many albums (at least 2) contains the same track?</a:t>
             </a:r>
             <a:endParaRPr lang="en-US" sz="2800" i="1" dirty="0">
               <a:effectLst/>
@@ -20096,10 +20788,10 @@
       </p:sp>
       <p:pic>
         <p:nvPicPr>
-          <p:cNvPr id="7" name="Immagine 6">
+          <p:cNvPr id="8" name="Immagine 7">
             <a:extLst>
               <a:ext uri="{FF2B5EF4-FFF2-40B4-BE49-F238E27FC236}">
-                <a16:creationId xmlns:a16="http://schemas.microsoft.com/office/drawing/2014/main" id="{21BCFAC6-566F-432A-ADD5-C519098AFE91}"/>
+                <a16:creationId xmlns:a16="http://schemas.microsoft.com/office/drawing/2014/main" id="{95726939-5B04-4DD7-8FCF-42E5677E2419}"/>
               </a:ext>
             </a:extLst>
           </p:cNvPr>
@@ -20122,8 +20814,116 @@
         </p:blipFill>
         <p:spPr>
           <a:xfrm>
-            <a:off x="1945025" y="2214420"/>
-            <a:ext cx="8044774" cy="4210794"/>
+            <a:off x="970183" y="2268786"/>
+            <a:ext cx="4552951" cy="2081905"/>
+          </a:xfrm>
+          <a:prstGeom prst="rect">
+            <a:avLst/>
+          </a:prstGeom>
+        </p:spPr>
+      </p:pic>
+      <p:pic>
+        <p:nvPicPr>
+          <p:cNvPr id="10" name="Immagine 9">
+            <a:extLst>
+              <a:ext uri="{FF2B5EF4-FFF2-40B4-BE49-F238E27FC236}">
+                <a16:creationId xmlns:a16="http://schemas.microsoft.com/office/drawing/2014/main" id="{B3CF0311-F748-443D-9C15-3A2C3D015BAC}"/>
+              </a:ext>
+            </a:extLst>
+          </p:cNvPr>
+          <p:cNvPicPr>
+            <a:picLocks noChangeAspect="1"/>
+          </p:cNvPicPr>
+          <p:nvPr/>
+        </p:nvPicPr>
+        <p:blipFill>
+          <a:blip r:embed="rId3">
+            <a:extLst>
+              <a:ext uri="{28A0092B-C50C-407E-A947-70E740481C1C}">
+                <a14:useLocalDpi xmlns:a14="http://schemas.microsoft.com/office/drawing/2010/main" val="0"/>
+              </a:ext>
+            </a:extLst>
+          </a:blip>
+          <a:stretch>
+            <a:fillRect/>
+          </a:stretch>
+        </p:blipFill>
+        <p:spPr>
+          <a:xfrm>
+            <a:off x="970183" y="4512617"/>
+            <a:ext cx="4552951" cy="2036846"/>
+          </a:xfrm>
+          <a:prstGeom prst="rect">
+            <a:avLst/>
+          </a:prstGeom>
+        </p:spPr>
+      </p:pic>
+      <p:pic>
+        <p:nvPicPr>
+          <p:cNvPr id="12" name="Immagine 11">
+            <a:extLst>
+              <a:ext uri="{FF2B5EF4-FFF2-40B4-BE49-F238E27FC236}">
+                <a16:creationId xmlns:a16="http://schemas.microsoft.com/office/drawing/2014/main" id="{AE0ADFE3-AE76-4801-9C6D-7395F5D940C8}"/>
+              </a:ext>
+            </a:extLst>
+          </p:cNvPr>
+          <p:cNvPicPr>
+            <a:picLocks noChangeAspect="1"/>
+          </p:cNvPicPr>
+          <p:nvPr/>
+        </p:nvPicPr>
+        <p:blipFill>
+          <a:blip r:embed="rId4">
+            <a:extLst>
+              <a:ext uri="{28A0092B-C50C-407E-A947-70E740481C1C}">
+                <a14:useLocalDpi xmlns:a14="http://schemas.microsoft.com/office/drawing/2010/main" val="0"/>
+              </a:ext>
+            </a:extLst>
+          </a:blip>
+          <a:stretch>
+            <a:fillRect/>
+          </a:stretch>
+        </p:blipFill>
+        <p:spPr>
+          <a:xfrm>
+            <a:off x="6096000" y="4519526"/>
+            <a:ext cx="4552951" cy="2029937"/>
+          </a:xfrm>
+          <a:prstGeom prst="rect">
+            <a:avLst/>
+          </a:prstGeom>
+        </p:spPr>
+      </p:pic>
+      <p:pic>
+        <p:nvPicPr>
+          <p:cNvPr id="14" name="Immagine 13">
+            <a:extLst>
+              <a:ext uri="{FF2B5EF4-FFF2-40B4-BE49-F238E27FC236}">
+                <a16:creationId xmlns:a16="http://schemas.microsoft.com/office/drawing/2014/main" id="{8093C292-7FA1-4815-AEDE-8D25AE4B7A61}"/>
+              </a:ext>
+            </a:extLst>
+          </p:cNvPr>
+          <p:cNvPicPr>
+            <a:picLocks noChangeAspect="1"/>
+          </p:cNvPicPr>
+          <p:nvPr/>
+        </p:nvPicPr>
+        <p:blipFill>
+          <a:blip r:embed="rId5">
+            <a:extLst>
+              <a:ext uri="{28A0092B-C50C-407E-A947-70E740481C1C}">
+                <a14:useLocalDpi xmlns:a14="http://schemas.microsoft.com/office/drawing/2010/main" val="0"/>
+              </a:ext>
+            </a:extLst>
+          </a:blip>
+          <a:stretch>
+            <a:fillRect/>
+          </a:stretch>
+        </p:blipFill>
+        <p:spPr>
+          <a:xfrm>
+            <a:off x="6096000" y="2306109"/>
+            <a:ext cx="4552951" cy="2044582"/>
           </a:xfrm>
           <a:prstGeom prst="rect">
             <a:avLst/>
@@ -20133,7 +20933,7 @@
     </p:spTree>
     <p:extLst>
       <p:ext uri="{BB962C8B-B14F-4D97-AF65-F5344CB8AC3E}">
-        <p14:creationId xmlns:p14="http://schemas.microsoft.com/office/powerpoint/2010/main" val="3174939941"/>
+        <p14:creationId xmlns:p14="http://schemas.microsoft.com/office/powerpoint/2010/main" val="3944700638"/>
       </p:ext>
     </p:extLst>
   </p:cSld>
@@ -20190,7 +20990,7 @@
           <a:p>
             <a:r>
               <a:rPr lang="it-IT" sz="3600" b="1" dirty="0"/>
-              <a:t>Query 9</a:t>
+              <a:t>Query 7</a:t>
             </a:r>
           </a:p>
         </p:txBody>
@@ -20231,7 +21031,7 @@
                 <a:effectLst/>
                 <a:latin typeface="Inter"/>
               </a:rPr>
-              <a:t>How many songs from Japan or South Korea reaches Top 20 in US, Canada or Mexico?</a:t>
+              <a:t>How many albums (at least 2) contains the same track?</a:t>
             </a:r>
             <a:endParaRPr lang="en-US" sz="2800" i="1" dirty="0">
               <a:effectLst/>
@@ -20240,10 +21040,378 @@
           </a:p>
         </p:txBody>
       </p:sp>
+      <p:pic>
+        <p:nvPicPr>
+          <p:cNvPr id="8" name="Immagine 7">
+            <a:extLst>
+              <a:ext uri="{FF2B5EF4-FFF2-40B4-BE49-F238E27FC236}">
+                <a16:creationId xmlns:a16="http://schemas.microsoft.com/office/drawing/2014/main" id="{95726939-5B04-4DD7-8FCF-42E5677E2419}"/>
+              </a:ext>
+            </a:extLst>
+          </p:cNvPr>
+          <p:cNvPicPr>
+            <a:picLocks noChangeAspect="1"/>
+          </p:cNvPicPr>
+          <p:nvPr/>
+        </p:nvPicPr>
+        <p:blipFill>
+          <a:blip r:embed="rId2">
+            <a:extLst>
+              <a:ext uri="{28A0092B-C50C-407E-A947-70E740481C1C}">
+                <a14:useLocalDpi xmlns:a14="http://schemas.microsoft.com/office/drawing/2010/main" val="0"/>
+              </a:ext>
+            </a:extLst>
+          </a:blip>
+          <a:stretch>
+            <a:fillRect/>
+          </a:stretch>
+        </p:blipFill>
+        <p:spPr>
+          <a:xfrm>
+            <a:off x="970183" y="2268786"/>
+            <a:ext cx="4552951" cy="2081905"/>
+          </a:xfrm>
+          <a:prstGeom prst="rect">
+            <a:avLst/>
+          </a:prstGeom>
+        </p:spPr>
+      </p:pic>
+      <p:pic>
+        <p:nvPicPr>
+          <p:cNvPr id="10" name="Immagine 9">
+            <a:extLst>
+              <a:ext uri="{FF2B5EF4-FFF2-40B4-BE49-F238E27FC236}">
+                <a16:creationId xmlns:a16="http://schemas.microsoft.com/office/drawing/2014/main" id="{B3CF0311-F748-443D-9C15-3A2C3D015BAC}"/>
+              </a:ext>
+            </a:extLst>
+          </p:cNvPr>
+          <p:cNvPicPr>
+            <a:picLocks noChangeAspect="1"/>
+          </p:cNvPicPr>
+          <p:nvPr/>
+        </p:nvPicPr>
+        <p:blipFill>
+          <a:blip r:embed="rId3">
+            <a:extLst>
+              <a:ext uri="{28A0092B-C50C-407E-A947-70E740481C1C}">
+                <a14:useLocalDpi xmlns:a14="http://schemas.microsoft.com/office/drawing/2010/main" val="0"/>
+              </a:ext>
+            </a:extLst>
+          </a:blip>
+          <a:stretch>
+            <a:fillRect/>
+          </a:stretch>
+        </p:blipFill>
+        <p:spPr>
+          <a:xfrm>
+            <a:off x="970183" y="4512617"/>
+            <a:ext cx="4552951" cy="2036846"/>
+          </a:xfrm>
+          <a:prstGeom prst="rect">
+            <a:avLst/>
+          </a:prstGeom>
+        </p:spPr>
+      </p:pic>
+      <p:pic>
+        <p:nvPicPr>
+          <p:cNvPr id="12" name="Immagine 11">
+            <a:extLst>
+              <a:ext uri="{FF2B5EF4-FFF2-40B4-BE49-F238E27FC236}">
+                <a16:creationId xmlns:a16="http://schemas.microsoft.com/office/drawing/2014/main" id="{AE0ADFE3-AE76-4801-9C6D-7395F5D940C8}"/>
+              </a:ext>
+            </a:extLst>
+          </p:cNvPr>
+          <p:cNvPicPr>
+            <a:picLocks noChangeAspect="1"/>
+          </p:cNvPicPr>
+          <p:nvPr/>
+        </p:nvPicPr>
+        <p:blipFill>
+          <a:blip r:embed="rId4">
+            <a:extLst>
+              <a:ext uri="{28A0092B-C50C-407E-A947-70E740481C1C}">
+                <a14:useLocalDpi xmlns:a14="http://schemas.microsoft.com/office/drawing/2010/main" val="0"/>
+              </a:ext>
+            </a:extLst>
+          </a:blip>
+          <a:stretch>
+            <a:fillRect/>
+          </a:stretch>
+        </p:blipFill>
+        <p:spPr>
+          <a:xfrm>
+            <a:off x="6096000" y="4519526"/>
+            <a:ext cx="4552951" cy="2029937"/>
+          </a:xfrm>
+          <a:prstGeom prst="rect">
+            <a:avLst/>
+          </a:prstGeom>
+        </p:spPr>
+      </p:pic>
+      <p:pic>
+        <p:nvPicPr>
+          <p:cNvPr id="14" name="Immagine 13">
+            <a:extLst>
+              <a:ext uri="{FF2B5EF4-FFF2-40B4-BE49-F238E27FC236}">
+                <a16:creationId xmlns:a16="http://schemas.microsoft.com/office/drawing/2014/main" id="{8093C292-7FA1-4815-AEDE-8D25AE4B7A61}"/>
+              </a:ext>
+            </a:extLst>
+          </p:cNvPr>
+          <p:cNvPicPr>
+            <a:picLocks noChangeAspect="1"/>
+          </p:cNvPicPr>
+          <p:nvPr/>
+        </p:nvPicPr>
+        <p:blipFill>
+          <a:blip r:embed="rId5">
+            <a:extLst>
+              <a:ext uri="{28A0092B-C50C-407E-A947-70E740481C1C}">
+                <a14:useLocalDpi xmlns:a14="http://schemas.microsoft.com/office/drawing/2010/main" val="0"/>
+              </a:ext>
+            </a:extLst>
+          </a:blip>
+          <a:stretch>
+            <a:fillRect/>
+          </a:stretch>
+        </p:blipFill>
+        <p:spPr>
+          <a:xfrm>
+            <a:off x="6096000" y="2306109"/>
+            <a:ext cx="4552951" cy="2044582"/>
+          </a:xfrm>
+          <a:prstGeom prst="rect">
+            <a:avLst/>
+          </a:prstGeom>
+        </p:spPr>
+      </p:pic>
+      <p:sp>
+        <p:nvSpPr>
+          <p:cNvPr id="2" name="Ovale 1">
+            <a:extLst>
+              <a:ext uri="{FF2B5EF4-FFF2-40B4-BE49-F238E27FC236}">
+                <a16:creationId xmlns:a16="http://schemas.microsoft.com/office/drawing/2014/main" id="{254B1FA2-B6B8-447A-85CD-198C59590E79}"/>
+              </a:ext>
+            </a:extLst>
+          </p:cNvPr>
+          <p:cNvSpPr/>
+          <p:nvPr/>
+        </p:nvSpPr>
+        <p:spPr>
+          <a:xfrm>
+            <a:off x="2943225" y="3669768"/>
+            <a:ext cx="2647950" cy="866775"/>
+          </a:xfrm>
+          <a:prstGeom prst="ellipse">
+            <a:avLst/>
+          </a:prstGeom>
+          <a:noFill/>
+          <a:ln w="76200">
+            <a:solidFill>
+              <a:srgbClr val="00B0F0"/>
+            </a:solidFill>
+          </a:ln>
+        </p:spPr>
+        <p:style>
+          <a:lnRef idx="2">
+            <a:schemeClr val="accent1">
+              <a:shade val="50000"/>
+            </a:schemeClr>
+          </a:lnRef>
+          <a:fillRef idx="1">
+            <a:schemeClr val="accent1"/>
+          </a:fillRef>
+          <a:effectRef idx="0">
+            <a:schemeClr val="accent1"/>
+          </a:effectRef>
+          <a:fontRef idx="minor">
+            <a:schemeClr val="lt1"/>
+          </a:fontRef>
+        </p:style>
+        <p:txBody>
+          <a:bodyPr rtlCol="0" anchor="ctr"/>
+          <a:lstStyle/>
+          <a:p>
+            <a:pPr algn="ctr"/>
+            <a:endParaRPr lang="it-IT">
+              <a:solidFill>
+                <a:srgbClr val="FF0000"/>
+              </a:solidFill>
+            </a:endParaRPr>
+          </a:p>
+        </p:txBody>
+      </p:sp>
+      <p:sp>
+        <p:nvSpPr>
+          <p:cNvPr id="11" name="Ovale 10">
+            <a:extLst>
+              <a:ext uri="{FF2B5EF4-FFF2-40B4-BE49-F238E27FC236}">
+                <a16:creationId xmlns:a16="http://schemas.microsoft.com/office/drawing/2014/main" id="{311D1078-3528-4FC7-A2CE-F8FD0162FC36}"/>
+              </a:ext>
+            </a:extLst>
+          </p:cNvPr>
+          <p:cNvSpPr/>
+          <p:nvPr/>
+        </p:nvSpPr>
+        <p:spPr>
+          <a:xfrm>
+            <a:off x="8086725" y="3707091"/>
+            <a:ext cx="2647950" cy="866775"/>
+          </a:xfrm>
+          <a:prstGeom prst="ellipse">
+            <a:avLst/>
+          </a:prstGeom>
+          <a:noFill/>
+          <a:ln w="76200">
+            <a:solidFill>
+              <a:srgbClr val="00B0F0"/>
+            </a:solidFill>
+          </a:ln>
+        </p:spPr>
+        <p:style>
+          <a:lnRef idx="2">
+            <a:schemeClr val="accent1">
+              <a:shade val="50000"/>
+            </a:schemeClr>
+          </a:lnRef>
+          <a:fillRef idx="1">
+            <a:schemeClr val="accent1"/>
+          </a:fillRef>
+          <a:effectRef idx="0">
+            <a:schemeClr val="accent1"/>
+          </a:effectRef>
+          <a:fontRef idx="minor">
+            <a:schemeClr val="lt1"/>
+          </a:fontRef>
+        </p:style>
+        <p:txBody>
+          <a:bodyPr rtlCol="0" anchor="ctr"/>
+          <a:lstStyle/>
+          <a:p>
+            <a:pPr algn="ctr"/>
+            <a:endParaRPr lang="it-IT">
+              <a:solidFill>
+                <a:srgbClr val="FF0000"/>
+              </a:solidFill>
+            </a:endParaRPr>
+          </a:p>
+        </p:txBody>
+      </p:sp>
+      <p:sp>
+        <p:nvSpPr>
+          <p:cNvPr id="13" name="Ovale 12">
+            <a:extLst>
+              <a:ext uri="{FF2B5EF4-FFF2-40B4-BE49-F238E27FC236}">
+                <a16:creationId xmlns:a16="http://schemas.microsoft.com/office/drawing/2014/main" id="{EAAB187C-C361-406B-9679-10E705E5B5BE}"/>
+              </a:ext>
+            </a:extLst>
+          </p:cNvPr>
+          <p:cNvSpPr/>
+          <p:nvPr/>
+        </p:nvSpPr>
+        <p:spPr>
+          <a:xfrm>
+            <a:off x="2909205" y="5891766"/>
+            <a:ext cx="2647950" cy="866775"/>
+          </a:xfrm>
+          <a:prstGeom prst="ellipse">
+            <a:avLst/>
+          </a:prstGeom>
+          <a:noFill/>
+          <a:ln w="76200">
+            <a:solidFill>
+              <a:srgbClr val="00B0F0"/>
+            </a:solidFill>
+          </a:ln>
+        </p:spPr>
+        <p:style>
+          <a:lnRef idx="2">
+            <a:schemeClr val="accent1">
+              <a:shade val="50000"/>
+            </a:schemeClr>
+          </a:lnRef>
+          <a:fillRef idx="1">
+            <a:schemeClr val="accent1"/>
+          </a:fillRef>
+          <a:effectRef idx="0">
+            <a:schemeClr val="accent1"/>
+          </a:effectRef>
+          <a:fontRef idx="minor">
+            <a:schemeClr val="lt1"/>
+          </a:fontRef>
+        </p:style>
+        <p:txBody>
+          <a:bodyPr rtlCol="0" anchor="ctr"/>
+          <a:lstStyle/>
+          <a:p>
+            <a:pPr algn="ctr"/>
+            <a:endParaRPr lang="it-IT">
+              <a:solidFill>
+                <a:srgbClr val="FF0000"/>
+              </a:solidFill>
+            </a:endParaRPr>
+          </a:p>
+        </p:txBody>
+      </p:sp>
+      <p:sp>
+        <p:nvSpPr>
+          <p:cNvPr id="15" name="Ovale 14">
+            <a:extLst>
+              <a:ext uri="{FF2B5EF4-FFF2-40B4-BE49-F238E27FC236}">
+                <a16:creationId xmlns:a16="http://schemas.microsoft.com/office/drawing/2014/main" id="{5A2DF81E-D193-428D-8641-54ECC728564E}"/>
+              </a:ext>
+            </a:extLst>
+          </p:cNvPr>
+          <p:cNvSpPr/>
+          <p:nvPr/>
+        </p:nvSpPr>
+        <p:spPr>
+          <a:xfrm>
+            <a:off x="8043863" y="5851523"/>
+            <a:ext cx="2647950" cy="866775"/>
+          </a:xfrm>
+          <a:prstGeom prst="ellipse">
+            <a:avLst/>
+          </a:prstGeom>
+          <a:noFill/>
+          <a:ln w="76200">
+            <a:solidFill>
+              <a:srgbClr val="00B0F0"/>
+            </a:solidFill>
+          </a:ln>
+        </p:spPr>
+        <p:style>
+          <a:lnRef idx="2">
+            <a:schemeClr val="accent1">
+              <a:shade val="50000"/>
+            </a:schemeClr>
+          </a:lnRef>
+          <a:fillRef idx="1">
+            <a:schemeClr val="accent1"/>
+          </a:fillRef>
+          <a:effectRef idx="0">
+            <a:schemeClr val="accent1"/>
+          </a:effectRef>
+          <a:fontRef idx="minor">
+            <a:schemeClr val="lt1"/>
+          </a:fontRef>
+        </p:style>
+        <p:txBody>
+          <a:bodyPr rtlCol="0" anchor="ctr"/>
+          <a:lstStyle/>
+          <a:p>
+            <a:pPr algn="ctr"/>
+            <a:endParaRPr lang="it-IT">
+              <a:solidFill>
+                <a:srgbClr val="FF0000"/>
+              </a:solidFill>
+            </a:endParaRPr>
+          </a:p>
+        </p:txBody>
+      </p:sp>
     </p:spTree>
     <p:extLst>
       <p:ext uri="{BB962C8B-B14F-4D97-AF65-F5344CB8AC3E}">
-        <p14:creationId xmlns:p14="http://schemas.microsoft.com/office/powerpoint/2010/main" val="2355192247"/>
+        <p14:creationId xmlns:p14="http://schemas.microsoft.com/office/powerpoint/2010/main" val="2535109407"/>
       </p:ext>
     </p:extLst>
   </p:cSld>
@@ -20690,6 +21858,1277 @@
           <a:p>
             <a:r>
               <a:rPr lang="it-IT" sz="3600" b="1" dirty="0"/>
+              <a:t>Query 8</a:t>
+            </a:r>
+          </a:p>
+        </p:txBody>
+      </p:sp>
+      <p:sp>
+        <p:nvSpPr>
+          <p:cNvPr id="5" name="Segnaposto contenuto 4">
+            <a:extLst>
+              <a:ext uri="{FF2B5EF4-FFF2-40B4-BE49-F238E27FC236}">
+                <a16:creationId xmlns:a16="http://schemas.microsoft.com/office/drawing/2014/main" id="{0822A188-4351-443E-9A73-0BDAAB88A97A}"/>
+              </a:ext>
+            </a:extLst>
+          </p:cNvPr>
+          <p:cNvSpPr>
+            <a:spLocks noGrp="1"/>
+          </p:cNvSpPr>
+          <p:nvPr>
+            <p:ph idx="1"/>
+          </p:nvPr>
+        </p:nvSpPr>
+        <p:spPr>
+          <a:xfrm>
+            <a:off x="914400" y="1654309"/>
+            <a:ext cx="10106025" cy="428625"/>
+          </a:xfrm>
+        </p:spPr>
+        <p:txBody>
+          <a:bodyPr>
+            <a:normAutofit lnSpcReduction="10000"/>
+          </a:bodyPr>
+          <a:lstStyle/>
+          <a:p>
+            <a:pPr marL="0" indent="0" algn="l" fontAlgn="base">
+              <a:buNone/>
+            </a:pPr>
+            <a:r>
+              <a:rPr lang="en-US" i="0" dirty="0">
+                <a:effectLst/>
+                <a:latin typeface="Inter"/>
+              </a:rPr>
+              <a:t>Show how many explicit tracks appears in the top 100 for each country</a:t>
+            </a:r>
+            <a:endParaRPr lang="en-US" sz="2800" i="1" dirty="0">
+              <a:effectLst/>
+              <a:latin typeface="Inter"/>
+            </a:endParaRPr>
+          </a:p>
+        </p:txBody>
+      </p:sp>
+      <p:pic>
+        <p:nvPicPr>
+          <p:cNvPr id="7" name="Immagine 6">
+            <a:extLst>
+              <a:ext uri="{FF2B5EF4-FFF2-40B4-BE49-F238E27FC236}">
+                <a16:creationId xmlns:a16="http://schemas.microsoft.com/office/drawing/2014/main" id="{21BCFAC6-566F-432A-ADD5-C519098AFE91}"/>
+              </a:ext>
+            </a:extLst>
+          </p:cNvPr>
+          <p:cNvPicPr>
+            <a:picLocks noChangeAspect="1"/>
+          </p:cNvPicPr>
+          <p:nvPr/>
+        </p:nvPicPr>
+        <p:blipFill>
+          <a:blip r:embed="rId2">
+            <a:extLst>
+              <a:ext uri="{28A0092B-C50C-407E-A947-70E740481C1C}">
+                <a14:useLocalDpi xmlns:a14="http://schemas.microsoft.com/office/drawing/2010/main" val="0"/>
+              </a:ext>
+            </a:extLst>
+          </a:blip>
+          <a:stretch>
+            <a:fillRect/>
+          </a:stretch>
+        </p:blipFill>
+        <p:spPr>
+          <a:xfrm>
+            <a:off x="1945025" y="2214420"/>
+            <a:ext cx="8044774" cy="4210794"/>
+          </a:xfrm>
+          <a:prstGeom prst="rect">
+            <a:avLst/>
+          </a:prstGeom>
+        </p:spPr>
+      </p:pic>
+    </p:spTree>
+    <p:extLst>
+      <p:ext uri="{BB962C8B-B14F-4D97-AF65-F5344CB8AC3E}">
+        <p14:creationId xmlns:p14="http://schemas.microsoft.com/office/powerpoint/2010/main" val="3174939941"/>
+      </p:ext>
+    </p:extLst>
+  </p:cSld>
+  <p:clrMapOvr>
+    <a:masterClrMapping/>
+  </p:clrMapOvr>
+</p:sld>
+</file>
+
+<file path=ppt/slides/slide21.xml><?xml version="1.0" encoding="utf-8"?>
+<p:sld xmlns:a="http://schemas.openxmlformats.org/drawingml/2006/main" xmlns:r="http://schemas.openxmlformats.org/officeDocument/2006/relationships" xmlns:p="http://schemas.openxmlformats.org/presentationml/2006/main">
+  <p:cSld>
+    <p:spTree>
+      <p:nvGrpSpPr>
+        <p:cNvPr id="1" name=""/>
+        <p:cNvGrpSpPr/>
+        <p:nvPr/>
+      </p:nvGrpSpPr>
+      <p:grpSpPr>
+        <a:xfrm>
+          <a:off x="0" y="0"/>
+          <a:ext cx="0" cy="0"/>
+          <a:chOff x="0" y="0"/>
+          <a:chExt cx="0" cy="0"/>
+        </a:xfrm>
+      </p:grpSpPr>
+      <p:sp>
+        <p:nvSpPr>
+          <p:cNvPr id="4" name="Titolo 3">
+            <a:extLst>
+              <a:ext uri="{FF2B5EF4-FFF2-40B4-BE49-F238E27FC236}">
+                <a16:creationId xmlns:a16="http://schemas.microsoft.com/office/drawing/2014/main" id="{A32BADA9-D1E4-4A68-A522-AE21B0D0BA03}"/>
+              </a:ext>
+            </a:extLst>
+          </p:cNvPr>
+          <p:cNvSpPr>
+            <a:spLocks noGrp="1"/>
+          </p:cNvSpPr>
+          <p:nvPr>
+            <p:ph type="title"/>
+          </p:nvPr>
+        </p:nvSpPr>
+        <p:spPr>
+          <a:xfrm>
+            <a:off x="914400" y="1079770"/>
+            <a:ext cx="5181600" cy="749030"/>
+          </a:xfrm>
+        </p:spPr>
+        <p:txBody>
+          <a:bodyPr>
+            <a:normAutofit/>
+          </a:bodyPr>
+          <a:lstStyle/>
+          <a:p>
+            <a:r>
+              <a:rPr lang="it-IT" sz="3600" b="1" dirty="0"/>
+              <a:t>Query 9</a:t>
+            </a:r>
+          </a:p>
+        </p:txBody>
+      </p:sp>
+      <p:sp>
+        <p:nvSpPr>
+          <p:cNvPr id="5" name="Segnaposto contenuto 4">
+            <a:extLst>
+              <a:ext uri="{FF2B5EF4-FFF2-40B4-BE49-F238E27FC236}">
+                <a16:creationId xmlns:a16="http://schemas.microsoft.com/office/drawing/2014/main" id="{0822A188-4351-443E-9A73-0BDAAB88A97A}"/>
+              </a:ext>
+            </a:extLst>
+          </p:cNvPr>
+          <p:cNvSpPr>
+            <a:spLocks noGrp="1"/>
+          </p:cNvSpPr>
+          <p:nvPr>
+            <p:ph idx="1"/>
+          </p:nvPr>
+        </p:nvSpPr>
+        <p:spPr>
+          <a:xfrm>
+            <a:off x="914400" y="1654309"/>
+            <a:ext cx="10106025" cy="428625"/>
+          </a:xfrm>
+        </p:spPr>
+        <p:txBody>
+          <a:bodyPr>
+            <a:normAutofit lnSpcReduction="10000"/>
+          </a:bodyPr>
+          <a:lstStyle/>
+          <a:p>
+            <a:pPr marL="0" indent="0" algn="l" fontAlgn="base">
+              <a:buNone/>
+            </a:pPr>
+            <a:r>
+              <a:rPr lang="en-US" i="0" dirty="0">
+                <a:effectLst/>
+                <a:latin typeface="Inter"/>
+              </a:rPr>
+              <a:t>How many songs of artists from Japan or South Korea reaches Top 20 in US, Canada or Mexico?</a:t>
+            </a:r>
+            <a:endParaRPr lang="en-US" sz="2800" i="1" dirty="0">
+              <a:effectLst/>
+              <a:latin typeface="Inter"/>
+            </a:endParaRPr>
+          </a:p>
+        </p:txBody>
+      </p:sp>
+      <p:sp>
+        <p:nvSpPr>
+          <p:cNvPr id="6" name="Segnaposto contenuto 4">
+            <a:extLst>
+              <a:ext uri="{FF2B5EF4-FFF2-40B4-BE49-F238E27FC236}">
+                <a16:creationId xmlns:a16="http://schemas.microsoft.com/office/drawing/2014/main" id="{896B48A0-D2A3-494C-92EC-F46F8A031762}"/>
+              </a:ext>
+            </a:extLst>
+          </p:cNvPr>
+          <p:cNvSpPr txBox="1">
+            <a:spLocks/>
+          </p:cNvSpPr>
+          <p:nvPr/>
+        </p:nvSpPr>
+        <p:spPr>
+          <a:xfrm>
+            <a:off x="914400" y="2216285"/>
+            <a:ext cx="2914650" cy="1517516"/>
+          </a:xfrm>
+          <a:prstGeom prst="rect">
+            <a:avLst/>
+          </a:prstGeom>
+        </p:spPr>
+        <p:txBody>
+          <a:bodyPr vert="horz" lIns="91440" tIns="45720" rIns="91440" bIns="45720" rtlCol="0">
+            <a:noAutofit/>
+          </a:bodyPr>
+          <a:lstStyle>
+            <a:lvl1pPr marL="228600" indent="-228600" algn="l" defTabSz="914400" rtl="0" eaLnBrk="1" latinLnBrk="0" hangingPunct="1">
+              <a:lnSpc>
+                <a:spcPct val="120000"/>
+              </a:lnSpc>
+              <a:spcBef>
+                <a:spcPts val="1000"/>
+              </a:spcBef>
+              <a:buSzPct val="87000"/>
+              <a:buFont typeface="Arial" panose="020B0604020202020204" pitchFamily="34" charset="0"/>
+              <a:buChar char="•"/>
+              <a:defRPr sz="2000" kern="1200">
+                <a:solidFill>
+                  <a:schemeClr val="tx1"/>
+                </a:solidFill>
+                <a:latin typeface="+mn-lt"/>
+                <a:ea typeface="+mn-ea"/>
+                <a:cs typeface="+mn-cs"/>
+              </a:defRPr>
+            </a:lvl1pPr>
+            <a:lvl2pPr marL="274320" indent="0" algn="l" defTabSz="914400" rtl="0" eaLnBrk="1" latinLnBrk="0" hangingPunct="1">
+              <a:lnSpc>
+                <a:spcPct val="120000"/>
+              </a:lnSpc>
+              <a:spcBef>
+                <a:spcPts val="500"/>
+              </a:spcBef>
+              <a:buSzPct val="87000"/>
+              <a:buFontTx/>
+              <a:buNone/>
+              <a:defRPr sz="1800" kern="1200">
+                <a:solidFill>
+                  <a:schemeClr val="tx1"/>
+                </a:solidFill>
+                <a:latin typeface="+mn-lt"/>
+                <a:ea typeface="+mn-ea"/>
+                <a:cs typeface="+mn-cs"/>
+              </a:defRPr>
+            </a:lvl2pPr>
+            <a:lvl3pPr marL="548640" indent="-228600" algn="l" defTabSz="914400" rtl="0" eaLnBrk="1" latinLnBrk="0" hangingPunct="1">
+              <a:lnSpc>
+                <a:spcPct val="120000"/>
+              </a:lnSpc>
+              <a:spcBef>
+                <a:spcPts val="500"/>
+              </a:spcBef>
+              <a:buSzPct val="87000"/>
+              <a:buFont typeface="Arial" panose="020B0604020202020204" pitchFamily="34" charset="0"/>
+              <a:buChar char="•"/>
+              <a:defRPr sz="1600" kern="1200">
+                <a:solidFill>
+                  <a:schemeClr val="tx1"/>
+                </a:solidFill>
+                <a:latin typeface="+mn-lt"/>
+                <a:ea typeface="+mn-ea"/>
+                <a:cs typeface="+mn-cs"/>
+              </a:defRPr>
+            </a:lvl3pPr>
+            <a:lvl4pPr marL="594360" indent="0" algn="l" defTabSz="914400" rtl="0" eaLnBrk="1" latinLnBrk="0" hangingPunct="1">
+              <a:lnSpc>
+                <a:spcPct val="120000"/>
+              </a:lnSpc>
+              <a:spcBef>
+                <a:spcPts val="500"/>
+              </a:spcBef>
+              <a:buSzPct val="87000"/>
+              <a:buFontTx/>
+              <a:buNone/>
+              <a:defRPr sz="1400" kern="1200">
+                <a:solidFill>
+                  <a:schemeClr val="tx1"/>
+                </a:solidFill>
+                <a:latin typeface="+mn-lt"/>
+                <a:ea typeface="+mn-ea"/>
+                <a:cs typeface="+mn-cs"/>
+              </a:defRPr>
+            </a:lvl4pPr>
+            <a:lvl5pPr marL="822960" indent="-228600" algn="l" defTabSz="914400" rtl="0" eaLnBrk="1" latinLnBrk="0" hangingPunct="1">
+              <a:lnSpc>
+                <a:spcPct val="120000"/>
+              </a:lnSpc>
+              <a:spcBef>
+                <a:spcPts val="500"/>
+              </a:spcBef>
+              <a:buSzPct val="87000"/>
+              <a:buFont typeface="Arial" panose="020B0604020202020204" pitchFamily="34" charset="0"/>
+              <a:buChar char="•"/>
+              <a:defRPr sz="1400" kern="1200">
+                <a:solidFill>
+                  <a:schemeClr val="tx1"/>
+                </a:solidFill>
+                <a:latin typeface="+mn-lt"/>
+                <a:ea typeface="+mn-ea"/>
+                <a:cs typeface="+mn-cs"/>
+              </a:defRPr>
+            </a:lvl5pPr>
+            <a:lvl6pPr marL="2514600" indent="-228600" algn="l" defTabSz="914400" rtl="0" eaLnBrk="1" latinLnBrk="0" hangingPunct="1">
+              <a:lnSpc>
+                <a:spcPct val="90000"/>
+              </a:lnSpc>
+              <a:spcBef>
+                <a:spcPts val="500"/>
+              </a:spcBef>
+              <a:buFont typeface="Arial" panose="020B0604020202020204" pitchFamily="34" charset="0"/>
+              <a:buChar char="•"/>
+              <a:defRPr sz="1800" kern="1200">
+                <a:solidFill>
+                  <a:schemeClr val="tx1"/>
+                </a:solidFill>
+                <a:latin typeface="+mn-lt"/>
+                <a:ea typeface="+mn-ea"/>
+                <a:cs typeface="+mn-cs"/>
+              </a:defRPr>
+            </a:lvl6pPr>
+            <a:lvl7pPr marL="2971800" indent="-228600" algn="l" defTabSz="914400" rtl="0" eaLnBrk="1" latinLnBrk="0" hangingPunct="1">
+              <a:lnSpc>
+                <a:spcPct val="90000"/>
+              </a:lnSpc>
+              <a:spcBef>
+                <a:spcPts val="500"/>
+              </a:spcBef>
+              <a:buFont typeface="Arial" panose="020B0604020202020204" pitchFamily="34" charset="0"/>
+              <a:buChar char="•"/>
+              <a:defRPr sz="1800" kern="1200">
+                <a:solidFill>
+                  <a:schemeClr val="tx1"/>
+                </a:solidFill>
+                <a:latin typeface="+mn-lt"/>
+                <a:ea typeface="+mn-ea"/>
+                <a:cs typeface="+mn-cs"/>
+              </a:defRPr>
+            </a:lvl7pPr>
+            <a:lvl8pPr marL="3429000" indent="-228600" algn="l" defTabSz="914400" rtl="0" eaLnBrk="1" latinLnBrk="0" hangingPunct="1">
+              <a:lnSpc>
+                <a:spcPct val="90000"/>
+              </a:lnSpc>
+              <a:spcBef>
+                <a:spcPts val="500"/>
+              </a:spcBef>
+              <a:buFont typeface="Arial" panose="020B0604020202020204" pitchFamily="34" charset="0"/>
+              <a:buChar char="•"/>
+              <a:defRPr sz="1800" kern="1200">
+                <a:solidFill>
+                  <a:schemeClr val="tx1"/>
+                </a:solidFill>
+                <a:latin typeface="+mn-lt"/>
+                <a:ea typeface="+mn-ea"/>
+                <a:cs typeface="+mn-cs"/>
+              </a:defRPr>
+            </a:lvl8pPr>
+            <a:lvl9pPr marL="3886200" indent="-228600" algn="l" defTabSz="914400" rtl="0" eaLnBrk="1" latinLnBrk="0" hangingPunct="1">
+              <a:lnSpc>
+                <a:spcPct val="90000"/>
+              </a:lnSpc>
+              <a:spcBef>
+                <a:spcPts val="500"/>
+              </a:spcBef>
+              <a:buFont typeface="Arial" panose="020B0604020202020204" pitchFamily="34" charset="0"/>
+              <a:buChar char="•"/>
+              <a:defRPr sz="1800" kern="1200">
+                <a:solidFill>
+                  <a:schemeClr val="tx1"/>
+                </a:solidFill>
+                <a:latin typeface="+mn-lt"/>
+                <a:ea typeface="+mn-ea"/>
+                <a:cs typeface="+mn-cs"/>
+              </a:defRPr>
+            </a:lvl9pPr>
+          </a:lstStyle>
+          <a:p>
+            <a:pPr fontAlgn="base">
+              <a:buFont typeface="Wingdings" panose="05000000000000000000" pitchFamily="2" charset="2"/>
+              <a:buChar char="q"/>
+            </a:pPr>
+            <a:r>
+              <a:rPr lang="en-US" sz="2600" dirty="0">
+                <a:latin typeface="Inter"/>
+              </a:rPr>
+              <a:t> US : 7 tracks</a:t>
+            </a:r>
+          </a:p>
+          <a:p>
+            <a:pPr fontAlgn="base">
+              <a:buFont typeface="Wingdings" panose="05000000000000000000" pitchFamily="2" charset="2"/>
+              <a:buChar char="q"/>
+            </a:pPr>
+            <a:r>
+              <a:rPr lang="en-US" sz="2600" i="1" dirty="0">
+                <a:latin typeface="Inter"/>
+              </a:rPr>
+              <a:t> Canada : 9 track</a:t>
+            </a:r>
+          </a:p>
+          <a:p>
+            <a:pPr fontAlgn="base">
+              <a:buFont typeface="Wingdings" panose="05000000000000000000" pitchFamily="2" charset="2"/>
+              <a:buChar char="q"/>
+            </a:pPr>
+            <a:r>
+              <a:rPr lang="en-US" sz="2600" i="1" dirty="0">
+                <a:latin typeface="Inter"/>
+              </a:rPr>
+              <a:t> Mexico : 0 tracks</a:t>
+            </a:r>
+          </a:p>
+        </p:txBody>
+      </p:sp>
+    </p:spTree>
+    <p:extLst>
+      <p:ext uri="{BB962C8B-B14F-4D97-AF65-F5344CB8AC3E}">
+        <p14:creationId xmlns:p14="http://schemas.microsoft.com/office/powerpoint/2010/main" val="2355192247"/>
+      </p:ext>
+    </p:extLst>
+  </p:cSld>
+  <p:clrMapOvr>
+    <a:masterClrMapping/>
+  </p:clrMapOvr>
+</p:sld>
+</file>
+
+<file path=ppt/slides/slide22.xml><?xml version="1.0" encoding="utf-8"?>
+<p:sld xmlns:a="http://schemas.openxmlformats.org/drawingml/2006/main" xmlns:r="http://schemas.openxmlformats.org/officeDocument/2006/relationships" xmlns:p="http://schemas.openxmlformats.org/presentationml/2006/main">
+  <p:cSld>
+    <p:spTree>
+      <p:nvGrpSpPr>
+        <p:cNvPr id="1" name=""/>
+        <p:cNvGrpSpPr/>
+        <p:nvPr/>
+      </p:nvGrpSpPr>
+      <p:grpSpPr>
+        <a:xfrm>
+          <a:off x="0" y="0"/>
+          <a:ext cx="0" cy="0"/>
+          <a:chOff x="0" y="0"/>
+          <a:chExt cx="0" cy="0"/>
+        </a:xfrm>
+      </p:grpSpPr>
+      <p:sp>
+        <p:nvSpPr>
+          <p:cNvPr id="4" name="Titolo 3">
+            <a:extLst>
+              <a:ext uri="{FF2B5EF4-FFF2-40B4-BE49-F238E27FC236}">
+                <a16:creationId xmlns:a16="http://schemas.microsoft.com/office/drawing/2014/main" id="{A32BADA9-D1E4-4A68-A522-AE21B0D0BA03}"/>
+              </a:ext>
+            </a:extLst>
+          </p:cNvPr>
+          <p:cNvSpPr>
+            <a:spLocks noGrp="1"/>
+          </p:cNvSpPr>
+          <p:nvPr>
+            <p:ph type="title"/>
+          </p:nvPr>
+        </p:nvSpPr>
+        <p:spPr>
+          <a:xfrm>
+            <a:off x="914400" y="1079770"/>
+            <a:ext cx="5181600" cy="749030"/>
+          </a:xfrm>
+        </p:spPr>
+        <p:txBody>
+          <a:bodyPr>
+            <a:normAutofit/>
+          </a:bodyPr>
+          <a:lstStyle/>
+          <a:p>
+            <a:r>
+              <a:rPr lang="it-IT" sz="3600" b="1" dirty="0"/>
+              <a:t>Query 9</a:t>
+            </a:r>
+          </a:p>
+        </p:txBody>
+      </p:sp>
+      <p:sp>
+        <p:nvSpPr>
+          <p:cNvPr id="5" name="Segnaposto contenuto 4">
+            <a:extLst>
+              <a:ext uri="{FF2B5EF4-FFF2-40B4-BE49-F238E27FC236}">
+                <a16:creationId xmlns:a16="http://schemas.microsoft.com/office/drawing/2014/main" id="{0822A188-4351-443E-9A73-0BDAAB88A97A}"/>
+              </a:ext>
+            </a:extLst>
+          </p:cNvPr>
+          <p:cNvSpPr>
+            <a:spLocks noGrp="1"/>
+          </p:cNvSpPr>
+          <p:nvPr>
+            <p:ph idx="1"/>
+          </p:nvPr>
+        </p:nvSpPr>
+        <p:spPr>
+          <a:xfrm>
+            <a:off x="914400" y="1654309"/>
+            <a:ext cx="10106025" cy="428625"/>
+          </a:xfrm>
+        </p:spPr>
+        <p:txBody>
+          <a:bodyPr>
+            <a:normAutofit lnSpcReduction="10000"/>
+          </a:bodyPr>
+          <a:lstStyle/>
+          <a:p>
+            <a:pPr marL="0" indent="0" algn="l" fontAlgn="base">
+              <a:buNone/>
+            </a:pPr>
+            <a:r>
+              <a:rPr lang="en-US" i="0" dirty="0">
+                <a:effectLst/>
+                <a:latin typeface="Inter"/>
+              </a:rPr>
+              <a:t>How many songs of artists from Japan or South Korea reaches Top 20 in US, Canada or Mexico?</a:t>
+            </a:r>
+            <a:endParaRPr lang="en-US" sz="2800" i="1" dirty="0">
+              <a:effectLst/>
+              <a:latin typeface="Inter"/>
+            </a:endParaRPr>
+          </a:p>
+        </p:txBody>
+      </p:sp>
+      <p:sp>
+        <p:nvSpPr>
+          <p:cNvPr id="6" name="Segnaposto contenuto 4">
+            <a:extLst>
+              <a:ext uri="{FF2B5EF4-FFF2-40B4-BE49-F238E27FC236}">
+                <a16:creationId xmlns:a16="http://schemas.microsoft.com/office/drawing/2014/main" id="{896B48A0-D2A3-494C-92EC-F46F8A031762}"/>
+              </a:ext>
+            </a:extLst>
+          </p:cNvPr>
+          <p:cNvSpPr txBox="1">
+            <a:spLocks/>
+          </p:cNvSpPr>
+          <p:nvPr/>
+        </p:nvSpPr>
+        <p:spPr>
+          <a:xfrm>
+            <a:off x="914400" y="2216285"/>
+            <a:ext cx="2914650" cy="1517516"/>
+          </a:xfrm>
+          <a:prstGeom prst="rect">
+            <a:avLst/>
+          </a:prstGeom>
+        </p:spPr>
+        <p:txBody>
+          <a:bodyPr vert="horz" lIns="91440" tIns="45720" rIns="91440" bIns="45720" rtlCol="0">
+            <a:noAutofit/>
+          </a:bodyPr>
+          <a:lstStyle>
+            <a:lvl1pPr marL="228600" indent="-228600" algn="l" defTabSz="914400" rtl="0" eaLnBrk="1" latinLnBrk="0" hangingPunct="1">
+              <a:lnSpc>
+                <a:spcPct val="120000"/>
+              </a:lnSpc>
+              <a:spcBef>
+                <a:spcPts val="1000"/>
+              </a:spcBef>
+              <a:buSzPct val="87000"/>
+              <a:buFont typeface="Arial" panose="020B0604020202020204" pitchFamily="34" charset="0"/>
+              <a:buChar char="•"/>
+              <a:defRPr sz="2000" kern="1200">
+                <a:solidFill>
+                  <a:schemeClr val="tx1"/>
+                </a:solidFill>
+                <a:latin typeface="+mn-lt"/>
+                <a:ea typeface="+mn-ea"/>
+                <a:cs typeface="+mn-cs"/>
+              </a:defRPr>
+            </a:lvl1pPr>
+            <a:lvl2pPr marL="274320" indent="0" algn="l" defTabSz="914400" rtl="0" eaLnBrk="1" latinLnBrk="0" hangingPunct="1">
+              <a:lnSpc>
+                <a:spcPct val="120000"/>
+              </a:lnSpc>
+              <a:spcBef>
+                <a:spcPts val="500"/>
+              </a:spcBef>
+              <a:buSzPct val="87000"/>
+              <a:buFontTx/>
+              <a:buNone/>
+              <a:defRPr sz="1800" kern="1200">
+                <a:solidFill>
+                  <a:schemeClr val="tx1"/>
+                </a:solidFill>
+                <a:latin typeface="+mn-lt"/>
+                <a:ea typeface="+mn-ea"/>
+                <a:cs typeface="+mn-cs"/>
+              </a:defRPr>
+            </a:lvl2pPr>
+            <a:lvl3pPr marL="548640" indent="-228600" algn="l" defTabSz="914400" rtl="0" eaLnBrk="1" latinLnBrk="0" hangingPunct="1">
+              <a:lnSpc>
+                <a:spcPct val="120000"/>
+              </a:lnSpc>
+              <a:spcBef>
+                <a:spcPts val="500"/>
+              </a:spcBef>
+              <a:buSzPct val="87000"/>
+              <a:buFont typeface="Arial" panose="020B0604020202020204" pitchFamily="34" charset="0"/>
+              <a:buChar char="•"/>
+              <a:defRPr sz="1600" kern="1200">
+                <a:solidFill>
+                  <a:schemeClr val="tx1"/>
+                </a:solidFill>
+                <a:latin typeface="+mn-lt"/>
+                <a:ea typeface="+mn-ea"/>
+                <a:cs typeface="+mn-cs"/>
+              </a:defRPr>
+            </a:lvl3pPr>
+            <a:lvl4pPr marL="594360" indent="0" algn="l" defTabSz="914400" rtl="0" eaLnBrk="1" latinLnBrk="0" hangingPunct="1">
+              <a:lnSpc>
+                <a:spcPct val="120000"/>
+              </a:lnSpc>
+              <a:spcBef>
+                <a:spcPts val="500"/>
+              </a:spcBef>
+              <a:buSzPct val="87000"/>
+              <a:buFontTx/>
+              <a:buNone/>
+              <a:defRPr sz="1400" kern="1200">
+                <a:solidFill>
+                  <a:schemeClr val="tx1"/>
+                </a:solidFill>
+                <a:latin typeface="+mn-lt"/>
+                <a:ea typeface="+mn-ea"/>
+                <a:cs typeface="+mn-cs"/>
+              </a:defRPr>
+            </a:lvl4pPr>
+            <a:lvl5pPr marL="822960" indent="-228600" algn="l" defTabSz="914400" rtl="0" eaLnBrk="1" latinLnBrk="0" hangingPunct="1">
+              <a:lnSpc>
+                <a:spcPct val="120000"/>
+              </a:lnSpc>
+              <a:spcBef>
+                <a:spcPts val="500"/>
+              </a:spcBef>
+              <a:buSzPct val="87000"/>
+              <a:buFont typeface="Arial" panose="020B0604020202020204" pitchFamily="34" charset="0"/>
+              <a:buChar char="•"/>
+              <a:defRPr sz="1400" kern="1200">
+                <a:solidFill>
+                  <a:schemeClr val="tx1"/>
+                </a:solidFill>
+                <a:latin typeface="+mn-lt"/>
+                <a:ea typeface="+mn-ea"/>
+                <a:cs typeface="+mn-cs"/>
+              </a:defRPr>
+            </a:lvl5pPr>
+            <a:lvl6pPr marL="2514600" indent="-228600" algn="l" defTabSz="914400" rtl="0" eaLnBrk="1" latinLnBrk="0" hangingPunct="1">
+              <a:lnSpc>
+                <a:spcPct val="90000"/>
+              </a:lnSpc>
+              <a:spcBef>
+                <a:spcPts val="500"/>
+              </a:spcBef>
+              <a:buFont typeface="Arial" panose="020B0604020202020204" pitchFamily="34" charset="0"/>
+              <a:buChar char="•"/>
+              <a:defRPr sz="1800" kern="1200">
+                <a:solidFill>
+                  <a:schemeClr val="tx1"/>
+                </a:solidFill>
+                <a:latin typeface="+mn-lt"/>
+                <a:ea typeface="+mn-ea"/>
+                <a:cs typeface="+mn-cs"/>
+              </a:defRPr>
+            </a:lvl6pPr>
+            <a:lvl7pPr marL="2971800" indent="-228600" algn="l" defTabSz="914400" rtl="0" eaLnBrk="1" latinLnBrk="0" hangingPunct="1">
+              <a:lnSpc>
+                <a:spcPct val="90000"/>
+              </a:lnSpc>
+              <a:spcBef>
+                <a:spcPts val="500"/>
+              </a:spcBef>
+              <a:buFont typeface="Arial" panose="020B0604020202020204" pitchFamily="34" charset="0"/>
+              <a:buChar char="•"/>
+              <a:defRPr sz="1800" kern="1200">
+                <a:solidFill>
+                  <a:schemeClr val="tx1"/>
+                </a:solidFill>
+                <a:latin typeface="+mn-lt"/>
+                <a:ea typeface="+mn-ea"/>
+                <a:cs typeface="+mn-cs"/>
+              </a:defRPr>
+            </a:lvl7pPr>
+            <a:lvl8pPr marL="3429000" indent="-228600" algn="l" defTabSz="914400" rtl="0" eaLnBrk="1" latinLnBrk="0" hangingPunct="1">
+              <a:lnSpc>
+                <a:spcPct val="90000"/>
+              </a:lnSpc>
+              <a:spcBef>
+                <a:spcPts val="500"/>
+              </a:spcBef>
+              <a:buFont typeface="Arial" panose="020B0604020202020204" pitchFamily="34" charset="0"/>
+              <a:buChar char="•"/>
+              <a:defRPr sz="1800" kern="1200">
+                <a:solidFill>
+                  <a:schemeClr val="tx1"/>
+                </a:solidFill>
+                <a:latin typeface="+mn-lt"/>
+                <a:ea typeface="+mn-ea"/>
+                <a:cs typeface="+mn-cs"/>
+              </a:defRPr>
+            </a:lvl8pPr>
+            <a:lvl9pPr marL="3886200" indent="-228600" algn="l" defTabSz="914400" rtl="0" eaLnBrk="1" latinLnBrk="0" hangingPunct="1">
+              <a:lnSpc>
+                <a:spcPct val="90000"/>
+              </a:lnSpc>
+              <a:spcBef>
+                <a:spcPts val="500"/>
+              </a:spcBef>
+              <a:buFont typeface="Arial" panose="020B0604020202020204" pitchFamily="34" charset="0"/>
+              <a:buChar char="•"/>
+              <a:defRPr sz="1800" kern="1200">
+                <a:solidFill>
+                  <a:schemeClr val="tx1"/>
+                </a:solidFill>
+                <a:latin typeface="+mn-lt"/>
+                <a:ea typeface="+mn-ea"/>
+                <a:cs typeface="+mn-cs"/>
+              </a:defRPr>
+            </a:lvl9pPr>
+          </a:lstStyle>
+          <a:p>
+            <a:pPr fontAlgn="base">
+              <a:buFont typeface="Wingdings" panose="05000000000000000000" pitchFamily="2" charset="2"/>
+              <a:buChar char="q"/>
+            </a:pPr>
+            <a:r>
+              <a:rPr lang="en-US" sz="2600" dirty="0">
+                <a:latin typeface="Inter"/>
+              </a:rPr>
+              <a:t> US : 7 tracks</a:t>
+            </a:r>
+          </a:p>
+          <a:p>
+            <a:pPr fontAlgn="base">
+              <a:buFont typeface="Wingdings" panose="05000000000000000000" pitchFamily="2" charset="2"/>
+              <a:buChar char="q"/>
+            </a:pPr>
+            <a:r>
+              <a:rPr lang="en-US" sz="2600" i="1" dirty="0">
+                <a:latin typeface="Inter"/>
+              </a:rPr>
+              <a:t> Canada : 9 track</a:t>
+            </a:r>
+          </a:p>
+          <a:p>
+            <a:pPr fontAlgn="base">
+              <a:buFont typeface="Wingdings" panose="05000000000000000000" pitchFamily="2" charset="2"/>
+              <a:buChar char="q"/>
+            </a:pPr>
+            <a:r>
+              <a:rPr lang="en-US" sz="2600" i="1" dirty="0">
+                <a:latin typeface="Inter"/>
+              </a:rPr>
+              <a:t> Mexico : 0 tracks</a:t>
+            </a:r>
+          </a:p>
+        </p:txBody>
+      </p:sp>
+      <p:graphicFrame>
+        <p:nvGraphicFramePr>
+          <p:cNvPr id="7" name="Tabella 12">
+            <a:extLst>
+              <a:ext uri="{FF2B5EF4-FFF2-40B4-BE49-F238E27FC236}">
+                <a16:creationId xmlns:a16="http://schemas.microsoft.com/office/drawing/2014/main" id="{494825DF-E861-4065-8490-00676B0F7C76}"/>
+              </a:ext>
+            </a:extLst>
+          </p:cNvPr>
+          <p:cNvGraphicFramePr>
+            <a:graphicFrameLocks/>
+          </p:cNvGraphicFramePr>
+          <p:nvPr>
+            <p:extLst>
+              <p:ext uri="{D42A27DB-BD31-4B8C-83A1-F6EECF244321}">
+                <p14:modId xmlns:p14="http://schemas.microsoft.com/office/powerpoint/2010/main" val="902355820"/>
+              </p:ext>
+            </p:extLst>
+          </p:nvPr>
+        </p:nvGraphicFramePr>
+        <p:xfrm>
+          <a:off x="4657723" y="2216285"/>
+          <a:ext cx="6838952" cy="4312835"/>
+        </p:xfrm>
+        <a:graphic>
+          <a:graphicData uri="http://schemas.openxmlformats.org/drawingml/2006/table">
+            <a:tbl>
+              <a:tblPr firstRow="1" bandRow="1">
+                <a:tableStyleId>{5C22544A-7EE6-4342-B048-85BDC9FD1C3A}</a:tableStyleId>
+              </a:tblPr>
+              <a:tblGrid>
+                <a:gridCol w="3419476">
+                  <a:extLst>
+                    <a:ext uri="{9D8B030D-6E8A-4147-A177-3AD203B41FA5}">
+                      <a16:colId xmlns:a16="http://schemas.microsoft.com/office/drawing/2014/main" val="1191886570"/>
+                    </a:ext>
+                  </a:extLst>
+                </a:gridCol>
+                <a:gridCol w="3419476">
+                  <a:extLst>
+                    <a:ext uri="{9D8B030D-6E8A-4147-A177-3AD203B41FA5}">
+                      <a16:colId xmlns:a16="http://schemas.microsoft.com/office/drawing/2014/main" val="4105895808"/>
+                    </a:ext>
+                  </a:extLst>
+                </a:gridCol>
+              </a:tblGrid>
+              <a:tr h="266351">
+                <a:tc>
+                  <a:txBody>
+                    <a:bodyPr/>
+                    <a:lstStyle/>
+                    <a:p>
+                      <a:pPr algn="ctr"/>
+                      <a:r>
+                        <a:rPr lang="it-IT" sz="1200" b="1" i="0" dirty="0">
+                          <a:solidFill>
+                            <a:schemeClr val="bg1"/>
+                          </a:solidFill>
+                          <a:latin typeface="+mn-lt"/>
+                        </a:rPr>
+                        <a:t>Track Name</a:t>
+                      </a:r>
+                    </a:p>
+                  </a:txBody>
+                  <a:tcPr/>
+                </a:tc>
+                <a:tc>
+                  <a:txBody>
+                    <a:bodyPr/>
+                    <a:lstStyle/>
+                    <a:p>
+                      <a:pPr algn="ctr"/>
+                      <a:r>
+                        <a:rPr lang="it-IT" sz="1200" b="1" i="0" dirty="0">
+                          <a:solidFill>
+                            <a:schemeClr val="bg1"/>
+                          </a:solidFill>
+                          <a:latin typeface="+mn-lt"/>
+                        </a:rPr>
+                        <a:t>Artist</a:t>
+                      </a:r>
+                    </a:p>
+                  </a:txBody>
+                  <a:tcPr/>
+                </a:tc>
+                <a:extLst>
+                  <a:ext uri="{0D108BD9-81ED-4DB2-BD59-A6C34878D82A}">
+                    <a16:rowId xmlns:a16="http://schemas.microsoft.com/office/drawing/2014/main" val="1255640995"/>
+                  </a:ext>
+                </a:extLst>
+              </a:tr>
+              <a:tr h="423284">
+                <a:tc>
+                  <a:txBody>
+                    <a:bodyPr/>
+                    <a:lstStyle/>
+                    <a:p>
+                      <a:r>
+                        <a:rPr lang="it-IT" dirty="0">
+                          <a:effectLst/>
+                        </a:rPr>
+                        <a:t>Run</a:t>
+                      </a:r>
+                    </a:p>
+                  </a:txBody>
+                  <a:tcPr marL="60960" marR="60960" marT="30480" marB="30480" anchor="ctr"/>
+                </a:tc>
+                <a:tc>
+                  <a:txBody>
+                    <a:bodyPr/>
+                    <a:lstStyle/>
+                    <a:p>
+                      <a:r>
+                        <a:rPr lang="it-IT">
+                          <a:effectLst/>
+                        </a:rPr>
+                        <a:t>Joji</a:t>
+                      </a:r>
+                    </a:p>
+                  </a:txBody>
+                  <a:tcPr marL="60960" marR="60960" marT="30480" marB="30480" anchor="ctr"/>
+                </a:tc>
+                <a:extLst>
+                  <a:ext uri="{0D108BD9-81ED-4DB2-BD59-A6C34878D82A}">
+                    <a16:rowId xmlns:a16="http://schemas.microsoft.com/office/drawing/2014/main" val="1889553313"/>
+                  </a:ext>
+                </a:extLst>
+              </a:tr>
+              <a:tr h="591891">
+                <a:tc>
+                  <a:txBody>
+                    <a:bodyPr/>
+                    <a:lstStyle/>
+                    <a:p>
+                      <a:r>
+                        <a:rPr lang="en-US" dirty="0">
+                          <a:effectLst/>
+                        </a:rPr>
+                        <a:t>Happy Xmas (War Is Over) - Remastered 2010</a:t>
+                      </a:r>
+                    </a:p>
+                  </a:txBody>
+                  <a:tcPr marL="60960" marR="60960" marT="30480" marB="30480" anchor="ctr"/>
+                </a:tc>
+                <a:tc>
+                  <a:txBody>
+                    <a:bodyPr/>
+                    <a:lstStyle/>
+                    <a:p>
+                      <a:r>
+                        <a:rPr lang="en-US">
+                          <a:effectLst/>
+                        </a:rPr>
+                        <a:t>Yoko Ono, The Plastic Ono Band</a:t>
+                      </a:r>
+                    </a:p>
+                  </a:txBody>
+                  <a:tcPr marL="60960" marR="60960" marT="30480" marB="30480" anchor="ctr"/>
+                </a:tc>
+                <a:extLst>
+                  <a:ext uri="{0D108BD9-81ED-4DB2-BD59-A6C34878D82A}">
+                    <a16:rowId xmlns:a16="http://schemas.microsoft.com/office/drawing/2014/main" val="2280957678"/>
+                  </a:ext>
+                </a:extLst>
+              </a:tr>
+              <a:tr h="325540">
+                <a:tc>
+                  <a:txBody>
+                    <a:bodyPr/>
+                    <a:lstStyle/>
+                    <a:p>
+                      <a:r>
+                        <a:rPr lang="it-IT" dirty="0" err="1">
+                          <a:effectLst/>
+                        </a:rPr>
+                        <a:t>Dynamite</a:t>
+                      </a:r>
+                      <a:endParaRPr lang="it-IT" dirty="0">
+                        <a:effectLst/>
+                      </a:endParaRPr>
+                    </a:p>
+                  </a:txBody>
+                  <a:tcPr marL="60960" marR="60960" marT="30480" marB="30480" anchor="ctr"/>
+                </a:tc>
+                <a:tc>
+                  <a:txBody>
+                    <a:bodyPr/>
+                    <a:lstStyle/>
+                    <a:p>
+                      <a:r>
+                        <a:rPr lang="it-IT">
+                          <a:effectLst/>
+                        </a:rPr>
+                        <a:t>BTS</a:t>
+                      </a:r>
+                    </a:p>
+                  </a:txBody>
+                  <a:tcPr marL="60960" marR="60960" marT="30480" marB="30480" anchor="ctr"/>
+                </a:tc>
+                <a:extLst>
+                  <a:ext uri="{0D108BD9-81ED-4DB2-BD59-A6C34878D82A}">
+                    <a16:rowId xmlns:a16="http://schemas.microsoft.com/office/drawing/2014/main" val="2192274213"/>
+                  </a:ext>
+                </a:extLst>
+              </a:tr>
+              <a:tr h="325540">
+                <a:tc>
+                  <a:txBody>
+                    <a:bodyPr/>
+                    <a:lstStyle/>
+                    <a:p>
+                      <a:r>
+                        <a:rPr lang="en-US">
+                          <a:effectLst/>
+                        </a:rPr>
+                        <a:t>Boy With Luv (feat. Halsey)</a:t>
+                      </a:r>
+                    </a:p>
+                  </a:txBody>
+                  <a:tcPr marL="60960" marR="60960" marT="30480" marB="30480" anchor="ctr"/>
+                </a:tc>
+                <a:tc>
+                  <a:txBody>
+                    <a:bodyPr/>
+                    <a:lstStyle/>
+                    <a:p>
+                      <a:r>
+                        <a:rPr lang="it-IT">
+                          <a:effectLst/>
+                        </a:rPr>
+                        <a:t>BTS</a:t>
+                      </a:r>
+                    </a:p>
+                  </a:txBody>
+                  <a:tcPr marL="60960" marR="60960" marT="30480" marB="30480" anchor="ctr"/>
+                </a:tc>
+                <a:extLst>
+                  <a:ext uri="{0D108BD9-81ED-4DB2-BD59-A6C34878D82A}">
+                    <a16:rowId xmlns:a16="http://schemas.microsoft.com/office/drawing/2014/main" val="2772147380"/>
+                  </a:ext>
+                </a:extLst>
+              </a:tr>
+              <a:tr h="325540">
+                <a:tc>
+                  <a:txBody>
+                    <a:bodyPr/>
+                    <a:lstStyle/>
+                    <a:p>
+                      <a:r>
+                        <a:rPr lang="it-IT">
+                          <a:effectLst/>
+                        </a:rPr>
+                        <a:t>Sour Candy (with BLACKPINK)</a:t>
+                      </a:r>
+                    </a:p>
+                  </a:txBody>
+                  <a:tcPr marL="60960" marR="60960" marT="30480" marB="30480" anchor="ctr"/>
+                </a:tc>
+                <a:tc>
+                  <a:txBody>
+                    <a:bodyPr/>
+                    <a:lstStyle/>
+                    <a:p>
+                      <a:r>
+                        <a:rPr lang="it-IT">
+                          <a:effectLst/>
+                        </a:rPr>
+                        <a:t>BLACKPINK</a:t>
+                      </a:r>
+                    </a:p>
+                  </a:txBody>
+                  <a:tcPr marL="60960" marR="60960" marT="30480" marB="30480" anchor="ctr"/>
+                </a:tc>
+                <a:extLst>
+                  <a:ext uri="{0D108BD9-81ED-4DB2-BD59-A6C34878D82A}">
+                    <a16:rowId xmlns:a16="http://schemas.microsoft.com/office/drawing/2014/main" val="89622780"/>
+                  </a:ext>
+                </a:extLst>
+              </a:tr>
+              <a:tr h="403127">
+                <a:tc>
+                  <a:txBody>
+                    <a:bodyPr/>
+                    <a:lstStyle/>
+                    <a:p>
+                      <a:r>
+                        <a:rPr lang="en-US">
+                          <a:effectLst/>
+                        </a:rPr>
+                        <a:t>Ice Cream (with Selena Gomez)</a:t>
+                      </a:r>
+                    </a:p>
+                  </a:txBody>
+                  <a:tcPr marL="60960" marR="60960" marT="30480" marB="30480" anchor="ctr"/>
+                </a:tc>
+                <a:tc>
+                  <a:txBody>
+                    <a:bodyPr/>
+                    <a:lstStyle/>
+                    <a:p>
+                      <a:r>
+                        <a:rPr lang="it-IT">
+                          <a:effectLst/>
+                        </a:rPr>
+                        <a:t>BLACKPINK</a:t>
+                      </a:r>
+                    </a:p>
+                  </a:txBody>
+                  <a:tcPr marL="60960" marR="60960" marT="30480" marB="30480" anchor="ctr"/>
+                </a:tc>
+                <a:extLst>
+                  <a:ext uri="{0D108BD9-81ED-4DB2-BD59-A6C34878D82A}">
+                    <a16:rowId xmlns:a16="http://schemas.microsoft.com/office/drawing/2014/main" val="1086527724"/>
+                  </a:ext>
+                </a:extLst>
+              </a:tr>
+              <a:tr h="403127">
+                <a:tc>
+                  <a:txBody>
+                    <a:bodyPr/>
+                    <a:lstStyle/>
+                    <a:p>
+                      <a:r>
+                        <a:rPr lang="it-IT">
+                          <a:effectLst/>
+                        </a:rPr>
+                        <a:t>How You Like That</a:t>
+                      </a:r>
+                    </a:p>
+                  </a:txBody>
+                  <a:tcPr marL="60960" marR="60960" marT="30480" marB="30480" anchor="ctr"/>
+                </a:tc>
+                <a:tc>
+                  <a:txBody>
+                    <a:bodyPr/>
+                    <a:lstStyle/>
+                    <a:p>
+                      <a:r>
+                        <a:rPr lang="it-IT">
+                          <a:effectLst/>
+                        </a:rPr>
+                        <a:t>BLACKPINK</a:t>
+                      </a:r>
+                    </a:p>
+                  </a:txBody>
+                  <a:tcPr marL="60960" marR="60960" marT="30480" marB="30480" anchor="ctr"/>
+                </a:tc>
+                <a:extLst>
+                  <a:ext uri="{0D108BD9-81ED-4DB2-BD59-A6C34878D82A}">
+                    <a16:rowId xmlns:a16="http://schemas.microsoft.com/office/drawing/2014/main" val="2580150930"/>
+                  </a:ext>
+                </a:extLst>
+              </a:tr>
+              <a:tr h="591891">
+                <a:tc>
+                  <a:txBody>
+                    <a:bodyPr/>
+                    <a:lstStyle/>
+                    <a:p>
+                      <a:r>
+                        <a:rPr lang="en-US">
+                          <a:effectLst/>
+                        </a:rPr>
+                        <a:t>Old Town Road (feat. RM of BTS) - Seoul Town R...</a:t>
+                      </a:r>
+                    </a:p>
+                  </a:txBody>
+                  <a:tcPr marL="60960" marR="60960" marT="30480" marB="30480" anchor="ctr"/>
+                </a:tc>
+                <a:tc>
+                  <a:txBody>
+                    <a:bodyPr/>
+                    <a:lstStyle/>
+                    <a:p>
+                      <a:r>
+                        <a:rPr lang="it-IT">
+                          <a:effectLst/>
+                        </a:rPr>
+                        <a:t>BTS, RM</a:t>
+                      </a:r>
+                    </a:p>
+                  </a:txBody>
+                  <a:tcPr marL="60960" marR="60960" marT="30480" marB="30480" anchor="ctr"/>
+                </a:tc>
+                <a:extLst>
+                  <a:ext uri="{0D108BD9-81ED-4DB2-BD59-A6C34878D82A}">
+                    <a16:rowId xmlns:a16="http://schemas.microsoft.com/office/drawing/2014/main" val="1899529535"/>
+                  </a:ext>
+                </a:extLst>
+              </a:tr>
+              <a:tr h="583937">
+                <a:tc>
+                  <a:txBody>
+                    <a:bodyPr/>
+                    <a:lstStyle/>
+                    <a:p>
+                      <a:r>
+                        <a:rPr lang="it-IT" dirty="0" err="1">
+                          <a:effectLst/>
+                        </a:rPr>
+                        <a:t>Lovesick</a:t>
+                      </a:r>
+                      <a:r>
+                        <a:rPr lang="it-IT" dirty="0">
+                          <a:effectLst/>
+                        </a:rPr>
+                        <a:t> Girls</a:t>
+                      </a:r>
+                    </a:p>
+                  </a:txBody>
+                  <a:tcPr marL="60960" marR="60960" marT="30480" marB="30480" anchor="ctr"/>
+                </a:tc>
+                <a:tc>
+                  <a:txBody>
+                    <a:bodyPr/>
+                    <a:lstStyle/>
+                    <a:p>
+                      <a:r>
+                        <a:rPr lang="it-IT" dirty="0">
+                          <a:effectLst/>
+                        </a:rPr>
+                        <a:t>BLACKPINK</a:t>
+                      </a:r>
+                    </a:p>
+                  </a:txBody>
+                  <a:tcPr marL="60960" marR="60960" marT="30480" marB="30480" anchor="ctr"/>
+                </a:tc>
+                <a:extLst>
+                  <a:ext uri="{0D108BD9-81ED-4DB2-BD59-A6C34878D82A}">
+                    <a16:rowId xmlns:a16="http://schemas.microsoft.com/office/drawing/2014/main" val="1947964374"/>
+                  </a:ext>
+                </a:extLst>
+              </a:tr>
+            </a:tbl>
+          </a:graphicData>
+        </a:graphic>
+      </p:graphicFrame>
+    </p:spTree>
+    <p:extLst>
+      <p:ext uri="{BB962C8B-B14F-4D97-AF65-F5344CB8AC3E}">
+        <p14:creationId xmlns:p14="http://schemas.microsoft.com/office/powerpoint/2010/main" val="480155497"/>
+      </p:ext>
+    </p:extLst>
+  </p:cSld>
+  <p:clrMapOvr>
+    <a:masterClrMapping/>
+  </p:clrMapOvr>
+</p:sld>
+</file>
+
+<file path=ppt/slides/slide23.xml><?xml version="1.0" encoding="utf-8"?>
+<p:sld xmlns:a="http://schemas.openxmlformats.org/drawingml/2006/main" xmlns:r="http://schemas.openxmlformats.org/officeDocument/2006/relationships" xmlns:p="http://schemas.openxmlformats.org/presentationml/2006/main">
+  <p:cSld>
+    <p:spTree>
+      <p:nvGrpSpPr>
+        <p:cNvPr id="1" name=""/>
+        <p:cNvGrpSpPr/>
+        <p:nvPr/>
+      </p:nvGrpSpPr>
+      <p:grpSpPr>
+        <a:xfrm>
+          <a:off x="0" y="0"/>
+          <a:ext cx="0" cy="0"/>
+          <a:chOff x="0" y="0"/>
+          <a:chExt cx="0" cy="0"/>
+        </a:xfrm>
+      </p:grpSpPr>
+      <p:sp>
+        <p:nvSpPr>
+          <p:cNvPr id="4" name="Titolo 3">
+            <a:extLst>
+              <a:ext uri="{FF2B5EF4-FFF2-40B4-BE49-F238E27FC236}">
+                <a16:creationId xmlns:a16="http://schemas.microsoft.com/office/drawing/2014/main" id="{A32BADA9-D1E4-4A68-A522-AE21B0D0BA03}"/>
+              </a:ext>
+            </a:extLst>
+          </p:cNvPr>
+          <p:cNvSpPr>
+            <a:spLocks noGrp="1"/>
+          </p:cNvSpPr>
+          <p:nvPr>
+            <p:ph type="title"/>
+          </p:nvPr>
+        </p:nvSpPr>
+        <p:spPr>
+          <a:xfrm>
+            <a:off x="914400" y="1079770"/>
+            <a:ext cx="5181600" cy="749030"/>
+          </a:xfrm>
+        </p:spPr>
+        <p:txBody>
+          <a:bodyPr>
+            <a:normAutofit/>
+          </a:bodyPr>
+          <a:lstStyle/>
+          <a:p>
+            <a:r>
+              <a:rPr lang="it-IT" sz="3600" b="1" dirty="0"/>
               <a:t>Query 10</a:t>
             </a:r>
           </a:p>
@@ -20740,6 +23179,708 @@
           </a:p>
         </p:txBody>
       </p:sp>
+      <p:graphicFrame>
+        <p:nvGraphicFramePr>
+          <p:cNvPr id="6" name="Tabella 12">
+            <a:extLst>
+              <a:ext uri="{FF2B5EF4-FFF2-40B4-BE49-F238E27FC236}">
+                <a16:creationId xmlns:a16="http://schemas.microsoft.com/office/drawing/2014/main" id="{6B9A0894-7A50-4680-8F63-9BF0CCEABBB5}"/>
+              </a:ext>
+            </a:extLst>
+          </p:cNvPr>
+          <p:cNvGraphicFramePr>
+            <a:graphicFrameLocks/>
+          </p:cNvGraphicFramePr>
+          <p:nvPr>
+            <p:extLst>
+              <p:ext uri="{D42A27DB-BD31-4B8C-83A1-F6EECF244321}">
+                <p14:modId xmlns:p14="http://schemas.microsoft.com/office/powerpoint/2010/main" val="312833279"/>
+              </p:ext>
+            </p:extLst>
+          </p:nvPr>
+        </p:nvGraphicFramePr>
+        <p:xfrm>
+          <a:off x="1223963" y="2657473"/>
+          <a:ext cx="9744074" cy="3702187"/>
+        </p:xfrm>
+        <a:graphic>
+          <a:graphicData uri="http://schemas.openxmlformats.org/drawingml/2006/table">
+            <a:tbl>
+              <a:tblPr firstRow="1" bandRow="1">
+                <a:tableStyleId>{5C22544A-7EE6-4342-B048-85BDC9FD1C3A}</a:tableStyleId>
+              </a:tblPr>
+              <a:tblGrid>
+                <a:gridCol w="728662">
+                  <a:extLst>
+                    <a:ext uri="{9D8B030D-6E8A-4147-A177-3AD203B41FA5}">
+                      <a16:colId xmlns:a16="http://schemas.microsoft.com/office/drawing/2014/main" val="3166993402"/>
+                    </a:ext>
+                  </a:extLst>
+                </a:gridCol>
+                <a:gridCol w="1943101">
+                  <a:extLst>
+                    <a:ext uri="{9D8B030D-6E8A-4147-A177-3AD203B41FA5}">
+                      <a16:colId xmlns:a16="http://schemas.microsoft.com/office/drawing/2014/main" val="1121015918"/>
+                    </a:ext>
+                  </a:extLst>
+                </a:gridCol>
+                <a:gridCol w="1743074">
+                  <a:extLst>
+                    <a:ext uri="{9D8B030D-6E8A-4147-A177-3AD203B41FA5}">
+                      <a16:colId xmlns:a16="http://schemas.microsoft.com/office/drawing/2014/main" val="2461625038"/>
+                    </a:ext>
+                  </a:extLst>
+                </a:gridCol>
+                <a:gridCol w="2419350">
+                  <a:extLst>
+                    <a:ext uri="{9D8B030D-6E8A-4147-A177-3AD203B41FA5}">
+                      <a16:colId xmlns:a16="http://schemas.microsoft.com/office/drawing/2014/main" val="1191886570"/>
+                    </a:ext>
+                  </a:extLst>
+                </a:gridCol>
+                <a:gridCol w="1619250">
+                  <a:extLst>
+                    <a:ext uri="{9D8B030D-6E8A-4147-A177-3AD203B41FA5}">
+                      <a16:colId xmlns:a16="http://schemas.microsoft.com/office/drawing/2014/main" val="3486526979"/>
+                    </a:ext>
+                  </a:extLst>
+                </a:gridCol>
+                <a:gridCol w="1290637">
+                  <a:extLst>
+                    <a:ext uri="{9D8B030D-6E8A-4147-A177-3AD203B41FA5}">
+                      <a16:colId xmlns:a16="http://schemas.microsoft.com/office/drawing/2014/main" val="3837789272"/>
+                    </a:ext>
+                  </a:extLst>
+                </a:gridCol>
+              </a:tblGrid>
+              <a:tr h="710431">
+                <a:tc>
+                  <a:txBody>
+                    <a:bodyPr/>
+                    <a:lstStyle/>
+                    <a:p>
+                      <a:pPr algn="ctr"/>
+                      <a:endParaRPr lang="it-IT" sz="1200" b="1" i="0" dirty="0">
+                        <a:solidFill>
+                          <a:schemeClr val="bg1"/>
+                        </a:solidFill>
+                        <a:latin typeface="+mn-lt"/>
+                      </a:endParaRPr>
+                    </a:p>
+                  </a:txBody>
+                  <a:tcPr/>
+                </a:tc>
+                <a:tc>
+                  <a:txBody>
+                    <a:bodyPr/>
+                    <a:lstStyle/>
+                    <a:p>
+                      <a:pPr algn="ctr"/>
+                      <a:r>
+                        <a:rPr lang="it-IT" sz="1600" b="1" i="0" dirty="0">
+                          <a:solidFill>
+                            <a:schemeClr val="bg1"/>
+                          </a:solidFill>
+                          <a:latin typeface="+mn-lt"/>
+                        </a:rPr>
+                        <a:t>Chart</a:t>
+                      </a:r>
+                    </a:p>
+                  </a:txBody>
+                  <a:tcPr anchor="ctr"/>
+                </a:tc>
+                <a:tc>
+                  <a:txBody>
+                    <a:bodyPr/>
+                    <a:lstStyle/>
+                    <a:p>
+                      <a:pPr algn="ctr"/>
+                      <a:r>
+                        <a:rPr lang="it-IT" sz="1600" b="1" i="0" dirty="0">
+                          <a:solidFill>
+                            <a:schemeClr val="bg1"/>
+                          </a:solidFill>
+                          <a:latin typeface="+mn-lt"/>
+                        </a:rPr>
+                        <a:t>Date</a:t>
+                      </a:r>
+                    </a:p>
+                  </a:txBody>
+                  <a:tcPr anchor="ctr"/>
+                </a:tc>
+                <a:tc>
+                  <a:txBody>
+                    <a:bodyPr/>
+                    <a:lstStyle/>
+                    <a:p>
+                      <a:pPr algn="ctr"/>
+                      <a:r>
+                        <a:rPr lang="it-IT" sz="1600" b="1" i="0" dirty="0">
+                          <a:solidFill>
+                            <a:schemeClr val="bg1"/>
+                          </a:solidFill>
+                          <a:latin typeface="+mn-lt"/>
+                        </a:rPr>
+                        <a:t>Album Name</a:t>
+                      </a:r>
+                    </a:p>
+                  </a:txBody>
+                  <a:tcPr anchor="ctr"/>
+                </a:tc>
+                <a:tc>
+                  <a:txBody>
+                    <a:bodyPr/>
+                    <a:lstStyle/>
+                    <a:p>
+                      <a:pPr lvl="0" algn="ctr">
+                        <a:buNone/>
+                      </a:pPr>
+                      <a:r>
+                        <a:rPr lang="it-IT" sz="1600" b="1" i="0" u="none" strike="noStrike" noProof="0" dirty="0">
+                          <a:solidFill>
+                            <a:schemeClr val="bg1"/>
+                          </a:solidFill>
+                          <a:latin typeface="+mn-lt"/>
+                        </a:rPr>
+                        <a:t>numTracks</a:t>
+                      </a:r>
+                      <a:endParaRPr lang="it-IT" sz="1600" b="1" i="0" dirty="0">
+                        <a:solidFill>
+                          <a:schemeClr val="bg1"/>
+                        </a:solidFill>
+                        <a:latin typeface="+mn-lt"/>
+                      </a:endParaRPr>
+                    </a:p>
+                  </a:txBody>
+                  <a:tcPr anchor="ctr"/>
+                </a:tc>
+                <a:tc>
+                  <a:txBody>
+                    <a:bodyPr/>
+                    <a:lstStyle/>
+                    <a:p>
+                      <a:pPr lvl="0" algn="ctr">
+                        <a:buNone/>
+                      </a:pPr>
+                      <a:r>
+                        <a:rPr lang="it-IT" sz="1600" b="1" i="0" u="none" strike="noStrike" noProof="0" dirty="0">
+                          <a:solidFill>
+                            <a:schemeClr val="bg1"/>
+                          </a:solidFill>
+                          <a:latin typeface="+mn-lt"/>
+                        </a:rPr>
+                        <a:t>totalTracks</a:t>
+                      </a:r>
+                      <a:endParaRPr lang="it-IT" sz="1600" b="1" i="0" dirty="0">
+                        <a:solidFill>
+                          <a:schemeClr val="bg1"/>
+                        </a:solidFill>
+                        <a:latin typeface="+mn-lt"/>
+                      </a:endParaRPr>
+                    </a:p>
+                  </a:txBody>
+                  <a:tcPr anchor="ctr"/>
+                </a:tc>
+                <a:extLst>
+                  <a:ext uri="{0D108BD9-81ED-4DB2-BD59-A6C34878D82A}">
+                    <a16:rowId xmlns:a16="http://schemas.microsoft.com/office/drawing/2014/main" val="1255640995"/>
+                  </a:ext>
+                </a:extLst>
+              </a:tr>
+              <a:tr h="731827">
+                <a:tc>
+                  <a:txBody>
+                    <a:bodyPr/>
+                    <a:lstStyle/>
+                    <a:p>
+                      <a:pPr algn="ctr" fontAlgn="ctr"/>
+                      <a:r>
+                        <a:rPr lang="it-IT" b="0" dirty="0">
+                          <a:effectLst/>
+                        </a:rPr>
+                        <a:t>1</a:t>
+                      </a:r>
+                    </a:p>
+                  </a:txBody>
+                  <a:tcPr marL="60960" marR="60960" marT="30480" marB="30480" anchor="ctr"/>
+                </a:tc>
+                <a:tc>
+                  <a:txBody>
+                    <a:bodyPr/>
+                    <a:lstStyle/>
+                    <a:p>
+                      <a:r>
+                        <a:rPr lang="it-IT">
+                          <a:effectLst/>
+                        </a:rPr>
+                        <a:t>TOP 100 USA</a:t>
+                      </a:r>
+                    </a:p>
+                  </a:txBody>
+                  <a:tcPr marL="60960" marR="60960" marT="30480" marB="30480" anchor="ctr"/>
+                </a:tc>
+                <a:tc>
+                  <a:txBody>
+                    <a:bodyPr/>
+                    <a:lstStyle/>
+                    <a:p>
+                      <a:r>
+                        <a:rPr lang="it-IT">
+                          <a:effectLst/>
+                        </a:rPr>
+                        <a:t>2018-07-01</a:t>
+                      </a:r>
+                    </a:p>
+                  </a:txBody>
+                  <a:tcPr marL="60960" marR="60960" marT="30480" marB="30480" anchor="ctr"/>
+                </a:tc>
+                <a:tc>
+                  <a:txBody>
+                    <a:bodyPr/>
+                    <a:lstStyle/>
+                    <a:p>
+                      <a:r>
+                        <a:rPr lang="it-IT">
+                          <a:effectLst/>
+                        </a:rPr>
+                        <a:t>Scorpion</a:t>
+                      </a:r>
+                    </a:p>
+                  </a:txBody>
+                  <a:tcPr marL="60960" marR="60960" marT="30480" marB="30480" anchor="ctr"/>
+                </a:tc>
+                <a:tc>
+                  <a:txBody>
+                    <a:bodyPr/>
+                    <a:lstStyle/>
+                    <a:p>
+                      <a:r>
+                        <a:rPr lang="it-IT" b="1" dirty="0">
+                          <a:effectLst/>
+                        </a:rPr>
+                        <a:t>23</a:t>
+                      </a:r>
+                    </a:p>
+                  </a:txBody>
+                  <a:tcPr marL="60960" marR="60960" marT="30480" marB="30480" anchor="ctr"/>
+                </a:tc>
+                <a:tc>
+                  <a:txBody>
+                    <a:bodyPr/>
+                    <a:lstStyle/>
+                    <a:p>
+                      <a:r>
+                        <a:rPr lang="it-IT" b="1">
+                          <a:effectLst/>
+                        </a:rPr>
+                        <a:t>25</a:t>
+                      </a:r>
+                    </a:p>
+                  </a:txBody>
+                  <a:tcPr marL="60960" marR="60960" marT="30480" marB="30480" anchor="ctr"/>
+                </a:tc>
+                <a:extLst>
+                  <a:ext uri="{0D108BD9-81ED-4DB2-BD59-A6C34878D82A}">
+                    <a16:rowId xmlns:a16="http://schemas.microsoft.com/office/drawing/2014/main" val="1889553313"/>
+                  </a:ext>
+                </a:extLst>
+              </a:tr>
+              <a:tr h="696977">
+                <a:tc>
+                  <a:txBody>
+                    <a:bodyPr/>
+                    <a:lstStyle/>
+                    <a:p>
+                      <a:pPr algn="ctr" fontAlgn="ctr"/>
+                      <a:r>
+                        <a:rPr lang="it-IT" b="0" dirty="0">
+                          <a:effectLst/>
+                        </a:rPr>
+                        <a:t>2</a:t>
+                      </a:r>
+                    </a:p>
+                  </a:txBody>
+                  <a:tcPr marL="60960" marR="60960" marT="30480" marB="30480" anchor="ctr"/>
+                </a:tc>
+                <a:tc>
+                  <a:txBody>
+                    <a:bodyPr/>
+                    <a:lstStyle/>
+                    <a:p>
+                      <a:r>
+                        <a:rPr lang="it-IT">
+                          <a:effectLst/>
+                        </a:rPr>
+                        <a:t>TOP 100 Canada</a:t>
+                      </a:r>
+                    </a:p>
+                  </a:txBody>
+                  <a:tcPr marL="60960" marR="60960" marT="30480" marB="30480" anchor="ctr"/>
+                </a:tc>
+                <a:tc>
+                  <a:txBody>
+                    <a:bodyPr/>
+                    <a:lstStyle/>
+                    <a:p>
+                      <a:r>
+                        <a:rPr lang="it-IT">
+                          <a:effectLst/>
+                        </a:rPr>
+                        <a:t>2018-07-01</a:t>
+                      </a:r>
+                    </a:p>
+                  </a:txBody>
+                  <a:tcPr marL="60960" marR="60960" marT="30480" marB="30480" anchor="ctr"/>
+                </a:tc>
+                <a:tc>
+                  <a:txBody>
+                    <a:bodyPr/>
+                    <a:lstStyle/>
+                    <a:p>
+                      <a:r>
+                        <a:rPr lang="it-IT">
+                          <a:effectLst/>
+                        </a:rPr>
+                        <a:t>Scorpion</a:t>
+                      </a:r>
+                    </a:p>
+                  </a:txBody>
+                  <a:tcPr marL="60960" marR="60960" marT="30480" marB="30480" anchor="ctr"/>
+                </a:tc>
+                <a:tc>
+                  <a:txBody>
+                    <a:bodyPr/>
+                    <a:lstStyle/>
+                    <a:p>
+                      <a:r>
+                        <a:rPr lang="it-IT" b="1" dirty="0">
+                          <a:effectLst/>
+                        </a:rPr>
+                        <a:t>22</a:t>
+                      </a:r>
+                    </a:p>
+                  </a:txBody>
+                  <a:tcPr marL="60960" marR="60960" marT="30480" marB="30480" anchor="ctr"/>
+                </a:tc>
+                <a:tc>
+                  <a:txBody>
+                    <a:bodyPr/>
+                    <a:lstStyle/>
+                    <a:p>
+                      <a:r>
+                        <a:rPr lang="it-IT" b="1">
+                          <a:effectLst/>
+                        </a:rPr>
+                        <a:t>25</a:t>
+                      </a:r>
+                    </a:p>
+                  </a:txBody>
+                  <a:tcPr marL="60960" marR="60960" marT="30480" marB="30480" anchor="ctr"/>
+                </a:tc>
+                <a:extLst>
+                  <a:ext uri="{0D108BD9-81ED-4DB2-BD59-A6C34878D82A}">
+                    <a16:rowId xmlns:a16="http://schemas.microsoft.com/office/drawing/2014/main" val="2280957678"/>
+                  </a:ext>
+                </a:extLst>
+              </a:tr>
+              <a:tr h="520984">
+                <a:tc>
+                  <a:txBody>
+                    <a:bodyPr/>
+                    <a:lstStyle/>
+                    <a:p>
+                      <a:pPr algn="ctr" fontAlgn="ctr"/>
+                      <a:r>
+                        <a:rPr lang="it-IT" b="0" dirty="0">
+                          <a:effectLst/>
+                        </a:rPr>
+                        <a:t>3</a:t>
+                      </a:r>
+                    </a:p>
+                  </a:txBody>
+                  <a:tcPr marL="60960" marR="60960" marT="30480" marB="30480" anchor="ctr"/>
+                </a:tc>
+                <a:tc>
+                  <a:txBody>
+                    <a:bodyPr/>
+                    <a:lstStyle/>
+                    <a:p>
+                      <a:r>
+                        <a:rPr lang="it-IT">
+                          <a:effectLst/>
+                        </a:rPr>
+                        <a:t>TOP 100 Canada</a:t>
+                      </a:r>
+                    </a:p>
+                  </a:txBody>
+                  <a:tcPr marL="60960" marR="60960" marT="30480" marB="30480" anchor="ctr"/>
+                </a:tc>
+                <a:tc>
+                  <a:txBody>
+                    <a:bodyPr/>
+                    <a:lstStyle/>
+                    <a:p>
+                      <a:r>
+                        <a:rPr lang="it-IT">
+                          <a:effectLst/>
+                        </a:rPr>
+                        <a:t>2017-03-19</a:t>
+                      </a:r>
+                    </a:p>
+                  </a:txBody>
+                  <a:tcPr marL="60960" marR="60960" marT="30480" marB="30480" anchor="ctr"/>
+                </a:tc>
+                <a:tc>
+                  <a:txBody>
+                    <a:bodyPr/>
+                    <a:lstStyle/>
+                    <a:p>
+                      <a:r>
+                        <a:rPr lang="it-IT" dirty="0">
+                          <a:effectLst/>
+                        </a:rPr>
+                        <a:t>More Life</a:t>
+                      </a:r>
+                    </a:p>
+                  </a:txBody>
+                  <a:tcPr marL="60960" marR="60960" marT="30480" marB="30480" anchor="ctr"/>
+                </a:tc>
+                <a:tc>
+                  <a:txBody>
+                    <a:bodyPr/>
+                    <a:lstStyle/>
+                    <a:p>
+                      <a:r>
+                        <a:rPr lang="it-IT" b="1">
+                          <a:effectLst/>
+                        </a:rPr>
+                        <a:t>21</a:t>
+                      </a:r>
+                    </a:p>
+                  </a:txBody>
+                  <a:tcPr marL="60960" marR="60960" marT="30480" marB="30480" anchor="ctr"/>
+                </a:tc>
+                <a:tc>
+                  <a:txBody>
+                    <a:bodyPr/>
+                    <a:lstStyle/>
+                    <a:p>
+                      <a:r>
+                        <a:rPr lang="it-IT" b="1" dirty="0">
+                          <a:effectLst/>
+                        </a:rPr>
+                        <a:t>22</a:t>
+                      </a:r>
+                    </a:p>
+                  </a:txBody>
+                  <a:tcPr marL="60960" marR="60960" marT="30480" marB="30480" anchor="ctr"/>
+                </a:tc>
+                <a:extLst>
+                  <a:ext uri="{0D108BD9-81ED-4DB2-BD59-A6C34878D82A}">
+                    <a16:rowId xmlns:a16="http://schemas.microsoft.com/office/drawing/2014/main" val="2192274213"/>
+                  </a:ext>
+                </a:extLst>
+              </a:tr>
+              <a:tr h="520984">
+                <a:tc>
+                  <a:txBody>
+                    <a:bodyPr/>
+                    <a:lstStyle/>
+                    <a:p>
+                      <a:pPr algn="ctr" fontAlgn="ctr"/>
+                      <a:r>
+                        <a:rPr lang="it-IT" b="0" dirty="0">
+                          <a:effectLst/>
+                        </a:rPr>
+                        <a:t>4</a:t>
+                      </a:r>
+                    </a:p>
+                  </a:txBody>
+                  <a:tcPr marL="60960" marR="60960" marT="30480" marB="30480" anchor="ctr"/>
+                </a:tc>
+                <a:tc>
+                  <a:txBody>
+                    <a:bodyPr/>
+                    <a:lstStyle/>
+                    <a:p>
+                      <a:r>
+                        <a:rPr lang="it-IT">
+                          <a:effectLst/>
+                        </a:rPr>
+                        <a:t>TOP 100 USA</a:t>
+                      </a:r>
+                    </a:p>
+                  </a:txBody>
+                  <a:tcPr marL="60960" marR="60960" marT="30480" marB="30480" anchor="ctr"/>
+                </a:tc>
+                <a:tc>
+                  <a:txBody>
+                    <a:bodyPr/>
+                    <a:lstStyle/>
+                    <a:p>
+                      <a:r>
+                        <a:rPr lang="it-IT">
+                          <a:effectLst/>
+                        </a:rPr>
+                        <a:t>2017-03-19</a:t>
+                      </a:r>
+                    </a:p>
+                  </a:txBody>
+                  <a:tcPr marL="60960" marR="60960" marT="30480" marB="30480" anchor="ctr"/>
+                </a:tc>
+                <a:tc>
+                  <a:txBody>
+                    <a:bodyPr/>
+                    <a:lstStyle/>
+                    <a:p>
+                      <a:r>
+                        <a:rPr lang="it-IT">
+                          <a:effectLst/>
+                        </a:rPr>
+                        <a:t>More Life</a:t>
+                      </a:r>
+                    </a:p>
+                  </a:txBody>
+                  <a:tcPr marL="60960" marR="60960" marT="30480" marB="30480" anchor="ctr"/>
+                </a:tc>
+                <a:tc>
+                  <a:txBody>
+                    <a:bodyPr/>
+                    <a:lstStyle/>
+                    <a:p>
+                      <a:r>
+                        <a:rPr lang="it-IT" b="1">
+                          <a:effectLst/>
+                        </a:rPr>
+                        <a:t>21</a:t>
+                      </a:r>
+                    </a:p>
+                  </a:txBody>
+                  <a:tcPr marL="60960" marR="60960" marT="30480" marB="30480" anchor="ctr"/>
+                </a:tc>
+                <a:tc>
+                  <a:txBody>
+                    <a:bodyPr/>
+                    <a:lstStyle/>
+                    <a:p>
+                      <a:r>
+                        <a:rPr lang="it-IT" b="1" dirty="0">
+                          <a:effectLst/>
+                        </a:rPr>
+                        <a:t>22</a:t>
+                      </a:r>
+                    </a:p>
+                  </a:txBody>
+                  <a:tcPr marL="60960" marR="60960" marT="30480" marB="30480" anchor="ctr"/>
+                </a:tc>
+                <a:extLst>
+                  <a:ext uri="{0D108BD9-81ED-4DB2-BD59-A6C34878D82A}">
+                    <a16:rowId xmlns:a16="http://schemas.microsoft.com/office/drawing/2014/main" val="2772147380"/>
+                  </a:ext>
+                </a:extLst>
+              </a:tr>
+              <a:tr h="520984">
+                <a:tc>
+                  <a:txBody>
+                    <a:bodyPr/>
+                    <a:lstStyle/>
+                    <a:p>
+                      <a:pPr algn="ctr" fontAlgn="ctr"/>
+                      <a:r>
+                        <a:rPr lang="it-IT" b="0" dirty="0">
+                          <a:effectLst/>
+                        </a:rPr>
+                        <a:t>5</a:t>
+                      </a:r>
+                    </a:p>
+                  </a:txBody>
+                  <a:tcPr marL="60960" marR="60960" marT="30480" marB="30480" anchor="ctr"/>
+                </a:tc>
+                <a:tc>
+                  <a:txBody>
+                    <a:bodyPr/>
+                    <a:lstStyle/>
+                    <a:p>
+                      <a:r>
+                        <a:rPr lang="it-IT">
+                          <a:effectLst/>
+                        </a:rPr>
+                        <a:t>TOP 100 Italy</a:t>
+                      </a:r>
+                    </a:p>
+                  </a:txBody>
+                  <a:tcPr marL="60960" marR="60960" marT="30480" marB="30480" anchor="ctr"/>
+                </a:tc>
+                <a:tc>
+                  <a:txBody>
+                    <a:bodyPr/>
+                    <a:lstStyle/>
+                    <a:p>
+                      <a:r>
+                        <a:rPr lang="it-IT">
+                          <a:effectLst/>
+                        </a:rPr>
+                        <a:t>2019-11-17</a:t>
+                      </a:r>
+                    </a:p>
+                  </a:txBody>
+                  <a:tcPr marL="60960" marR="60960" marT="30480" marB="30480" anchor="ctr"/>
+                </a:tc>
+                <a:tc>
+                  <a:txBody>
+                    <a:bodyPr/>
+                    <a:lstStyle/>
+                    <a:p>
+                      <a:r>
+                        <a:rPr lang="it-IT">
+                          <a:effectLst/>
+                        </a:rPr>
+                        <a:t>23 6451</a:t>
+                      </a:r>
+                    </a:p>
+                  </a:txBody>
+                  <a:tcPr marL="60960" marR="60960" marT="30480" marB="30480" anchor="ctr"/>
+                </a:tc>
+                <a:tc>
+                  <a:txBody>
+                    <a:bodyPr/>
+                    <a:lstStyle/>
+                    <a:p>
+                      <a:r>
+                        <a:rPr lang="it-IT" b="1">
+                          <a:effectLst/>
+                        </a:rPr>
+                        <a:t>20</a:t>
+                      </a:r>
+                    </a:p>
+                  </a:txBody>
+                  <a:tcPr marL="60960" marR="60960" marT="30480" marB="30480" anchor="ctr"/>
+                </a:tc>
+                <a:tc>
+                  <a:txBody>
+                    <a:bodyPr/>
+                    <a:lstStyle/>
+                    <a:p>
+                      <a:r>
+                        <a:rPr lang="it-IT" b="1" dirty="0">
+                          <a:effectLst/>
+                        </a:rPr>
+                        <a:t>20</a:t>
+                      </a:r>
+                    </a:p>
+                  </a:txBody>
+                  <a:tcPr marL="60960" marR="60960" marT="30480" marB="30480" anchor="ctr"/>
+                </a:tc>
+                <a:extLst>
+                  <a:ext uri="{0D108BD9-81ED-4DB2-BD59-A6C34878D82A}">
+                    <a16:rowId xmlns:a16="http://schemas.microsoft.com/office/drawing/2014/main" val="89622780"/>
+                  </a:ext>
+                </a:extLst>
+              </a:tr>
+            </a:tbl>
+          </a:graphicData>
+        </a:graphic>
+      </p:graphicFrame>
     </p:spTree>
     <p:extLst>
       <p:ext uri="{BB962C8B-B14F-4D97-AF65-F5344CB8AC3E}">
@@ -20753,7 +23894,7 @@
 </p:sld>
 </file>
 
-<file path=ppt/slides/slide21.xml><?xml version="1.0" encoding="utf-8"?>
+<file path=ppt/slides/slide24.xml><?xml version="1.0" encoding="utf-8"?>
 <p:sld xmlns:a="http://schemas.openxmlformats.org/drawingml/2006/main" xmlns:r="http://schemas.openxmlformats.org/officeDocument/2006/relationships" xmlns:p="http://schemas.openxmlformats.org/presentationml/2006/main">
   <p:cSld>
     <p:spTree>
@@ -20818,7 +23959,7 @@
 </p:sld>
 </file>
 
-<file path=ppt/slides/slide22.xml><?xml version="1.0" encoding="utf-8"?>
+<file path=ppt/slides/slide25.xml><?xml version="1.0" encoding="utf-8"?>
 <p:sld xmlns:a="http://schemas.openxmlformats.org/drawingml/2006/main" xmlns:r="http://schemas.openxmlformats.org/officeDocument/2006/relationships" xmlns:p="http://schemas.openxmlformats.org/presentationml/2006/main" showMasterSp="0">
   <p:cSld>
     <p:spTree>

--- a/Spotify_Presentation.pptx
+++ b/Spotify_Presentation.pptx
@@ -14,21 +14,21 @@
     <p:sldId id="265" r:id="rId8"/>
     <p:sldId id="266" r:id="rId9"/>
     <p:sldId id="267" r:id="rId10"/>
-    <p:sldId id="268" r:id="rId11"/>
-    <p:sldId id="269" r:id="rId12"/>
+    <p:sldId id="271" r:id="rId11"/>
+    <p:sldId id="268" r:id="rId12"/>
     <p:sldId id="270" r:id="rId13"/>
-    <p:sldId id="279" r:id="rId14"/>
-    <p:sldId id="280" r:id="rId15"/>
-    <p:sldId id="271" r:id="rId16"/>
-    <p:sldId id="272" r:id="rId17"/>
+    <p:sldId id="280" r:id="rId14"/>
+    <p:sldId id="284" r:id="rId15"/>
+    <p:sldId id="272" r:id="rId16"/>
+    <p:sldId id="269" r:id="rId17"/>
     <p:sldId id="273" r:id="rId18"/>
     <p:sldId id="281" r:id="rId19"/>
-    <p:sldId id="282" r:id="rId20"/>
-    <p:sldId id="274" r:id="rId21"/>
-    <p:sldId id="275" r:id="rId22"/>
-    <p:sldId id="283" r:id="rId23"/>
+    <p:sldId id="285" r:id="rId20"/>
+    <p:sldId id="275" r:id="rId21"/>
+    <p:sldId id="283" r:id="rId22"/>
+    <p:sldId id="274" r:id="rId23"/>
     <p:sldId id="276" r:id="rId24"/>
-    <p:sldId id="278" r:id="rId25"/>
+    <p:sldId id="286" r:id="rId25"/>
     <p:sldId id="277" r:id="rId26"/>
   </p:sldIdLst>
   <p:sldSz cx="12192000" cy="6858000"/>
@@ -17520,6 +17520,110 @@
           </a:prstGeom>
         </p:spPr>
       </p:pic>
+      <p:pic>
+        <p:nvPicPr>
+          <p:cNvPr id="13" name="Immagine 12">
+            <a:extLst>
+              <a:ext uri="{FF2B5EF4-FFF2-40B4-BE49-F238E27FC236}">
+                <a16:creationId xmlns:a16="http://schemas.microsoft.com/office/drawing/2014/main" id="{C253ACAF-EC58-413E-8E7D-E8428E065DE3}"/>
+              </a:ext>
+            </a:extLst>
+          </p:cNvPr>
+          <p:cNvPicPr>
+            <a:picLocks noChangeAspect="1"/>
+          </p:cNvPicPr>
+          <p:nvPr/>
+        </p:nvPicPr>
+        <p:blipFill rotWithShape="1">
+          <a:blip r:embed="rId3">
+            <a:extLst>
+              <a:ext uri="{BEBA8EAE-BF5A-486C-A8C5-ECC9F3942E4B}">
+                <a14:imgProps xmlns:a14="http://schemas.microsoft.com/office/drawing/2010/main">
+                  <a14:imgLayer r:embed="rId4">
+                    <a14:imgEffect>
+                      <a14:sharpenSoften amount="100000"/>
+                    </a14:imgEffect>
+                    <a14:imgEffect>
+                      <a14:brightnessContrast bright="-100000" contrast="100000"/>
+                    </a14:imgEffect>
+                  </a14:imgLayer>
+                </a14:imgProps>
+              </a:ext>
+              <a:ext uri="{28A0092B-C50C-407E-A947-70E740481C1C}">
+                <a14:useLocalDpi xmlns:a14="http://schemas.microsoft.com/office/drawing/2010/main" val="0"/>
+              </a:ext>
+            </a:extLst>
+          </a:blip>
+          <a:srcRect l="32443"/>
+          <a:stretch/>
+        </p:blipFill>
+        <p:spPr>
+          <a:xfrm>
+            <a:off x="317522" y="513967"/>
+            <a:ext cx="2446868" cy="1080000"/>
+          </a:xfrm>
+          <a:prstGeom prst="rect">
+            <a:avLst/>
+          </a:prstGeom>
+        </p:spPr>
+      </p:pic>
+      <p:pic>
+        <p:nvPicPr>
+          <p:cNvPr id="16" name="Immagine 15" descr="Immagine che contiene testo&#10;&#10;Descrizione generata automaticamente">
+            <a:extLst>
+              <a:ext uri="{FF2B5EF4-FFF2-40B4-BE49-F238E27FC236}">
+                <a16:creationId xmlns:a16="http://schemas.microsoft.com/office/drawing/2014/main" id="{4EE3E4B8-4A66-47E3-8444-69144F3E87E6}"/>
+              </a:ext>
+            </a:extLst>
+          </p:cNvPr>
+          <p:cNvPicPr>
+            <a:picLocks noChangeAspect="1"/>
+          </p:cNvPicPr>
+          <p:nvPr/>
+        </p:nvPicPr>
+        <p:blipFill>
+          <a:blip r:embed="rId5">
+            <a:duotone>
+              <a:prstClr val="black"/>
+              <a:schemeClr val="bg1">
+                <a:lumMod val="10000"/>
+                <a:tint val="45000"/>
+                <a:satMod val="400000"/>
+              </a:schemeClr>
+            </a:duotone>
+            <a:alphaModFix/>
+            <a:extLst>
+              <a:ext uri="{BEBA8EAE-BF5A-486C-A8C5-ECC9F3942E4B}">
+                <a14:imgProps xmlns:a14="http://schemas.microsoft.com/office/drawing/2010/main">
+                  <a14:imgLayer r:embed="rId6">
+                    <a14:imgEffect>
+                      <a14:saturation sat="400000"/>
+                    </a14:imgEffect>
+                    <a14:imgEffect>
+                      <a14:brightnessContrast bright="-100000"/>
+                    </a14:imgEffect>
+                  </a14:imgLayer>
+                </a14:imgProps>
+              </a:ext>
+              <a:ext uri="{28A0092B-C50C-407E-A947-70E740481C1C}">
+                <a14:useLocalDpi xmlns:a14="http://schemas.microsoft.com/office/drawing/2010/main" val="0"/>
+              </a:ext>
+            </a:extLst>
+          </a:blip>
+          <a:stretch>
+            <a:fillRect/>
+          </a:stretch>
+        </p:blipFill>
+        <p:spPr>
+          <a:xfrm>
+            <a:off x="10156295" y="517353"/>
+            <a:ext cx="1718183" cy="1080000"/>
+          </a:xfrm>
+          <a:prstGeom prst="rect">
+            <a:avLst/>
+          </a:prstGeom>
+        </p:spPr>
+      </p:pic>
     </p:spTree>
     <p:extLst>
       <p:ext uri="{BB962C8B-B14F-4D97-AF65-F5344CB8AC3E}">
@@ -17621,7 +17725,7 @@
                 <a:effectLst/>
                 <a:latin typeface="Inter"/>
               </a:rPr>
-              <a:t>Show the 20 most popular under-30 Italian artist who published at least a track in 2018</a:t>
+              <a:t>How many times tracks made by an artist born after 2000 were present in top 100 Italy in 2020?</a:t>
             </a:r>
             <a:endParaRPr lang="en-US" sz="2800" i="1" dirty="0">
               <a:effectLst/>
@@ -17630,46 +17734,1045 @@
           </a:p>
         </p:txBody>
       </p:sp>
-      <p:pic>
-        <p:nvPicPr>
-          <p:cNvPr id="8" name="Immagine 7">
+      <p:graphicFrame>
+        <p:nvGraphicFramePr>
+          <p:cNvPr id="6" name="Tabella 12">
             <a:extLst>
               <a:ext uri="{FF2B5EF4-FFF2-40B4-BE49-F238E27FC236}">
-                <a16:creationId xmlns:a16="http://schemas.microsoft.com/office/drawing/2014/main" id="{71F729CC-6676-4AD0-BC66-0D3595B9B302}"/>
+                <a16:creationId xmlns:a16="http://schemas.microsoft.com/office/drawing/2014/main" id="{2504D2EB-B51B-49F6-81A7-050AB014DF24}"/>
               </a:ext>
             </a:extLst>
           </p:cNvPr>
-          <p:cNvPicPr>
-            <a:picLocks noChangeAspect="1"/>
-          </p:cNvPicPr>
-          <p:nvPr/>
-        </p:nvPicPr>
-        <p:blipFill>
-          <a:blip r:embed="rId2">
-            <a:extLst>
-              <a:ext uri="{28A0092B-C50C-407E-A947-70E740481C1C}">
-                <a14:useLocalDpi xmlns:a14="http://schemas.microsoft.com/office/drawing/2010/main" val="0"/>
-              </a:ext>
-            </a:extLst>
-          </a:blip>
-          <a:stretch>
-            <a:fillRect/>
-          </a:stretch>
-        </p:blipFill>
-        <p:spPr>
-          <a:xfrm>
-            <a:off x="857655" y="2171525"/>
-            <a:ext cx="10476689" cy="4426450"/>
-          </a:xfrm>
-          <a:prstGeom prst="rect">
-            <a:avLst/>
-          </a:prstGeom>
-        </p:spPr>
-      </p:pic>
+          <p:cNvGraphicFramePr>
+            <a:graphicFrameLocks/>
+          </p:cNvGraphicFramePr>
+          <p:nvPr>
+            <p:extLst>
+              <p:ext uri="{D42A27DB-BD31-4B8C-83A1-F6EECF244321}">
+                <p14:modId xmlns:p14="http://schemas.microsoft.com/office/powerpoint/2010/main" val="167932685"/>
+              </p:ext>
+            </p:extLst>
+          </p:nvPr>
+        </p:nvGraphicFramePr>
+        <p:xfrm>
+          <a:off x="914399" y="2082934"/>
+          <a:ext cx="10506075" cy="4615300"/>
+        </p:xfrm>
+        <a:graphic>
+          <a:graphicData uri="http://schemas.openxmlformats.org/drawingml/2006/table">
+            <a:tbl>
+              <a:tblPr firstRow="1" bandRow="1">
+                <a:tableStyleId>{5C22544A-7EE6-4342-B048-85BDC9FD1C3A}</a:tableStyleId>
+              </a:tblPr>
+              <a:tblGrid>
+                <a:gridCol w="4187204">
+                  <a:extLst>
+                    <a:ext uri="{9D8B030D-6E8A-4147-A177-3AD203B41FA5}">
+                      <a16:colId xmlns:a16="http://schemas.microsoft.com/office/drawing/2014/main" val="3166993402"/>
+                    </a:ext>
+                  </a:extLst>
+                </a:gridCol>
+                <a:gridCol w="1712947">
+                  <a:extLst>
+                    <a:ext uri="{9D8B030D-6E8A-4147-A177-3AD203B41FA5}">
+                      <a16:colId xmlns:a16="http://schemas.microsoft.com/office/drawing/2014/main" val="2461625038"/>
+                    </a:ext>
+                  </a:extLst>
+                </a:gridCol>
+                <a:gridCol w="1903274">
+                  <a:extLst>
+                    <a:ext uri="{9D8B030D-6E8A-4147-A177-3AD203B41FA5}">
+                      <a16:colId xmlns:a16="http://schemas.microsoft.com/office/drawing/2014/main" val="1191886570"/>
+                    </a:ext>
+                  </a:extLst>
+                </a:gridCol>
+                <a:gridCol w="1284710">
+                  <a:extLst>
+                    <a:ext uri="{9D8B030D-6E8A-4147-A177-3AD203B41FA5}">
+                      <a16:colId xmlns:a16="http://schemas.microsoft.com/office/drawing/2014/main" val="3486526979"/>
+                    </a:ext>
+                  </a:extLst>
+                </a:gridCol>
+                <a:gridCol w="1417940">
+                  <a:extLst>
+                    <a:ext uri="{9D8B030D-6E8A-4147-A177-3AD203B41FA5}">
+                      <a16:colId xmlns:a16="http://schemas.microsoft.com/office/drawing/2014/main" val="3837789272"/>
+                    </a:ext>
+                  </a:extLst>
+                </a:gridCol>
+              </a:tblGrid>
+              <a:tr h="224534">
+                <a:tc>
+                  <a:txBody>
+                    <a:bodyPr/>
+                    <a:lstStyle/>
+                    <a:p>
+                      <a:pPr algn="ctr"/>
+                      <a:r>
+                        <a:rPr lang="it-IT" sz="1200" b="1" i="0" dirty="0">
+                          <a:solidFill>
+                            <a:schemeClr val="bg1"/>
+                          </a:solidFill>
+                          <a:latin typeface="+mn-lt"/>
+                        </a:rPr>
+                        <a:t>Track Name</a:t>
+                      </a:r>
+                    </a:p>
+                  </a:txBody>
+                  <a:tcPr/>
+                </a:tc>
+                <a:tc>
+                  <a:txBody>
+                    <a:bodyPr/>
+                    <a:lstStyle/>
+                    <a:p>
+                      <a:pPr algn="ctr"/>
+                      <a:r>
+                        <a:rPr lang="it-IT" sz="1200" b="1" i="0" dirty="0">
+                          <a:solidFill>
+                            <a:schemeClr val="bg1"/>
+                          </a:solidFill>
+                          <a:latin typeface="+mn-lt"/>
+                        </a:rPr>
+                        <a:t>Artist Name</a:t>
+                      </a:r>
+                    </a:p>
+                  </a:txBody>
+                  <a:tcPr/>
+                </a:tc>
+                <a:tc>
+                  <a:txBody>
+                    <a:bodyPr/>
+                    <a:lstStyle/>
+                    <a:p>
+                      <a:pPr algn="ctr"/>
+                      <a:r>
+                        <a:rPr lang="it-IT" sz="1200" b="1" i="0" dirty="0">
+                          <a:solidFill>
+                            <a:schemeClr val="bg1"/>
+                          </a:solidFill>
+                          <a:latin typeface="+mn-lt"/>
+                        </a:rPr>
+                        <a:t>Artist Real Name</a:t>
+                      </a:r>
+                    </a:p>
+                  </a:txBody>
+                  <a:tcPr/>
+                </a:tc>
+                <a:tc>
+                  <a:txBody>
+                    <a:bodyPr/>
+                    <a:lstStyle/>
+                    <a:p>
+                      <a:pPr lvl="0" algn="ctr">
+                        <a:buNone/>
+                      </a:pPr>
+                      <a:r>
+                        <a:rPr lang="it-IT" sz="1200" b="1" i="0" u="none" strike="noStrike" noProof="0" dirty="0">
+                          <a:solidFill>
+                            <a:schemeClr val="bg1"/>
+                          </a:solidFill>
+                          <a:latin typeface="+mn-lt"/>
+                        </a:rPr>
+                        <a:t>BirthDate</a:t>
+                      </a:r>
+                      <a:endParaRPr lang="it-IT" sz="1200" b="1" i="0" dirty="0">
+                        <a:solidFill>
+                          <a:schemeClr val="bg1"/>
+                        </a:solidFill>
+                        <a:latin typeface="+mn-lt"/>
+                      </a:endParaRPr>
+                    </a:p>
+                  </a:txBody>
+                  <a:tcPr/>
+                </a:tc>
+                <a:tc>
+                  <a:txBody>
+                    <a:bodyPr/>
+                    <a:lstStyle/>
+                    <a:p>
+                      <a:pPr lvl="0" algn="ctr">
+                        <a:buNone/>
+                      </a:pPr>
+                      <a:r>
+                        <a:rPr lang="it-IT" sz="1200" b="1" i="0" u="none" strike="noStrike" noProof="0" dirty="0" err="1">
+                          <a:solidFill>
+                            <a:schemeClr val="bg1"/>
+                          </a:solidFill>
+                          <a:latin typeface="+mn-lt"/>
+                        </a:rPr>
+                        <a:t>numAppereances</a:t>
+                      </a:r>
+                      <a:endParaRPr lang="it-IT" sz="1200" b="1" i="0" dirty="0">
+                        <a:solidFill>
+                          <a:schemeClr val="bg1"/>
+                        </a:solidFill>
+                        <a:latin typeface="+mn-lt"/>
+                      </a:endParaRPr>
+                    </a:p>
+                  </a:txBody>
+                  <a:tcPr/>
+                </a:tc>
+                <a:extLst>
+                  <a:ext uri="{0D108BD9-81ED-4DB2-BD59-A6C34878D82A}">
+                    <a16:rowId xmlns:a16="http://schemas.microsoft.com/office/drawing/2014/main" val="1255640995"/>
+                  </a:ext>
+                </a:extLst>
+              </a:tr>
+              <a:tr h="523912">
+                <a:tc>
+                  <a:txBody>
+                    <a:bodyPr/>
+                    <a:lstStyle/>
+                    <a:p>
+                      <a:r>
+                        <a:rPr lang="it-IT" sz="1400" dirty="0">
+                          <a:effectLst/>
+                        </a:rPr>
+                        <a:t>blun7 a swishland</a:t>
+                      </a:r>
+                    </a:p>
+                  </a:txBody>
+                  <a:tcPr marL="60960" marR="60960" marT="30480" marB="30480" anchor="ctr"/>
+                </a:tc>
+                <a:tc>
+                  <a:txBody>
+                    <a:bodyPr/>
+                    <a:lstStyle/>
+                    <a:p>
+                      <a:r>
+                        <a:rPr lang="it-IT" sz="1400" dirty="0">
+                          <a:effectLst/>
+                        </a:rPr>
+                        <a:t>tha Supreme</a:t>
+                      </a:r>
+                    </a:p>
+                  </a:txBody>
+                  <a:tcPr marL="60960" marR="60960" marT="30480" marB="30480" anchor="ctr"/>
+                </a:tc>
+                <a:tc>
+                  <a:txBody>
+                    <a:bodyPr/>
+                    <a:lstStyle/>
+                    <a:p>
+                      <a:r>
+                        <a:rPr lang="it-IT" sz="1400" dirty="0">
+                          <a:effectLst/>
+                        </a:rPr>
+                        <a:t>Davide Mattei</a:t>
+                      </a:r>
+                    </a:p>
+                  </a:txBody>
+                  <a:tcPr marL="60960" marR="60960" marT="30480" marB="30480" anchor="ctr"/>
+                </a:tc>
+                <a:tc>
+                  <a:txBody>
+                    <a:bodyPr/>
+                    <a:lstStyle/>
+                    <a:p>
+                      <a:r>
+                        <a:rPr lang="it-IT" sz="1400" dirty="0">
+                          <a:effectLst/>
+                        </a:rPr>
+                        <a:t>2001-03-17</a:t>
+                      </a:r>
+                    </a:p>
+                  </a:txBody>
+                  <a:tcPr marL="60960" marR="60960" marT="30480" marB="30480" anchor="ctr"/>
+                </a:tc>
+                <a:tc>
+                  <a:txBody>
+                    <a:bodyPr/>
+                    <a:lstStyle/>
+                    <a:p>
+                      <a:pPr marL="0" marR="0" lvl="0" indent="0" algn="ctr" defTabSz="914400" rtl="0" eaLnBrk="1" fontAlgn="auto" latinLnBrk="0" hangingPunct="1">
+                        <a:lnSpc>
+                          <a:spcPct val="100000"/>
+                        </a:lnSpc>
+                        <a:spcBef>
+                          <a:spcPts val="0"/>
+                        </a:spcBef>
+                        <a:spcAft>
+                          <a:spcPts val="0"/>
+                        </a:spcAft>
+                        <a:buClrTx/>
+                        <a:buSzTx/>
+                        <a:buFontTx/>
+                        <a:buNone/>
+                        <a:tabLst/>
+                        <a:defRPr/>
+                      </a:pPr>
+                      <a:r>
+                        <a:rPr lang="it-IT" sz="1400" b="1" dirty="0">
+                          <a:effectLst/>
+                        </a:rPr>
+                        <a:t>44</a:t>
+                      </a:r>
+                    </a:p>
+                  </a:txBody>
+                  <a:tcPr anchor="ctr"/>
+                </a:tc>
+                <a:extLst>
+                  <a:ext uri="{0D108BD9-81ED-4DB2-BD59-A6C34878D82A}">
+                    <a16:rowId xmlns:a16="http://schemas.microsoft.com/office/drawing/2014/main" val="1889553313"/>
+                  </a:ext>
+                </a:extLst>
+              </a:tr>
+              <a:tr h="498963">
+                <a:tc>
+                  <a:txBody>
+                    <a:bodyPr/>
+                    <a:lstStyle/>
+                    <a:p>
+                      <a:r>
+                        <a:rPr lang="it-IT" sz="1400" dirty="0">
+                          <a:effectLst/>
+                        </a:rPr>
+                        <a:t>Cin Cin</a:t>
+                      </a:r>
+                    </a:p>
+                  </a:txBody>
+                  <a:tcPr marL="60960" marR="60960" marT="30480" marB="30480" anchor="ctr"/>
+                </a:tc>
+                <a:tc>
+                  <a:txBody>
+                    <a:bodyPr/>
+                    <a:lstStyle/>
+                    <a:p>
+                      <a:r>
+                        <a:rPr lang="it-IT" sz="1400" dirty="0">
+                          <a:effectLst/>
+                        </a:rPr>
+                        <a:t>Yanomi</a:t>
+                      </a:r>
+                    </a:p>
+                  </a:txBody>
+                  <a:tcPr marL="60960" marR="60960" marT="30480" marB="30480" anchor="ctr"/>
+                </a:tc>
+                <a:tc>
+                  <a:txBody>
+                    <a:bodyPr/>
+                    <a:lstStyle/>
+                    <a:p>
+                      <a:r>
+                        <a:rPr lang="it-IT" sz="1400" dirty="0">
+                          <a:effectLst/>
+                        </a:rPr>
+                        <a:t>Andrea De Filippi</a:t>
+                      </a:r>
+                    </a:p>
+                  </a:txBody>
+                  <a:tcPr marL="60960" marR="60960" marT="30480" marB="30480" anchor="ctr"/>
+                </a:tc>
+                <a:tc>
+                  <a:txBody>
+                    <a:bodyPr/>
+                    <a:lstStyle/>
+                    <a:p>
+                      <a:r>
+                        <a:rPr lang="it-IT" sz="1400" dirty="0">
+                          <a:effectLst/>
+                        </a:rPr>
+                        <a:t>2000-08-22</a:t>
+                      </a:r>
+                    </a:p>
+                  </a:txBody>
+                  <a:tcPr marL="60960" marR="60960" marT="30480" marB="30480" anchor="ctr"/>
+                </a:tc>
+                <a:tc>
+                  <a:txBody>
+                    <a:bodyPr/>
+                    <a:lstStyle/>
+                    <a:p>
+                      <a:pPr algn="ctr"/>
+                      <a:r>
+                        <a:rPr lang="it-IT" sz="1400" b="1" dirty="0">
+                          <a:effectLst/>
+                        </a:rPr>
+                        <a:t>38</a:t>
+                      </a:r>
+                    </a:p>
+                  </a:txBody>
+                  <a:tcPr marL="60960" marR="60960" marT="30480" marB="30480" anchor="ctr"/>
+                </a:tc>
+                <a:extLst>
+                  <a:ext uri="{0D108BD9-81ED-4DB2-BD59-A6C34878D82A}">
+                    <a16:rowId xmlns:a16="http://schemas.microsoft.com/office/drawing/2014/main" val="2280957678"/>
+                  </a:ext>
+                </a:extLst>
+              </a:tr>
+              <a:tr h="274430">
+                <a:tc>
+                  <a:txBody>
+                    <a:bodyPr/>
+                    <a:lstStyle/>
+                    <a:p>
+                      <a:r>
+                        <a:rPr lang="it-IT" sz="1400" dirty="0">
+                          <a:effectLst/>
+                        </a:rPr>
+                        <a:t>Roses - Imanbek Remix</a:t>
+                      </a:r>
+                    </a:p>
+                  </a:txBody>
+                  <a:tcPr marL="60960" marR="60960" marT="30480" marB="30480" anchor="ctr"/>
+                </a:tc>
+                <a:tc>
+                  <a:txBody>
+                    <a:bodyPr/>
+                    <a:lstStyle/>
+                    <a:p>
+                      <a:r>
+                        <a:rPr lang="it-IT" sz="1400" dirty="0">
+                          <a:effectLst/>
+                        </a:rPr>
+                        <a:t>Imanbek</a:t>
+                      </a:r>
+                    </a:p>
+                  </a:txBody>
+                  <a:tcPr marL="60960" marR="60960" marT="30480" marB="30480" anchor="ctr"/>
+                </a:tc>
+                <a:tc>
+                  <a:txBody>
+                    <a:bodyPr/>
+                    <a:lstStyle/>
+                    <a:p>
+                      <a:r>
+                        <a:rPr lang="it-IT" sz="1400" dirty="0">
+                          <a:effectLst/>
+                        </a:rPr>
+                        <a:t>Imanbek</a:t>
+                      </a:r>
+                    </a:p>
+                  </a:txBody>
+                  <a:tcPr marL="60960" marR="60960" marT="30480" marB="30480" anchor="ctr"/>
+                </a:tc>
+                <a:tc>
+                  <a:txBody>
+                    <a:bodyPr/>
+                    <a:lstStyle/>
+                    <a:p>
+                      <a:r>
+                        <a:rPr lang="it-IT" sz="1400" dirty="0">
+                          <a:effectLst/>
+                        </a:rPr>
+                        <a:t>2000-10-21</a:t>
+                      </a:r>
+                    </a:p>
+                  </a:txBody>
+                  <a:tcPr marL="60960" marR="60960" marT="30480" marB="30480" anchor="ctr"/>
+                </a:tc>
+                <a:tc>
+                  <a:txBody>
+                    <a:bodyPr/>
+                    <a:lstStyle/>
+                    <a:p>
+                      <a:pPr algn="ctr"/>
+                      <a:r>
+                        <a:rPr lang="it-IT" sz="1400" b="1" dirty="0">
+                          <a:effectLst/>
+                        </a:rPr>
+                        <a:t>37</a:t>
+                      </a:r>
+                    </a:p>
+                  </a:txBody>
+                  <a:tcPr marL="60960" marR="60960" marT="30480" marB="30480" anchor="ctr"/>
+                </a:tc>
+                <a:extLst>
+                  <a:ext uri="{0D108BD9-81ED-4DB2-BD59-A6C34878D82A}">
+                    <a16:rowId xmlns:a16="http://schemas.microsoft.com/office/drawing/2014/main" val="2192274213"/>
+                  </a:ext>
+                </a:extLst>
+              </a:tr>
+              <a:tr h="274430">
+                <a:tc>
+                  <a:txBody>
+                    <a:bodyPr/>
+                    <a:lstStyle/>
+                    <a:p>
+                      <a:r>
+                        <a:rPr lang="it-IT" sz="1400" dirty="0">
+                          <a:effectLst/>
+                        </a:rPr>
+                        <a:t>Dance Monkey</a:t>
+                      </a:r>
+                    </a:p>
+                  </a:txBody>
+                  <a:tcPr marL="60960" marR="60960" marT="30480" marB="30480" anchor="ctr"/>
+                </a:tc>
+                <a:tc>
+                  <a:txBody>
+                    <a:bodyPr/>
+                    <a:lstStyle/>
+                    <a:p>
+                      <a:r>
+                        <a:rPr lang="it-IT" sz="1400" dirty="0">
+                          <a:effectLst/>
+                        </a:rPr>
+                        <a:t>Tones And I</a:t>
+                      </a:r>
+                    </a:p>
+                  </a:txBody>
+                  <a:tcPr marL="60960" marR="60960" marT="30480" marB="30480" anchor="ctr"/>
+                </a:tc>
+                <a:tc>
+                  <a:txBody>
+                    <a:bodyPr/>
+                    <a:lstStyle/>
+                    <a:p>
+                      <a:r>
+                        <a:rPr lang="it-IT" sz="1400" dirty="0">
+                          <a:effectLst/>
+                        </a:rPr>
+                        <a:t>Toni Watson</a:t>
+                      </a:r>
+                    </a:p>
+                  </a:txBody>
+                  <a:tcPr marL="60960" marR="60960" marT="30480" marB="30480" anchor="ctr"/>
+                </a:tc>
+                <a:tc>
+                  <a:txBody>
+                    <a:bodyPr/>
+                    <a:lstStyle/>
+                    <a:p>
+                      <a:r>
+                        <a:rPr lang="it-IT" sz="1400" dirty="0">
+                          <a:effectLst/>
+                        </a:rPr>
+                        <a:t>2000-08-13</a:t>
+                      </a:r>
+                    </a:p>
+                  </a:txBody>
+                  <a:tcPr marL="60960" marR="60960" marT="30480" marB="30480" anchor="ctr"/>
+                </a:tc>
+                <a:tc>
+                  <a:txBody>
+                    <a:bodyPr/>
+                    <a:lstStyle/>
+                    <a:p>
+                      <a:pPr algn="ctr"/>
+                      <a:r>
+                        <a:rPr lang="it-IT" sz="1400" b="1" dirty="0">
+                          <a:effectLst/>
+                        </a:rPr>
+                        <a:t>32</a:t>
+                      </a:r>
+                    </a:p>
+                  </a:txBody>
+                  <a:tcPr marL="60960" marR="60960" marT="30480" marB="30480" anchor="ctr"/>
+                </a:tc>
+                <a:extLst>
+                  <a:ext uri="{0D108BD9-81ED-4DB2-BD59-A6C34878D82A}">
+                    <a16:rowId xmlns:a16="http://schemas.microsoft.com/office/drawing/2014/main" val="2772147380"/>
+                  </a:ext>
+                </a:extLst>
+              </a:tr>
+              <a:tr h="274430">
+                <a:tc>
+                  <a:txBody>
+                    <a:bodyPr/>
+                    <a:lstStyle/>
+                    <a:p>
+                      <a:r>
+                        <a:rPr lang="it-IT" sz="1400" dirty="0">
+                          <a:effectLst/>
+                        </a:rPr>
+                        <a:t>fuck 3x</a:t>
+                      </a:r>
+                    </a:p>
+                  </a:txBody>
+                  <a:tcPr marL="60960" marR="60960" marT="30480" marB="30480" anchor="ctr"/>
+                </a:tc>
+                <a:tc>
+                  <a:txBody>
+                    <a:bodyPr/>
+                    <a:lstStyle/>
+                    <a:p>
+                      <a:r>
+                        <a:rPr lang="it-IT" sz="1400" dirty="0">
+                          <a:effectLst/>
+                        </a:rPr>
+                        <a:t>tha Supreme</a:t>
+                      </a:r>
+                    </a:p>
+                  </a:txBody>
+                  <a:tcPr marL="60960" marR="60960" marT="30480" marB="30480" anchor="ctr"/>
+                </a:tc>
+                <a:tc>
+                  <a:txBody>
+                    <a:bodyPr/>
+                    <a:lstStyle/>
+                    <a:p>
+                      <a:r>
+                        <a:rPr lang="it-IT" sz="1400" dirty="0">
+                          <a:effectLst/>
+                        </a:rPr>
+                        <a:t>Davide Mattei</a:t>
+                      </a:r>
+                    </a:p>
+                  </a:txBody>
+                  <a:tcPr marL="60960" marR="60960" marT="30480" marB="30480" anchor="ctr"/>
+                </a:tc>
+                <a:tc>
+                  <a:txBody>
+                    <a:bodyPr/>
+                    <a:lstStyle/>
+                    <a:p>
+                      <a:r>
+                        <a:rPr lang="it-IT" sz="1400" dirty="0">
+                          <a:effectLst/>
+                        </a:rPr>
+                        <a:t>2001-03-17</a:t>
+                      </a:r>
+                    </a:p>
+                  </a:txBody>
+                  <a:tcPr marL="60960" marR="60960" marT="30480" marB="30480" anchor="ctr"/>
+                </a:tc>
+                <a:tc>
+                  <a:txBody>
+                    <a:bodyPr/>
+                    <a:lstStyle/>
+                    <a:p>
+                      <a:pPr algn="ctr"/>
+                      <a:r>
+                        <a:rPr lang="it-IT" sz="1400" b="1" dirty="0">
+                          <a:effectLst/>
+                        </a:rPr>
+                        <a:t>30</a:t>
+                      </a:r>
+                    </a:p>
+                  </a:txBody>
+                  <a:tcPr marL="60960" marR="60960" marT="30480" marB="30480" anchor="ctr"/>
+                </a:tc>
+                <a:extLst>
+                  <a:ext uri="{0D108BD9-81ED-4DB2-BD59-A6C34878D82A}">
+                    <a16:rowId xmlns:a16="http://schemas.microsoft.com/office/drawing/2014/main" val="89622780"/>
+                  </a:ext>
+                </a:extLst>
+              </a:tr>
+              <a:tr h="498963">
+                <a:tc>
+                  <a:txBody>
+                    <a:bodyPr/>
+                    <a:lstStyle/>
+                    <a:p>
+                      <a:r>
+                        <a:rPr lang="en-US" sz="1400" dirty="0">
+                          <a:effectLst/>
+                        </a:rPr>
+                        <a:t>Nena (feat. Geolier &amp; Andry The Hitmaker)</a:t>
+                      </a:r>
+                    </a:p>
+                  </a:txBody>
+                  <a:tcPr marL="60960" marR="60960" marT="30480" marB="30480" anchor="ctr"/>
+                </a:tc>
+                <a:tc>
+                  <a:txBody>
+                    <a:bodyPr/>
+                    <a:lstStyle/>
+                    <a:p>
+                      <a:r>
+                        <a:rPr lang="it-IT" sz="1400" dirty="0">
+                          <a:effectLst/>
+                        </a:rPr>
+                        <a:t>Geolier</a:t>
+                      </a:r>
+                    </a:p>
+                  </a:txBody>
+                  <a:tcPr marL="60960" marR="60960" marT="30480" marB="30480" anchor="ctr"/>
+                </a:tc>
+                <a:tc>
+                  <a:txBody>
+                    <a:bodyPr/>
+                    <a:lstStyle/>
+                    <a:p>
+                      <a:r>
+                        <a:rPr lang="it-IT" sz="1400" dirty="0">
+                          <a:effectLst/>
+                        </a:rPr>
+                        <a:t>Geolier</a:t>
+                      </a:r>
+                    </a:p>
+                  </a:txBody>
+                  <a:tcPr marL="60960" marR="60960" marT="30480" marB="30480" anchor="ctr"/>
+                </a:tc>
+                <a:tc>
+                  <a:txBody>
+                    <a:bodyPr/>
+                    <a:lstStyle/>
+                    <a:p>
+                      <a:r>
+                        <a:rPr lang="it-IT" sz="1400" dirty="0">
+                          <a:effectLst/>
+                        </a:rPr>
+                        <a:t>2000-03-23</a:t>
+                      </a:r>
+                    </a:p>
+                  </a:txBody>
+                  <a:tcPr marL="60960" marR="60960" marT="30480" marB="30480" anchor="ctr"/>
+                </a:tc>
+                <a:tc>
+                  <a:txBody>
+                    <a:bodyPr/>
+                    <a:lstStyle/>
+                    <a:p>
+                      <a:pPr algn="ctr"/>
+                      <a:r>
+                        <a:rPr lang="it-IT" sz="1400" b="1" dirty="0">
+                          <a:effectLst/>
+                        </a:rPr>
+                        <a:t>28</a:t>
+                      </a:r>
+                    </a:p>
+                  </a:txBody>
+                  <a:tcPr marL="60960" marR="60960" marT="30480" marB="30480" anchor="ctr"/>
+                </a:tc>
+                <a:extLst>
+                  <a:ext uri="{0D108BD9-81ED-4DB2-BD59-A6C34878D82A}">
+                    <a16:rowId xmlns:a16="http://schemas.microsoft.com/office/drawing/2014/main" val="1086527724"/>
+                  </a:ext>
+                </a:extLst>
+              </a:tr>
+              <a:tr h="498963">
+                <a:tc>
+                  <a:txBody>
+                    <a:bodyPr/>
+                    <a:lstStyle/>
+                    <a:p>
+                      <a:r>
+                        <a:rPr lang="it-IT" sz="1400" dirty="0">
+                          <a:effectLst/>
+                        </a:rPr>
+                        <a:t>SUPREME - L'ego (feat. tha Supreme &amp; Sfera Ebb...)</a:t>
+                      </a:r>
+                    </a:p>
+                  </a:txBody>
+                  <a:tcPr marL="60960" marR="60960" marT="30480" marB="30480" anchor="ctr"/>
+                </a:tc>
+                <a:tc>
+                  <a:txBody>
+                    <a:bodyPr/>
+                    <a:lstStyle/>
+                    <a:p>
+                      <a:r>
+                        <a:rPr lang="it-IT" sz="1400" dirty="0">
+                          <a:effectLst/>
+                        </a:rPr>
+                        <a:t>tha Supreme</a:t>
+                      </a:r>
+                    </a:p>
+                  </a:txBody>
+                  <a:tcPr marL="60960" marR="60960" marT="30480" marB="30480" anchor="ctr"/>
+                </a:tc>
+                <a:tc>
+                  <a:txBody>
+                    <a:bodyPr/>
+                    <a:lstStyle/>
+                    <a:p>
+                      <a:r>
+                        <a:rPr lang="it-IT" sz="1400" dirty="0">
+                          <a:effectLst/>
+                        </a:rPr>
+                        <a:t>Davide Mattei</a:t>
+                      </a:r>
+                    </a:p>
+                  </a:txBody>
+                  <a:tcPr marL="60960" marR="60960" marT="30480" marB="30480" anchor="ctr"/>
+                </a:tc>
+                <a:tc>
+                  <a:txBody>
+                    <a:bodyPr/>
+                    <a:lstStyle/>
+                    <a:p>
+                      <a:r>
+                        <a:rPr lang="it-IT" sz="1400" dirty="0">
+                          <a:effectLst/>
+                        </a:rPr>
+                        <a:t>2001-03-17</a:t>
+                      </a:r>
+                    </a:p>
+                  </a:txBody>
+                  <a:tcPr marL="60960" marR="60960" marT="30480" marB="30480" anchor="ctr"/>
+                </a:tc>
+                <a:tc>
+                  <a:txBody>
+                    <a:bodyPr/>
+                    <a:lstStyle/>
+                    <a:p>
+                      <a:pPr algn="ctr"/>
+                      <a:r>
+                        <a:rPr lang="it-IT" sz="1400" b="1" dirty="0">
+                          <a:effectLst/>
+                        </a:rPr>
+                        <a:t>28</a:t>
+                      </a:r>
+                    </a:p>
+                  </a:txBody>
+                  <a:tcPr marL="60960" marR="60960" marT="30480" marB="30480" anchor="ctr"/>
+                </a:tc>
+                <a:extLst>
+                  <a:ext uri="{0D108BD9-81ED-4DB2-BD59-A6C34878D82A}">
+                    <a16:rowId xmlns:a16="http://schemas.microsoft.com/office/drawing/2014/main" val="2580150930"/>
+                  </a:ext>
+                </a:extLst>
+              </a:tr>
+              <a:tr h="498963">
+                <a:tc>
+                  <a:txBody>
+                    <a:bodyPr/>
+                    <a:lstStyle/>
+                    <a:p>
+                      <a:r>
+                        <a:rPr lang="it-IT" sz="1400" dirty="0">
+                          <a:effectLst/>
+                        </a:rPr>
+                        <a:t>TesTa TrA Le NuVoLE, pT. 2 – prod. Yanomi</a:t>
+                      </a:r>
+                    </a:p>
+                  </a:txBody>
+                  <a:tcPr marL="60960" marR="60960" marT="30480" marB="30480" anchor="ctr"/>
+                </a:tc>
+                <a:tc>
+                  <a:txBody>
+                    <a:bodyPr/>
+                    <a:lstStyle/>
+                    <a:p>
+                      <a:r>
+                        <a:rPr lang="it-IT" sz="1400" dirty="0">
+                          <a:effectLst/>
+                        </a:rPr>
+                        <a:t>Yanomi</a:t>
+                      </a:r>
+                    </a:p>
+                  </a:txBody>
+                  <a:tcPr marL="60960" marR="60960" marT="30480" marB="30480" anchor="ctr"/>
+                </a:tc>
+                <a:tc>
+                  <a:txBody>
+                    <a:bodyPr/>
+                    <a:lstStyle/>
+                    <a:p>
+                      <a:r>
+                        <a:rPr lang="it-IT" sz="1400" dirty="0">
+                          <a:effectLst/>
+                        </a:rPr>
+                        <a:t>Andrea De Filippi</a:t>
+                      </a:r>
+                    </a:p>
+                  </a:txBody>
+                  <a:tcPr marL="60960" marR="60960" marT="30480" marB="30480" anchor="ctr"/>
+                </a:tc>
+                <a:tc>
+                  <a:txBody>
+                    <a:bodyPr/>
+                    <a:lstStyle/>
+                    <a:p>
+                      <a:r>
+                        <a:rPr lang="it-IT" sz="1400" dirty="0">
+                          <a:effectLst/>
+                        </a:rPr>
+                        <a:t>2000-08-22</a:t>
+                      </a:r>
+                    </a:p>
+                  </a:txBody>
+                  <a:tcPr marL="60960" marR="60960" marT="30480" marB="30480" anchor="ctr"/>
+                </a:tc>
+                <a:tc>
+                  <a:txBody>
+                    <a:bodyPr/>
+                    <a:lstStyle/>
+                    <a:p>
+                      <a:pPr algn="ctr"/>
+                      <a:r>
+                        <a:rPr lang="it-IT" sz="1400" b="1" dirty="0">
+                          <a:effectLst/>
+                        </a:rPr>
+                        <a:t>24</a:t>
+                      </a:r>
+                    </a:p>
+                  </a:txBody>
+                  <a:tcPr marL="60960" marR="60960" marT="30480" marB="30480" anchor="ctr"/>
+                </a:tc>
+                <a:extLst>
+                  <a:ext uri="{0D108BD9-81ED-4DB2-BD59-A6C34878D82A}">
+                    <a16:rowId xmlns:a16="http://schemas.microsoft.com/office/drawing/2014/main" val="1899529535"/>
+                  </a:ext>
+                </a:extLst>
+              </a:tr>
+              <a:tr h="498963">
+                <a:tc>
+                  <a:txBody>
+                    <a:bodyPr/>
+                    <a:lstStyle/>
+                    <a:p>
+                      <a:r>
+                        <a:rPr lang="en-US" sz="1400" dirty="0">
+                          <a:effectLst/>
+                        </a:rPr>
+                        <a:t>death bed (coffee for your head)</a:t>
+                      </a:r>
+                    </a:p>
+                  </a:txBody>
+                  <a:tcPr marL="60960" marR="60960" marT="30480" marB="30480" anchor="ctr"/>
+                </a:tc>
+                <a:tc>
+                  <a:txBody>
+                    <a:bodyPr/>
+                    <a:lstStyle/>
+                    <a:p>
+                      <a:r>
+                        <a:rPr lang="it-IT" sz="1400" dirty="0">
+                          <a:effectLst/>
+                        </a:rPr>
+                        <a:t>beabadoobee</a:t>
+                      </a:r>
+                    </a:p>
+                  </a:txBody>
+                  <a:tcPr marL="60960" marR="60960" marT="30480" marB="30480" anchor="ctr"/>
+                </a:tc>
+                <a:tc>
+                  <a:txBody>
+                    <a:bodyPr/>
+                    <a:lstStyle/>
+                    <a:p>
+                      <a:r>
+                        <a:rPr lang="it-IT" sz="1400" dirty="0">
+                          <a:effectLst/>
+                        </a:rPr>
+                        <a:t>Beatrice Kristi Laus</a:t>
+                      </a:r>
+                    </a:p>
+                  </a:txBody>
+                  <a:tcPr marL="60960" marR="60960" marT="30480" marB="30480" anchor="ctr"/>
+                </a:tc>
+                <a:tc>
+                  <a:txBody>
+                    <a:bodyPr/>
+                    <a:lstStyle/>
+                    <a:p>
+                      <a:r>
+                        <a:rPr lang="it-IT" sz="1400" dirty="0">
+                          <a:effectLst/>
+                        </a:rPr>
+                        <a:t>2000-06-03</a:t>
+                      </a:r>
+                    </a:p>
+                  </a:txBody>
+                  <a:tcPr marL="60960" marR="60960" marT="30480" marB="30480" anchor="ctr"/>
+                </a:tc>
+                <a:tc>
+                  <a:txBody>
+                    <a:bodyPr/>
+                    <a:lstStyle/>
+                    <a:p>
+                      <a:pPr algn="ctr"/>
+                      <a:r>
+                        <a:rPr lang="it-IT" sz="1400" b="1" dirty="0">
+                          <a:effectLst/>
+                        </a:rPr>
+                        <a:t>24</a:t>
+                      </a:r>
+                    </a:p>
+                  </a:txBody>
+                  <a:tcPr marL="60960" marR="60960" marT="30480" marB="30480" anchor="ctr"/>
+                </a:tc>
+                <a:extLst>
+                  <a:ext uri="{0D108BD9-81ED-4DB2-BD59-A6C34878D82A}">
+                    <a16:rowId xmlns:a16="http://schemas.microsoft.com/office/drawing/2014/main" val="1947964374"/>
+                  </a:ext>
+                </a:extLst>
+              </a:tr>
+              <a:tr h="498963">
+                <a:tc>
+                  <a:txBody>
+                    <a:bodyPr/>
+                    <a:lstStyle/>
+                    <a:p>
+                      <a:r>
+                        <a:rPr lang="it-IT" sz="1400" dirty="0">
+                          <a:effectLst/>
+                        </a:rPr>
+                        <a:t>M' Manc (con Geolier &amp; Sfera Ebbasta)</a:t>
+                      </a:r>
+                    </a:p>
+                  </a:txBody>
+                  <a:tcPr marL="60960" marR="60960" marT="30480" marB="30480" anchor="ctr"/>
+                </a:tc>
+                <a:tc>
+                  <a:txBody>
+                    <a:bodyPr/>
+                    <a:lstStyle/>
+                    <a:p>
+                      <a:r>
+                        <a:rPr lang="it-IT" sz="1400" dirty="0">
+                          <a:effectLst/>
+                        </a:rPr>
+                        <a:t>Geolier</a:t>
+                      </a:r>
+                    </a:p>
+                  </a:txBody>
+                  <a:tcPr marL="60960" marR="60960" marT="30480" marB="30480" anchor="ctr"/>
+                </a:tc>
+                <a:tc>
+                  <a:txBody>
+                    <a:bodyPr/>
+                    <a:lstStyle/>
+                    <a:p>
+                      <a:r>
+                        <a:rPr lang="it-IT" sz="1400" dirty="0">
+                          <a:effectLst/>
+                        </a:rPr>
+                        <a:t>Geolier</a:t>
+                      </a:r>
+                    </a:p>
+                  </a:txBody>
+                  <a:tcPr marL="60960" marR="60960" marT="30480" marB="30480" anchor="ctr"/>
+                </a:tc>
+                <a:tc>
+                  <a:txBody>
+                    <a:bodyPr/>
+                    <a:lstStyle/>
+                    <a:p>
+                      <a:r>
+                        <a:rPr lang="it-IT" sz="1400" dirty="0">
+                          <a:effectLst/>
+                        </a:rPr>
+                        <a:t>2000-03-23</a:t>
+                      </a:r>
+                    </a:p>
+                  </a:txBody>
+                  <a:tcPr marL="60960" marR="60960" marT="30480" marB="30480" anchor="ctr"/>
+                </a:tc>
+                <a:tc>
+                  <a:txBody>
+                    <a:bodyPr/>
+                    <a:lstStyle/>
+                    <a:p>
+                      <a:pPr algn="ctr"/>
+                      <a:r>
+                        <a:rPr lang="it-IT" sz="1400" b="1" dirty="0">
+                          <a:effectLst/>
+                        </a:rPr>
+                        <a:t>21</a:t>
+                      </a:r>
+                    </a:p>
+                  </a:txBody>
+                  <a:tcPr marL="60960" marR="60960" marT="30480" marB="30480" anchor="ctr"/>
+                </a:tc>
+                <a:extLst>
+                  <a:ext uri="{0D108BD9-81ED-4DB2-BD59-A6C34878D82A}">
+                    <a16:rowId xmlns:a16="http://schemas.microsoft.com/office/drawing/2014/main" val="1408510068"/>
+                  </a:ext>
+                </a:extLst>
+              </a:tr>
+            </a:tbl>
+          </a:graphicData>
+        </a:graphic>
+      </p:graphicFrame>
     </p:spTree>
     <p:extLst>
       <p:ext uri="{BB962C8B-B14F-4D97-AF65-F5344CB8AC3E}">
-        <p14:creationId xmlns:p14="http://schemas.microsoft.com/office/powerpoint/2010/main" val="1112816216"/>
+        <p14:creationId xmlns:p14="http://schemas.microsoft.com/office/powerpoint/2010/main" val="3800120861"/>
       </p:ext>
     </p:extLst>
   </p:cSld>
@@ -17767,7 +18870,7 @@
                 <a:effectLst/>
                 <a:latin typeface="Inter"/>
               </a:rPr>
-              <a:t>Show the 30 genres with most danceable songs relative to songs released in 2019</a:t>
+              <a:t>Show the 20 most popular under-30 Italian artist who published at least a track in 2018</a:t>
             </a:r>
             <a:endParaRPr lang="en-US" sz="2800" i="1" dirty="0">
               <a:effectLst/>
@@ -17778,10 +18881,10 @@
       </p:sp>
       <p:pic>
         <p:nvPicPr>
-          <p:cNvPr id="8" name="Immagine 7">
+          <p:cNvPr id="3" name="Immagine 2">
             <a:extLst>
               <a:ext uri="{FF2B5EF4-FFF2-40B4-BE49-F238E27FC236}">
-                <a16:creationId xmlns:a16="http://schemas.microsoft.com/office/drawing/2014/main" id="{3009B8B0-21D3-4F17-A281-05ABC8100E27}"/>
+                <a16:creationId xmlns:a16="http://schemas.microsoft.com/office/drawing/2014/main" id="{0DF93738-E1D4-4460-8560-08CBF302348C}"/>
               </a:ext>
             </a:extLst>
           </p:cNvPr>
@@ -17804,8 +18907,8 @@
         </p:blipFill>
         <p:spPr>
           <a:xfrm>
-            <a:off x="1346525" y="2212258"/>
-            <a:ext cx="9498949" cy="4122870"/>
+            <a:off x="1096486" y="2247701"/>
+            <a:ext cx="9999028" cy="4224636"/>
           </a:xfrm>
           <a:prstGeom prst="rect">
             <a:avLst/>
@@ -17815,7 +18918,7 @@
     </p:spTree>
     <p:extLst>
       <p:ext uri="{BB962C8B-B14F-4D97-AF65-F5344CB8AC3E}">
-        <p14:creationId xmlns:p14="http://schemas.microsoft.com/office/powerpoint/2010/main" val="1451770207"/>
+        <p14:creationId xmlns:p14="http://schemas.microsoft.com/office/powerpoint/2010/main" val="1112816216"/>
       </p:ext>
     </p:extLst>
   </p:cSld>
@@ -18032,40 +19135,79 @@
           </a:p>
         </p:txBody>
       </p:sp>
-      <p:pic>
-        <p:nvPicPr>
-          <p:cNvPr id="3" name="Immagine 2">
+      <p:sp>
+        <p:nvSpPr>
+          <p:cNvPr id="7" name="Rettangolo 6">
             <a:extLst>
               <a:ext uri="{FF2B5EF4-FFF2-40B4-BE49-F238E27FC236}">
-                <a16:creationId xmlns:a16="http://schemas.microsoft.com/office/drawing/2014/main" id="{853B2E31-06B7-4638-B100-4D7615DB64DC}"/>
+                <a16:creationId xmlns:a16="http://schemas.microsoft.com/office/drawing/2014/main" id="{E7C966A1-2632-490A-8037-E29CBB8E0D91}"/>
               </a:ext>
             </a:extLst>
           </p:cNvPr>
-          <p:cNvPicPr>
-            <a:picLocks noChangeAspect="1"/>
-          </p:cNvPicPr>
+          <p:cNvSpPr/>
           <p:nvPr/>
-        </p:nvPicPr>
-        <p:blipFill>
-          <a:blip r:embed="rId2"/>
-          <a:stretch>
-            <a:fillRect/>
-          </a:stretch>
-        </p:blipFill>
+        </p:nvSpPr>
         <p:spPr>
           <a:xfrm>
-            <a:off x="1894169" y="2403339"/>
+            <a:off x="1894169" y="2367664"/>
             <a:ext cx="8146486" cy="1554615"/>
           </a:xfrm>
           <a:prstGeom prst="rect">
             <a:avLst/>
           </a:prstGeom>
+          <a:solidFill>
+            <a:schemeClr val="accent1">
+              <a:alpha val="50000"/>
+            </a:schemeClr>
+          </a:solidFill>
+          <a:ln>
+            <a:noFill/>
+          </a:ln>
         </p:spPr>
-      </p:pic>
+        <p:style>
+          <a:lnRef idx="0">
+            <a:scrgbClr r="0" g="0" b="0"/>
+          </a:lnRef>
+          <a:fillRef idx="0">
+            <a:scrgbClr r="0" g="0" b="0"/>
+          </a:fillRef>
+          <a:effectRef idx="0">
+            <a:scrgbClr r="0" g="0" b="0"/>
+          </a:effectRef>
+          <a:fontRef idx="minor">
+            <a:schemeClr val="lt1"/>
+          </a:fontRef>
+        </p:style>
+        <p:txBody>
+          <a:bodyPr rtlCol="0" anchor="ctr"/>
+          <a:lstStyle/>
+          <a:p>
+            <a:pPr algn="ctr"/>
+            <a:r>
+              <a:rPr lang="it-IT" sz="3200" dirty="0">
+                <a:ln w="0"/>
+                <a:solidFill>
+                  <a:schemeClr val="accent1">
+                    <a:lumMod val="75000"/>
+                  </a:schemeClr>
+                </a:solidFill>
+                <a:effectLst>
+                  <a:outerShdw blurRad="38100" dist="25400" dir="5400000" algn="ctr" rotWithShape="0">
+                    <a:srgbClr val="6E747A">
+                      <a:alpha val="43000"/>
+                    </a:srgbClr>
+                  </a:outerShdw>
+                </a:effectLst>
+              </a:rPr>
+              <a:t>YES</a:t>
+            </a:r>
+          </a:p>
+        </p:txBody>
+      </p:sp>
     </p:spTree>
     <p:extLst>
       <p:ext uri="{BB962C8B-B14F-4D97-AF65-F5344CB8AC3E}">
-        <p14:creationId xmlns:p14="http://schemas.microsoft.com/office/powerpoint/2010/main" val="3705705473"/>
+        <p14:creationId xmlns:p14="http://schemas.microsoft.com/office/powerpoint/2010/main" val="4266519328"/>
       </p:ext>
     </p:extLst>
   </p:cSld>
@@ -18172,36 +19314,6 @@
           </a:p>
         </p:txBody>
       </p:sp>
-      <p:pic>
-        <p:nvPicPr>
-          <p:cNvPr id="3" name="Immagine 2">
-            <a:extLst>
-              <a:ext uri="{FF2B5EF4-FFF2-40B4-BE49-F238E27FC236}">
-                <a16:creationId xmlns:a16="http://schemas.microsoft.com/office/drawing/2014/main" id="{853B2E31-06B7-4638-B100-4D7615DB64DC}"/>
-              </a:ext>
-            </a:extLst>
-          </p:cNvPr>
-          <p:cNvPicPr>
-            <a:picLocks noChangeAspect="1"/>
-          </p:cNvPicPr>
-          <p:nvPr/>
-        </p:nvPicPr>
-        <p:blipFill>
-          <a:blip r:embed="rId2"/>
-          <a:stretch>
-            <a:fillRect/>
-          </a:stretch>
-        </p:blipFill>
-        <p:spPr>
-          <a:xfrm>
-            <a:off x="1894169" y="2403339"/>
-            <a:ext cx="8146486" cy="1554615"/>
-          </a:xfrm>
-          <a:prstGeom prst="rect">
-            <a:avLst/>
-          </a:prstGeom>
-        </p:spPr>
-      </p:pic>
       <p:sp>
         <p:nvSpPr>
           <p:cNvPr id="6" name="Segnaposto contenuto 4">
@@ -18424,10 +19536,79 @@
           </a:p>
         </p:txBody>
       </p:sp>
+      <p:sp>
+        <p:nvSpPr>
+          <p:cNvPr id="7" name="Rettangolo 6">
+            <a:extLst>
+              <a:ext uri="{FF2B5EF4-FFF2-40B4-BE49-F238E27FC236}">
+                <a16:creationId xmlns:a16="http://schemas.microsoft.com/office/drawing/2014/main" id="{E7C966A1-2632-490A-8037-E29CBB8E0D91}"/>
+              </a:ext>
+            </a:extLst>
+          </p:cNvPr>
+          <p:cNvSpPr/>
+          <p:nvPr/>
+        </p:nvSpPr>
+        <p:spPr>
+          <a:xfrm>
+            <a:off x="1894169" y="2367664"/>
+            <a:ext cx="8146486" cy="1554615"/>
+          </a:xfrm>
+          <a:prstGeom prst="rect">
+            <a:avLst/>
+          </a:prstGeom>
+          <a:solidFill>
+            <a:schemeClr val="accent1">
+              <a:alpha val="50000"/>
+            </a:schemeClr>
+          </a:solidFill>
+          <a:ln>
+            <a:noFill/>
+          </a:ln>
+        </p:spPr>
+        <p:style>
+          <a:lnRef idx="0">
+            <a:scrgbClr r="0" g="0" b="0"/>
+          </a:lnRef>
+          <a:fillRef idx="0">
+            <a:scrgbClr r="0" g="0" b="0"/>
+          </a:fillRef>
+          <a:effectRef idx="0">
+            <a:scrgbClr r="0" g="0" b="0"/>
+          </a:effectRef>
+          <a:fontRef idx="minor">
+            <a:schemeClr val="lt1"/>
+          </a:fontRef>
+        </p:style>
+        <p:txBody>
+          <a:bodyPr rtlCol="0" anchor="ctr"/>
+          <a:lstStyle/>
+          <a:p>
+            <a:pPr algn="ctr"/>
+            <a:r>
+              <a:rPr lang="it-IT" sz="3200" dirty="0">
+                <a:ln w="0"/>
+                <a:solidFill>
+                  <a:schemeClr val="accent1">
+                    <a:lumMod val="75000"/>
+                  </a:schemeClr>
+                </a:solidFill>
+                <a:effectLst>
+                  <a:outerShdw blurRad="38100" dist="25400" dir="5400000" algn="ctr" rotWithShape="0">
+                    <a:srgbClr val="6E747A">
+                      <a:alpha val="43000"/>
+                    </a:srgbClr>
+                  </a:outerShdw>
+                </a:effectLst>
+              </a:rPr>
+              <a:t>YES</a:t>
+            </a:r>
+          </a:p>
+        </p:txBody>
+      </p:sp>
     </p:spTree>
     <p:extLst>
       <p:ext uri="{BB962C8B-B14F-4D97-AF65-F5344CB8AC3E}">
-        <p14:creationId xmlns:p14="http://schemas.microsoft.com/office/powerpoint/2010/main" val="4266519328"/>
+        <p14:creationId xmlns:p14="http://schemas.microsoft.com/office/powerpoint/2010/main" val="4264730235"/>
       </p:ext>
     </p:extLst>
   </p:cSld>
@@ -18525,7 +19706,7 @@
                 <a:effectLst/>
                 <a:latin typeface="Inter"/>
               </a:rPr>
-              <a:t>How many times tracks made by an artist born after 2000 were present in top 100 Italy in 2020?</a:t>
+              <a:t>Show average of different features of tracks through the months of the year in Italy</a:t>
             </a:r>
             <a:endParaRPr lang="en-US" sz="2800" i="1" dirty="0">
               <a:effectLst/>
@@ -18534,1207 +19715,46 @@
           </a:p>
         </p:txBody>
       </p:sp>
-      <p:graphicFrame>
-        <p:nvGraphicFramePr>
-          <p:cNvPr id="6" name="Tabella 12">
+      <p:pic>
+        <p:nvPicPr>
+          <p:cNvPr id="3" name="Immagine 2">
             <a:extLst>
               <a:ext uri="{FF2B5EF4-FFF2-40B4-BE49-F238E27FC236}">
-                <a16:creationId xmlns:a16="http://schemas.microsoft.com/office/drawing/2014/main" id="{2504D2EB-B51B-49F6-81A7-050AB014DF24}"/>
+                <a16:creationId xmlns:a16="http://schemas.microsoft.com/office/drawing/2014/main" id="{FCAB932A-3E48-4DF7-B2D2-D2BCD2C791BB}"/>
               </a:ext>
             </a:extLst>
           </p:cNvPr>
-          <p:cNvGraphicFramePr>
-            <a:graphicFrameLocks/>
-          </p:cNvGraphicFramePr>
-          <p:nvPr>
-            <p:extLst>
-              <p:ext uri="{D42A27DB-BD31-4B8C-83A1-F6EECF244321}">
-                <p14:modId xmlns:p14="http://schemas.microsoft.com/office/powerpoint/2010/main" val="3956969732"/>
-              </p:ext>
-            </p:extLst>
-          </p:nvPr>
-        </p:nvGraphicFramePr>
-        <p:xfrm>
-          <a:off x="914399" y="2082934"/>
-          <a:ext cx="10506075" cy="4615300"/>
-        </p:xfrm>
-        <a:graphic>
-          <a:graphicData uri="http://schemas.openxmlformats.org/drawingml/2006/table">
-            <a:tbl>
-              <a:tblPr firstRow="1" bandRow="1">
-                <a:tableStyleId>{5C22544A-7EE6-4342-B048-85BDC9FD1C3A}</a:tableStyleId>
-              </a:tblPr>
-              <a:tblGrid>
-                <a:gridCol w="4187204">
-                  <a:extLst>
-                    <a:ext uri="{9D8B030D-6E8A-4147-A177-3AD203B41FA5}">
-                      <a16:colId xmlns:a16="http://schemas.microsoft.com/office/drawing/2014/main" val="3166993402"/>
-                    </a:ext>
-                  </a:extLst>
-                </a:gridCol>
-                <a:gridCol w="1712947">
-                  <a:extLst>
-                    <a:ext uri="{9D8B030D-6E8A-4147-A177-3AD203B41FA5}">
-                      <a16:colId xmlns:a16="http://schemas.microsoft.com/office/drawing/2014/main" val="2461625038"/>
-                    </a:ext>
-                  </a:extLst>
-                </a:gridCol>
-                <a:gridCol w="1903274">
-                  <a:extLst>
-                    <a:ext uri="{9D8B030D-6E8A-4147-A177-3AD203B41FA5}">
-                      <a16:colId xmlns:a16="http://schemas.microsoft.com/office/drawing/2014/main" val="1191886570"/>
-                    </a:ext>
-                  </a:extLst>
-                </a:gridCol>
-                <a:gridCol w="1284710">
-                  <a:extLst>
-                    <a:ext uri="{9D8B030D-6E8A-4147-A177-3AD203B41FA5}">
-                      <a16:colId xmlns:a16="http://schemas.microsoft.com/office/drawing/2014/main" val="3486526979"/>
-                    </a:ext>
-                  </a:extLst>
-                </a:gridCol>
-                <a:gridCol w="1417940">
-                  <a:extLst>
-                    <a:ext uri="{9D8B030D-6E8A-4147-A177-3AD203B41FA5}">
-                      <a16:colId xmlns:a16="http://schemas.microsoft.com/office/drawing/2014/main" val="3837789272"/>
-                    </a:ext>
-                  </a:extLst>
-                </a:gridCol>
-              </a:tblGrid>
-              <a:tr h="224534">
-                <a:tc>
-                  <a:txBody>
-                    <a:bodyPr/>
-                    <a:lstStyle/>
-                    <a:p>
-                      <a:pPr algn="ctr"/>
-                      <a:r>
-                        <a:rPr lang="it-IT" sz="1200" b="1" i="0" dirty="0">
-                          <a:solidFill>
-                            <a:schemeClr val="bg1"/>
-                          </a:solidFill>
-                          <a:latin typeface="+mn-lt"/>
-                        </a:rPr>
-                        <a:t>Track Name</a:t>
-                      </a:r>
-                    </a:p>
-                  </a:txBody>
-                  <a:tcPr/>
-                </a:tc>
-                <a:tc>
-                  <a:txBody>
-                    <a:bodyPr/>
-                    <a:lstStyle/>
-                    <a:p>
-                      <a:pPr algn="ctr"/>
-                      <a:r>
-                        <a:rPr lang="it-IT" sz="1200" b="1" i="0" dirty="0">
-                          <a:solidFill>
-                            <a:schemeClr val="bg1"/>
-                          </a:solidFill>
-                          <a:latin typeface="+mn-lt"/>
-                        </a:rPr>
-                        <a:t>Artist Name</a:t>
-                      </a:r>
-                    </a:p>
-                  </a:txBody>
-                  <a:tcPr/>
-                </a:tc>
-                <a:tc>
-                  <a:txBody>
-                    <a:bodyPr/>
-                    <a:lstStyle/>
-                    <a:p>
-                      <a:pPr algn="ctr"/>
-                      <a:r>
-                        <a:rPr lang="it-IT" sz="1200" b="1" i="0" dirty="0">
-                          <a:solidFill>
-                            <a:schemeClr val="bg1"/>
-                          </a:solidFill>
-                          <a:latin typeface="+mn-lt"/>
-                        </a:rPr>
-                        <a:t>Artist Real Name</a:t>
-                      </a:r>
-                    </a:p>
-                  </a:txBody>
-                  <a:tcPr/>
-                </a:tc>
-                <a:tc>
-                  <a:txBody>
-                    <a:bodyPr/>
-                    <a:lstStyle/>
-                    <a:p>
-                      <a:pPr lvl="0" algn="ctr">
-                        <a:buNone/>
-                      </a:pPr>
-                      <a:r>
-                        <a:rPr lang="it-IT" sz="1200" b="1" i="0" u="none" strike="noStrike" noProof="0" dirty="0">
-                          <a:solidFill>
-                            <a:schemeClr val="bg1"/>
-                          </a:solidFill>
-                          <a:latin typeface="+mn-lt"/>
-                        </a:rPr>
-                        <a:t>BirthDate</a:t>
-                      </a:r>
-                      <a:endParaRPr lang="it-IT" sz="1200" b="1" i="0" dirty="0">
-                        <a:solidFill>
-                          <a:schemeClr val="bg1"/>
-                        </a:solidFill>
-                        <a:latin typeface="+mn-lt"/>
-                      </a:endParaRPr>
-                    </a:p>
-                  </a:txBody>
-                  <a:tcPr/>
-                </a:tc>
-                <a:tc>
-                  <a:txBody>
-                    <a:bodyPr/>
-                    <a:lstStyle/>
-                    <a:p>
-                      <a:pPr lvl="0" algn="ctr">
-                        <a:buNone/>
-                      </a:pPr>
-                      <a:r>
-                        <a:rPr lang="it-IT" sz="1200" b="1" i="0" u="none" strike="noStrike" noProof="0" dirty="0" err="1">
-                          <a:solidFill>
-                            <a:schemeClr val="bg1"/>
-                          </a:solidFill>
-                          <a:latin typeface="+mn-lt"/>
-                        </a:rPr>
-                        <a:t>numAppereances</a:t>
-                      </a:r>
-                      <a:endParaRPr lang="it-IT" sz="1200" b="1" i="0" dirty="0">
-                        <a:solidFill>
-                          <a:schemeClr val="bg1"/>
-                        </a:solidFill>
-                        <a:latin typeface="+mn-lt"/>
-                      </a:endParaRPr>
-                    </a:p>
-                  </a:txBody>
-                  <a:tcPr/>
-                </a:tc>
-                <a:extLst>
-                  <a:ext uri="{0D108BD9-81ED-4DB2-BD59-A6C34878D82A}">
-                    <a16:rowId xmlns:a16="http://schemas.microsoft.com/office/drawing/2014/main" val="1255640995"/>
-                  </a:ext>
-                </a:extLst>
-              </a:tr>
-              <a:tr h="523912">
-                <a:tc>
-                  <a:txBody>
-                    <a:bodyPr/>
-                    <a:lstStyle/>
-                    <a:p>
-                      <a:r>
-                        <a:rPr lang="it-IT" sz="1400" dirty="0">
-                          <a:effectLst/>
-                        </a:rPr>
-                        <a:t>blun7 a </a:t>
-                      </a:r>
-                      <a:r>
-                        <a:rPr lang="it-IT" sz="1400" dirty="0" err="1">
-                          <a:effectLst/>
-                        </a:rPr>
-                        <a:t>swishland</a:t>
-                      </a:r>
-                      <a:endParaRPr lang="it-IT" sz="1400" dirty="0">
-                        <a:effectLst/>
-                      </a:endParaRPr>
-                    </a:p>
-                  </a:txBody>
-                  <a:tcPr marL="60960" marR="60960" marT="30480" marB="30480" anchor="ctr"/>
-                </a:tc>
-                <a:tc>
-                  <a:txBody>
-                    <a:bodyPr/>
-                    <a:lstStyle/>
-                    <a:p>
-                      <a:r>
-                        <a:rPr lang="it-IT" sz="1400" dirty="0" err="1">
-                          <a:effectLst/>
-                        </a:rPr>
-                        <a:t>tha</a:t>
-                      </a:r>
-                      <a:r>
-                        <a:rPr lang="it-IT" sz="1400" dirty="0">
-                          <a:effectLst/>
-                        </a:rPr>
-                        <a:t> Supreme</a:t>
-                      </a:r>
-                    </a:p>
-                  </a:txBody>
-                  <a:tcPr marL="60960" marR="60960" marT="30480" marB="30480" anchor="ctr"/>
-                </a:tc>
-                <a:tc>
-                  <a:txBody>
-                    <a:bodyPr/>
-                    <a:lstStyle/>
-                    <a:p>
-                      <a:r>
-                        <a:rPr lang="it-IT" sz="1400" dirty="0">
-                          <a:effectLst/>
-                        </a:rPr>
-                        <a:t>Davide Mattei</a:t>
-                      </a:r>
-                    </a:p>
-                  </a:txBody>
-                  <a:tcPr marL="60960" marR="60960" marT="30480" marB="30480" anchor="ctr"/>
-                </a:tc>
-                <a:tc>
-                  <a:txBody>
-                    <a:bodyPr/>
-                    <a:lstStyle/>
-                    <a:p>
-                      <a:r>
-                        <a:rPr lang="it-IT" sz="1400" dirty="0">
-                          <a:effectLst/>
-                        </a:rPr>
-                        <a:t>2001-03-17</a:t>
-                      </a:r>
-                    </a:p>
-                  </a:txBody>
-                  <a:tcPr marL="60960" marR="60960" marT="30480" marB="30480" anchor="ctr"/>
-                </a:tc>
-                <a:tc>
-                  <a:txBody>
-                    <a:bodyPr/>
-                    <a:lstStyle/>
-                    <a:p>
-                      <a:pPr marL="0" marR="0" lvl="0" indent="0" algn="ctr" defTabSz="914400" rtl="0" eaLnBrk="1" fontAlgn="auto" latinLnBrk="0" hangingPunct="1">
-                        <a:lnSpc>
-                          <a:spcPct val="100000"/>
-                        </a:lnSpc>
-                        <a:spcBef>
-                          <a:spcPts val="0"/>
-                        </a:spcBef>
-                        <a:spcAft>
-                          <a:spcPts val="0"/>
-                        </a:spcAft>
-                        <a:buClrTx/>
-                        <a:buSzTx/>
-                        <a:buFontTx/>
-                        <a:buNone/>
-                        <a:tabLst/>
-                        <a:defRPr/>
-                      </a:pPr>
-                      <a:r>
-                        <a:rPr lang="it-IT" sz="1400" b="1" dirty="0">
-                          <a:effectLst/>
-                        </a:rPr>
-                        <a:t>44</a:t>
-                      </a:r>
-                    </a:p>
-                  </a:txBody>
-                  <a:tcPr anchor="ctr"/>
-                </a:tc>
-                <a:extLst>
-                  <a:ext uri="{0D108BD9-81ED-4DB2-BD59-A6C34878D82A}">
-                    <a16:rowId xmlns:a16="http://schemas.microsoft.com/office/drawing/2014/main" val="1889553313"/>
-                  </a:ext>
-                </a:extLst>
-              </a:tr>
-              <a:tr h="498963">
-                <a:tc>
-                  <a:txBody>
-                    <a:bodyPr/>
-                    <a:lstStyle/>
-                    <a:p>
-                      <a:r>
-                        <a:rPr lang="it-IT" sz="1400" dirty="0">
-                          <a:effectLst/>
-                        </a:rPr>
-                        <a:t>Cin </a:t>
-                      </a:r>
-                      <a:r>
-                        <a:rPr lang="it-IT" sz="1400" dirty="0" err="1">
-                          <a:effectLst/>
-                        </a:rPr>
-                        <a:t>Cin</a:t>
-                      </a:r>
-                      <a:endParaRPr lang="it-IT" sz="1400" dirty="0">
-                        <a:effectLst/>
-                      </a:endParaRPr>
-                    </a:p>
-                  </a:txBody>
-                  <a:tcPr marL="60960" marR="60960" marT="30480" marB="30480" anchor="ctr"/>
-                </a:tc>
-                <a:tc>
-                  <a:txBody>
-                    <a:bodyPr/>
-                    <a:lstStyle/>
-                    <a:p>
-                      <a:r>
-                        <a:rPr lang="it-IT" sz="1400">
-                          <a:effectLst/>
-                        </a:rPr>
-                        <a:t>Yanomi</a:t>
-                      </a:r>
-                    </a:p>
-                  </a:txBody>
-                  <a:tcPr marL="60960" marR="60960" marT="30480" marB="30480" anchor="ctr"/>
-                </a:tc>
-                <a:tc>
-                  <a:txBody>
-                    <a:bodyPr/>
-                    <a:lstStyle/>
-                    <a:p>
-                      <a:r>
-                        <a:rPr lang="it-IT" sz="1400">
-                          <a:effectLst/>
-                        </a:rPr>
-                        <a:t>Andrea De Filippi</a:t>
-                      </a:r>
-                    </a:p>
-                  </a:txBody>
-                  <a:tcPr marL="60960" marR="60960" marT="30480" marB="30480" anchor="ctr"/>
-                </a:tc>
-                <a:tc>
-                  <a:txBody>
-                    <a:bodyPr/>
-                    <a:lstStyle/>
-                    <a:p>
-                      <a:r>
-                        <a:rPr lang="it-IT" sz="1400">
-                          <a:effectLst/>
-                        </a:rPr>
-                        <a:t>2000-08-22</a:t>
-                      </a:r>
-                    </a:p>
-                  </a:txBody>
-                  <a:tcPr marL="60960" marR="60960" marT="30480" marB="30480" anchor="ctr"/>
-                </a:tc>
-                <a:tc>
-                  <a:txBody>
-                    <a:bodyPr/>
-                    <a:lstStyle/>
-                    <a:p>
-                      <a:pPr algn="ctr"/>
-                      <a:r>
-                        <a:rPr lang="it-IT" sz="1400" b="1" dirty="0">
-                          <a:effectLst/>
-                        </a:rPr>
-                        <a:t>38</a:t>
-                      </a:r>
-                    </a:p>
-                  </a:txBody>
-                  <a:tcPr marL="60960" marR="60960" marT="30480" marB="30480" anchor="ctr"/>
-                </a:tc>
-                <a:extLst>
-                  <a:ext uri="{0D108BD9-81ED-4DB2-BD59-A6C34878D82A}">
-                    <a16:rowId xmlns:a16="http://schemas.microsoft.com/office/drawing/2014/main" val="2280957678"/>
-                  </a:ext>
-                </a:extLst>
-              </a:tr>
-              <a:tr h="274430">
-                <a:tc>
-                  <a:txBody>
-                    <a:bodyPr/>
-                    <a:lstStyle/>
-                    <a:p>
-                      <a:r>
-                        <a:rPr lang="it-IT" sz="1400" dirty="0" err="1">
-                          <a:effectLst/>
-                        </a:rPr>
-                        <a:t>Roses</a:t>
-                      </a:r>
-                      <a:r>
-                        <a:rPr lang="it-IT" sz="1400" dirty="0">
-                          <a:effectLst/>
-                        </a:rPr>
-                        <a:t> - </a:t>
-                      </a:r>
-                      <a:r>
-                        <a:rPr lang="it-IT" sz="1400" dirty="0" err="1">
-                          <a:effectLst/>
-                        </a:rPr>
-                        <a:t>Imanbek</a:t>
-                      </a:r>
-                      <a:r>
-                        <a:rPr lang="it-IT" sz="1400" dirty="0">
-                          <a:effectLst/>
-                        </a:rPr>
-                        <a:t> Remix</a:t>
-                      </a:r>
-                    </a:p>
-                  </a:txBody>
-                  <a:tcPr marL="60960" marR="60960" marT="30480" marB="30480" anchor="ctr"/>
-                </a:tc>
-                <a:tc>
-                  <a:txBody>
-                    <a:bodyPr/>
-                    <a:lstStyle/>
-                    <a:p>
-                      <a:r>
-                        <a:rPr lang="it-IT" sz="1400">
-                          <a:effectLst/>
-                        </a:rPr>
-                        <a:t>Imanbek</a:t>
-                      </a:r>
-                    </a:p>
-                  </a:txBody>
-                  <a:tcPr marL="60960" marR="60960" marT="30480" marB="30480" anchor="ctr"/>
-                </a:tc>
-                <a:tc>
-                  <a:txBody>
-                    <a:bodyPr/>
-                    <a:lstStyle/>
-                    <a:p>
-                      <a:r>
-                        <a:rPr lang="it-IT" sz="1400">
-                          <a:effectLst/>
-                        </a:rPr>
-                        <a:t>Imanbek</a:t>
-                      </a:r>
-                    </a:p>
-                  </a:txBody>
-                  <a:tcPr marL="60960" marR="60960" marT="30480" marB="30480" anchor="ctr"/>
-                </a:tc>
-                <a:tc>
-                  <a:txBody>
-                    <a:bodyPr/>
-                    <a:lstStyle/>
-                    <a:p>
-                      <a:r>
-                        <a:rPr lang="it-IT" sz="1400">
-                          <a:effectLst/>
-                        </a:rPr>
-                        <a:t>2000-10-21</a:t>
-                      </a:r>
-                    </a:p>
-                  </a:txBody>
-                  <a:tcPr marL="60960" marR="60960" marT="30480" marB="30480" anchor="ctr"/>
-                </a:tc>
-                <a:tc>
-                  <a:txBody>
-                    <a:bodyPr/>
-                    <a:lstStyle/>
-                    <a:p>
-                      <a:pPr algn="ctr"/>
-                      <a:r>
-                        <a:rPr lang="it-IT" sz="1400" b="1" dirty="0">
-                          <a:effectLst/>
-                        </a:rPr>
-                        <a:t>37</a:t>
-                      </a:r>
-                    </a:p>
-                  </a:txBody>
-                  <a:tcPr marL="60960" marR="60960" marT="30480" marB="30480" anchor="ctr"/>
-                </a:tc>
-                <a:extLst>
-                  <a:ext uri="{0D108BD9-81ED-4DB2-BD59-A6C34878D82A}">
-                    <a16:rowId xmlns:a16="http://schemas.microsoft.com/office/drawing/2014/main" val="2192274213"/>
-                  </a:ext>
-                </a:extLst>
-              </a:tr>
-              <a:tr h="274430">
-                <a:tc>
-                  <a:txBody>
-                    <a:bodyPr/>
-                    <a:lstStyle/>
-                    <a:p>
-                      <a:r>
-                        <a:rPr lang="it-IT" sz="1400" dirty="0">
-                          <a:effectLst/>
-                        </a:rPr>
-                        <a:t>Dance </a:t>
-                      </a:r>
-                      <a:r>
-                        <a:rPr lang="it-IT" sz="1400" dirty="0" err="1">
-                          <a:effectLst/>
-                        </a:rPr>
-                        <a:t>Monkey</a:t>
-                      </a:r>
-                      <a:endParaRPr lang="it-IT" sz="1400" dirty="0">
-                        <a:effectLst/>
-                      </a:endParaRPr>
-                    </a:p>
-                  </a:txBody>
-                  <a:tcPr marL="60960" marR="60960" marT="30480" marB="30480" anchor="ctr"/>
-                </a:tc>
-                <a:tc>
-                  <a:txBody>
-                    <a:bodyPr/>
-                    <a:lstStyle/>
-                    <a:p>
-                      <a:r>
-                        <a:rPr lang="it-IT" sz="1400" dirty="0" err="1">
-                          <a:effectLst/>
-                        </a:rPr>
-                        <a:t>Tones</a:t>
-                      </a:r>
-                      <a:r>
-                        <a:rPr lang="it-IT" sz="1400" dirty="0">
-                          <a:effectLst/>
-                        </a:rPr>
-                        <a:t> And I</a:t>
-                      </a:r>
-                    </a:p>
-                  </a:txBody>
-                  <a:tcPr marL="60960" marR="60960" marT="30480" marB="30480" anchor="ctr"/>
-                </a:tc>
-                <a:tc>
-                  <a:txBody>
-                    <a:bodyPr/>
-                    <a:lstStyle/>
-                    <a:p>
-                      <a:r>
-                        <a:rPr lang="it-IT" sz="1400">
-                          <a:effectLst/>
-                        </a:rPr>
-                        <a:t>Toni Watson</a:t>
-                      </a:r>
-                    </a:p>
-                  </a:txBody>
-                  <a:tcPr marL="60960" marR="60960" marT="30480" marB="30480" anchor="ctr"/>
-                </a:tc>
-                <a:tc>
-                  <a:txBody>
-                    <a:bodyPr/>
-                    <a:lstStyle/>
-                    <a:p>
-                      <a:r>
-                        <a:rPr lang="it-IT" sz="1400">
-                          <a:effectLst/>
-                        </a:rPr>
-                        <a:t>2000-08-13</a:t>
-                      </a:r>
-                    </a:p>
-                  </a:txBody>
-                  <a:tcPr marL="60960" marR="60960" marT="30480" marB="30480" anchor="ctr"/>
-                </a:tc>
-                <a:tc>
-                  <a:txBody>
-                    <a:bodyPr/>
-                    <a:lstStyle/>
-                    <a:p>
-                      <a:pPr algn="ctr"/>
-                      <a:r>
-                        <a:rPr lang="it-IT" sz="1400" b="1" dirty="0">
-                          <a:effectLst/>
-                        </a:rPr>
-                        <a:t>32</a:t>
-                      </a:r>
-                    </a:p>
-                  </a:txBody>
-                  <a:tcPr marL="60960" marR="60960" marT="30480" marB="30480" anchor="ctr"/>
-                </a:tc>
-                <a:extLst>
-                  <a:ext uri="{0D108BD9-81ED-4DB2-BD59-A6C34878D82A}">
-                    <a16:rowId xmlns:a16="http://schemas.microsoft.com/office/drawing/2014/main" val="2772147380"/>
-                  </a:ext>
-                </a:extLst>
-              </a:tr>
-              <a:tr h="274430">
-                <a:tc>
-                  <a:txBody>
-                    <a:bodyPr/>
-                    <a:lstStyle/>
-                    <a:p>
-                      <a:r>
-                        <a:rPr lang="it-IT" sz="1400">
-                          <a:effectLst/>
-                        </a:rPr>
-                        <a:t>fuck 3x</a:t>
-                      </a:r>
-                    </a:p>
-                  </a:txBody>
-                  <a:tcPr marL="60960" marR="60960" marT="30480" marB="30480" anchor="ctr"/>
-                </a:tc>
-                <a:tc>
-                  <a:txBody>
-                    <a:bodyPr/>
-                    <a:lstStyle/>
-                    <a:p>
-                      <a:r>
-                        <a:rPr lang="it-IT" sz="1400" dirty="0" err="1">
-                          <a:effectLst/>
-                        </a:rPr>
-                        <a:t>tha</a:t>
-                      </a:r>
-                      <a:r>
-                        <a:rPr lang="it-IT" sz="1400" dirty="0">
-                          <a:effectLst/>
-                        </a:rPr>
-                        <a:t> Supreme</a:t>
-                      </a:r>
-                    </a:p>
-                  </a:txBody>
-                  <a:tcPr marL="60960" marR="60960" marT="30480" marB="30480" anchor="ctr"/>
-                </a:tc>
-                <a:tc>
-                  <a:txBody>
-                    <a:bodyPr/>
-                    <a:lstStyle/>
-                    <a:p>
-                      <a:r>
-                        <a:rPr lang="it-IT" sz="1400">
-                          <a:effectLst/>
-                        </a:rPr>
-                        <a:t>Davide Mattei</a:t>
-                      </a:r>
-                    </a:p>
-                  </a:txBody>
-                  <a:tcPr marL="60960" marR="60960" marT="30480" marB="30480" anchor="ctr"/>
-                </a:tc>
-                <a:tc>
-                  <a:txBody>
-                    <a:bodyPr/>
-                    <a:lstStyle/>
-                    <a:p>
-                      <a:r>
-                        <a:rPr lang="it-IT" sz="1400" dirty="0">
-                          <a:effectLst/>
-                        </a:rPr>
-                        <a:t>2001-03-17</a:t>
-                      </a:r>
-                    </a:p>
-                  </a:txBody>
-                  <a:tcPr marL="60960" marR="60960" marT="30480" marB="30480" anchor="ctr"/>
-                </a:tc>
-                <a:tc>
-                  <a:txBody>
-                    <a:bodyPr/>
-                    <a:lstStyle/>
-                    <a:p>
-                      <a:pPr algn="ctr"/>
-                      <a:r>
-                        <a:rPr lang="it-IT" sz="1400" b="1" dirty="0">
-                          <a:effectLst/>
-                        </a:rPr>
-                        <a:t>30</a:t>
-                      </a:r>
-                    </a:p>
-                  </a:txBody>
-                  <a:tcPr marL="60960" marR="60960" marT="30480" marB="30480" anchor="ctr"/>
-                </a:tc>
-                <a:extLst>
-                  <a:ext uri="{0D108BD9-81ED-4DB2-BD59-A6C34878D82A}">
-                    <a16:rowId xmlns:a16="http://schemas.microsoft.com/office/drawing/2014/main" val="89622780"/>
-                  </a:ext>
-                </a:extLst>
-              </a:tr>
-              <a:tr h="498963">
-                <a:tc>
-                  <a:txBody>
-                    <a:bodyPr/>
-                    <a:lstStyle/>
-                    <a:p>
-                      <a:r>
-                        <a:rPr lang="en-US" sz="1400">
-                          <a:effectLst/>
-                        </a:rPr>
-                        <a:t>Nena (feat. Geolier &amp; Andry The Hitmaker)</a:t>
-                      </a:r>
-                    </a:p>
-                  </a:txBody>
-                  <a:tcPr marL="60960" marR="60960" marT="30480" marB="30480" anchor="ctr"/>
-                </a:tc>
-                <a:tc>
-                  <a:txBody>
-                    <a:bodyPr/>
-                    <a:lstStyle/>
-                    <a:p>
-                      <a:r>
-                        <a:rPr lang="it-IT" sz="1400" dirty="0" err="1">
-                          <a:effectLst/>
-                        </a:rPr>
-                        <a:t>Geolier</a:t>
-                      </a:r>
-                      <a:endParaRPr lang="it-IT" sz="1400" dirty="0">
-                        <a:effectLst/>
-                      </a:endParaRPr>
-                    </a:p>
-                  </a:txBody>
-                  <a:tcPr marL="60960" marR="60960" marT="30480" marB="30480" anchor="ctr"/>
-                </a:tc>
-                <a:tc>
-                  <a:txBody>
-                    <a:bodyPr/>
-                    <a:lstStyle/>
-                    <a:p>
-                      <a:r>
-                        <a:rPr lang="it-IT" sz="1400" dirty="0" err="1">
-                          <a:effectLst/>
-                        </a:rPr>
-                        <a:t>Geolier</a:t>
-                      </a:r>
-                      <a:endParaRPr lang="it-IT" sz="1400" dirty="0">
-                        <a:effectLst/>
-                      </a:endParaRPr>
-                    </a:p>
-                  </a:txBody>
-                  <a:tcPr marL="60960" marR="60960" marT="30480" marB="30480" anchor="ctr"/>
-                </a:tc>
-                <a:tc>
-                  <a:txBody>
-                    <a:bodyPr/>
-                    <a:lstStyle/>
-                    <a:p>
-                      <a:r>
-                        <a:rPr lang="it-IT" sz="1400">
-                          <a:effectLst/>
-                        </a:rPr>
-                        <a:t>2000-03-23</a:t>
-                      </a:r>
-                    </a:p>
-                  </a:txBody>
-                  <a:tcPr marL="60960" marR="60960" marT="30480" marB="30480" anchor="ctr"/>
-                </a:tc>
-                <a:tc>
-                  <a:txBody>
-                    <a:bodyPr/>
-                    <a:lstStyle/>
-                    <a:p>
-                      <a:pPr algn="ctr"/>
-                      <a:r>
-                        <a:rPr lang="it-IT" sz="1400" b="1" dirty="0">
-                          <a:effectLst/>
-                        </a:rPr>
-                        <a:t>28</a:t>
-                      </a:r>
-                    </a:p>
-                  </a:txBody>
-                  <a:tcPr marL="60960" marR="60960" marT="30480" marB="30480" anchor="ctr"/>
-                </a:tc>
-                <a:extLst>
-                  <a:ext uri="{0D108BD9-81ED-4DB2-BD59-A6C34878D82A}">
-                    <a16:rowId xmlns:a16="http://schemas.microsoft.com/office/drawing/2014/main" val="1086527724"/>
-                  </a:ext>
-                </a:extLst>
-              </a:tr>
-              <a:tr h="498963">
-                <a:tc>
-                  <a:txBody>
-                    <a:bodyPr/>
-                    <a:lstStyle/>
-                    <a:p>
-                      <a:r>
-                        <a:rPr lang="it-IT" sz="1400" dirty="0">
-                          <a:effectLst/>
-                        </a:rPr>
-                        <a:t>SUPREME - L'ego (</a:t>
-                      </a:r>
-                      <a:r>
-                        <a:rPr lang="it-IT" sz="1400" dirty="0" err="1">
-                          <a:effectLst/>
-                        </a:rPr>
-                        <a:t>feat</a:t>
-                      </a:r>
-                      <a:r>
-                        <a:rPr lang="it-IT" sz="1400" dirty="0">
-                          <a:effectLst/>
-                        </a:rPr>
-                        <a:t>. </a:t>
-                      </a:r>
-                      <a:r>
-                        <a:rPr lang="it-IT" sz="1400" dirty="0" err="1">
-                          <a:effectLst/>
-                        </a:rPr>
-                        <a:t>tha</a:t>
-                      </a:r>
-                      <a:r>
-                        <a:rPr lang="it-IT" sz="1400" dirty="0">
-                          <a:effectLst/>
-                        </a:rPr>
-                        <a:t> Supreme &amp; Sfera </a:t>
-                      </a:r>
-                      <a:r>
-                        <a:rPr lang="it-IT" sz="1400" dirty="0" err="1">
-                          <a:effectLst/>
-                        </a:rPr>
-                        <a:t>Ebb</a:t>
-                      </a:r>
-                      <a:r>
-                        <a:rPr lang="it-IT" sz="1400" dirty="0">
-                          <a:effectLst/>
-                        </a:rPr>
-                        <a:t>...)</a:t>
-                      </a:r>
-                    </a:p>
-                  </a:txBody>
-                  <a:tcPr marL="60960" marR="60960" marT="30480" marB="30480" anchor="ctr"/>
-                </a:tc>
-                <a:tc>
-                  <a:txBody>
-                    <a:bodyPr/>
-                    <a:lstStyle/>
-                    <a:p>
-                      <a:r>
-                        <a:rPr lang="it-IT" sz="1400">
-                          <a:effectLst/>
-                        </a:rPr>
-                        <a:t>tha Supreme</a:t>
-                      </a:r>
-                    </a:p>
-                  </a:txBody>
-                  <a:tcPr marL="60960" marR="60960" marT="30480" marB="30480" anchor="ctr"/>
-                </a:tc>
-                <a:tc>
-                  <a:txBody>
-                    <a:bodyPr/>
-                    <a:lstStyle/>
-                    <a:p>
-                      <a:r>
-                        <a:rPr lang="it-IT" sz="1400" dirty="0">
-                          <a:effectLst/>
-                        </a:rPr>
-                        <a:t>Davide Mattei</a:t>
-                      </a:r>
-                    </a:p>
-                  </a:txBody>
-                  <a:tcPr marL="60960" marR="60960" marT="30480" marB="30480" anchor="ctr"/>
-                </a:tc>
-                <a:tc>
-                  <a:txBody>
-                    <a:bodyPr/>
-                    <a:lstStyle/>
-                    <a:p>
-                      <a:r>
-                        <a:rPr lang="it-IT" sz="1400">
-                          <a:effectLst/>
-                        </a:rPr>
-                        <a:t>2001-03-17</a:t>
-                      </a:r>
-                    </a:p>
-                  </a:txBody>
-                  <a:tcPr marL="60960" marR="60960" marT="30480" marB="30480" anchor="ctr"/>
-                </a:tc>
-                <a:tc>
-                  <a:txBody>
-                    <a:bodyPr/>
-                    <a:lstStyle/>
-                    <a:p>
-                      <a:pPr algn="ctr"/>
-                      <a:r>
-                        <a:rPr lang="it-IT" sz="1400" b="1" dirty="0">
-                          <a:effectLst/>
-                        </a:rPr>
-                        <a:t>28</a:t>
-                      </a:r>
-                    </a:p>
-                  </a:txBody>
-                  <a:tcPr marL="60960" marR="60960" marT="30480" marB="30480" anchor="ctr"/>
-                </a:tc>
-                <a:extLst>
-                  <a:ext uri="{0D108BD9-81ED-4DB2-BD59-A6C34878D82A}">
-                    <a16:rowId xmlns:a16="http://schemas.microsoft.com/office/drawing/2014/main" val="2580150930"/>
-                  </a:ext>
-                </a:extLst>
-              </a:tr>
-              <a:tr h="498963">
-                <a:tc>
-                  <a:txBody>
-                    <a:bodyPr/>
-                    <a:lstStyle/>
-                    <a:p>
-                      <a:r>
-                        <a:rPr lang="it-IT" sz="1400">
-                          <a:effectLst/>
-                        </a:rPr>
-                        <a:t>TesTa TrA Le NuVoLE, pT. 2 – prod. Yanomi</a:t>
-                      </a:r>
-                    </a:p>
-                  </a:txBody>
-                  <a:tcPr marL="60960" marR="60960" marT="30480" marB="30480" anchor="ctr"/>
-                </a:tc>
-                <a:tc>
-                  <a:txBody>
-                    <a:bodyPr/>
-                    <a:lstStyle/>
-                    <a:p>
-                      <a:r>
-                        <a:rPr lang="it-IT" sz="1400">
-                          <a:effectLst/>
-                        </a:rPr>
-                        <a:t>Yanomi</a:t>
-                      </a:r>
-                    </a:p>
-                  </a:txBody>
-                  <a:tcPr marL="60960" marR="60960" marT="30480" marB="30480" anchor="ctr"/>
-                </a:tc>
-                <a:tc>
-                  <a:txBody>
-                    <a:bodyPr/>
-                    <a:lstStyle/>
-                    <a:p>
-                      <a:r>
-                        <a:rPr lang="it-IT" sz="1400" dirty="0">
-                          <a:effectLst/>
-                        </a:rPr>
-                        <a:t>Andrea De Filippi</a:t>
-                      </a:r>
-                    </a:p>
-                  </a:txBody>
-                  <a:tcPr marL="60960" marR="60960" marT="30480" marB="30480" anchor="ctr"/>
-                </a:tc>
-                <a:tc>
-                  <a:txBody>
-                    <a:bodyPr/>
-                    <a:lstStyle/>
-                    <a:p>
-                      <a:r>
-                        <a:rPr lang="it-IT" sz="1400" dirty="0">
-                          <a:effectLst/>
-                        </a:rPr>
-                        <a:t>2000-08-22</a:t>
-                      </a:r>
-                    </a:p>
-                  </a:txBody>
-                  <a:tcPr marL="60960" marR="60960" marT="30480" marB="30480" anchor="ctr"/>
-                </a:tc>
-                <a:tc>
-                  <a:txBody>
-                    <a:bodyPr/>
-                    <a:lstStyle/>
-                    <a:p>
-                      <a:pPr algn="ctr"/>
-                      <a:r>
-                        <a:rPr lang="it-IT" sz="1400" b="1" dirty="0">
-                          <a:effectLst/>
-                        </a:rPr>
-                        <a:t>24</a:t>
-                      </a:r>
-                    </a:p>
-                  </a:txBody>
-                  <a:tcPr marL="60960" marR="60960" marT="30480" marB="30480" anchor="ctr"/>
-                </a:tc>
-                <a:extLst>
-                  <a:ext uri="{0D108BD9-81ED-4DB2-BD59-A6C34878D82A}">
-                    <a16:rowId xmlns:a16="http://schemas.microsoft.com/office/drawing/2014/main" val="1899529535"/>
-                  </a:ext>
-                </a:extLst>
-              </a:tr>
-              <a:tr h="498963">
-                <a:tc>
-                  <a:txBody>
-                    <a:bodyPr/>
-                    <a:lstStyle/>
-                    <a:p>
-                      <a:r>
-                        <a:rPr lang="en-US" sz="1400">
-                          <a:effectLst/>
-                        </a:rPr>
-                        <a:t>death bed (coffee for your head)</a:t>
-                      </a:r>
-                    </a:p>
-                  </a:txBody>
-                  <a:tcPr marL="60960" marR="60960" marT="30480" marB="30480" anchor="ctr"/>
-                </a:tc>
-                <a:tc>
-                  <a:txBody>
-                    <a:bodyPr/>
-                    <a:lstStyle/>
-                    <a:p>
-                      <a:r>
-                        <a:rPr lang="it-IT" sz="1400">
-                          <a:effectLst/>
-                        </a:rPr>
-                        <a:t>beabadoobee</a:t>
-                      </a:r>
-                    </a:p>
-                  </a:txBody>
-                  <a:tcPr marL="60960" marR="60960" marT="30480" marB="30480" anchor="ctr"/>
-                </a:tc>
-                <a:tc>
-                  <a:txBody>
-                    <a:bodyPr/>
-                    <a:lstStyle/>
-                    <a:p>
-                      <a:r>
-                        <a:rPr lang="it-IT" sz="1400" dirty="0">
-                          <a:effectLst/>
-                        </a:rPr>
-                        <a:t>Beatrice </a:t>
-                      </a:r>
-                      <a:r>
-                        <a:rPr lang="it-IT" sz="1400" dirty="0" err="1">
-                          <a:effectLst/>
-                        </a:rPr>
-                        <a:t>Kristi</a:t>
-                      </a:r>
-                      <a:r>
-                        <a:rPr lang="it-IT" sz="1400" dirty="0">
-                          <a:effectLst/>
-                        </a:rPr>
-                        <a:t> </a:t>
-                      </a:r>
-                      <a:r>
-                        <a:rPr lang="it-IT" sz="1400" dirty="0" err="1">
-                          <a:effectLst/>
-                        </a:rPr>
-                        <a:t>Laus</a:t>
-                      </a:r>
-                      <a:endParaRPr lang="it-IT" sz="1400" dirty="0">
-                        <a:effectLst/>
-                      </a:endParaRPr>
-                    </a:p>
-                  </a:txBody>
-                  <a:tcPr marL="60960" marR="60960" marT="30480" marB="30480" anchor="ctr"/>
-                </a:tc>
-                <a:tc>
-                  <a:txBody>
-                    <a:bodyPr/>
-                    <a:lstStyle/>
-                    <a:p>
-                      <a:r>
-                        <a:rPr lang="it-IT" sz="1400" dirty="0">
-                          <a:effectLst/>
-                        </a:rPr>
-                        <a:t>2000-06-03</a:t>
-                      </a:r>
-                    </a:p>
-                  </a:txBody>
-                  <a:tcPr marL="60960" marR="60960" marT="30480" marB="30480" anchor="ctr"/>
-                </a:tc>
-                <a:tc>
-                  <a:txBody>
-                    <a:bodyPr/>
-                    <a:lstStyle/>
-                    <a:p>
-                      <a:pPr algn="ctr"/>
-                      <a:r>
-                        <a:rPr lang="it-IT" sz="1400" b="1" dirty="0">
-                          <a:effectLst/>
-                        </a:rPr>
-                        <a:t>24</a:t>
-                      </a:r>
-                    </a:p>
-                  </a:txBody>
-                  <a:tcPr marL="60960" marR="60960" marT="30480" marB="30480" anchor="ctr"/>
-                </a:tc>
-                <a:extLst>
-                  <a:ext uri="{0D108BD9-81ED-4DB2-BD59-A6C34878D82A}">
-                    <a16:rowId xmlns:a16="http://schemas.microsoft.com/office/drawing/2014/main" val="1947964374"/>
-                  </a:ext>
-                </a:extLst>
-              </a:tr>
-              <a:tr h="498963">
-                <a:tc>
-                  <a:txBody>
-                    <a:bodyPr/>
-                    <a:lstStyle/>
-                    <a:p>
-                      <a:r>
-                        <a:rPr lang="it-IT" sz="1400" dirty="0">
-                          <a:effectLst/>
-                        </a:rPr>
-                        <a:t>M' </a:t>
-                      </a:r>
-                      <a:r>
-                        <a:rPr lang="it-IT" sz="1400" dirty="0" err="1">
-                          <a:effectLst/>
-                        </a:rPr>
-                        <a:t>Manc</a:t>
-                      </a:r>
-                      <a:r>
-                        <a:rPr lang="it-IT" sz="1400" dirty="0">
-                          <a:effectLst/>
-                        </a:rPr>
-                        <a:t> (con </a:t>
-                      </a:r>
-                      <a:r>
-                        <a:rPr lang="it-IT" sz="1400" dirty="0" err="1">
-                          <a:effectLst/>
-                        </a:rPr>
-                        <a:t>Geolier</a:t>
-                      </a:r>
-                      <a:r>
-                        <a:rPr lang="it-IT" sz="1400" dirty="0">
-                          <a:effectLst/>
-                        </a:rPr>
-                        <a:t> &amp; Sfera </a:t>
-                      </a:r>
-                      <a:r>
-                        <a:rPr lang="it-IT" sz="1400" dirty="0" err="1">
-                          <a:effectLst/>
-                        </a:rPr>
-                        <a:t>Ebbasta</a:t>
-                      </a:r>
-                      <a:r>
-                        <a:rPr lang="it-IT" sz="1400" dirty="0">
-                          <a:effectLst/>
-                        </a:rPr>
-                        <a:t>)</a:t>
-                      </a:r>
-                    </a:p>
-                  </a:txBody>
-                  <a:tcPr marL="60960" marR="60960" marT="30480" marB="30480" anchor="ctr"/>
-                </a:tc>
-                <a:tc>
-                  <a:txBody>
-                    <a:bodyPr/>
-                    <a:lstStyle/>
-                    <a:p>
-                      <a:r>
-                        <a:rPr lang="it-IT" sz="1400">
-                          <a:effectLst/>
-                        </a:rPr>
-                        <a:t>Geolier</a:t>
-                      </a:r>
-                    </a:p>
-                  </a:txBody>
-                  <a:tcPr marL="60960" marR="60960" marT="30480" marB="30480" anchor="ctr"/>
-                </a:tc>
-                <a:tc>
-                  <a:txBody>
-                    <a:bodyPr/>
-                    <a:lstStyle/>
-                    <a:p>
-                      <a:r>
-                        <a:rPr lang="it-IT" sz="1400">
-                          <a:effectLst/>
-                        </a:rPr>
-                        <a:t>Geolier</a:t>
-                      </a:r>
-                    </a:p>
-                  </a:txBody>
-                  <a:tcPr marL="60960" marR="60960" marT="30480" marB="30480" anchor="ctr"/>
-                </a:tc>
-                <a:tc>
-                  <a:txBody>
-                    <a:bodyPr/>
-                    <a:lstStyle/>
-                    <a:p>
-                      <a:r>
-                        <a:rPr lang="it-IT" sz="1400">
-                          <a:effectLst/>
-                        </a:rPr>
-                        <a:t>2000-03-23</a:t>
-                      </a:r>
-                    </a:p>
-                  </a:txBody>
-                  <a:tcPr marL="60960" marR="60960" marT="30480" marB="30480" anchor="ctr"/>
-                </a:tc>
-                <a:tc>
-                  <a:txBody>
-                    <a:bodyPr/>
-                    <a:lstStyle/>
-                    <a:p>
-                      <a:pPr algn="ctr"/>
-                      <a:r>
-                        <a:rPr lang="it-IT" sz="1400" b="1" dirty="0">
-                          <a:effectLst/>
-                        </a:rPr>
-                        <a:t>21</a:t>
-                      </a:r>
-                    </a:p>
-                  </a:txBody>
-                  <a:tcPr marL="60960" marR="60960" marT="30480" marB="30480" anchor="ctr"/>
-                </a:tc>
-                <a:extLst>
-                  <a:ext uri="{0D108BD9-81ED-4DB2-BD59-A6C34878D82A}">
-                    <a16:rowId xmlns:a16="http://schemas.microsoft.com/office/drawing/2014/main" val="1408510068"/>
-                  </a:ext>
-                </a:extLst>
-              </a:tr>
-            </a:tbl>
-          </a:graphicData>
-        </a:graphic>
-      </p:graphicFrame>
+          <p:cNvPicPr>
+            <a:picLocks noChangeAspect="1"/>
+          </p:cNvPicPr>
+          <p:nvPr/>
+        </p:nvPicPr>
+        <p:blipFill>
+          <a:blip r:embed="rId2">
+            <a:extLst>
+              <a:ext uri="{28A0092B-C50C-407E-A947-70E740481C1C}">
+                <a14:useLocalDpi xmlns:a14="http://schemas.microsoft.com/office/drawing/2010/main" val="0"/>
+              </a:ext>
+            </a:extLst>
+          </a:blip>
+          <a:stretch>
+            <a:fillRect/>
+          </a:stretch>
+        </p:blipFill>
+        <p:spPr>
+          <a:xfrm>
+            <a:off x="1285325" y="2082934"/>
+            <a:ext cx="9621349" cy="4775066"/>
+          </a:xfrm>
+          <a:prstGeom prst="rect">
+            <a:avLst/>
+          </a:prstGeom>
+        </p:spPr>
+      </p:pic>
     </p:spTree>
     <p:extLst>
       <p:ext uri="{BB962C8B-B14F-4D97-AF65-F5344CB8AC3E}">
-        <p14:creationId xmlns:p14="http://schemas.microsoft.com/office/powerpoint/2010/main" val="3800120861"/>
+        <p14:creationId xmlns:p14="http://schemas.microsoft.com/office/powerpoint/2010/main" val="2101370203"/>
       </p:ext>
     </p:extLst>
   </p:cSld>
@@ -19832,7 +19852,7 @@
                 <a:effectLst/>
                 <a:latin typeface="Inter"/>
               </a:rPr>
-              <a:t>Show average of different features of tracks through the months of the year in Italy</a:t>
+              <a:t>Show the 30 genres with most danceable songs relative to songs released in 2019</a:t>
             </a:r>
             <a:endParaRPr lang="en-US" sz="2800" i="1" dirty="0">
               <a:effectLst/>
@@ -19843,10 +19863,10 @@
       </p:sp>
       <p:pic>
         <p:nvPicPr>
-          <p:cNvPr id="6" name="Immagine 5">
+          <p:cNvPr id="3" name="Immagine 2">
             <a:extLst>
               <a:ext uri="{FF2B5EF4-FFF2-40B4-BE49-F238E27FC236}">
-                <a16:creationId xmlns:a16="http://schemas.microsoft.com/office/drawing/2014/main" id="{1E5FC330-7EFE-4C32-9F5A-D9614B37561C}"/>
+                <a16:creationId xmlns:a16="http://schemas.microsoft.com/office/drawing/2014/main" id="{CB7FC4DC-489F-42A6-A3ED-BA11C84FC2CE}"/>
               </a:ext>
             </a:extLst>
           </p:cNvPr>
@@ -19869,8 +19889,8 @@
         </p:blipFill>
         <p:spPr>
           <a:xfrm>
-            <a:off x="1582366" y="2236861"/>
-            <a:ext cx="9027268" cy="4480224"/>
+            <a:off x="1069980" y="2265680"/>
+            <a:ext cx="10040296" cy="4357833"/>
           </a:xfrm>
           <a:prstGeom prst="rect">
             <a:avLst/>
@@ -19880,7 +19900,7 @@
     </p:spTree>
     <p:extLst>
       <p:ext uri="{BB962C8B-B14F-4D97-AF65-F5344CB8AC3E}">
-        <p14:creationId xmlns:p14="http://schemas.microsoft.com/office/powerpoint/2010/main" val="2101370203"/>
+        <p14:creationId xmlns:p14="http://schemas.microsoft.com/office/powerpoint/2010/main" val="1451770207"/>
       </p:ext>
     </p:extLst>
   </p:cSld>
@@ -20002,7 +20022,7 @@
           <p:nvPr>
             <p:extLst>
               <p:ext uri="{D42A27DB-BD31-4B8C-83A1-F6EECF244321}">
-                <p14:modId xmlns:p14="http://schemas.microsoft.com/office/powerpoint/2010/main" val="999611574"/>
+                <p14:modId xmlns:p14="http://schemas.microsoft.com/office/powerpoint/2010/main" val="1902551099"/>
               </p:ext>
             </p:extLst>
           </p:nvPr>
@@ -20067,7 +20087,7 @@
                     <a:p>
                       <a:pPr algn="ctr"/>
                       <a:r>
-                        <a:rPr lang="it-IT" sz="1200" b="1" i="0" dirty="0" err="1">
+                        <a:rPr lang="it-IT" sz="1200" b="1" i="0" dirty="0">
                           <a:solidFill>
                             <a:schemeClr val="bg1"/>
                           </a:solidFill>
@@ -20075,12 +20095,6 @@
                         </a:rPr>
                         <a:t>Albums</a:t>
                       </a:r>
-                      <a:endParaRPr lang="it-IT" sz="1200" b="1" i="0" dirty="0">
-                        <a:solidFill>
-                          <a:schemeClr val="bg1"/>
-                        </a:solidFill>
-                        <a:latin typeface="+mn-lt"/>
-                      </a:endParaRPr>
                     </a:p>
                   </a:txBody>
                   <a:tcPr/>
@@ -20094,7 +20108,7 @@
                         <a:buNone/>
                       </a:pPr>
                       <a:r>
-                        <a:rPr lang="it-IT" sz="1200" b="1" i="0" u="none" strike="noStrike" noProof="0" dirty="0" err="1">
+                        <a:rPr lang="it-IT" sz="1200" b="1" i="0" u="none" strike="noStrike" noProof="0" dirty="0">
                           <a:solidFill>
                             <a:schemeClr val="bg1"/>
                           </a:solidFill>
@@ -20125,7 +20139,7 @@
                     <a:lstStyle/>
                     <a:p>
                       <a:r>
-                        <a:rPr lang="it-IT">
+                        <a:rPr lang="it-IT" dirty="0">
                           <a:effectLst/>
                         </a:rPr>
                         <a:t>Boogieman (feat. Salmo) (Ghali, Salmo)</a:t>
@@ -20140,7 +20154,7 @@
                     <a:lstStyle/>
                     <a:p>
                       <a:r>
-                        <a:rPr lang="it-IT">
+                        <a:rPr lang="it-IT" dirty="0">
                           <a:effectLst/>
                         </a:rPr>
                         <a:t>DNA, Boogieman (feat. Salmo)</a:t>
@@ -20178,7 +20192,7 @@
                     <a:lstStyle/>
                     <a:p>
                       <a:r>
-                        <a:rPr lang="it-IT">
+                        <a:rPr lang="it-IT" dirty="0">
                           <a:effectLst/>
                         </a:rPr>
                         <a:t>Believer (Imagine Dragons)</a:t>
@@ -20193,7 +20207,7 @@
                     <a:lstStyle/>
                     <a:p>
                       <a:r>
-                        <a:rPr lang="it-IT">
+                        <a:rPr lang="it-IT" dirty="0">
                           <a:effectLst/>
                         </a:rPr>
                         <a:t>Evolve, Believer</a:t>
@@ -20231,7 +20245,7 @@
                     <a:lstStyle/>
                     <a:p>
                       <a:r>
-                        <a:rPr lang="it-IT">
+                        <a:rPr lang="it-IT" dirty="0">
                           <a:effectLst/>
                         </a:rPr>
                         <a:t>Thunder (Imagine Dragons)</a:t>
@@ -20246,7 +20260,7 @@
                     <a:lstStyle/>
                     <a:p>
                       <a:r>
-                        <a:rPr lang="it-IT">
+                        <a:rPr lang="it-IT" dirty="0">
                           <a:effectLst/>
                         </a:rPr>
                         <a:t>Evolve, Thunder</a:t>
@@ -20284,7 +20298,7 @@
                     <a:lstStyle/>
                     <a:p>
                       <a:r>
-                        <a:rPr lang="it-IT">
+                        <a:rPr lang="it-IT" dirty="0">
                           <a:effectLst/>
                         </a:rPr>
                         <a:t>Feelings (Lauv)</a:t>
@@ -20302,31 +20316,7 @@
                         <a:rPr lang="it-IT" dirty="0">
                           <a:effectLst/>
                         </a:rPr>
-                        <a:t>~</a:t>
-                      </a:r>
-                      <a:r>
-                        <a:rPr lang="it-IT" dirty="0" err="1">
-                          <a:effectLst/>
-                        </a:rPr>
-                        <a:t>how</a:t>
-                      </a:r>
-                      <a:r>
-                        <a:rPr lang="it-IT" dirty="0">
-                          <a:effectLst/>
-                        </a:rPr>
-                        <a:t> </a:t>
-                      </a:r>
-                      <a:r>
-                        <a:rPr lang="it-IT" dirty="0" err="1">
-                          <a:effectLst/>
-                        </a:rPr>
-                        <a:t>i'm</a:t>
-                      </a:r>
-                      <a:r>
-                        <a:rPr lang="it-IT" dirty="0">
-                          <a:effectLst/>
-                        </a:rPr>
-                        <a:t> feeling~, Feelings</a:t>
+                        <a:t>~how i'm feeling~, Feelings</a:t>
                       </a:r>
                     </a:p>
                   </a:txBody>
@@ -20361,7 +20351,7 @@
                     <a:lstStyle/>
                     <a:p>
                       <a:r>
-                        <a:rPr lang="en-US">
+                        <a:rPr lang="en-US" dirty="0">
                           <a:effectLst/>
                         </a:rPr>
                         <a:t>i'm so tired... (Troye Sivan, Lauv)</a:t>
@@ -20376,7 +20366,7 @@
                     <a:lstStyle/>
                     <a:p>
                       <a:r>
-                        <a:rPr lang="en-US">
+                        <a:rPr lang="en-US" dirty="0">
                           <a:effectLst/>
                         </a:rPr>
                         <a:t>~how i'm feeling~, i'm so tired...</a:t>
@@ -20414,7 +20404,7 @@
                     <a:lstStyle/>
                     <a:p>
                       <a:r>
-                        <a:rPr lang="it-IT">
+                        <a:rPr lang="it-IT" dirty="0">
                           <a:effectLst/>
                         </a:rPr>
                         <a:t>Verloren (Tabitha)</a:t>
@@ -20429,7 +20419,7 @@
                     <a:lstStyle/>
                     <a:p>
                       <a:r>
-                        <a:rPr lang="it-IT">
+                        <a:rPr lang="it-IT" dirty="0">
                           <a:effectLst/>
                         </a:rPr>
                         <a:t>Beste Zangers Seizoen 2020 (Tabitha)</a:t>
@@ -20467,7 +20457,7 @@
                     <a:lstStyle/>
                     <a:p>
                       <a:r>
-                        <a:rPr lang="it-IT">
+                        <a:rPr lang="it-IT" dirty="0">
                           <a:effectLst/>
                         </a:rPr>
                         <a:t>Good Times (Ghali)</a:t>
@@ -20482,7 +20472,7 @@
                     <a:lstStyle/>
                     <a:p>
                       <a:r>
-                        <a:rPr lang="it-IT">
+                        <a:rPr lang="it-IT" dirty="0">
                           <a:effectLst/>
                         </a:rPr>
                         <a:t>DNA</a:t>
@@ -20520,7 +20510,7 @@
                     <a:lstStyle/>
                     <a:p>
                       <a:r>
-                        <a:rPr lang="en-US">
+                        <a:rPr lang="en-US" dirty="0">
                           <a:effectLst/>
                         </a:rPr>
                         <a:t>Whatever It Takes (Imagine Dragons)</a:t>
@@ -20535,10 +20525,22 @@
                     <a:lstStyle/>
                     <a:p>
                       <a:r>
-                        <a:rPr lang="it-IT">
+                        <a:rPr lang="it-IT" dirty="0">
                           <a:effectLst/>
                         </a:rPr>
-                        <a:t>Evolve, Whatever It Takes</a:t>
+                        <a:t>Evolve, Whatever </a:t>
+                      </a:r>
+                      <a:r>
+                        <a:rPr lang="it-IT" dirty="0" err="1">
+                          <a:effectLst/>
+                        </a:rPr>
+                        <a:t>It</a:t>
+                      </a:r>
+                      <a:r>
+                        <a:rPr lang="it-IT" dirty="0">
+                          <a:effectLst/>
+                        </a:rPr>
+                        <a:t> Takes</a:t>
                       </a:r>
                     </a:p>
                   </a:txBody>
@@ -20786,150 +20788,167 @@
           </a:p>
         </p:txBody>
       </p:sp>
-      <p:pic>
-        <p:nvPicPr>
-          <p:cNvPr id="8" name="Immagine 7">
+      <p:grpSp>
+        <p:nvGrpSpPr>
+          <p:cNvPr id="2" name="Gruppo 1">
             <a:extLst>
               <a:ext uri="{FF2B5EF4-FFF2-40B4-BE49-F238E27FC236}">
-                <a16:creationId xmlns:a16="http://schemas.microsoft.com/office/drawing/2014/main" id="{95726939-5B04-4DD7-8FCF-42E5677E2419}"/>
+                <a16:creationId xmlns:a16="http://schemas.microsoft.com/office/drawing/2014/main" id="{A8F6A8AF-0FEA-44F9-BC30-FC7907B74725}"/>
               </a:ext>
             </a:extLst>
           </p:cNvPr>
-          <p:cNvPicPr>
-            <a:picLocks noChangeAspect="1"/>
-          </p:cNvPicPr>
+          <p:cNvGrpSpPr/>
           <p:nvPr/>
-        </p:nvPicPr>
-        <p:blipFill>
-          <a:blip r:embed="rId2">
-            <a:extLst>
-              <a:ext uri="{28A0092B-C50C-407E-A947-70E740481C1C}">
-                <a14:useLocalDpi xmlns:a14="http://schemas.microsoft.com/office/drawing/2010/main" val="0"/>
-              </a:ext>
-            </a:extLst>
-          </a:blip>
-          <a:stretch>
-            <a:fillRect/>
-          </a:stretch>
-        </p:blipFill>
-        <p:spPr>
+        </p:nvGrpSpPr>
+        <p:grpSpPr>
           <a:xfrm>
-            <a:off x="970183" y="2268786"/>
-            <a:ext cx="4552951" cy="2081905"/>
+            <a:off x="2299384" y="2296313"/>
+            <a:ext cx="7593232" cy="4157901"/>
+            <a:chOff x="1943099" y="2391563"/>
+            <a:chExt cx="7593232" cy="4157901"/>
           </a:xfrm>
-          <a:prstGeom prst="rect">
-            <a:avLst/>
-          </a:prstGeom>
-        </p:spPr>
-      </p:pic>
-      <p:pic>
-        <p:nvPicPr>
-          <p:cNvPr id="10" name="Immagine 9">
-            <a:extLst>
-              <a:ext uri="{FF2B5EF4-FFF2-40B4-BE49-F238E27FC236}">
-                <a16:creationId xmlns:a16="http://schemas.microsoft.com/office/drawing/2014/main" id="{B3CF0311-F748-443D-9C15-3A2C3D015BAC}"/>
-              </a:ext>
-            </a:extLst>
-          </p:cNvPr>
-          <p:cNvPicPr>
-            <a:picLocks noChangeAspect="1"/>
-          </p:cNvPicPr>
-          <p:nvPr/>
-        </p:nvPicPr>
-        <p:blipFill>
-          <a:blip r:embed="rId3">
-            <a:extLst>
-              <a:ext uri="{28A0092B-C50C-407E-A947-70E740481C1C}">
-                <a14:useLocalDpi xmlns:a14="http://schemas.microsoft.com/office/drawing/2010/main" val="0"/>
-              </a:ext>
-            </a:extLst>
-          </a:blip>
-          <a:stretch>
-            <a:fillRect/>
-          </a:stretch>
-        </p:blipFill>
-        <p:spPr>
-          <a:xfrm>
-            <a:off x="970183" y="4512617"/>
-            <a:ext cx="4552951" cy="2036846"/>
-          </a:xfrm>
-          <a:prstGeom prst="rect">
-            <a:avLst/>
-          </a:prstGeom>
-        </p:spPr>
-      </p:pic>
-      <p:pic>
-        <p:nvPicPr>
-          <p:cNvPr id="12" name="Immagine 11">
-            <a:extLst>
-              <a:ext uri="{FF2B5EF4-FFF2-40B4-BE49-F238E27FC236}">
-                <a16:creationId xmlns:a16="http://schemas.microsoft.com/office/drawing/2014/main" id="{AE0ADFE3-AE76-4801-9C6D-7395F5D940C8}"/>
-              </a:ext>
-            </a:extLst>
-          </p:cNvPr>
-          <p:cNvPicPr>
-            <a:picLocks noChangeAspect="1"/>
-          </p:cNvPicPr>
-          <p:nvPr/>
-        </p:nvPicPr>
-        <p:blipFill>
-          <a:blip r:embed="rId4">
-            <a:extLst>
-              <a:ext uri="{28A0092B-C50C-407E-A947-70E740481C1C}">
-                <a14:useLocalDpi xmlns:a14="http://schemas.microsoft.com/office/drawing/2010/main" val="0"/>
-              </a:ext>
-            </a:extLst>
-          </a:blip>
-          <a:stretch>
-            <a:fillRect/>
-          </a:stretch>
-        </p:blipFill>
-        <p:spPr>
-          <a:xfrm>
-            <a:off x="6096000" y="4519526"/>
-            <a:ext cx="4552951" cy="2029937"/>
-          </a:xfrm>
-          <a:prstGeom prst="rect">
-            <a:avLst/>
-          </a:prstGeom>
-        </p:spPr>
-      </p:pic>
-      <p:pic>
-        <p:nvPicPr>
-          <p:cNvPr id="14" name="Immagine 13">
-            <a:extLst>
-              <a:ext uri="{FF2B5EF4-FFF2-40B4-BE49-F238E27FC236}">
-                <a16:creationId xmlns:a16="http://schemas.microsoft.com/office/drawing/2014/main" id="{8093C292-7FA1-4815-AEDE-8D25AE4B7A61}"/>
-              </a:ext>
-            </a:extLst>
-          </p:cNvPr>
-          <p:cNvPicPr>
-            <a:picLocks noChangeAspect="1"/>
-          </p:cNvPicPr>
-          <p:nvPr/>
-        </p:nvPicPr>
-        <p:blipFill>
-          <a:blip r:embed="rId5">
-            <a:extLst>
-              <a:ext uri="{28A0092B-C50C-407E-A947-70E740481C1C}">
-                <a14:useLocalDpi xmlns:a14="http://schemas.microsoft.com/office/drawing/2010/main" val="0"/>
-              </a:ext>
-            </a:extLst>
-          </a:blip>
-          <a:stretch>
-            <a:fillRect/>
-          </a:stretch>
-        </p:blipFill>
-        <p:spPr>
-          <a:xfrm>
-            <a:off x="6096000" y="2306109"/>
-            <a:ext cx="4552951" cy="2044582"/>
-          </a:xfrm>
-          <a:prstGeom prst="rect">
-            <a:avLst/>
-          </a:prstGeom>
-        </p:spPr>
-      </p:pic>
+        </p:grpSpPr>
+        <p:pic>
+          <p:nvPicPr>
+            <p:cNvPr id="8" name="Immagine 7">
+              <a:extLst>
+                <a:ext uri="{FF2B5EF4-FFF2-40B4-BE49-F238E27FC236}">
+                  <a16:creationId xmlns:a16="http://schemas.microsoft.com/office/drawing/2014/main" id="{95726939-5B04-4DD7-8FCF-42E5677E2419}"/>
+                </a:ext>
+              </a:extLst>
+            </p:cNvPr>
+            <p:cNvPicPr>
+              <a:picLocks noChangeAspect="1"/>
+            </p:cNvPicPr>
+            <p:nvPr/>
+          </p:nvPicPr>
+          <p:blipFill rotWithShape="1">
+            <a:blip r:embed="rId2">
+              <a:extLst>
+                <a:ext uri="{28A0092B-C50C-407E-A947-70E740481C1C}">
+                  <a14:useLocalDpi xmlns:a14="http://schemas.microsoft.com/office/drawing/2010/main" val="0"/>
+                </a:ext>
+              </a:extLst>
+            </a:blip>
+            <a:srcRect l="45637" t="26905"/>
+            <a:stretch/>
+          </p:blipFill>
+          <p:spPr>
+            <a:xfrm>
+              <a:off x="1943099" y="2391564"/>
+              <a:ext cx="3067051" cy="1885690"/>
+            </a:xfrm>
+            <a:prstGeom prst="rect">
+              <a:avLst/>
+            </a:prstGeom>
+          </p:spPr>
+        </p:pic>
+        <p:pic>
+          <p:nvPicPr>
+            <p:cNvPr id="10" name="Immagine 9">
+              <a:extLst>
+                <a:ext uri="{FF2B5EF4-FFF2-40B4-BE49-F238E27FC236}">
+                  <a16:creationId xmlns:a16="http://schemas.microsoft.com/office/drawing/2014/main" id="{B3CF0311-F748-443D-9C15-3A2C3D015BAC}"/>
+                </a:ext>
+              </a:extLst>
+            </p:cNvPr>
+            <p:cNvPicPr>
+              <a:picLocks noChangeAspect="1"/>
+            </p:cNvPicPr>
+            <p:nvPr/>
+          </p:nvPicPr>
+          <p:blipFill rotWithShape="1">
+            <a:blip r:embed="rId3">
+              <a:extLst>
+                <a:ext uri="{28A0092B-C50C-407E-A947-70E740481C1C}">
+                  <a14:useLocalDpi xmlns:a14="http://schemas.microsoft.com/office/drawing/2010/main" val="0"/>
+                </a:ext>
+              </a:extLst>
+            </a:blip>
+            <a:srcRect l="45637" t="25288"/>
+            <a:stretch/>
+          </p:blipFill>
+          <p:spPr>
+            <a:xfrm>
+              <a:off x="1943099" y="4663773"/>
+              <a:ext cx="3067051" cy="1885690"/>
+            </a:xfrm>
+            <a:prstGeom prst="rect">
+              <a:avLst/>
+            </a:prstGeom>
+          </p:spPr>
+        </p:pic>
+        <p:pic>
+          <p:nvPicPr>
+            <p:cNvPr id="12" name="Immagine 11">
+              <a:extLst>
+                <a:ext uri="{FF2B5EF4-FFF2-40B4-BE49-F238E27FC236}">
+                  <a16:creationId xmlns:a16="http://schemas.microsoft.com/office/drawing/2014/main" id="{AE0ADFE3-AE76-4801-9C6D-7395F5D940C8}"/>
+                </a:ext>
+              </a:extLst>
+            </p:cNvPr>
+            <p:cNvPicPr>
+              <a:picLocks noChangeAspect="1"/>
+            </p:cNvPicPr>
+            <p:nvPr/>
+          </p:nvPicPr>
+          <p:blipFill rotWithShape="1">
+            <a:blip r:embed="rId4">
+              <a:extLst>
+                <a:ext uri="{28A0092B-C50C-407E-A947-70E740481C1C}">
+                  <a14:useLocalDpi xmlns:a14="http://schemas.microsoft.com/office/drawing/2010/main" val="0"/>
+                </a:ext>
+              </a:extLst>
+            </a:blip>
+            <a:srcRect l="45637" t="25034"/>
+            <a:stretch/>
+          </p:blipFill>
+          <p:spPr>
+            <a:xfrm>
+              <a:off x="6469280" y="4663773"/>
+              <a:ext cx="3067051" cy="1885691"/>
+            </a:xfrm>
+            <a:prstGeom prst="rect">
+              <a:avLst/>
+            </a:prstGeom>
+          </p:spPr>
+        </p:pic>
+        <p:pic>
+          <p:nvPicPr>
+            <p:cNvPr id="14" name="Immagine 13">
+              <a:extLst>
+                <a:ext uri="{FF2B5EF4-FFF2-40B4-BE49-F238E27FC236}">
+                  <a16:creationId xmlns:a16="http://schemas.microsoft.com/office/drawing/2014/main" id="{8093C292-7FA1-4815-AEDE-8D25AE4B7A61}"/>
+                </a:ext>
+              </a:extLst>
+            </p:cNvPr>
+            <p:cNvPicPr>
+              <a:picLocks noChangeAspect="1"/>
+            </p:cNvPicPr>
+            <p:nvPr/>
+          </p:nvPicPr>
+          <p:blipFill rotWithShape="1">
+            <a:blip r:embed="rId5">
+              <a:extLst>
+                <a:ext uri="{28A0092B-C50C-407E-A947-70E740481C1C}">
+                  <a14:useLocalDpi xmlns:a14="http://schemas.microsoft.com/office/drawing/2010/main" val="0"/>
+                </a:ext>
+              </a:extLst>
+            </a:blip>
+            <a:srcRect l="45637" t="25571"/>
+            <a:stretch/>
+          </p:blipFill>
+          <p:spPr>
+            <a:xfrm>
+              <a:off x="6469280" y="2391563"/>
+              <a:ext cx="3067051" cy="1885691"/>
+            </a:xfrm>
+            <a:prstGeom prst="rect">
+              <a:avLst/>
+            </a:prstGeom>
+          </p:spPr>
+        </p:pic>
+      </p:grpSp>
     </p:spTree>
     <p:extLst>
       <p:ext uri="{BB962C8B-B14F-4D97-AF65-F5344CB8AC3E}">
@@ -21040,156 +21059,173 @@
           </a:p>
         </p:txBody>
       </p:sp>
-      <p:pic>
-        <p:nvPicPr>
-          <p:cNvPr id="8" name="Immagine 7">
+      <p:grpSp>
+        <p:nvGrpSpPr>
+          <p:cNvPr id="2" name="Gruppo 1">
             <a:extLst>
               <a:ext uri="{FF2B5EF4-FFF2-40B4-BE49-F238E27FC236}">
-                <a16:creationId xmlns:a16="http://schemas.microsoft.com/office/drawing/2014/main" id="{95726939-5B04-4DD7-8FCF-42E5677E2419}"/>
+                <a16:creationId xmlns:a16="http://schemas.microsoft.com/office/drawing/2014/main" id="{A8F6A8AF-0FEA-44F9-BC30-FC7907B74725}"/>
               </a:ext>
             </a:extLst>
           </p:cNvPr>
-          <p:cNvPicPr>
-            <a:picLocks noChangeAspect="1"/>
-          </p:cNvPicPr>
+          <p:cNvGrpSpPr/>
           <p:nvPr/>
-        </p:nvPicPr>
-        <p:blipFill>
-          <a:blip r:embed="rId2">
-            <a:extLst>
-              <a:ext uri="{28A0092B-C50C-407E-A947-70E740481C1C}">
-                <a14:useLocalDpi xmlns:a14="http://schemas.microsoft.com/office/drawing/2010/main" val="0"/>
-              </a:ext>
-            </a:extLst>
-          </a:blip>
-          <a:stretch>
-            <a:fillRect/>
-          </a:stretch>
-        </p:blipFill>
-        <p:spPr>
+        </p:nvGrpSpPr>
+        <p:grpSpPr>
           <a:xfrm>
-            <a:off x="970183" y="2268786"/>
-            <a:ext cx="4552951" cy="2081905"/>
+            <a:off x="2299384" y="2296313"/>
+            <a:ext cx="7593232" cy="4157901"/>
+            <a:chOff x="1943099" y="2391563"/>
+            <a:chExt cx="7593232" cy="4157901"/>
           </a:xfrm>
-          <a:prstGeom prst="rect">
-            <a:avLst/>
-          </a:prstGeom>
-        </p:spPr>
-      </p:pic>
-      <p:pic>
-        <p:nvPicPr>
-          <p:cNvPr id="10" name="Immagine 9">
+        </p:grpSpPr>
+        <p:pic>
+          <p:nvPicPr>
+            <p:cNvPr id="8" name="Immagine 7">
+              <a:extLst>
+                <a:ext uri="{FF2B5EF4-FFF2-40B4-BE49-F238E27FC236}">
+                  <a16:creationId xmlns:a16="http://schemas.microsoft.com/office/drawing/2014/main" id="{95726939-5B04-4DD7-8FCF-42E5677E2419}"/>
+                </a:ext>
+              </a:extLst>
+            </p:cNvPr>
+            <p:cNvPicPr>
+              <a:picLocks noChangeAspect="1"/>
+            </p:cNvPicPr>
+            <p:nvPr/>
+          </p:nvPicPr>
+          <p:blipFill rotWithShape="1">
+            <a:blip r:embed="rId2">
+              <a:extLst>
+                <a:ext uri="{28A0092B-C50C-407E-A947-70E740481C1C}">
+                  <a14:useLocalDpi xmlns:a14="http://schemas.microsoft.com/office/drawing/2010/main" val="0"/>
+                </a:ext>
+              </a:extLst>
+            </a:blip>
+            <a:srcRect l="45637" t="26905"/>
+            <a:stretch/>
+          </p:blipFill>
+          <p:spPr>
+            <a:xfrm>
+              <a:off x="1943099" y="2391564"/>
+              <a:ext cx="3067051" cy="1885690"/>
+            </a:xfrm>
+            <a:prstGeom prst="rect">
+              <a:avLst/>
+            </a:prstGeom>
+          </p:spPr>
+        </p:pic>
+        <p:pic>
+          <p:nvPicPr>
+            <p:cNvPr id="10" name="Immagine 9">
+              <a:extLst>
+                <a:ext uri="{FF2B5EF4-FFF2-40B4-BE49-F238E27FC236}">
+                  <a16:creationId xmlns:a16="http://schemas.microsoft.com/office/drawing/2014/main" id="{B3CF0311-F748-443D-9C15-3A2C3D015BAC}"/>
+                </a:ext>
+              </a:extLst>
+            </p:cNvPr>
+            <p:cNvPicPr>
+              <a:picLocks noChangeAspect="1"/>
+            </p:cNvPicPr>
+            <p:nvPr/>
+          </p:nvPicPr>
+          <p:blipFill rotWithShape="1">
+            <a:blip r:embed="rId3">
+              <a:extLst>
+                <a:ext uri="{28A0092B-C50C-407E-A947-70E740481C1C}">
+                  <a14:useLocalDpi xmlns:a14="http://schemas.microsoft.com/office/drawing/2010/main" val="0"/>
+                </a:ext>
+              </a:extLst>
+            </a:blip>
+            <a:srcRect l="45637" t="25288"/>
+            <a:stretch/>
+          </p:blipFill>
+          <p:spPr>
+            <a:xfrm>
+              <a:off x="1943099" y="4663773"/>
+              <a:ext cx="3067051" cy="1885690"/>
+            </a:xfrm>
+            <a:prstGeom prst="rect">
+              <a:avLst/>
+            </a:prstGeom>
+          </p:spPr>
+        </p:pic>
+        <p:pic>
+          <p:nvPicPr>
+            <p:cNvPr id="12" name="Immagine 11">
+              <a:extLst>
+                <a:ext uri="{FF2B5EF4-FFF2-40B4-BE49-F238E27FC236}">
+                  <a16:creationId xmlns:a16="http://schemas.microsoft.com/office/drawing/2014/main" id="{AE0ADFE3-AE76-4801-9C6D-7395F5D940C8}"/>
+                </a:ext>
+              </a:extLst>
+            </p:cNvPr>
+            <p:cNvPicPr>
+              <a:picLocks noChangeAspect="1"/>
+            </p:cNvPicPr>
+            <p:nvPr/>
+          </p:nvPicPr>
+          <p:blipFill rotWithShape="1">
+            <a:blip r:embed="rId4">
+              <a:extLst>
+                <a:ext uri="{28A0092B-C50C-407E-A947-70E740481C1C}">
+                  <a14:useLocalDpi xmlns:a14="http://schemas.microsoft.com/office/drawing/2010/main" val="0"/>
+                </a:ext>
+              </a:extLst>
+            </a:blip>
+            <a:srcRect l="45637" t="25034"/>
+            <a:stretch/>
+          </p:blipFill>
+          <p:spPr>
+            <a:xfrm>
+              <a:off x="6469280" y="4663773"/>
+              <a:ext cx="3067051" cy="1885691"/>
+            </a:xfrm>
+            <a:prstGeom prst="rect">
+              <a:avLst/>
+            </a:prstGeom>
+          </p:spPr>
+        </p:pic>
+        <p:pic>
+          <p:nvPicPr>
+            <p:cNvPr id="14" name="Immagine 13">
+              <a:extLst>
+                <a:ext uri="{FF2B5EF4-FFF2-40B4-BE49-F238E27FC236}">
+                  <a16:creationId xmlns:a16="http://schemas.microsoft.com/office/drawing/2014/main" id="{8093C292-7FA1-4815-AEDE-8D25AE4B7A61}"/>
+                </a:ext>
+              </a:extLst>
+            </p:cNvPr>
+            <p:cNvPicPr>
+              <a:picLocks noChangeAspect="1"/>
+            </p:cNvPicPr>
+            <p:nvPr/>
+          </p:nvPicPr>
+          <p:blipFill rotWithShape="1">
+            <a:blip r:embed="rId5">
+              <a:extLst>
+                <a:ext uri="{28A0092B-C50C-407E-A947-70E740481C1C}">
+                  <a14:useLocalDpi xmlns:a14="http://schemas.microsoft.com/office/drawing/2010/main" val="0"/>
+                </a:ext>
+              </a:extLst>
+            </a:blip>
+            <a:srcRect l="45637" t="25571"/>
+            <a:stretch/>
+          </p:blipFill>
+          <p:spPr>
+            <a:xfrm>
+              <a:off x="6469280" y="2391563"/>
+              <a:ext cx="3067051" cy="1885691"/>
+            </a:xfrm>
+            <a:prstGeom prst="rect">
+              <a:avLst/>
+            </a:prstGeom>
+          </p:spPr>
+        </p:pic>
+      </p:grpSp>
+      <p:sp>
+        <p:nvSpPr>
+          <p:cNvPr id="3" name="Ovale 2">
             <a:extLst>
               <a:ext uri="{FF2B5EF4-FFF2-40B4-BE49-F238E27FC236}">
-                <a16:creationId xmlns:a16="http://schemas.microsoft.com/office/drawing/2014/main" id="{B3CF0311-F748-443D-9C15-3A2C3D015BAC}"/>
-              </a:ext>
-            </a:extLst>
-          </p:cNvPr>
-          <p:cNvPicPr>
-            <a:picLocks noChangeAspect="1"/>
-          </p:cNvPicPr>
-          <p:nvPr/>
-        </p:nvPicPr>
-        <p:blipFill>
-          <a:blip r:embed="rId3">
-            <a:extLst>
-              <a:ext uri="{28A0092B-C50C-407E-A947-70E740481C1C}">
-                <a14:useLocalDpi xmlns:a14="http://schemas.microsoft.com/office/drawing/2010/main" val="0"/>
-              </a:ext>
-            </a:extLst>
-          </a:blip>
-          <a:stretch>
-            <a:fillRect/>
-          </a:stretch>
-        </p:blipFill>
-        <p:spPr>
-          <a:xfrm>
-            <a:off x="970183" y="4512617"/>
-            <a:ext cx="4552951" cy="2036846"/>
-          </a:xfrm>
-          <a:prstGeom prst="rect">
-            <a:avLst/>
-          </a:prstGeom>
-        </p:spPr>
-      </p:pic>
-      <p:pic>
-        <p:nvPicPr>
-          <p:cNvPr id="12" name="Immagine 11">
-            <a:extLst>
-              <a:ext uri="{FF2B5EF4-FFF2-40B4-BE49-F238E27FC236}">
-                <a16:creationId xmlns:a16="http://schemas.microsoft.com/office/drawing/2014/main" id="{AE0ADFE3-AE76-4801-9C6D-7395F5D940C8}"/>
-              </a:ext>
-            </a:extLst>
-          </p:cNvPr>
-          <p:cNvPicPr>
-            <a:picLocks noChangeAspect="1"/>
-          </p:cNvPicPr>
-          <p:nvPr/>
-        </p:nvPicPr>
-        <p:blipFill>
-          <a:blip r:embed="rId4">
-            <a:extLst>
-              <a:ext uri="{28A0092B-C50C-407E-A947-70E740481C1C}">
-                <a14:useLocalDpi xmlns:a14="http://schemas.microsoft.com/office/drawing/2010/main" val="0"/>
-              </a:ext>
-            </a:extLst>
-          </a:blip>
-          <a:stretch>
-            <a:fillRect/>
-          </a:stretch>
-        </p:blipFill>
-        <p:spPr>
-          <a:xfrm>
-            <a:off x="6096000" y="4519526"/>
-            <a:ext cx="4552951" cy="2029937"/>
-          </a:xfrm>
-          <a:prstGeom prst="rect">
-            <a:avLst/>
-          </a:prstGeom>
-        </p:spPr>
-      </p:pic>
-      <p:pic>
-        <p:nvPicPr>
-          <p:cNvPr id="14" name="Immagine 13">
-            <a:extLst>
-              <a:ext uri="{FF2B5EF4-FFF2-40B4-BE49-F238E27FC236}">
-                <a16:creationId xmlns:a16="http://schemas.microsoft.com/office/drawing/2014/main" id="{8093C292-7FA1-4815-AEDE-8D25AE4B7A61}"/>
-              </a:ext>
-            </a:extLst>
-          </p:cNvPr>
-          <p:cNvPicPr>
-            <a:picLocks noChangeAspect="1"/>
-          </p:cNvPicPr>
-          <p:nvPr/>
-        </p:nvPicPr>
-        <p:blipFill>
-          <a:blip r:embed="rId5">
-            <a:extLst>
-              <a:ext uri="{28A0092B-C50C-407E-A947-70E740481C1C}">
-                <a14:useLocalDpi xmlns:a14="http://schemas.microsoft.com/office/drawing/2010/main" val="0"/>
-              </a:ext>
-            </a:extLst>
-          </a:blip>
-          <a:stretch>
-            <a:fillRect/>
-          </a:stretch>
-        </p:blipFill>
-        <p:spPr>
-          <a:xfrm>
-            <a:off x="6096000" y="2306109"/>
-            <a:ext cx="4552951" cy="2044582"/>
-          </a:xfrm>
-          <a:prstGeom prst="rect">
-            <a:avLst/>
-          </a:prstGeom>
-        </p:spPr>
-      </p:pic>
-      <p:sp>
-        <p:nvSpPr>
-          <p:cNvPr id="2" name="Ovale 1">
-            <a:extLst>
-              <a:ext uri="{FF2B5EF4-FFF2-40B4-BE49-F238E27FC236}">
-                <a16:creationId xmlns:a16="http://schemas.microsoft.com/office/drawing/2014/main" id="{254B1FA2-B6B8-447A-85CD-198C59590E79}"/>
+                <a16:creationId xmlns:a16="http://schemas.microsoft.com/office/drawing/2014/main" id="{DB3503F9-A88F-4249-912C-DBDF1B66C12D}"/>
               </a:ext>
             </a:extLst>
           </p:cNvPr>
@@ -21198,8 +21234,8 @@
         </p:nvSpPr>
         <p:spPr>
           <a:xfrm>
-            <a:off x="2943225" y="3669768"/>
-            <a:ext cx="2647950" cy="866775"/>
+            <a:off x="3490010" y="3575164"/>
+            <a:ext cx="1876425" cy="800100"/>
           </a:xfrm>
           <a:prstGeom prst="ellipse">
             <a:avLst/>
@@ -21207,7 +21243,7 @@
           <a:noFill/>
           <a:ln w="76200">
             <a:solidFill>
-              <a:srgbClr val="00B0F0"/>
+              <a:srgbClr val="FF0000"/>
             </a:solidFill>
           </a:ln>
         </p:spPr>
@@ -21232,11 +21268,7 @@
           <a:lstStyle/>
           <a:p>
             <a:pPr algn="ctr"/>
-            <a:endParaRPr lang="it-IT">
-              <a:solidFill>
-                <a:srgbClr val="FF0000"/>
-              </a:solidFill>
-            </a:endParaRPr>
+            <a:endParaRPr lang="it-IT"/>
           </a:p>
         </p:txBody>
       </p:sp>
@@ -21245,7 +21277,7 @@
           <p:cNvPr id="11" name="Ovale 10">
             <a:extLst>
               <a:ext uri="{FF2B5EF4-FFF2-40B4-BE49-F238E27FC236}">
-                <a16:creationId xmlns:a16="http://schemas.microsoft.com/office/drawing/2014/main" id="{311D1078-3528-4FC7-A2CE-F8FD0162FC36}"/>
+                <a16:creationId xmlns:a16="http://schemas.microsoft.com/office/drawing/2014/main" id="{8D0FF1FF-CA75-4E68-A4A1-40D1D3A54C64}"/>
               </a:ext>
             </a:extLst>
           </p:cNvPr>
@@ -21254,8 +21286,8 @@
         </p:nvSpPr>
         <p:spPr>
           <a:xfrm>
-            <a:off x="8086725" y="3707091"/>
-            <a:ext cx="2647950" cy="866775"/>
+            <a:off x="8016191" y="3575164"/>
+            <a:ext cx="1876425" cy="800100"/>
           </a:xfrm>
           <a:prstGeom prst="ellipse">
             <a:avLst/>
@@ -21263,7 +21295,7 @@
           <a:noFill/>
           <a:ln w="76200">
             <a:solidFill>
-              <a:srgbClr val="00B0F0"/>
+              <a:srgbClr val="FF0000"/>
             </a:solidFill>
           </a:ln>
         </p:spPr>
@@ -21288,11 +21320,7 @@
           <a:lstStyle/>
           <a:p>
             <a:pPr algn="ctr"/>
-            <a:endParaRPr lang="it-IT">
-              <a:solidFill>
-                <a:srgbClr val="FF0000"/>
-              </a:solidFill>
-            </a:endParaRPr>
+            <a:endParaRPr lang="it-IT"/>
           </a:p>
         </p:txBody>
       </p:sp>
@@ -21301,7 +21329,7 @@
           <p:cNvPr id="13" name="Ovale 12">
             <a:extLst>
               <a:ext uri="{FF2B5EF4-FFF2-40B4-BE49-F238E27FC236}">
-                <a16:creationId xmlns:a16="http://schemas.microsoft.com/office/drawing/2014/main" id="{EAAB187C-C361-406B-9679-10E705E5B5BE}"/>
+                <a16:creationId xmlns:a16="http://schemas.microsoft.com/office/drawing/2014/main" id="{0C113CBE-7B3E-471D-A009-75DF704C1ADD}"/>
               </a:ext>
             </a:extLst>
           </p:cNvPr>
@@ -21310,8 +21338,8 @@
         </p:nvSpPr>
         <p:spPr>
           <a:xfrm>
-            <a:off x="2909205" y="5891766"/>
-            <a:ext cx="2647950" cy="866775"/>
+            <a:off x="3505200" y="5785056"/>
+            <a:ext cx="1876425" cy="800100"/>
           </a:xfrm>
           <a:prstGeom prst="ellipse">
             <a:avLst/>
@@ -21319,7 +21347,7 @@
           <a:noFill/>
           <a:ln w="76200">
             <a:solidFill>
-              <a:srgbClr val="00B0F0"/>
+              <a:srgbClr val="FF0000"/>
             </a:solidFill>
           </a:ln>
         </p:spPr>
@@ -21344,11 +21372,7 @@
           <a:lstStyle/>
           <a:p>
             <a:pPr algn="ctr"/>
-            <a:endParaRPr lang="it-IT">
-              <a:solidFill>
-                <a:srgbClr val="FF0000"/>
-              </a:solidFill>
-            </a:endParaRPr>
+            <a:endParaRPr lang="it-IT"/>
           </a:p>
         </p:txBody>
       </p:sp>
@@ -21357,7 +21381,7 @@
           <p:cNvPr id="15" name="Ovale 14">
             <a:extLst>
               <a:ext uri="{FF2B5EF4-FFF2-40B4-BE49-F238E27FC236}">
-                <a16:creationId xmlns:a16="http://schemas.microsoft.com/office/drawing/2014/main" id="{5A2DF81E-D193-428D-8641-54ECC728564E}"/>
+                <a16:creationId xmlns:a16="http://schemas.microsoft.com/office/drawing/2014/main" id="{46544E24-07CC-4032-905C-54D52BED77D9}"/>
               </a:ext>
             </a:extLst>
           </p:cNvPr>
@@ -21366,8 +21390,8 @@
         </p:nvSpPr>
         <p:spPr>
           <a:xfrm>
-            <a:off x="8043863" y="5851523"/>
-            <a:ext cx="2647950" cy="866775"/>
+            <a:off x="8016190" y="5785056"/>
+            <a:ext cx="1876425" cy="800100"/>
           </a:xfrm>
           <a:prstGeom prst="ellipse">
             <a:avLst/>
@@ -21375,7 +21399,7 @@
           <a:noFill/>
           <a:ln w="76200">
             <a:solidFill>
-              <a:srgbClr val="00B0F0"/>
+              <a:srgbClr val="FF0000"/>
             </a:solidFill>
           </a:ln>
         </p:spPr>
@@ -21400,18 +21424,14 @@
           <a:lstStyle/>
           <a:p>
             <a:pPr algn="ctr"/>
-            <a:endParaRPr lang="it-IT">
-              <a:solidFill>
-                <a:srgbClr val="FF0000"/>
-              </a:solidFill>
-            </a:endParaRPr>
+            <a:endParaRPr lang="it-IT"/>
           </a:p>
         </p:txBody>
       </p:sp>
     </p:spTree>
     <p:extLst>
       <p:ext uri="{BB962C8B-B14F-4D97-AF65-F5344CB8AC3E}">
-        <p14:creationId xmlns:p14="http://schemas.microsoft.com/office/powerpoint/2010/main" val="2535109407"/>
+        <p14:creationId xmlns:p14="http://schemas.microsoft.com/office/powerpoint/2010/main" val="1427552438"/>
       </p:ext>
     </p:extLst>
   </p:cSld>
@@ -21495,9 +21515,22 @@
         </p:spPr>
         <p:txBody>
           <a:bodyPr>
-            <a:normAutofit/>
+            <a:normAutofit lnSpcReduction="10000"/>
           </a:bodyPr>
           <a:lstStyle/>
+          <a:p>
+            <a:pPr algn="l" fontAlgn="base">
+              <a:buFont typeface="Wingdings" panose="05000000000000000000" pitchFamily="2" charset="2"/>
+              <a:buChar char="q"/>
+            </a:pPr>
+            <a:r>
+              <a:rPr lang="en-US" sz="2800" b="0" i="0" dirty="0">
+                <a:effectLst/>
+                <a:latin typeface="Inter"/>
+              </a:rPr>
+              <a:t> Available on Kaggle</a:t>
+            </a:r>
+          </a:p>
           <a:p>
             <a:pPr algn="l" fontAlgn="base">
               <a:buFont typeface="Wingdings" panose="05000000000000000000" pitchFamily="2" charset="2"/>
@@ -21899,152 +21932,6 @@
                 <a:effectLst/>
                 <a:latin typeface="Inter"/>
               </a:rPr>
-              <a:t>Show how many explicit tracks appears in the top 100 for each country</a:t>
-            </a:r>
-            <a:endParaRPr lang="en-US" sz="2800" i="1" dirty="0">
-              <a:effectLst/>
-              <a:latin typeface="Inter"/>
-            </a:endParaRPr>
-          </a:p>
-        </p:txBody>
-      </p:sp>
-      <p:pic>
-        <p:nvPicPr>
-          <p:cNvPr id="7" name="Immagine 6">
-            <a:extLst>
-              <a:ext uri="{FF2B5EF4-FFF2-40B4-BE49-F238E27FC236}">
-                <a16:creationId xmlns:a16="http://schemas.microsoft.com/office/drawing/2014/main" id="{21BCFAC6-566F-432A-ADD5-C519098AFE91}"/>
-              </a:ext>
-            </a:extLst>
-          </p:cNvPr>
-          <p:cNvPicPr>
-            <a:picLocks noChangeAspect="1"/>
-          </p:cNvPicPr>
-          <p:nvPr/>
-        </p:nvPicPr>
-        <p:blipFill>
-          <a:blip r:embed="rId2">
-            <a:extLst>
-              <a:ext uri="{28A0092B-C50C-407E-A947-70E740481C1C}">
-                <a14:useLocalDpi xmlns:a14="http://schemas.microsoft.com/office/drawing/2010/main" val="0"/>
-              </a:ext>
-            </a:extLst>
-          </a:blip>
-          <a:stretch>
-            <a:fillRect/>
-          </a:stretch>
-        </p:blipFill>
-        <p:spPr>
-          <a:xfrm>
-            <a:off x="1945025" y="2214420"/>
-            <a:ext cx="8044774" cy="4210794"/>
-          </a:xfrm>
-          <a:prstGeom prst="rect">
-            <a:avLst/>
-          </a:prstGeom>
-        </p:spPr>
-      </p:pic>
-    </p:spTree>
-    <p:extLst>
-      <p:ext uri="{BB962C8B-B14F-4D97-AF65-F5344CB8AC3E}">
-        <p14:creationId xmlns:p14="http://schemas.microsoft.com/office/powerpoint/2010/main" val="3174939941"/>
-      </p:ext>
-    </p:extLst>
-  </p:cSld>
-  <p:clrMapOvr>
-    <a:masterClrMapping/>
-  </p:clrMapOvr>
-</p:sld>
-</file>
-
-<file path=ppt/slides/slide21.xml><?xml version="1.0" encoding="utf-8"?>
-<p:sld xmlns:a="http://schemas.openxmlformats.org/drawingml/2006/main" xmlns:r="http://schemas.openxmlformats.org/officeDocument/2006/relationships" xmlns:p="http://schemas.openxmlformats.org/presentationml/2006/main">
-  <p:cSld>
-    <p:spTree>
-      <p:nvGrpSpPr>
-        <p:cNvPr id="1" name=""/>
-        <p:cNvGrpSpPr/>
-        <p:nvPr/>
-      </p:nvGrpSpPr>
-      <p:grpSpPr>
-        <a:xfrm>
-          <a:off x="0" y="0"/>
-          <a:ext cx="0" cy="0"/>
-          <a:chOff x="0" y="0"/>
-          <a:chExt cx="0" cy="0"/>
-        </a:xfrm>
-      </p:grpSpPr>
-      <p:sp>
-        <p:nvSpPr>
-          <p:cNvPr id="4" name="Titolo 3">
-            <a:extLst>
-              <a:ext uri="{FF2B5EF4-FFF2-40B4-BE49-F238E27FC236}">
-                <a16:creationId xmlns:a16="http://schemas.microsoft.com/office/drawing/2014/main" id="{A32BADA9-D1E4-4A68-A522-AE21B0D0BA03}"/>
-              </a:ext>
-            </a:extLst>
-          </p:cNvPr>
-          <p:cNvSpPr>
-            <a:spLocks noGrp="1"/>
-          </p:cNvSpPr>
-          <p:nvPr>
-            <p:ph type="title"/>
-          </p:nvPr>
-        </p:nvSpPr>
-        <p:spPr>
-          <a:xfrm>
-            <a:off x="914400" y="1079770"/>
-            <a:ext cx="5181600" cy="749030"/>
-          </a:xfrm>
-        </p:spPr>
-        <p:txBody>
-          <a:bodyPr>
-            <a:normAutofit/>
-          </a:bodyPr>
-          <a:lstStyle/>
-          <a:p>
-            <a:r>
-              <a:rPr lang="it-IT" sz="3600" b="1" dirty="0"/>
-              <a:t>Query 9</a:t>
-            </a:r>
-          </a:p>
-        </p:txBody>
-      </p:sp>
-      <p:sp>
-        <p:nvSpPr>
-          <p:cNvPr id="5" name="Segnaposto contenuto 4">
-            <a:extLst>
-              <a:ext uri="{FF2B5EF4-FFF2-40B4-BE49-F238E27FC236}">
-                <a16:creationId xmlns:a16="http://schemas.microsoft.com/office/drawing/2014/main" id="{0822A188-4351-443E-9A73-0BDAAB88A97A}"/>
-              </a:ext>
-            </a:extLst>
-          </p:cNvPr>
-          <p:cNvSpPr>
-            <a:spLocks noGrp="1"/>
-          </p:cNvSpPr>
-          <p:nvPr>
-            <p:ph idx="1"/>
-          </p:nvPr>
-        </p:nvSpPr>
-        <p:spPr>
-          <a:xfrm>
-            <a:off x="914400" y="1654309"/>
-            <a:ext cx="10106025" cy="428625"/>
-          </a:xfrm>
-        </p:spPr>
-        <p:txBody>
-          <a:bodyPr>
-            <a:normAutofit lnSpcReduction="10000"/>
-          </a:bodyPr>
-          <a:lstStyle/>
-          <a:p>
-            <a:pPr marL="0" indent="0" algn="l" fontAlgn="base">
-              <a:buNone/>
-            </a:pPr>
-            <a:r>
-              <a:rPr lang="en-US" i="0" dirty="0">
-                <a:effectLst/>
-                <a:latin typeface="Inter"/>
-              </a:rPr>
               <a:t>How many songs of artists from Japan or South Korea reaches Top 20 in US, Canada or Mexico?</a:t>
             </a:r>
             <a:endParaRPr lang="en-US" sz="2800" i="1" dirty="0">
@@ -22301,7 +22188,7 @@
 </p:sld>
 </file>
 
-<file path=ppt/slides/slide22.xml><?xml version="1.0" encoding="utf-8"?>
+<file path=ppt/slides/slide21.xml><?xml version="1.0" encoding="utf-8"?>
 <p:sld xmlns:a="http://schemas.openxmlformats.org/drawingml/2006/main" xmlns:r="http://schemas.openxmlformats.org/officeDocument/2006/relationships" xmlns:p="http://schemas.openxmlformats.org/presentationml/2006/main">
   <p:cSld>
     <p:spTree>
@@ -22348,7 +22235,7 @@
           <a:p>
             <a:r>
               <a:rPr lang="it-IT" sz="3600" b="1" dirty="0"/>
-              <a:t>Query 9</a:t>
+              <a:t>Query 8</a:t>
             </a:r>
           </a:p>
         </p:txBody>
@@ -22647,7 +22534,7 @@
           <p:nvPr>
             <p:extLst>
               <p:ext uri="{D42A27DB-BD31-4B8C-83A1-F6EECF244321}">
-                <p14:modId xmlns:p14="http://schemas.microsoft.com/office/powerpoint/2010/main" val="902355820"/>
+                <p14:modId xmlns:p14="http://schemas.microsoft.com/office/powerpoint/2010/main" val="1319260888"/>
               </p:ext>
             </p:extLst>
           </p:nvPr>
@@ -22745,11 +22632,14 @@
                     <a:lstStyle/>
                     <a:p>
                       <a:r>
-                        <a:rPr lang="it-IT">
+                        <a:rPr lang="it-IT" dirty="0" err="1">
                           <a:effectLst/>
                         </a:rPr>
-                        <a:t>Joji</a:t>
+                        <a:t>Jojo</a:t>
                       </a:r>
+                      <a:endParaRPr lang="it-IT" dirty="0">
+                        <a:effectLst/>
+                      </a:endParaRPr>
                     </a:p>
                   </a:txBody>
                   <a:tcPr marL="60960" marR="60960" marT="30480" marB="30480" anchor="ctr"/>
@@ -23073,6 +22963,152 @@
     <p:extLst>
       <p:ext uri="{BB962C8B-B14F-4D97-AF65-F5344CB8AC3E}">
         <p14:creationId xmlns:p14="http://schemas.microsoft.com/office/powerpoint/2010/main" val="480155497"/>
+      </p:ext>
+    </p:extLst>
+  </p:cSld>
+  <p:clrMapOvr>
+    <a:masterClrMapping/>
+  </p:clrMapOvr>
+</p:sld>
+</file>
+
+<file path=ppt/slides/slide22.xml><?xml version="1.0" encoding="utf-8"?>
+<p:sld xmlns:a="http://schemas.openxmlformats.org/drawingml/2006/main" xmlns:r="http://schemas.openxmlformats.org/officeDocument/2006/relationships" xmlns:p="http://schemas.openxmlformats.org/presentationml/2006/main">
+  <p:cSld>
+    <p:spTree>
+      <p:nvGrpSpPr>
+        <p:cNvPr id="1" name=""/>
+        <p:cNvGrpSpPr/>
+        <p:nvPr/>
+      </p:nvGrpSpPr>
+      <p:grpSpPr>
+        <a:xfrm>
+          <a:off x="0" y="0"/>
+          <a:ext cx="0" cy="0"/>
+          <a:chOff x="0" y="0"/>
+          <a:chExt cx="0" cy="0"/>
+        </a:xfrm>
+      </p:grpSpPr>
+      <p:sp>
+        <p:nvSpPr>
+          <p:cNvPr id="4" name="Titolo 3">
+            <a:extLst>
+              <a:ext uri="{FF2B5EF4-FFF2-40B4-BE49-F238E27FC236}">
+                <a16:creationId xmlns:a16="http://schemas.microsoft.com/office/drawing/2014/main" id="{A32BADA9-D1E4-4A68-A522-AE21B0D0BA03}"/>
+              </a:ext>
+            </a:extLst>
+          </p:cNvPr>
+          <p:cNvSpPr>
+            <a:spLocks noGrp="1"/>
+          </p:cNvSpPr>
+          <p:nvPr>
+            <p:ph type="title"/>
+          </p:nvPr>
+        </p:nvSpPr>
+        <p:spPr>
+          <a:xfrm>
+            <a:off x="914400" y="1079770"/>
+            <a:ext cx="5181600" cy="749030"/>
+          </a:xfrm>
+        </p:spPr>
+        <p:txBody>
+          <a:bodyPr>
+            <a:normAutofit/>
+          </a:bodyPr>
+          <a:lstStyle/>
+          <a:p>
+            <a:r>
+              <a:rPr lang="it-IT" sz="3600" b="1" dirty="0"/>
+              <a:t>Query 9</a:t>
+            </a:r>
+          </a:p>
+        </p:txBody>
+      </p:sp>
+      <p:sp>
+        <p:nvSpPr>
+          <p:cNvPr id="5" name="Segnaposto contenuto 4">
+            <a:extLst>
+              <a:ext uri="{FF2B5EF4-FFF2-40B4-BE49-F238E27FC236}">
+                <a16:creationId xmlns:a16="http://schemas.microsoft.com/office/drawing/2014/main" id="{0822A188-4351-443E-9A73-0BDAAB88A97A}"/>
+              </a:ext>
+            </a:extLst>
+          </p:cNvPr>
+          <p:cNvSpPr>
+            <a:spLocks noGrp="1"/>
+          </p:cNvSpPr>
+          <p:nvPr>
+            <p:ph idx="1"/>
+          </p:nvPr>
+        </p:nvSpPr>
+        <p:spPr>
+          <a:xfrm>
+            <a:off x="914400" y="1654309"/>
+            <a:ext cx="10106025" cy="428625"/>
+          </a:xfrm>
+        </p:spPr>
+        <p:txBody>
+          <a:bodyPr>
+            <a:normAutofit lnSpcReduction="10000"/>
+          </a:bodyPr>
+          <a:lstStyle/>
+          <a:p>
+            <a:pPr marL="0" indent="0" algn="l" fontAlgn="base">
+              <a:buNone/>
+            </a:pPr>
+            <a:r>
+              <a:rPr lang="en-US" i="0" dirty="0">
+                <a:effectLst/>
+                <a:latin typeface="Inter"/>
+              </a:rPr>
+              <a:t>Show how many explicit tracks appears in the top 100 for each country</a:t>
+            </a:r>
+            <a:endParaRPr lang="en-US" sz="2800" i="1" dirty="0">
+              <a:effectLst/>
+              <a:latin typeface="Inter"/>
+            </a:endParaRPr>
+          </a:p>
+        </p:txBody>
+      </p:sp>
+      <p:pic>
+        <p:nvPicPr>
+          <p:cNvPr id="3" name="Immagine 2">
+            <a:extLst>
+              <a:ext uri="{FF2B5EF4-FFF2-40B4-BE49-F238E27FC236}">
+                <a16:creationId xmlns:a16="http://schemas.microsoft.com/office/drawing/2014/main" id="{6B4882F2-A1A3-49A8-B7BE-C8BB692829A0}"/>
+              </a:ext>
+            </a:extLst>
+          </p:cNvPr>
+          <p:cNvPicPr>
+            <a:picLocks noChangeAspect="1"/>
+          </p:cNvPicPr>
+          <p:nvPr/>
+        </p:nvPicPr>
+        <p:blipFill>
+          <a:blip r:embed="rId2">
+            <a:extLst>
+              <a:ext uri="{28A0092B-C50C-407E-A947-70E740481C1C}">
+                <a14:useLocalDpi xmlns:a14="http://schemas.microsoft.com/office/drawing/2010/main" val="0"/>
+              </a:ext>
+            </a:extLst>
+          </a:blip>
+          <a:stretch>
+            <a:fillRect/>
+          </a:stretch>
+        </p:blipFill>
+        <p:spPr>
+          <a:xfrm>
+            <a:off x="1717040" y="2123441"/>
+            <a:ext cx="8757920" cy="4584069"/>
+          </a:xfrm>
+          <a:prstGeom prst="rect">
+            <a:avLst/>
+          </a:prstGeom>
+        </p:spPr>
+      </p:pic>
+    </p:spTree>
+    <p:extLst>
+      <p:ext uri="{BB962C8B-B14F-4D97-AF65-F5344CB8AC3E}">
+        <p14:creationId xmlns:p14="http://schemas.microsoft.com/office/powerpoint/2010/main" val="3174939941"/>
       </p:ext>
     </p:extLst>
   </p:cSld>
@@ -23929,8 +23965,8 @@
         </p:nvSpPr>
         <p:spPr>
           <a:xfrm>
-            <a:off x="914400" y="1079770"/>
-            <a:ext cx="5181600" cy="749030"/>
+            <a:off x="914400" y="1371601"/>
+            <a:ext cx="10363200" cy="762000"/>
           </a:xfrm>
         </p:spPr>
         <p:txBody>
@@ -23941,15 +23977,112 @@
           <a:p>
             <a:r>
               <a:rPr lang="it-IT" sz="3600" b="1" dirty="0"/>
-              <a:t>Conclusions</a:t>
+              <a:t>References</a:t>
             </a:r>
+          </a:p>
+        </p:txBody>
+      </p:sp>
+      <p:sp>
+        <p:nvSpPr>
+          <p:cNvPr id="2" name="Segnaposto contenuto 1">
+            <a:extLst>
+              <a:ext uri="{FF2B5EF4-FFF2-40B4-BE49-F238E27FC236}">
+                <a16:creationId xmlns:a16="http://schemas.microsoft.com/office/drawing/2014/main" id="{62F64557-1AC4-44FE-B949-2C1A4D026441}"/>
+              </a:ext>
+            </a:extLst>
+          </p:cNvPr>
+          <p:cNvSpPr>
+            <a:spLocks noGrp="1"/>
+          </p:cNvSpPr>
+          <p:nvPr>
+            <p:ph idx="1"/>
+          </p:nvPr>
+        </p:nvSpPr>
+        <p:spPr>
+          <a:xfrm>
+            <a:off x="914400" y="2133601"/>
+            <a:ext cx="10363200" cy="3696469"/>
+          </a:xfrm>
+        </p:spPr>
+        <p:txBody>
+          <a:bodyPr>
+            <a:normAutofit/>
+          </a:bodyPr>
+          <a:lstStyle/>
+          <a:p>
+            <a:pPr>
+              <a:buFont typeface="Wingdings" panose="05000000000000000000" pitchFamily="2" charset="2"/>
+              <a:buChar char="q"/>
+            </a:pPr>
+            <a:r>
+              <a:rPr lang="it-IT" sz="2400" b="1" dirty="0"/>
+              <a:t> Kaggle Spotify Dataset :                        </a:t>
+            </a:r>
+            <a:r>
+              <a:rPr lang="it-IT" sz="2400" b="1" dirty="0">
+                <a:hlinkClick r:id="rId2"/>
+              </a:rPr>
+              <a:t>https://www.kaggle.com/pepepython/spotify-huge-database-daily-charts-over-3-years?select=Database+to+calculate+popularity.csv</a:t>
+            </a:r>
+            <a:endParaRPr lang="it-IT" sz="2400" b="1" dirty="0"/>
+          </a:p>
+          <a:p>
+            <a:pPr>
+              <a:buFont typeface="Wingdings" panose="05000000000000000000" pitchFamily="2" charset="2"/>
+              <a:buChar char="q"/>
+            </a:pPr>
+            <a:r>
+              <a:rPr lang="it-IT" sz="2400" b="1" dirty="0"/>
+              <a:t> Spotify Web API : </a:t>
+            </a:r>
+            <a:r>
+              <a:rPr lang="it-IT" sz="2400" b="1" dirty="0">
+                <a:hlinkClick r:id="rId3"/>
+              </a:rPr>
+              <a:t>https://developer.spotify.com/documentation/web-api/</a:t>
+            </a:r>
+            <a:endParaRPr lang="it-IT" sz="2400" b="1" dirty="0"/>
+          </a:p>
+          <a:p>
+            <a:pPr>
+              <a:buFont typeface="Wingdings" panose="05000000000000000000" pitchFamily="2" charset="2"/>
+              <a:buChar char="q"/>
+            </a:pPr>
+            <a:r>
+              <a:rPr lang="it-IT" sz="2400" b="1" dirty="0"/>
+              <a:t> WikiData : </a:t>
+            </a:r>
+            <a:r>
+              <a:rPr lang="it-IT" sz="2400" b="1" dirty="0">
+                <a:hlinkClick r:id="rId4"/>
+              </a:rPr>
+              <a:t>https://www.wikidata.org/wiki/Wikidata:Main_Page</a:t>
+            </a:r>
+            <a:endParaRPr lang="it-IT" sz="2400" b="1" dirty="0"/>
+          </a:p>
+          <a:p>
+            <a:pPr>
+              <a:buFont typeface="Wingdings" panose="05000000000000000000" pitchFamily="2" charset="2"/>
+              <a:buChar char="q"/>
+            </a:pPr>
+            <a:r>
+              <a:rPr lang="it-IT" sz="2400" b="1" dirty="0"/>
+              <a:t> MusicBrainz : </a:t>
+            </a:r>
+            <a:r>
+              <a:rPr lang="it-IT" sz="2400" b="1" dirty="0">
+                <a:hlinkClick r:id="rId5"/>
+              </a:rPr>
+              <a:t>https://musicbrainz.org/</a:t>
+            </a:r>
+            <a:endParaRPr lang="it-IT" sz="2400" b="1" dirty="0"/>
           </a:p>
         </p:txBody>
       </p:sp>
     </p:spTree>
     <p:extLst>
       <p:ext uri="{BB962C8B-B14F-4D97-AF65-F5344CB8AC3E}">
-        <p14:creationId xmlns:p14="http://schemas.microsoft.com/office/powerpoint/2010/main" val="455674377"/>
+        <p14:creationId xmlns:p14="http://schemas.microsoft.com/office/powerpoint/2010/main" val="1572451679"/>
       </p:ext>
     </p:extLst>
   </p:cSld>
@@ -24006,7 +24139,7 @@
           <a:p>
             <a:pPr algn="ctr"/>
             <a:r>
-              <a:rPr lang="it-IT" sz="4400" dirty="0"/>
+              <a:rPr lang="it-IT" sz="4400" b="1" dirty="0"/>
               <a:t>Thank you for the attention</a:t>
             </a:r>
           </a:p>
@@ -25480,7 +25613,7 @@
         <p:spPr>
           <a:xfrm>
             <a:off x="914400" y="1654309"/>
-            <a:ext cx="10106025" cy="428625"/>
+            <a:ext cx="11277600" cy="428625"/>
           </a:xfrm>
         </p:spPr>
         <p:txBody>
@@ -25508,10 +25641,10 @@
       </p:sp>
       <p:pic>
         <p:nvPicPr>
-          <p:cNvPr id="3" name="Immagine 2">
+          <p:cNvPr id="8" name="Immagine 7">
             <a:extLst>
               <a:ext uri="{FF2B5EF4-FFF2-40B4-BE49-F238E27FC236}">
-                <a16:creationId xmlns:a16="http://schemas.microsoft.com/office/drawing/2014/main" id="{1BD1166B-C46E-4FE9-8D07-E3839D7ADFCF}"/>
+                <a16:creationId xmlns:a16="http://schemas.microsoft.com/office/drawing/2014/main" id="{3641F0D3-8A6E-4B04-AFD6-4A1781A0ED34}"/>
               </a:ext>
             </a:extLst>
           </p:cNvPr>
@@ -25534,8 +25667,8 @@
         </p:blipFill>
         <p:spPr>
           <a:xfrm>
-            <a:off x="1929032" y="2082934"/>
-            <a:ext cx="8333935" cy="4451261"/>
+            <a:off x="1717040" y="2180283"/>
+            <a:ext cx="8757920" cy="4677717"/>
           </a:xfrm>
           <a:prstGeom prst="rect">
             <a:avLst/>

--- a/Spotify_Presentation.pptx
+++ b/Spotify_Presentation.pptx
@@ -17749,14 +17749,14 @@
           <p:nvPr>
             <p:extLst>
               <p:ext uri="{D42A27DB-BD31-4B8C-83A1-F6EECF244321}">
-                <p14:modId xmlns:p14="http://schemas.microsoft.com/office/powerpoint/2010/main" val="167932685"/>
+                <p14:modId xmlns:p14="http://schemas.microsoft.com/office/powerpoint/2010/main" val="3625738368"/>
               </p:ext>
             </p:extLst>
           </p:nvPr>
         </p:nvGraphicFramePr>
         <p:xfrm>
-          <a:off x="914399" y="2082934"/>
-          <a:ext cx="10506075" cy="4615300"/>
+          <a:off x="914400" y="2254385"/>
+          <a:ext cx="10440000" cy="3960000"/>
         </p:xfrm>
         <a:graphic>
           <a:graphicData uri="http://schemas.openxmlformats.org/drawingml/2006/table">
@@ -17765,35 +17765,35 @@
                 <a:tableStyleId>{5C22544A-7EE6-4342-B048-85BDC9FD1C3A}</a:tableStyleId>
               </a:tblPr>
               <a:tblGrid>
-                <a:gridCol w="4187204">
+                <a:gridCol w="4160870">
                   <a:extLst>
                     <a:ext uri="{9D8B030D-6E8A-4147-A177-3AD203B41FA5}">
                       <a16:colId xmlns:a16="http://schemas.microsoft.com/office/drawing/2014/main" val="3166993402"/>
                     </a:ext>
                   </a:extLst>
                 </a:gridCol>
-                <a:gridCol w="1712947">
+                <a:gridCol w="1702174">
                   <a:extLst>
                     <a:ext uri="{9D8B030D-6E8A-4147-A177-3AD203B41FA5}">
                       <a16:colId xmlns:a16="http://schemas.microsoft.com/office/drawing/2014/main" val="2461625038"/>
                     </a:ext>
                   </a:extLst>
                 </a:gridCol>
-                <a:gridCol w="1903274">
+                <a:gridCol w="1718856">
                   <a:extLst>
                     <a:ext uri="{9D8B030D-6E8A-4147-A177-3AD203B41FA5}">
                       <a16:colId xmlns:a16="http://schemas.microsoft.com/office/drawing/2014/main" val="1191886570"/>
                     </a:ext>
                   </a:extLst>
                 </a:gridCol>
-                <a:gridCol w="1284710">
+                <a:gridCol w="1171575">
                   <a:extLst>
                     <a:ext uri="{9D8B030D-6E8A-4147-A177-3AD203B41FA5}">
                       <a16:colId xmlns:a16="http://schemas.microsoft.com/office/drawing/2014/main" val="3486526979"/>
                     </a:ext>
                   </a:extLst>
                 </a:gridCol>
-                <a:gridCol w="1417940">
+                <a:gridCol w="1686525">
                   <a:extLst>
                     <a:ext uri="{9D8B030D-6E8A-4147-A177-3AD203B41FA5}">
                       <a16:colId xmlns:a16="http://schemas.microsoft.com/office/drawing/2014/main" val="3837789272"/>
@@ -17801,7 +17801,7 @@
                   </a:extLst>
                 </a:gridCol>
               </a:tblGrid>
-              <a:tr h="224534">
+              <a:tr h="360000">
                 <a:tc>
                   <a:txBody>
                     <a:bodyPr/>
@@ -17809,17 +17809,18 @@
                     <a:p>
                       <a:pPr algn="ctr"/>
                       <a:r>
-                        <a:rPr lang="it-IT" sz="1200" b="1" i="0" dirty="0">
+                        <a:rPr lang="it-IT" sz="1300" b="1" i="0" dirty="0">
                           <a:solidFill>
                             <a:schemeClr val="bg1"/>
                           </a:solidFill>
+                          <a:effectLst/>
                           <a:latin typeface="+mn-lt"/>
                         </a:rPr>
                         <a:t>Track Name</a:t>
                       </a:r>
                     </a:p>
                   </a:txBody>
-                  <a:tcPr/>
+                  <a:tcPr anchor="ctr"/>
                 </a:tc>
                 <a:tc>
                   <a:txBody>
@@ -17828,17 +17829,18 @@
                     <a:p>
                       <a:pPr algn="ctr"/>
                       <a:r>
-                        <a:rPr lang="it-IT" sz="1200" b="1" i="0" dirty="0">
+                        <a:rPr lang="it-IT" sz="1300" b="1" i="0" dirty="0">
                           <a:solidFill>
                             <a:schemeClr val="bg1"/>
                           </a:solidFill>
+                          <a:effectLst/>
                           <a:latin typeface="+mn-lt"/>
                         </a:rPr>
                         <a:t>Artist Name</a:t>
                       </a:r>
                     </a:p>
                   </a:txBody>
-                  <a:tcPr/>
+                  <a:tcPr anchor="ctr"/>
                 </a:tc>
                 <a:tc>
                   <a:txBody>
@@ -17847,17 +17849,18 @@
                     <a:p>
                       <a:pPr algn="ctr"/>
                       <a:r>
-                        <a:rPr lang="it-IT" sz="1200" b="1" i="0" dirty="0">
+                        <a:rPr lang="it-IT" sz="1300" b="1" i="0" dirty="0">
                           <a:solidFill>
                             <a:schemeClr val="bg1"/>
                           </a:solidFill>
+                          <a:effectLst/>
                           <a:latin typeface="+mn-lt"/>
                         </a:rPr>
                         <a:t>Artist Real Name</a:t>
                       </a:r>
                     </a:p>
                   </a:txBody>
-                  <a:tcPr/>
+                  <a:tcPr anchor="ctr"/>
                 </a:tc>
                 <a:tc>
                   <a:txBody>
@@ -17868,23 +17871,25 @@
                         <a:buNone/>
                       </a:pPr>
                       <a:r>
-                        <a:rPr lang="it-IT" sz="1200" b="1" i="0" u="none" strike="noStrike" noProof="0" dirty="0">
+                        <a:rPr lang="it-IT" sz="1300" b="1" i="0" u="none" strike="noStrike" noProof="0" dirty="0">
                           <a:solidFill>
                             <a:schemeClr val="bg1"/>
                           </a:solidFill>
+                          <a:effectLst/>
                           <a:latin typeface="+mn-lt"/>
                         </a:rPr>
                         <a:t>BirthDate</a:t>
                       </a:r>
-                      <a:endParaRPr lang="it-IT" sz="1200" b="1" i="0" dirty="0">
+                      <a:endParaRPr lang="it-IT" sz="1300" b="1" i="0" dirty="0">
                         <a:solidFill>
                           <a:schemeClr val="bg1"/>
                         </a:solidFill>
+                        <a:effectLst/>
                         <a:latin typeface="+mn-lt"/>
                       </a:endParaRPr>
                     </a:p>
                   </a:txBody>
-                  <a:tcPr/>
+                  <a:tcPr anchor="ctr"/>
                 </a:tc>
                 <a:tc>
                   <a:txBody>
@@ -17895,23 +17900,25 @@
                         <a:buNone/>
                       </a:pPr>
                       <a:r>
-                        <a:rPr lang="it-IT" sz="1200" b="1" i="0" u="none" strike="noStrike" noProof="0" dirty="0" err="1">
+                        <a:rPr lang="it-IT" sz="1300" b="1" i="0" u="none" strike="noStrike" noProof="0" dirty="0">
                           <a:solidFill>
                             <a:schemeClr val="bg1"/>
                           </a:solidFill>
+                          <a:effectLst/>
                           <a:latin typeface="+mn-lt"/>
                         </a:rPr>
                         <a:t>numAppereances</a:t>
                       </a:r>
-                      <a:endParaRPr lang="it-IT" sz="1200" b="1" i="0" dirty="0">
+                      <a:endParaRPr lang="it-IT" sz="1300" b="1" i="0" dirty="0">
                         <a:solidFill>
                           <a:schemeClr val="bg1"/>
                         </a:solidFill>
+                        <a:effectLst/>
                         <a:latin typeface="+mn-lt"/>
                       </a:endParaRPr>
                     </a:p>
                   </a:txBody>
-                  <a:tcPr/>
+                  <a:tcPr anchor="ctr"/>
                 </a:tc>
                 <a:extLst>
                   <a:ext uri="{0D108BD9-81ED-4DB2-BD59-A6C34878D82A}">
@@ -17919,7 +17926,7 @@
                   </a:ext>
                 </a:extLst>
               </a:tr>
-              <a:tr h="523912">
+              <a:tr h="360000">
                 <a:tc>
                   <a:txBody>
                     <a:bodyPr/>
@@ -18018,7 +18025,7 @@
                   </a:ext>
                 </a:extLst>
               </a:tr>
-              <a:tr h="498963">
+              <a:tr h="360000">
                 <a:tc>
                   <a:txBody>
                     <a:bodyPr/>
@@ -18101,7 +18108,7 @@
                   </a:ext>
                 </a:extLst>
               </a:tr>
-              <a:tr h="274430">
+              <a:tr h="360000">
                 <a:tc>
                   <a:txBody>
                     <a:bodyPr/>
@@ -18184,7 +18191,7 @@
                   </a:ext>
                 </a:extLst>
               </a:tr>
-              <a:tr h="274430">
+              <a:tr h="360000">
                 <a:tc>
                   <a:txBody>
                     <a:bodyPr/>
@@ -18267,7 +18274,7 @@
                   </a:ext>
                 </a:extLst>
               </a:tr>
-              <a:tr h="274430">
+              <a:tr h="360000">
                 <a:tc>
                   <a:txBody>
                     <a:bodyPr/>
@@ -18350,7 +18357,7 @@
                   </a:ext>
                 </a:extLst>
               </a:tr>
-              <a:tr h="498963">
+              <a:tr h="360000">
                 <a:tc>
                   <a:txBody>
                     <a:bodyPr/>
@@ -18433,7 +18440,7 @@
                   </a:ext>
                 </a:extLst>
               </a:tr>
-              <a:tr h="498963">
+              <a:tr h="360000">
                 <a:tc>
                   <a:txBody>
                     <a:bodyPr/>
@@ -18516,7 +18523,7 @@
                   </a:ext>
                 </a:extLst>
               </a:tr>
-              <a:tr h="498963">
+              <a:tr h="360000">
                 <a:tc>
                   <a:txBody>
                     <a:bodyPr/>
@@ -18599,7 +18606,7 @@
                   </a:ext>
                 </a:extLst>
               </a:tr>
-              <a:tr h="498963">
+              <a:tr h="360000">
                 <a:tc>
                   <a:txBody>
                     <a:bodyPr/>
@@ -18682,7 +18689,7 @@
                   </a:ext>
                 </a:extLst>
               </a:tr>
-              <a:tr h="498963">
+              <a:tr h="360000">
                 <a:tc>
                   <a:txBody>
                     <a:bodyPr/>
@@ -20022,14 +20029,14 @@
           <p:nvPr>
             <p:extLst>
               <p:ext uri="{D42A27DB-BD31-4B8C-83A1-F6EECF244321}">
-                <p14:modId xmlns:p14="http://schemas.microsoft.com/office/powerpoint/2010/main" val="1902551099"/>
+                <p14:modId xmlns:p14="http://schemas.microsoft.com/office/powerpoint/2010/main" val="2078215487"/>
               </p:ext>
             </p:extLst>
           </p:nvPr>
         </p:nvGraphicFramePr>
         <p:xfrm>
-          <a:off x="914399" y="2057401"/>
-          <a:ext cx="10639426" cy="4596061"/>
+          <a:off x="914400" y="2187709"/>
+          <a:ext cx="10440000" cy="4209600"/>
         </p:xfrm>
         <a:graphic>
           <a:graphicData uri="http://schemas.openxmlformats.org/drawingml/2006/table">
@@ -20038,21 +20045,21 @@
                 <a:tableStyleId>{5C22544A-7EE6-4342-B048-85BDC9FD1C3A}</a:tableStyleId>
               </a:tblPr>
               <a:tblGrid>
-                <a:gridCol w="4600576">
+                <a:gridCol w="4071938">
                   <a:extLst>
                     <a:ext uri="{9D8B030D-6E8A-4147-A177-3AD203B41FA5}">
                       <a16:colId xmlns:a16="http://schemas.microsoft.com/office/drawing/2014/main" val="2461625038"/>
                     </a:ext>
                   </a:extLst>
                 </a:gridCol>
-                <a:gridCol w="4905375">
+                <a:gridCol w="5076825">
                   <a:extLst>
                     <a:ext uri="{9D8B030D-6E8A-4147-A177-3AD203B41FA5}">
                       <a16:colId xmlns:a16="http://schemas.microsoft.com/office/drawing/2014/main" val="1191886570"/>
                     </a:ext>
                   </a:extLst>
                 </a:gridCol>
-                <a:gridCol w="1133475">
+                <a:gridCol w="1291237">
                   <a:extLst>
                     <a:ext uri="{9D8B030D-6E8A-4147-A177-3AD203B41FA5}">
                       <a16:colId xmlns:a16="http://schemas.microsoft.com/office/drawing/2014/main" val="3486526979"/>
@@ -20060,7 +20067,7 @@
                   </a:extLst>
                 </a:gridCol>
               </a:tblGrid>
-              <a:tr h="270633">
+              <a:tr h="360000">
                 <a:tc>
                   <a:txBody>
                     <a:bodyPr/>
@@ -20068,7 +20075,7 @@
                     <a:p>
                       <a:pPr algn="ctr"/>
                       <a:r>
-                        <a:rPr lang="it-IT" sz="1200" b="1" i="0" dirty="0">
+                        <a:rPr lang="it-IT" sz="1400" b="1" i="0" dirty="0">
                           <a:solidFill>
                             <a:schemeClr val="bg1"/>
                           </a:solidFill>
@@ -20078,7 +20085,7 @@
                       </a:r>
                     </a:p>
                   </a:txBody>
-                  <a:tcPr/>
+                  <a:tcPr anchor="ctr"/>
                 </a:tc>
                 <a:tc>
                   <a:txBody>
@@ -20087,7 +20094,7 @@
                     <a:p>
                       <a:pPr algn="ctr"/>
                       <a:r>
-                        <a:rPr lang="it-IT" sz="1200" b="1" i="0" dirty="0">
+                        <a:rPr lang="it-IT" sz="1400" b="1" i="0" dirty="0">
                           <a:solidFill>
                             <a:schemeClr val="bg1"/>
                           </a:solidFill>
@@ -20097,7 +20104,7 @@
                       </a:r>
                     </a:p>
                   </a:txBody>
-                  <a:tcPr/>
+                  <a:tcPr anchor="ctr"/>
                 </a:tc>
                 <a:tc>
                   <a:txBody>
@@ -20108,7 +20115,7 @@
                         <a:buNone/>
                       </a:pPr>
                       <a:r>
-                        <a:rPr lang="it-IT" sz="1200" b="1" i="0" u="none" strike="noStrike" noProof="0" dirty="0">
+                        <a:rPr lang="it-IT" sz="1400" b="1" i="0" u="none" strike="noStrike" noProof="0" dirty="0">
                           <a:solidFill>
                             <a:schemeClr val="bg1"/>
                           </a:solidFill>
@@ -20116,7 +20123,7 @@
                         </a:rPr>
                         <a:t>albumCount</a:t>
                       </a:r>
-                      <a:endParaRPr lang="it-IT" sz="1200" b="1" i="0" dirty="0">
+                      <a:endParaRPr lang="it-IT" sz="1400" b="1" i="0" dirty="0">
                         <a:solidFill>
                           <a:schemeClr val="bg1"/>
                         </a:solidFill>
@@ -20124,7 +20131,7 @@
                       </a:endParaRPr>
                     </a:p>
                   </a:txBody>
-                  <a:tcPr/>
+                  <a:tcPr anchor="ctr"/>
                 </a:tc>
                 <a:extLst>
                   <a:ext uri="{0D108BD9-81ED-4DB2-BD59-A6C34878D82A}">
@@ -20132,7 +20139,7 @@
                   </a:ext>
                 </a:extLst>
               </a:tr>
-              <a:tr h="435949">
+              <a:tr h="360000">
                 <a:tc>
                   <a:txBody>
                     <a:bodyPr/>
@@ -20185,7 +20192,7 @@
                   </a:ext>
                 </a:extLst>
               </a:tr>
-              <a:tr h="415188">
+              <a:tr h="360000">
                 <a:tc>
                   <a:txBody>
                     <a:bodyPr/>
@@ -20238,7 +20245,7 @@
                   </a:ext>
                 </a:extLst>
               </a:tr>
-              <a:tr h="330774">
+              <a:tr h="360000">
                 <a:tc>
                   <a:txBody>
                     <a:bodyPr/>
@@ -20291,7 +20298,7 @@
                   </a:ext>
                 </a:extLst>
               </a:tr>
-              <a:tr h="330774">
+              <a:tr h="360000">
                 <a:tc>
                   <a:txBody>
                     <a:bodyPr/>
@@ -20344,7 +20351,7 @@
                   </a:ext>
                 </a:extLst>
               </a:tr>
-              <a:tr h="330774">
+              <a:tr h="360000">
                 <a:tc>
                   <a:txBody>
                     <a:bodyPr/>
@@ -20397,7 +20404,7 @@
                   </a:ext>
                 </a:extLst>
               </a:tr>
-              <a:tr h="415188">
+              <a:tr h="360000">
                 <a:tc>
                   <a:txBody>
                     <a:bodyPr/>
@@ -20450,7 +20457,7 @@
                   </a:ext>
                 </a:extLst>
               </a:tr>
-              <a:tr h="415188">
+              <a:tr h="360000">
                 <a:tc>
                   <a:txBody>
                     <a:bodyPr/>
@@ -20503,7 +20510,7 @@
                   </a:ext>
                 </a:extLst>
               </a:tr>
-              <a:tr h="415188">
+              <a:tr h="360000">
                 <a:tc>
                   <a:txBody>
                     <a:bodyPr/>
@@ -20568,7 +20575,7 @@
                   </a:ext>
                 </a:extLst>
               </a:tr>
-              <a:tr h="601408">
+              <a:tr h="360000">
                 <a:tc>
                   <a:txBody>
                     <a:bodyPr/>
@@ -20621,7 +20628,7 @@
                   </a:ext>
                 </a:extLst>
               </a:tr>
-              <a:tr h="601408">
+              <a:tr h="360000">
                 <a:tc>
                   <a:txBody>
                     <a:bodyPr/>
@@ -20631,7 +20638,7 @@
                         <a:rPr lang="en-US" dirty="0">
                           <a:effectLst/>
                         </a:rPr>
-                        <a:t>My Only Wish (This Year) (Britney Spears)</a:t>
+                        <a:t>My Only Wish (This Year)</a:t>
                       </a:r>
                     </a:p>
                   </a:txBody>
@@ -22301,8 +22308,8 @@
         </p:nvSpPr>
         <p:spPr>
           <a:xfrm>
-            <a:off x="914400" y="2216285"/>
-            <a:ext cx="2914650" cy="1517516"/>
+            <a:off x="914400" y="2216284"/>
+            <a:ext cx="2914650" cy="1860415"/>
           </a:xfrm>
           <a:prstGeom prst="rect">
             <a:avLst/>
@@ -22534,14 +22541,14 @@
           <p:nvPr>
             <p:extLst>
               <p:ext uri="{D42A27DB-BD31-4B8C-83A1-F6EECF244321}">
-                <p14:modId xmlns:p14="http://schemas.microsoft.com/office/powerpoint/2010/main" val="1319260888"/>
+                <p14:modId xmlns:p14="http://schemas.microsoft.com/office/powerpoint/2010/main" val="113229944"/>
               </p:ext>
             </p:extLst>
           </p:nvPr>
         </p:nvGraphicFramePr>
         <p:xfrm>
-          <a:off x="4657723" y="2216285"/>
-          <a:ext cx="6838952" cy="4312835"/>
+          <a:off x="4495798" y="2216284"/>
+          <a:ext cx="7200000" cy="4321096"/>
         </p:xfrm>
         <a:graphic>
           <a:graphicData uri="http://schemas.openxmlformats.org/drawingml/2006/table">
@@ -22550,14 +22557,14 @@
                 <a:tableStyleId>{5C22544A-7EE6-4342-B048-85BDC9FD1C3A}</a:tableStyleId>
               </a:tblPr>
               <a:tblGrid>
-                <a:gridCol w="3419476">
+                <a:gridCol w="3600000">
                   <a:extLst>
                     <a:ext uri="{9D8B030D-6E8A-4147-A177-3AD203B41FA5}">
                       <a16:colId xmlns:a16="http://schemas.microsoft.com/office/drawing/2014/main" val="1191886570"/>
                     </a:ext>
                   </a:extLst>
                 </a:gridCol>
-                <a:gridCol w="3419476">
+                <a:gridCol w="3600000">
                   <a:extLst>
                     <a:ext uri="{9D8B030D-6E8A-4147-A177-3AD203B41FA5}">
                       <a16:colId xmlns:a16="http://schemas.microsoft.com/office/drawing/2014/main" val="4105895808"/>
@@ -22565,7 +22572,7 @@
                   </a:extLst>
                 </a:gridCol>
               </a:tblGrid>
-              <a:tr h="266351">
+              <a:tr h="387737">
                 <a:tc>
                   <a:txBody>
                     <a:bodyPr/>
@@ -22573,7 +22580,7 @@
                     <a:p>
                       <a:pPr algn="ctr"/>
                       <a:r>
-                        <a:rPr lang="it-IT" sz="1200" b="1" i="0" dirty="0">
+                        <a:rPr lang="it-IT" sz="1400" b="1" i="0" dirty="0">
                           <a:solidFill>
                             <a:schemeClr val="bg1"/>
                           </a:solidFill>
@@ -22583,7 +22590,7 @@
                       </a:r>
                     </a:p>
                   </a:txBody>
-                  <a:tcPr/>
+                  <a:tcPr anchor="ctr"/>
                 </a:tc>
                 <a:tc>
                   <a:txBody>
@@ -22592,7 +22599,7 @@
                     <a:p>
                       <a:pPr algn="ctr"/>
                       <a:r>
-                        <a:rPr lang="it-IT" sz="1200" b="1" i="0" dirty="0">
+                        <a:rPr lang="it-IT" sz="1400" b="1" i="0" dirty="0">
                           <a:solidFill>
                             <a:schemeClr val="bg1"/>
                           </a:solidFill>
@@ -22602,7 +22609,7 @@
                       </a:r>
                     </a:p>
                   </a:txBody>
-                  <a:tcPr/>
+                  <a:tcPr anchor="ctr"/>
                 </a:tc>
                 <a:extLst>
                   <a:ext uri="{0D108BD9-81ED-4DB2-BD59-A6C34878D82A}">
@@ -22610,7 +22617,7 @@
                   </a:ext>
                 </a:extLst>
               </a:tr>
-              <a:tr h="423284">
+              <a:tr h="387737">
                 <a:tc>
                   <a:txBody>
                     <a:bodyPr/>
@@ -22650,7 +22657,7 @@
                   </a:ext>
                 </a:extLst>
               </a:tr>
-              <a:tr h="591891">
+              <a:tr h="609052">
                 <a:tc>
                   <a:txBody>
                     <a:bodyPr/>
@@ -22672,7 +22679,7 @@
                     <a:lstStyle/>
                     <a:p>
                       <a:r>
-                        <a:rPr lang="en-US">
+                        <a:rPr lang="en-US" dirty="0">
                           <a:effectLst/>
                         </a:rPr>
                         <a:t>Yoko Ono, The Plastic Ono Band</a:t>
@@ -22687,7 +22694,7 @@
                   </a:ext>
                 </a:extLst>
               </a:tr>
-              <a:tr h="325540">
+              <a:tr h="387737">
                 <a:tc>
                   <a:txBody>
                     <a:bodyPr/>
@@ -22712,7 +22719,7 @@
                     <a:lstStyle/>
                     <a:p>
                       <a:r>
-                        <a:rPr lang="it-IT">
+                        <a:rPr lang="it-IT" dirty="0">
                           <a:effectLst/>
                         </a:rPr>
                         <a:t>BTS</a:t>
@@ -22727,7 +22734,7 @@
                   </a:ext>
                 </a:extLst>
               </a:tr>
-              <a:tr h="325540">
+              <a:tr h="387737">
                 <a:tc>
                   <a:txBody>
                     <a:bodyPr/>
@@ -22749,7 +22756,7 @@
                     <a:lstStyle/>
                     <a:p>
                       <a:r>
-                        <a:rPr lang="it-IT">
+                        <a:rPr lang="it-IT" dirty="0">
                           <a:effectLst/>
                         </a:rPr>
                         <a:t>BTS</a:t>
@@ -22764,7 +22771,7 @@
                   </a:ext>
                 </a:extLst>
               </a:tr>
-              <a:tr h="325540">
+              <a:tr h="387737">
                 <a:tc>
                   <a:txBody>
                     <a:bodyPr/>
@@ -22786,7 +22793,7 @@
                     <a:lstStyle/>
                     <a:p>
                       <a:r>
-                        <a:rPr lang="it-IT">
+                        <a:rPr lang="it-IT" dirty="0">
                           <a:effectLst/>
                         </a:rPr>
                         <a:t>BLACKPINK</a:t>
@@ -22801,7 +22808,7 @@
                   </a:ext>
                 </a:extLst>
               </a:tr>
-              <a:tr h="403127">
+              <a:tr h="387737">
                 <a:tc>
                   <a:txBody>
                     <a:bodyPr/>
@@ -22823,7 +22830,7 @@
                     <a:lstStyle/>
                     <a:p>
                       <a:r>
-                        <a:rPr lang="it-IT">
+                        <a:rPr lang="it-IT" dirty="0">
                           <a:effectLst/>
                         </a:rPr>
                         <a:t>BLACKPINK</a:t>
@@ -22838,7 +22845,7 @@
                   </a:ext>
                 </a:extLst>
               </a:tr>
-              <a:tr h="403127">
+              <a:tr h="387737">
                 <a:tc>
                   <a:txBody>
                     <a:bodyPr/>
@@ -22860,7 +22867,7 @@
                     <a:lstStyle/>
                     <a:p>
                       <a:r>
-                        <a:rPr lang="it-IT">
+                        <a:rPr lang="it-IT" dirty="0">
                           <a:effectLst/>
                         </a:rPr>
                         <a:t>BLACKPINK</a:t>
@@ -22875,17 +22882,17 @@
                   </a:ext>
                 </a:extLst>
               </a:tr>
-              <a:tr h="591891">
+              <a:tr h="609052">
                 <a:tc>
                   <a:txBody>
                     <a:bodyPr/>
                     <a:lstStyle/>
                     <a:p>
                       <a:r>
-                        <a:rPr lang="en-US">
+                        <a:rPr lang="en-US" dirty="0">
                           <a:effectLst/>
                         </a:rPr>
-                        <a:t>Old Town Road (feat. RM of BTS) - Seoul Town R...</a:t>
+                        <a:t>Old Town Road (feat. RM of BTS) - Seoul Town Remix</a:t>
                       </a:r>
                     </a:p>
                   </a:txBody>
@@ -22897,7 +22904,7 @@
                     <a:lstStyle/>
                     <a:p>
                       <a:r>
-                        <a:rPr lang="it-IT">
+                        <a:rPr lang="it-IT" dirty="0">
                           <a:effectLst/>
                         </a:rPr>
                         <a:t>BTS, RM</a:t>
@@ -22912,7 +22919,7 @@
                   </a:ext>
                 </a:extLst>
               </a:tr>
-              <a:tr h="583937">
+              <a:tr h="387737">
                 <a:tc>
                   <a:txBody>
                     <a:bodyPr/>
@@ -23230,14 +23237,14 @@
           <p:nvPr>
             <p:extLst>
               <p:ext uri="{D42A27DB-BD31-4B8C-83A1-F6EECF244321}">
-                <p14:modId xmlns:p14="http://schemas.microsoft.com/office/powerpoint/2010/main" val="312833279"/>
+                <p14:modId xmlns:p14="http://schemas.microsoft.com/office/powerpoint/2010/main" val="4294311010"/>
               </p:ext>
             </p:extLst>
           </p:nvPr>
         </p:nvGraphicFramePr>
         <p:xfrm>
-          <a:off x="1223963" y="2657473"/>
-          <a:ext cx="9744074" cy="3702187"/>
+          <a:off x="914400" y="2657473"/>
+          <a:ext cx="10440000" cy="3780000"/>
         </p:xfrm>
         <a:graphic>
           <a:graphicData uri="http://schemas.openxmlformats.org/drawingml/2006/table">
@@ -23246,42 +23253,42 @@
                 <a:tableStyleId>{5C22544A-7EE6-4342-B048-85BDC9FD1C3A}</a:tableStyleId>
               </a:tblPr>
               <a:tblGrid>
-                <a:gridCol w="728662">
+                <a:gridCol w="576262">
                   <a:extLst>
                     <a:ext uri="{9D8B030D-6E8A-4147-A177-3AD203B41FA5}">
                       <a16:colId xmlns:a16="http://schemas.microsoft.com/office/drawing/2014/main" val="3166993402"/>
                     </a:ext>
                   </a:extLst>
                 </a:gridCol>
-                <a:gridCol w="1943101">
+                <a:gridCol w="2903738">
                   <a:extLst>
                     <a:ext uri="{9D8B030D-6E8A-4147-A177-3AD203B41FA5}">
                       <a16:colId xmlns:a16="http://schemas.microsoft.com/office/drawing/2014/main" val="1121015918"/>
                     </a:ext>
                   </a:extLst>
                 </a:gridCol>
-                <a:gridCol w="1743074">
+                <a:gridCol w="1740000">
                   <a:extLst>
                     <a:ext uri="{9D8B030D-6E8A-4147-A177-3AD203B41FA5}">
                       <a16:colId xmlns:a16="http://schemas.microsoft.com/office/drawing/2014/main" val="2461625038"/>
                     </a:ext>
                   </a:extLst>
                 </a:gridCol>
-                <a:gridCol w="2419350">
+                <a:gridCol w="1740000">
                   <a:extLst>
                     <a:ext uri="{9D8B030D-6E8A-4147-A177-3AD203B41FA5}">
                       <a16:colId xmlns:a16="http://schemas.microsoft.com/office/drawing/2014/main" val="1191886570"/>
                     </a:ext>
                   </a:extLst>
                 </a:gridCol>
-                <a:gridCol w="1619250">
+                <a:gridCol w="1740000">
                   <a:extLst>
                     <a:ext uri="{9D8B030D-6E8A-4147-A177-3AD203B41FA5}">
                       <a16:colId xmlns:a16="http://schemas.microsoft.com/office/drawing/2014/main" val="3486526979"/>
                     </a:ext>
                   </a:extLst>
                 </a:gridCol>
-                <a:gridCol w="1290637">
+                <a:gridCol w="1740000">
                   <a:extLst>
                     <a:ext uri="{9D8B030D-6E8A-4147-A177-3AD203B41FA5}">
                       <a16:colId xmlns:a16="http://schemas.microsoft.com/office/drawing/2014/main" val="3837789272"/>
@@ -23289,7 +23296,7 @@
                   </a:extLst>
                 </a:gridCol>
               </a:tblGrid>
-              <a:tr h="710431">
+              <a:tr h="630000">
                 <a:tc>
                   <a:txBody>
                     <a:bodyPr/>
@@ -23423,7 +23430,7 @@
                   </a:ext>
                 </a:extLst>
               </a:tr>
-              <a:tr h="731827">
+              <a:tr h="630000">
                 <a:tc>
                   <a:txBody>
                     <a:bodyPr/>
@@ -23446,7 +23453,7 @@
                     <a:lstStyle/>
                     <a:p>
                       <a:r>
-                        <a:rPr lang="it-IT">
+                        <a:rPr lang="it-IT" dirty="0">
                           <a:effectLst/>
                         </a:rPr>
                         <a:t>TOP 100 USA</a:t>
@@ -23461,7 +23468,7 @@
                     <a:lstStyle/>
                     <a:p>
                       <a:r>
-                        <a:rPr lang="it-IT">
+                        <a:rPr lang="it-IT" dirty="0">
                           <a:effectLst/>
                         </a:rPr>
                         <a:t>2018-07-01</a:t>
@@ -23476,11 +23483,14 @@
                     <a:lstStyle/>
                     <a:p>
                       <a:r>
-                        <a:rPr lang="it-IT">
+                        <a:rPr lang="it-IT" dirty="0" err="1">
                           <a:effectLst/>
                         </a:rPr>
                         <a:t>Scorpion</a:t>
                       </a:r>
+                      <a:endParaRPr lang="it-IT" dirty="0">
+                        <a:effectLst/>
+                      </a:endParaRPr>
                     </a:p>
                   </a:txBody>
                   <a:tcPr marL="60960" marR="60960" marT="30480" marB="30480" anchor="ctr"/>
@@ -23521,7 +23531,7 @@
                   </a:ext>
                 </a:extLst>
               </a:tr>
-              <a:tr h="696977">
+              <a:tr h="630000">
                 <a:tc>
                   <a:txBody>
                     <a:bodyPr/>
@@ -23574,11 +23584,14 @@
                     <a:lstStyle/>
                     <a:p>
                       <a:r>
-                        <a:rPr lang="it-IT">
+                        <a:rPr lang="it-IT" dirty="0" err="1">
                           <a:effectLst/>
                         </a:rPr>
                         <a:t>Scorpion</a:t>
                       </a:r>
+                      <a:endParaRPr lang="it-IT" dirty="0">
+                        <a:effectLst/>
+                      </a:endParaRPr>
                     </a:p>
                   </a:txBody>
                   <a:tcPr marL="60960" marR="60960" marT="30480" marB="30480" anchor="ctr"/>
@@ -23619,7 +23632,7 @@
                   </a:ext>
                 </a:extLst>
               </a:tr>
-              <a:tr h="520984">
+              <a:tr h="630000">
                 <a:tc>
                   <a:txBody>
                     <a:bodyPr/>
@@ -23687,7 +23700,7 @@
                     <a:lstStyle/>
                     <a:p>
                       <a:r>
-                        <a:rPr lang="it-IT" b="1">
+                        <a:rPr lang="it-IT" b="1" dirty="0">
                           <a:effectLst/>
                         </a:rPr>
                         <a:t>21</a:t>
@@ -23717,7 +23730,7 @@
                   </a:ext>
                 </a:extLst>
               </a:tr>
-              <a:tr h="520984">
+              <a:tr h="630000">
                 <a:tc>
                   <a:txBody>
                     <a:bodyPr/>
@@ -23815,7 +23828,7 @@
                   </a:ext>
                 </a:extLst>
               </a:tr>
-              <a:tr h="520984">
+              <a:tr h="630000">
                 <a:tc>
                   <a:txBody>
                     <a:bodyPr/>

--- a/Spotify_Presentation.pptx
+++ b/Spotify_Presentation.pptx
@@ -1,9 +1,12 @@
 
 <file path=ppt/presentation.xml><?xml version="1.0" encoding="utf-8"?>
-<p:presentation xmlns:a="http://schemas.openxmlformats.org/drawingml/2006/main" xmlns:r="http://schemas.openxmlformats.org/officeDocument/2006/relationships" xmlns:p="http://schemas.openxmlformats.org/presentationml/2006/main" saveSubsetFonts="1">
+<p:presentation xmlns:a="http://schemas.openxmlformats.org/drawingml/2006/main" xmlns:r="http://schemas.openxmlformats.org/officeDocument/2006/relationships" xmlns:p="http://schemas.openxmlformats.org/presentationml/2006/main" showSpecialPlsOnTitleSld="0" saveSubsetFonts="1">
   <p:sldMasterIdLst>
     <p:sldMasterId id="2147483750" r:id="rId1"/>
   </p:sldMasterIdLst>
+  <p:notesMasterIdLst>
+    <p:notesMasterId r:id="rId27"/>
+  </p:notesMasterIdLst>
   <p:sldIdLst>
     <p:sldId id="256" r:id="rId2"/>
     <p:sldId id="257" r:id="rId3"/>
@@ -13697,6 +13700,355 @@
 </dgm:styleDef>
 </file>
 
+<file path=ppt/notesMasters/notesMaster1.xml><?xml version="1.0" encoding="utf-8"?>
+<p:notesMaster xmlns:a="http://schemas.openxmlformats.org/drawingml/2006/main" xmlns:r="http://schemas.openxmlformats.org/officeDocument/2006/relationships" xmlns:p="http://schemas.openxmlformats.org/presentationml/2006/main">
+  <p:cSld>
+    <p:bg>
+      <p:bgRef idx="1001">
+        <a:schemeClr val="bg1"/>
+      </p:bgRef>
+    </p:bg>
+    <p:spTree>
+      <p:nvGrpSpPr>
+        <p:cNvPr id="1" name=""/>
+        <p:cNvGrpSpPr/>
+        <p:nvPr/>
+      </p:nvGrpSpPr>
+      <p:grpSpPr>
+        <a:xfrm>
+          <a:off x="0" y="0"/>
+          <a:ext cx="0" cy="0"/>
+          <a:chOff x="0" y="0"/>
+          <a:chExt cx="0" cy="0"/>
+        </a:xfrm>
+      </p:grpSpPr>
+      <p:sp>
+        <p:nvSpPr>
+          <p:cNvPr id="2" name="Segnaposto intestazione 1"/>
+          <p:cNvSpPr>
+            <a:spLocks noGrp="1"/>
+          </p:cNvSpPr>
+          <p:nvPr>
+            <p:ph type="hdr" sz="quarter"/>
+          </p:nvPr>
+        </p:nvSpPr>
+        <p:spPr>
+          <a:xfrm>
+            <a:off x="0" y="0"/>
+            <a:ext cx="2971800" cy="458788"/>
+          </a:xfrm>
+          <a:prstGeom prst="rect">
+            <a:avLst/>
+          </a:prstGeom>
+        </p:spPr>
+        <p:txBody>
+          <a:bodyPr vert="horz" lIns="91440" tIns="45720" rIns="91440" bIns="45720" rtlCol="0"/>
+          <a:lstStyle>
+            <a:lvl1pPr algn="l">
+              <a:defRPr sz="1200"/>
+            </a:lvl1pPr>
+          </a:lstStyle>
+          <a:p>
+            <a:endParaRPr lang="it-IT"/>
+          </a:p>
+        </p:txBody>
+      </p:sp>
+      <p:sp>
+        <p:nvSpPr>
+          <p:cNvPr id="3" name="Segnaposto data 2"/>
+          <p:cNvSpPr>
+            <a:spLocks noGrp="1"/>
+          </p:cNvSpPr>
+          <p:nvPr>
+            <p:ph type="dt" idx="1"/>
+          </p:nvPr>
+        </p:nvSpPr>
+        <p:spPr>
+          <a:xfrm>
+            <a:off x="3884613" y="0"/>
+            <a:ext cx="2971800" cy="458788"/>
+          </a:xfrm>
+          <a:prstGeom prst="rect">
+            <a:avLst/>
+          </a:prstGeom>
+        </p:spPr>
+        <p:txBody>
+          <a:bodyPr vert="horz" lIns="91440" tIns="45720" rIns="91440" bIns="45720" rtlCol="0"/>
+          <a:lstStyle>
+            <a:lvl1pPr algn="r">
+              <a:defRPr sz="1200"/>
+            </a:lvl1pPr>
+          </a:lstStyle>
+          <a:p>
+            <a:fld id="{91CE10EA-D799-4BBA-9231-C29C1C2B6BDF}" type="datetimeFigureOut">
+              <a:rPr lang="it-IT" smtClean="0"/>
+              <a:t>22/11/2021</a:t>
+            </a:fld>
+            <a:endParaRPr lang="it-IT"/>
+          </a:p>
+        </p:txBody>
+      </p:sp>
+      <p:sp>
+        <p:nvSpPr>
+          <p:cNvPr id="4" name="Segnaposto immagine diapositiva 3"/>
+          <p:cNvSpPr>
+            <a:spLocks noGrp="1" noRot="1" noChangeAspect="1"/>
+          </p:cNvSpPr>
+          <p:nvPr>
+            <p:ph type="sldImg" idx="2"/>
+          </p:nvPr>
+        </p:nvSpPr>
+        <p:spPr>
+          <a:xfrm>
+            <a:off x="685800" y="1143000"/>
+            <a:ext cx="5486400" cy="3086100"/>
+          </a:xfrm>
+          <a:prstGeom prst="rect">
+            <a:avLst/>
+          </a:prstGeom>
+          <a:noFill/>
+          <a:ln w="12700">
+            <a:solidFill>
+              <a:prstClr val="black"/>
+            </a:solidFill>
+          </a:ln>
+        </p:spPr>
+        <p:txBody>
+          <a:bodyPr vert="horz" lIns="91440" tIns="45720" rIns="91440" bIns="45720" rtlCol="0" anchor="ctr"/>
+          <a:lstStyle/>
+          <a:p>
+            <a:endParaRPr lang="it-IT"/>
+          </a:p>
+        </p:txBody>
+      </p:sp>
+      <p:sp>
+        <p:nvSpPr>
+          <p:cNvPr id="5" name="Segnaposto note 4"/>
+          <p:cNvSpPr>
+            <a:spLocks noGrp="1"/>
+          </p:cNvSpPr>
+          <p:nvPr>
+            <p:ph type="body" sz="quarter" idx="3"/>
+          </p:nvPr>
+        </p:nvSpPr>
+        <p:spPr>
+          <a:xfrm>
+            <a:off x="685800" y="4400550"/>
+            <a:ext cx="5486400" cy="3600450"/>
+          </a:xfrm>
+          <a:prstGeom prst="rect">
+            <a:avLst/>
+          </a:prstGeom>
+        </p:spPr>
+        <p:txBody>
+          <a:bodyPr vert="horz" lIns="91440" tIns="45720" rIns="91440" bIns="45720" rtlCol="0"/>
+          <a:lstStyle/>
+          <a:p>
+            <a:pPr lvl="0"/>
+            <a:r>
+              <a:rPr lang="it-IT"/>
+              <a:t>Fare clic per modificare gli stili del testo dello schema</a:t>
+            </a:r>
+          </a:p>
+          <a:p>
+            <a:pPr lvl="1"/>
+            <a:r>
+              <a:rPr lang="it-IT"/>
+              <a:t>Secondo livello</a:t>
+            </a:r>
+          </a:p>
+          <a:p>
+            <a:pPr lvl="2"/>
+            <a:r>
+              <a:rPr lang="it-IT"/>
+              <a:t>Terzo livello</a:t>
+            </a:r>
+          </a:p>
+          <a:p>
+            <a:pPr lvl="3"/>
+            <a:r>
+              <a:rPr lang="it-IT"/>
+              <a:t>Quarto livello</a:t>
+            </a:r>
+          </a:p>
+          <a:p>
+            <a:pPr lvl="4"/>
+            <a:r>
+              <a:rPr lang="it-IT"/>
+              <a:t>Quinto livello</a:t>
+            </a:r>
+          </a:p>
+        </p:txBody>
+      </p:sp>
+      <p:sp>
+        <p:nvSpPr>
+          <p:cNvPr id="6" name="Segnaposto piè di pagina 5"/>
+          <p:cNvSpPr>
+            <a:spLocks noGrp="1"/>
+          </p:cNvSpPr>
+          <p:nvPr>
+            <p:ph type="ftr" sz="quarter" idx="4"/>
+          </p:nvPr>
+        </p:nvSpPr>
+        <p:spPr>
+          <a:xfrm>
+            <a:off x="0" y="8685213"/>
+            <a:ext cx="2971800" cy="458787"/>
+          </a:xfrm>
+          <a:prstGeom prst="rect">
+            <a:avLst/>
+          </a:prstGeom>
+        </p:spPr>
+        <p:txBody>
+          <a:bodyPr vert="horz" lIns="91440" tIns="45720" rIns="91440" bIns="45720" rtlCol="0" anchor="b"/>
+          <a:lstStyle>
+            <a:lvl1pPr algn="l">
+              <a:defRPr sz="1200"/>
+            </a:lvl1pPr>
+          </a:lstStyle>
+          <a:p>
+            <a:endParaRPr lang="it-IT"/>
+          </a:p>
+        </p:txBody>
+      </p:sp>
+      <p:sp>
+        <p:nvSpPr>
+          <p:cNvPr id="7" name="Segnaposto numero diapositiva 6"/>
+          <p:cNvSpPr>
+            <a:spLocks noGrp="1"/>
+          </p:cNvSpPr>
+          <p:nvPr>
+            <p:ph type="sldNum" sz="quarter" idx="5"/>
+          </p:nvPr>
+        </p:nvSpPr>
+        <p:spPr>
+          <a:xfrm>
+            <a:off x="3884613" y="8685213"/>
+            <a:ext cx="2971800" cy="458787"/>
+          </a:xfrm>
+          <a:prstGeom prst="rect">
+            <a:avLst/>
+          </a:prstGeom>
+        </p:spPr>
+        <p:txBody>
+          <a:bodyPr vert="horz" lIns="91440" tIns="45720" rIns="91440" bIns="45720" rtlCol="0" anchor="b"/>
+          <a:lstStyle>
+            <a:lvl1pPr algn="r">
+              <a:defRPr sz="1200"/>
+            </a:lvl1pPr>
+          </a:lstStyle>
+          <a:p>
+            <a:fld id="{CED7F562-EDF1-421A-B02F-EDAFB43886D7}" type="slidenum">
+              <a:rPr lang="it-IT" smtClean="0"/>
+              <a:t>‹N›</a:t>
+            </a:fld>
+            <a:endParaRPr lang="it-IT"/>
+          </a:p>
+        </p:txBody>
+      </p:sp>
+    </p:spTree>
+    <p:extLst>
+      <p:ext uri="{BB962C8B-B14F-4D97-AF65-F5344CB8AC3E}">
+        <p14:creationId xmlns:p14="http://schemas.microsoft.com/office/powerpoint/2010/main" val="366672657"/>
+      </p:ext>
+    </p:extLst>
+  </p:cSld>
+  <p:clrMap bg1="lt1" tx1="dk1" bg2="lt2" tx2="dk2" accent1="accent1" accent2="accent2" accent3="accent3" accent4="accent4" accent5="accent5" accent6="accent6" hlink="hlink" folHlink="folHlink"/>
+  <p:notesStyle>
+    <a:lvl1pPr marL="0" algn="l" defTabSz="914400" rtl="0" eaLnBrk="1" latinLnBrk="0" hangingPunct="1">
+      <a:defRPr sz="1200" kern="1200">
+        <a:solidFill>
+          <a:schemeClr val="tx1"/>
+        </a:solidFill>
+        <a:latin typeface="+mn-lt"/>
+        <a:ea typeface="+mn-ea"/>
+        <a:cs typeface="+mn-cs"/>
+      </a:defRPr>
+    </a:lvl1pPr>
+    <a:lvl2pPr marL="457200" algn="l" defTabSz="914400" rtl="0" eaLnBrk="1" latinLnBrk="0" hangingPunct="1">
+      <a:defRPr sz="1200" kern="1200">
+        <a:solidFill>
+          <a:schemeClr val="tx1"/>
+        </a:solidFill>
+        <a:latin typeface="+mn-lt"/>
+        <a:ea typeface="+mn-ea"/>
+        <a:cs typeface="+mn-cs"/>
+      </a:defRPr>
+    </a:lvl2pPr>
+    <a:lvl3pPr marL="914400" algn="l" defTabSz="914400" rtl="0" eaLnBrk="1" latinLnBrk="0" hangingPunct="1">
+      <a:defRPr sz="1200" kern="1200">
+        <a:solidFill>
+          <a:schemeClr val="tx1"/>
+        </a:solidFill>
+        <a:latin typeface="+mn-lt"/>
+        <a:ea typeface="+mn-ea"/>
+        <a:cs typeface="+mn-cs"/>
+      </a:defRPr>
+    </a:lvl3pPr>
+    <a:lvl4pPr marL="1371600" algn="l" defTabSz="914400" rtl="0" eaLnBrk="1" latinLnBrk="0" hangingPunct="1">
+      <a:defRPr sz="1200" kern="1200">
+        <a:solidFill>
+          <a:schemeClr val="tx1"/>
+        </a:solidFill>
+        <a:latin typeface="+mn-lt"/>
+        <a:ea typeface="+mn-ea"/>
+        <a:cs typeface="+mn-cs"/>
+      </a:defRPr>
+    </a:lvl4pPr>
+    <a:lvl5pPr marL="1828800" algn="l" defTabSz="914400" rtl="0" eaLnBrk="1" latinLnBrk="0" hangingPunct="1">
+      <a:defRPr sz="1200" kern="1200">
+        <a:solidFill>
+          <a:schemeClr val="tx1"/>
+        </a:solidFill>
+        <a:latin typeface="+mn-lt"/>
+        <a:ea typeface="+mn-ea"/>
+        <a:cs typeface="+mn-cs"/>
+      </a:defRPr>
+    </a:lvl5pPr>
+    <a:lvl6pPr marL="2286000" algn="l" defTabSz="914400" rtl="0" eaLnBrk="1" latinLnBrk="0" hangingPunct="1">
+      <a:defRPr sz="1200" kern="1200">
+        <a:solidFill>
+          <a:schemeClr val="tx1"/>
+        </a:solidFill>
+        <a:latin typeface="+mn-lt"/>
+        <a:ea typeface="+mn-ea"/>
+        <a:cs typeface="+mn-cs"/>
+      </a:defRPr>
+    </a:lvl6pPr>
+    <a:lvl7pPr marL="2743200" algn="l" defTabSz="914400" rtl="0" eaLnBrk="1" latinLnBrk="0" hangingPunct="1">
+      <a:defRPr sz="1200" kern="1200">
+        <a:solidFill>
+          <a:schemeClr val="tx1"/>
+        </a:solidFill>
+        <a:latin typeface="+mn-lt"/>
+        <a:ea typeface="+mn-ea"/>
+        <a:cs typeface="+mn-cs"/>
+      </a:defRPr>
+    </a:lvl7pPr>
+    <a:lvl8pPr marL="3200400" algn="l" defTabSz="914400" rtl="0" eaLnBrk="1" latinLnBrk="0" hangingPunct="1">
+      <a:defRPr sz="1200" kern="1200">
+        <a:solidFill>
+          <a:schemeClr val="tx1"/>
+        </a:solidFill>
+        <a:latin typeface="+mn-lt"/>
+        <a:ea typeface="+mn-ea"/>
+        <a:cs typeface="+mn-cs"/>
+      </a:defRPr>
+    </a:lvl8pPr>
+    <a:lvl9pPr marL="3657600" algn="l" defTabSz="914400" rtl="0" eaLnBrk="1" latinLnBrk="0" hangingPunct="1">
+      <a:defRPr sz="1200" kern="1200">
+        <a:solidFill>
+          <a:schemeClr val="tx1"/>
+        </a:solidFill>
+        <a:latin typeface="+mn-lt"/>
+        <a:ea typeface="+mn-ea"/>
+        <a:cs typeface="+mn-cs"/>
+      </a:defRPr>
+    </a:lvl9pPr>
+  </p:notesStyle>
+</p:notesMaster>
+</file>
+
 <file path=ppt/slideLayouts/slideLayout1.xml><?xml version="1.0" encoding="utf-8"?>
 <p:sldLayout xmlns:a="http://schemas.openxmlformats.org/drawingml/2006/main" xmlns:r="http://schemas.openxmlformats.org/officeDocument/2006/relationships" xmlns:p="http://schemas.openxmlformats.org/presentationml/2006/main" type="title" preserve="1">
   <p:cSld name="Diapositiva titolo">
@@ -13851,7 +14203,7 @@
           <a:bodyPr/>
           <a:lstStyle/>
           <a:p>
-            <a:fld id="{D50BBD0C-4BCE-4185-AC12-129457AD71B1}" type="datetimeFigureOut">
+            <a:fld id="{BD86BDEB-5C5F-4E73-8AED-845DEF6240CC}" type="datetime1">
               <a:rPr lang="it-IT" smtClean="0"/>
               <a:t>22/11/2021</a:t>
             </a:fld>
@@ -14051,7 +14403,7 @@
           <a:bodyPr/>
           <a:lstStyle/>
           <a:p>
-            <a:fld id="{D50BBD0C-4BCE-4185-AC12-129457AD71B1}" type="datetimeFigureOut">
+            <a:fld id="{0250B066-2D31-4A91-B160-4E7A7606DAC8}" type="datetime1">
               <a:rPr lang="it-IT" smtClean="0"/>
               <a:t>22/11/2021</a:t>
             </a:fld>
@@ -14261,7 +14613,7 @@
           <a:bodyPr/>
           <a:lstStyle/>
           <a:p>
-            <a:fld id="{D50BBD0C-4BCE-4185-AC12-129457AD71B1}" type="datetimeFigureOut">
+            <a:fld id="{44B5FB72-32C3-4D83-B606-F8FA83F83F67}" type="datetime1">
               <a:rPr lang="it-IT" smtClean="0"/>
               <a:t>22/11/2021</a:t>
             </a:fld>
@@ -14461,7 +14813,7 @@
           <a:bodyPr/>
           <a:lstStyle/>
           <a:p>
-            <a:fld id="{D50BBD0C-4BCE-4185-AC12-129457AD71B1}" type="datetimeFigureOut">
+            <a:fld id="{BB493F1E-467A-4853-9F76-6DCAD7AB8AC5}" type="datetime1">
               <a:rPr lang="it-IT" smtClean="0"/>
               <a:t>22/11/2021</a:t>
             </a:fld>
@@ -14741,7 +15093,7 @@
           <a:bodyPr/>
           <a:lstStyle/>
           <a:p>
-            <a:fld id="{D50BBD0C-4BCE-4185-AC12-129457AD71B1}" type="datetimeFigureOut">
+            <a:fld id="{4D5D5B75-150E-493B-9A11-56A0A6E112AA}" type="datetime1">
               <a:rPr lang="it-IT" smtClean="0"/>
               <a:t>22/11/2021</a:t>
             </a:fld>
@@ -15009,7 +15361,7 @@
           <a:bodyPr/>
           <a:lstStyle/>
           <a:p>
-            <a:fld id="{D50BBD0C-4BCE-4185-AC12-129457AD71B1}" type="datetimeFigureOut">
+            <a:fld id="{F90D01D2-E94E-4C7F-8F6B-72F7F8F70261}" type="datetime1">
               <a:rPr lang="it-IT" smtClean="0"/>
               <a:t>22/11/2021</a:t>
             </a:fld>
@@ -15428,7 +15780,7 @@
           <a:bodyPr/>
           <a:lstStyle/>
           <a:p>
-            <a:fld id="{D50BBD0C-4BCE-4185-AC12-129457AD71B1}" type="datetimeFigureOut">
+            <a:fld id="{89AAD7BB-AF97-41CA-AF5F-3B39F1E63410}" type="datetime1">
               <a:rPr lang="it-IT" smtClean="0"/>
               <a:t>22/11/2021</a:t>
             </a:fld>
@@ -15570,7 +15922,7 @@
           <a:bodyPr/>
           <a:lstStyle/>
           <a:p>
-            <a:fld id="{D50BBD0C-4BCE-4185-AC12-129457AD71B1}" type="datetimeFigureOut">
+            <a:fld id="{6737F2E6-11FA-4E29-966D-FB32818C28EF}" type="datetime1">
               <a:rPr lang="it-IT" smtClean="0"/>
               <a:t>22/11/2021</a:t>
             </a:fld>
@@ -15683,7 +16035,7 @@
           <a:bodyPr/>
           <a:lstStyle/>
           <a:p>
-            <a:fld id="{D50BBD0C-4BCE-4185-AC12-129457AD71B1}" type="datetimeFigureOut">
+            <a:fld id="{DEBAE2BC-CFEC-4D01-A8E5-A416C3284798}" type="datetime1">
               <a:rPr lang="it-IT" smtClean="0"/>
               <a:t>22/11/2021</a:t>
             </a:fld>
@@ -15998,7 +16350,7 @@
           <a:bodyPr/>
           <a:lstStyle/>
           <a:p>
-            <a:fld id="{D50BBD0C-4BCE-4185-AC12-129457AD71B1}" type="datetimeFigureOut">
+            <a:fld id="{7FDFEC0A-0EF8-412E-8856-41D63FAE24C9}" type="datetime1">
               <a:rPr lang="it-IT" smtClean="0"/>
               <a:t>22/11/2021</a:t>
             </a:fld>
@@ -16291,7 +16643,7 @@
           <a:bodyPr/>
           <a:lstStyle/>
           <a:p>
-            <a:fld id="{D50BBD0C-4BCE-4185-AC12-129457AD71B1}" type="datetimeFigureOut">
+            <a:fld id="{8D1C1976-DE9F-4F58-8CC6-0555CC712AB6}" type="datetime1">
               <a:rPr lang="it-IT" smtClean="0"/>
               <a:t>22/11/2021</a:t>
             </a:fld>
@@ -16532,7 +16884,7 @@
             </a:lvl1pPr>
           </a:lstStyle>
           <a:p>
-            <a:fld id="{D50BBD0C-4BCE-4185-AC12-129457AD71B1}" type="datetimeFigureOut">
+            <a:fld id="{AE9CFF95-AD70-4CBF-8009-F72101CE8362}" type="datetime1">
               <a:rPr lang="it-IT" smtClean="0"/>
               <a:t>22/11/2021</a:t>
             </a:fld>
@@ -16686,6 +17038,7 @@
     <p:sldLayoutId id="2147483760" r:id="rId10"/>
     <p:sldLayoutId id="2147483761" r:id="rId11"/>
   </p:sldLayoutIdLst>
+  <p:hf hdr="0" ftr="0" dt="0"/>
   <p:txStyles>
     <p:titleStyle>
       <a:lvl1pPr algn="l" defTabSz="914400" rtl="0" eaLnBrk="1" latinLnBrk="0" hangingPunct="1">
@@ -18776,6 +19129,35 @@
           </a:graphicData>
         </a:graphic>
       </p:graphicFrame>
+      <p:sp>
+        <p:nvSpPr>
+          <p:cNvPr id="2" name="Segnaposto numero diapositiva 1">
+            <a:extLst>
+              <a:ext uri="{FF2B5EF4-FFF2-40B4-BE49-F238E27FC236}">
+                <a16:creationId xmlns:a16="http://schemas.microsoft.com/office/drawing/2014/main" id="{ECF97DBA-B423-42A1-AFE2-4E6D2846EBB5}"/>
+              </a:ext>
+            </a:extLst>
+          </p:cNvPr>
+          <p:cNvSpPr>
+            <a:spLocks noGrp="1"/>
+          </p:cNvSpPr>
+          <p:nvPr>
+            <p:ph type="sldNum" sz="quarter" idx="12"/>
+          </p:nvPr>
+        </p:nvSpPr>
+        <p:spPr/>
+        <p:txBody>
+          <a:bodyPr/>
+          <a:lstStyle/>
+          <a:p>
+            <a:fld id="{0E41FC79-F70E-41D5-8DA8-CBC79D687031}" type="slidenum">
+              <a:rPr lang="it-IT" smtClean="0"/>
+              <a:t>10</a:t>
+            </a:fld>
+            <a:endParaRPr lang="it-IT"/>
+          </a:p>
+        </p:txBody>
+      </p:sp>
     </p:spTree>
     <p:extLst>
       <p:ext uri="{BB962C8B-B14F-4D97-AF65-F5344CB8AC3E}">
@@ -18922,6 +19304,35 @@
           </a:prstGeom>
         </p:spPr>
       </p:pic>
+      <p:sp>
+        <p:nvSpPr>
+          <p:cNvPr id="2" name="Segnaposto numero diapositiva 1">
+            <a:extLst>
+              <a:ext uri="{FF2B5EF4-FFF2-40B4-BE49-F238E27FC236}">
+                <a16:creationId xmlns:a16="http://schemas.microsoft.com/office/drawing/2014/main" id="{D3D853DF-A137-4A7B-9193-D164538B3F94}"/>
+              </a:ext>
+            </a:extLst>
+          </p:cNvPr>
+          <p:cNvSpPr>
+            <a:spLocks noGrp="1"/>
+          </p:cNvSpPr>
+          <p:nvPr>
+            <p:ph type="sldNum" sz="quarter" idx="12"/>
+          </p:nvPr>
+        </p:nvSpPr>
+        <p:spPr/>
+        <p:txBody>
+          <a:bodyPr/>
+          <a:lstStyle/>
+          <a:p>
+            <a:fld id="{0E41FC79-F70E-41D5-8DA8-CBC79D687031}" type="slidenum">
+              <a:rPr lang="it-IT" smtClean="0"/>
+              <a:t>11</a:t>
+            </a:fld>
+            <a:endParaRPr lang="it-IT"/>
+          </a:p>
+        </p:txBody>
+      </p:sp>
     </p:spTree>
     <p:extLst>
       <p:ext uri="{BB962C8B-B14F-4D97-AF65-F5344CB8AC3E}">
@@ -19029,6 +19440,35 @@
               <a:effectLst/>
               <a:latin typeface="Inter"/>
             </a:endParaRPr>
+          </a:p>
+        </p:txBody>
+      </p:sp>
+      <p:sp>
+        <p:nvSpPr>
+          <p:cNvPr id="2" name="Segnaposto numero diapositiva 1">
+            <a:extLst>
+              <a:ext uri="{FF2B5EF4-FFF2-40B4-BE49-F238E27FC236}">
+                <a16:creationId xmlns:a16="http://schemas.microsoft.com/office/drawing/2014/main" id="{7D6AB2BA-F252-40E6-9FB0-35585BB1EF24}"/>
+              </a:ext>
+            </a:extLst>
+          </p:cNvPr>
+          <p:cNvSpPr>
+            <a:spLocks noGrp="1"/>
+          </p:cNvSpPr>
+          <p:nvPr>
+            <p:ph type="sldNum" sz="quarter" idx="12"/>
+          </p:nvPr>
+        </p:nvSpPr>
+        <p:spPr/>
+        <p:txBody>
+          <a:bodyPr/>
+          <a:lstStyle/>
+          <a:p>
+            <a:fld id="{0E41FC79-F70E-41D5-8DA8-CBC79D687031}" type="slidenum">
+              <a:rPr lang="it-IT" smtClean="0"/>
+              <a:t>12</a:t>
+            </a:fld>
+            <a:endParaRPr lang="it-IT"/>
           </a:p>
         </p:txBody>
       </p:sp>
@@ -19208,6 +19648,35 @@
               </a:rPr>
               <a:t>YES</a:t>
             </a:r>
+          </a:p>
+        </p:txBody>
+      </p:sp>
+      <p:sp>
+        <p:nvSpPr>
+          <p:cNvPr id="2" name="Segnaposto numero diapositiva 1">
+            <a:extLst>
+              <a:ext uri="{FF2B5EF4-FFF2-40B4-BE49-F238E27FC236}">
+                <a16:creationId xmlns:a16="http://schemas.microsoft.com/office/drawing/2014/main" id="{FD1C4393-B22B-4447-9E5D-007ABCAC87FC}"/>
+              </a:ext>
+            </a:extLst>
+          </p:cNvPr>
+          <p:cNvSpPr>
+            <a:spLocks noGrp="1"/>
+          </p:cNvSpPr>
+          <p:nvPr>
+            <p:ph type="sldNum" sz="quarter" idx="12"/>
+          </p:nvPr>
+        </p:nvSpPr>
+        <p:spPr/>
+        <p:txBody>
+          <a:bodyPr/>
+          <a:lstStyle/>
+          <a:p>
+            <a:fld id="{0E41FC79-F70E-41D5-8DA8-CBC79D687031}" type="slidenum">
+              <a:rPr lang="it-IT" smtClean="0"/>
+              <a:t>13</a:t>
+            </a:fld>
+            <a:endParaRPr lang="it-IT"/>
           </a:p>
         </p:txBody>
       </p:sp>
@@ -19612,6 +20081,35 @@
           </a:p>
         </p:txBody>
       </p:sp>
+      <p:sp>
+        <p:nvSpPr>
+          <p:cNvPr id="2" name="Segnaposto numero diapositiva 1">
+            <a:extLst>
+              <a:ext uri="{FF2B5EF4-FFF2-40B4-BE49-F238E27FC236}">
+                <a16:creationId xmlns:a16="http://schemas.microsoft.com/office/drawing/2014/main" id="{FC52AC4A-DD34-4D41-9A09-70C556234658}"/>
+              </a:ext>
+            </a:extLst>
+          </p:cNvPr>
+          <p:cNvSpPr>
+            <a:spLocks noGrp="1"/>
+          </p:cNvSpPr>
+          <p:nvPr>
+            <p:ph type="sldNum" sz="quarter" idx="12"/>
+          </p:nvPr>
+        </p:nvSpPr>
+        <p:spPr/>
+        <p:txBody>
+          <a:bodyPr/>
+          <a:lstStyle/>
+          <a:p>
+            <a:fld id="{0E41FC79-F70E-41D5-8DA8-CBC79D687031}" type="slidenum">
+              <a:rPr lang="it-IT" smtClean="0"/>
+              <a:t>14</a:t>
+            </a:fld>
+            <a:endParaRPr lang="it-IT"/>
+          </a:p>
+        </p:txBody>
+      </p:sp>
     </p:spTree>
     <p:extLst>
       <p:ext uri="{BB962C8B-B14F-4D97-AF65-F5344CB8AC3E}">
@@ -19758,6 +20256,35 @@
           </a:prstGeom>
         </p:spPr>
       </p:pic>
+      <p:sp>
+        <p:nvSpPr>
+          <p:cNvPr id="2" name="Segnaposto numero diapositiva 1">
+            <a:extLst>
+              <a:ext uri="{FF2B5EF4-FFF2-40B4-BE49-F238E27FC236}">
+                <a16:creationId xmlns:a16="http://schemas.microsoft.com/office/drawing/2014/main" id="{7C7F26E6-9545-47AD-9F25-78690569BBBC}"/>
+              </a:ext>
+            </a:extLst>
+          </p:cNvPr>
+          <p:cNvSpPr>
+            <a:spLocks noGrp="1"/>
+          </p:cNvSpPr>
+          <p:nvPr>
+            <p:ph type="sldNum" sz="quarter" idx="12"/>
+          </p:nvPr>
+        </p:nvSpPr>
+        <p:spPr/>
+        <p:txBody>
+          <a:bodyPr/>
+          <a:lstStyle/>
+          <a:p>
+            <a:fld id="{0E41FC79-F70E-41D5-8DA8-CBC79D687031}" type="slidenum">
+              <a:rPr lang="it-IT" smtClean="0"/>
+              <a:t>15</a:t>
+            </a:fld>
+            <a:endParaRPr lang="it-IT"/>
+          </a:p>
+        </p:txBody>
+      </p:sp>
     </p:spTree>
     <p:extLst>
       <p:ext uri="{BB962C8B-B14F-4D97-AF65-F5344CB8AC3E}">
@@ -19904,6 +20431,35 @@
           </a:prstGeom>
         </p:spPr>
       </p:pic>
+      <p:sp>
+        <p:nvSpPr>
+          <p:cNvPr id="2" name="Segnaposto numero diapositiva 1">
+            <a:extLst>
+              <a:ext uri="{FF2B5EF4-FFF2-40B4-BE49-F238E27FC236}">
+                <a16:creationId xmlns:a16="http://schemas.microsoft.com/office/drawing/2014/main" id="{5D742BCB-386C-4932-B9F2-5087288C20A4}"/>
+              </a:ext>
+            </a:extLst>
+          </p:cNvPr>
+          <p:cNvSpPr>
+            <a:spLocks noGrp="1"/>
+          </p:cNvSpPr>
+          <p:nvPr>
+            <p:ph type="sldNum" sz="quarter" idx="12"/>
+          </p:nvPr>
+        </p:nvSpPr>
+        <p:spPr/>
+        <p:txBody>
+          <a:bodyPr/>
+          <a:lstStyle/>
+          <a:p>
+            <a:fld id="{0E41FC79-F70E-41D5-8DA8-CBC79D687031}" type="slidenum">
+              <a:rPr lang="it-IT" smtClean="0"/>
+              <a:t>16</a:t>
+            </a:fld>
+            <a:endParaRPr lang="it-IT"/>
+          </a:p>
+        </p:txBody>
+      </p:sp>
     </p:spTree>
     <p:extLst>
       <p:ext uri="{BB962C8B-B14F-4D97-AF65-F5344CB8AC3E}">
@@ -20685,6 +21241,35 @@
           </a:graphicData>
         </a:graphic>
       </p:graphicFrame>
+      <p:sp>
+        <p:nvSpPr>
+          <p:cNvPr id="2" name="Segnaposto numero diapositiva 1">
+            <a:extLst>
+              <a:ext uri="{FF2B5EF4-FFF2-40B4-BE49-F238E27FC236}">
+                <a16:creationId xmlns:a16="http://schemas.microsoft.com/office/drawing/2014/main" id="{E8C6BF7C-F694-4F1F-AEC8-916BC04A7C42}"/>
+              </a:ext>
+            </a:extLst>
+          </p:cNvPr>
+          <p:cNvSpPr>
+            <a:spLocks noGrp="1"/>
+          </p:cNvSpPr>
+          <p:nvPr>
+            <p:ph type="sldNum" sz="quarter" idx="12"/>
+          </p:nvPr>
+        </p:nvSpPr>
+        <p:spPr/>
+        <p:txBody>
+          <a:bodyPr/>
+          <a:lstStyle/>
+          <a:p>
+            <a:fld id="{0E41FC79-F70E-41D5-8DA8-CBC79D687031}" type="slidenum">
+              <a:rPr lang="it-IT" smtClean="0"/>
+              <a:t>17</a:t>
+            </a:fld>
+            <a:endParaRPr lang="it-IT"/>
+          </a:p>
+        </p:txBody>
+      </p:sp>
     </p:spTree>
     <p:extLst>
       <p:ext uri="{BB962C8B-B14F-4D97-AF65-F5344CB8AC3E}">
@@ -20956,6 +21541,35 @@
           </p:spPr>
         </p:pic>
       </p:grpSp>
+      <p:sp>
+        <p:nvSpPr>
+          <p:cNvPr id="3" name="Segnaposto numero diapositiva 2">
+            <a:extLst>
+              <a:ext uri="{FF2B5EF4-FFF2-40B4-BE49-F238E27FC236}">
+                <a16:creationId xmlns:a16="http://schemas.microsoft.com/office/drawing/2014/main" id="{2189DAC9-350E-46BA-A2E2-10E584386047}"/>
+              </a:ext>
+            </a:extLst>
+          </p:cNvPr>
+          <p:cNvSpPr>
+            <a:spLocks noGrp="1"/>
+          </p:cNvSpPr>
+          <p:nvPr>
+            <p:ph type="sldNum" sz="quarter" idx="12"/>
+          </p:nvPr>
+        </p:nvSpPr>
+        <p:spPr/>
+        <p:txBody>
+          <a:bodyPr/>
+          <a:lstStyle/>
+          <a:p>
+            <a:fld id="{0E41FC79-F70E-41D5-8DA8-CBC79D687031}" type="slidenum">
+              <a:rPr lang="it-IT" smtClean="0"/>
+              <a:t>18</a:t>
+            </a:fld>
+            <a:endParaRPr lang="it-IT"/>
+          </a:p>
+        </p:txBody>
+      </p:sp>
     </p:spTree>
     <p:extLst>
       <p:ext uri="{BB962C8B-B14F-4D97-AF65-F5344CB8AC3E}">
@@ -21435,6 +22049,35 @@
           </a:p>
         </p:txBody>
       </p:sp>
+      <p:sp>
+        <p:nvSpPr>
+          <p:cNvPr id="6" name="Segnaposto numero diapositiva 5">
+            <a:extLst>
+              <a:ext uri="{FF2B5EF4-FFF2-40B4-BE49-F238E27FC236}">
+                <a16:creationId xmlns:a16="http://schemas.microsoft.com/office/drawing/2014/main" id="{CE8A4399-1533-4416-B83B-DAA68CF196A9}"/>
+              </a:ext>
+            </a:extLst>
+          </p:cNvPr>
+          <p:cNvSpPr>
+            <a:spLocks noGrp="1"/>
+          </p:cNvSpPr>
+          <p:nvPr>
+            <p:ph type="sldNum" sz="quarter" idx="12"/>
+          </p:nvPr>
+        </p:nvSpPr>
+        <p:spPr/>
+        <p:txBody>
+          <a:bodyPr/>
+          <a:lstStyle/>
+          <a:p>
+            <a:fld id="{0E41FC79-F70E-41D5-8DA8-CBC79D687031}" type="slidenum">
+              <a:rPr lang="it-IT" smtClean="0"/>
+              <a:t>19</a:t>
+            </a:fld>
+            <a:endParaRPr lang="it-IT"/>
+          </a:p>
+        </p:txBody>
+      </p:sp>
     </p:spTree>
     <p:extLst>
       <p:ext uri="{BB962C8B-B14F-4D97-AF65-F5344CB8AC3E}">
@@ -21838,6 +22481,35 @@
           </a:p>
         </p:txBody>
       </p:sp>
+      <p:sp>
+        <p:nvSpPr>
+          <p:cNvPr id="2" name="Segnaposto numero diapositiva 1">
+            <a:extLst>
+              <a:ext uri="{FF2B5EF4-FFF2-40B4-BE49-F238E27FC236}">
+                <a16:creationId xmlns:a16="http://schemas.microsoft.com/office/drawing/2014/main" id="{966A65FB-D949-4ACD-83A1-1D6ED79689E9}"/>
+              </a:ext>
+            </a:extLst>
+          </p:cNvPr>
+          <p:cNvSpPr>
+            <a:spLocks noGrp="1"/>
+          </p:cNvSpPr>
+          <p:nvPr>
+            <p:ph type="sldNum" sz="quarter" idx="12"/>
+          </p:nvPr>
+        </p:nvSpPr>
+        <p:spPr/>
+        <p:txBody>
+          <a:bodyPr/>
+          <a:lstStyle/>
+          <a:p>
+            <a:fld id="{0E41FC79-F70E-41D5-8DA8-CBC79D687031}" type="slidenum">
+              <a:rPr lang="it-IT" smtClean="0"/>
+              <a:t>2</a:t>
+            </a:fld>
+            <a:endParaRPr lang="it-IT"/>
+          </a:p>
+        </p:txBody>
+      </p:sp>
     </p:spTree>
     <p:extLst>
       <p:ext uri="{BB962C8B-B14F-4D97-AF65-F5344CB8AC3E}">
@@ -22179,6 +22851,35 @@
               </a:rPr>
               <a:t> Mexico : 0 tracks</a:t>
             </a:r>
+          </a:p>
+        </p:txBody>
+      </p:sp>
+      <p:sp>
+        <p:nvSpPr>
+          <p:cNvPr id="2" name="Segnaposto numero diapositiva 1">
+            <a:extLst>
+              <a:ext uri="{FF2B5EF4-FFF2-40B4-BE49-F238E27FC236}">
+                <a16:creationId xmlns:a16="http://schemas.microsoft.com/office/drawing/2014/main" id="{8D585301-C69E-4AD5-839A-F0AAFA1A83F0}"/>
+              </a:ext>
+            </a:extLst>
+          </p:cNvPr>
+          <p:cNvSpPr>
+            <a:spLocks noGrp="1"/>
+          </p:cNvSpPr>
+          <p:nvPr>
+            <p:ph type="sldNum" sz="quarter" idx="12"/>
+          </p:nvPr>
+        </p:nvSpPr>
+        <p:spPr/>
+        <p:txBody>
+          <a:bodyPr/>
+          <a:lstStyle/>
+          <a:p>
+            <a:fld id="{0E41FC79-F70E-41D5-8DA8-CBC79D687031}" type="slidenum">
+              <a:rPr lang="it-IT" smtClean="0"/>
+              <a:t>20</a:t>
+            </a:fld>
+            <a:endParaRPr lang="it-IT"/>
           </a:p>
         </p:txBody>
       </p:sp>
@@ -22966,6 +23667,35 @@
           </a:graphicData>
         </a:graphic>
       </p:graphicFrame>
+      <p:sp>
+        <p:nvSpPr>
+          <p:cNvPr id="2" name="Segnaposto numero diapositiva 1">
+            <a:extLst>
+              <a:ext uri="{FF2B5EF4-FFF2-40B4-BE49-F238E27FC236}">
+                <a16:creationId xmlns:a16="http://schemas.microsoft.com/office/drawing/2014/main" id="{D95E0B80-9026-4E3A-B1E4-203FE307700B}"/>
+              </a:ext>
+            </a:extLst>
+          </p:cNvPr>
+          <p:cNvSpPr>
+            <a:spLocks noGrp="1"/>
+          </p:cNvSpPr>
+          <p:nvPr>
+            <p:ph type="sldNum" sz="quarter" idx="12"/>
+          </p:nvPr>
+        </p:nvSpPr>
+        <p:spPr/>
+        <p:txBody>
+          <a:bodyPr/>
+          <a:lstStyle/>
+          <a:p>
+            <a:fld id="{0E41FC79-F70E-41D5-8DA8-CBC79D687031}" type="slidenum">
+              <a:rPr lang="it-IT" smtClean="0"/>
+              <a:t>21</a:t>
+            </a:fld>
+            <a:endParaRPr lang="it-IT"/>
+          </a:p>
+        </p:txBody>
+      </p:sp>
     </p:spTree>
     <p:extLst>
       <p:ext uri="{BB962C8B-B14F-4D97-AF65-F5344CB8AC3E}">
@@ -23112,6 +23842,35 @@
           </a:prstGeom>
         </p:spPr>
       </p:pic>
+      <p:sp>
+        <p:nvSpPr>
+          <p:cNvPr id="2" name="Segnaposto numero diapositiva 1">
+            <a:extLst>
+              <a:ext uri="{FF2B5EF4-FFF2-40B4-BE49-F238E27FC236}">
+                <a16:creationId xmlns:a16="http://schemas.microsoft.com/office/drawing/2014/main" id="{62FE96F9-A17D-42DE-8C8E-F00A851F1812}"/>
+              </a:ext>
+            </a:extLst>
+          </p:cNvPr>
+          <p:cNvSpPr>
+            <a:spLocks noGrp="1"/>
+          </p:cNvSpPr>
+          <p:nvPr>
+            <p:ph type="sldNum" sz="quarter" idx="12"/>
+          </p:nvPr>
+        </p:nvSpPr>
+        <p:spPr/>
+        <p:txBody>
+          <a:bodyPr/>
+          <a:lstStyle/>
+          <a:p>
+            <a:fld id="{0E41FC79-F70E-41D5-8DA8-CBC79D687031}" type="slidenum">
+              <a:rPr lang="it-IT" smtClean="0"/>
+              <a:t>22</a:t>
+            </a:fld>
+            <a:endParaRPr lang="it-IT"/>
+          </a:p>
+        </p:txBody>
+      </p:sp>
     </p:spTree>
     <p:extLst>
       <p:ext uri="{BB962C8B-B14F-4D97-AF65-F5344CB8AC3E}">
@@ -23930,6 +24689,35 @@
           </a:graphicData>
         </a:graphic>
       </p:graphicFrame>
+      <p:sp>
+        <p:nvSpPr>
+          <p:cNvPr id="2" name="Segnaposto numero diapositiva 1">
+            <a:extLst>
+              <a:ext uri="{FF2B5EF4-FFF2-40B4-BE49-F238E27FC236}">
+                <a16:creationId xmlns:a16="http://schemas.microsoft.com/office/drawing/2014/main" id="{239EC73F-1D61-438D-B5F2-C925DD5F7B3E}"/>
+              </a:ext>
+            </a:extLst>
+          </p:cNvPr>
+          <p:cNvSpPr>
+            <a:spLocks noGrp="1"/>
+          </p:cNvSpPr>
+          <p:nvPr>
+            <p:ph type="sldNum" sz="quarter" idx="12"/>
+          </p:nvPr>
+        </p:nvSpPr>
+        <p:spPr/>
+        <p:txBody>
+          <a:bodyPr/>
+          <a:lstStyle/>
+          <a:p>
+            <a:fld id="{0E41FC79-F70E-41D5-8DA8-CBC79D687031}" type="slidenum">
+              <a:rPr lang="it-IT" smtClean="0"/>
+              <a:t>23</a:t>
+            </a:fld>
+            <a:endParaRPr lang="it-IT"/>
+          </a:p>
+        </p:txBody>
+      </p:sp>
     </p:spTree>
     <p:extLst>
       <p:ext uri="{BB962C8B-B14F-4D97-AF65-F5344CB8AC3E}">
@@ -24092,6 +24880,35 @@
           </a:p>
         </p:txBody>
       </p:sp>
+      <p:sp>
+        <p:nvSpPr>
+          <p:cNvPr id="3" name="Segnaposto numero diapositiva 2">
+            <a:extLst>
+              <a:ext uri="{FF2B5EF4-FFF2-40B4-BE49-F238E27FC236}">
+                <a16:creationId xmlns:a16="http://schemas.microsoft.com/office/drawing/2014/main" id="{D3214CB7-BA5B-4204-826E-2AB7E3B3196F}"/>
+              </a:ext>
+            </a:extLst>
+          </p:cNvPr>
+          <p:cNvSpPr>
+            <a:spLocks noGrp="1"/>
+          </p:cNvSpPr>
+          <p:nvPr>
+            <p:ph type="sldNum" sz="quarter" idx="12"/>
+          </p:nvPr>
+        </p:nvSpPr>
+        <p:spPr/>
+        <p:txBody>
+          <a:bodyPr/>
+          <a:lstStyle/>
+          <a:p>
+            <a:fld id="{0E41FC79-F70E-41D5-8DA8-CBC79D687031}" type="slidenum">
+              <a:rPr lang="it-IT" smtClean="0"/>
+              <a:t>24</a:t>
+            </a:fld>
+            <a:endParaRPr lang="it-IT"/>
+          </a:p>
+        </p:txBody>
+      </p:sp>
     </p:spTree>
     <p:extLst>
       <p:ext uri="{BB962C8B-B14F-4D97-AF65-F5344CB8AC3E}">
@@ -24155,6 +24972,35 @@
               <a:rPr lang="it-IT" sz="4400" b="1" dirty="0"/>
               <a:t>Thank you for the attention</a:t>
             </a:r>
+          </a:p>
+        </p:txBody>
+      </p:sp>
+      <p:sp>
+        <p:nvSpPr>
+          <p:cNvPr id="2" name="Segnaposto numero diapositiva 1">
+            <a:extLst>
+              <a:ext uri="{FF2B5EF4-FFF2-40B4-BE49-F238E27FC236}">
+                <a16:creationId xmlns:a16="http://schemas.microsoft.com/office/drawing/2014/main" id="{7C8903D2-4DE1-4B56-993B-F2E374F54DAB}"/>
+              </a:ext>
+            </a:extLst>
+          </p:cNvPr>
+          <p:cNvSpPr>
+            <a:spLocks noGrp="1"/>
+          </p:cNvSpPr>
+          <p:nvPr>
+            <p:ph type="sldNum" sz="quarter" idx="12"/>
+          </p:nvPr>
+        </p:nvSpPr>
+        <p:spPr/>
+        <p:txBody>
+          <a:bodyPr/>
+          <a:lstStyle/>
+          <a:p>
+            <a:fld id="{0E41FC79-F70E-41D5-8DA8-CBC79D687031}" type="slidenum">
+              <a:rPr lang="it-IT" smtClean="0"/>
+              <a:t>25</a:t>
+            </a:fld>
+            <a:endParaRPr lang="it-IT"/>
           </a:p>
         </p:txBody>
       </p:sp>
@@ -24546,6 +25392,35 @@
               </a:rPr>
               <a:t>x = 100 positions, k = 7 days</a:t>
             </a:r>
+          </a:p>
+        </p:txBody>
+      </p:sp>
+      <p:sp>
+        <p:nvSpPr>
+          <p:cNvPr id="2" name="Segnaposto numero diapositiva 1">
+            <a:extLst>
+              <a:ext uri="{FF2B5EF4-FFF2-40B4-BE49-F238E27FC236}">
+                <a16:creationId xmlns:a16="http://schemas.microsoft.com/office/drawing/2014/main" id="{35DEB552-054D-4552-BBFD-607A32992C91}"/>
+              </a:ext>
+            </a:extLst>
+          </p:cNvPr>
+          <p:cNvSpPr>
+            <a:spLocks noGrp="1"/>
+          </p:cNvSpPr>
+          <p:nvPr>
+            <p:ph type="sldNum" sz="quarter" idx="12"/>
+          </p:nvPr>
+        </p:nvSpPr>
+        <p:spPr/>
+        <p:txBody>
+          <a:bodyPr/>
+          <a:lstStyle/>
+          <a:p>
+            <a:fld id="{0E41FC79-F70E-41D5-8DA8-CBC79D687031}" type="slidenum">
+              <a:rPr lang="it-IT" smtClean="0"/>
+              <a:t>3</a:t>
+            </a:fld>
+            <a:endParaRPr lang="it-IT"/>
           </a:p>
         </p:txBody>
       </p:sp>
@@ -24992,6 +25867,35 @@
           </a:p>
         </p:txBody>
       </p:sp>
+      <p:sp>
+        <p:nvSpPr>
+          <p:cNvPr id="2" name="Segnaposto numero diapositiva 1">
+            <a:extLst>
+              <a:ext uri="{FF2B5EF4-FFF2-40B4-BE49-F238E27FC236}">
+                <a16:creationId xmlns:a16="http://schemas.microsoft.com/office/drawing/2014/main" id="{FCB3027D-5496-482B-BBE0-F9B7B2DFB24C}"/>
+              </a:ext>
+            </a:extLst>
+          </p:cNvPr>
+          <p:cNvSpPr>
+            <a:spLocks noGrp="1"/>
+          </p:cNvSpPr>
+          <p:nvPr>
+            <p:ph type="sldNum" sz="quarter" idx="12"/>
+          </p:nvPr>
+        </p:nvSpPr>
+        <p:spPr/>
+        <p:txBody>
+          <a:bodyPr/>
+          <a:lstStyle/>
+          <a:p>
+            <a:fld id="{0E41FC79-F70E-41D5-8DA8-CBC79D687031}" type="slidenum">
+              <a:rPr lang="it-IT" smtClean="0"/>
+              <a:t>4</a:t>
+            </a:fld>
+            <a:endParaRPr lang="it-IT"/>
+          </a:p>
+        </p:txBody>
+      </p:sp>
     </p:spTree>
     <p:extLst>
       <p:ext uri="{BB962C8B-B14F-4D97-AF65-F5344CB8AC3E}">
@@ -25149,6 +26053,35 @@
           </a:graphicData>
         </a:graphic>
       </p:graphicFrame>
+      <p:sp>
+        <p:nvSpPr>
+          <p:cNvPr id="2" name="Segnaposto numero diapositiva 1">
+            <a:extLst>
+              <a:ext uri="{FF2B5EF4-FFF2-40B4-BE49-F238E27FC236}">
+                <a16:creationId xmlns:a16="http://schemas.microsoft.com/office/drawing/2014/main" id="{3AE2C72C-A575-4FEF-B375-31AE92DAF688}"/>
+              </a:ext>
+            </a:extLst>
+          </p:cNvPr>
+          <p:cNvSpPr>
+            <a:spLocks noGrp="1"/>
+          </p:cNvSpPr>
+          <p:nvPr>
+            <p:ph type="sldNum" sz="quarter" idx="12"/>
+          </p:nvPr>
+        </p:nvSpPr>
+        <p:spPr/>
+        <p:txBody>
+          <a:bodyPr/>
+          <a:lstStyle/>
+          <a:p>
+            <a:fld id="{0E41FC79-F70E-41D5-8DA8-CBC79D687031}" type="slidenum">
+              <a:rPr lang="it-IT" smtClean="0"/>
+              <a:t>5</a:t>
+            </a:fld>
+            <a:endParaRPr lang="it-IT"/>
+          </a:p>
+        </p:txBody>
+      </p:sp>
     </p:spTree>
     <p:extLst>
       <p:ext uri="{BB962C8B-B14F-4D97-AF65-F5344CB8AC3E}">
@@ -25250,6 +26183,35 @@
           </a:prstGeom>
         </p:spPr>
       </p:pic>
+      <p:sp>
+        <p:nvSpPr>
+          <p:cNvPr id="2" name="Segnaposto numero diapositiva 1">
+            <a:extLst>
+              <a:ext uri="{FF2B5EF4-FFF2-40B4-BE49-F238E27FC236}">
+                <a16:creationId xmlns:a16="http://schemas.microsoft.com/office/drawing/2014/main" id="{DB06AD2D-0C87-4845-8FEA-E81BD466FF44}"/>
+              </a:ext>
+            </a:extLst>
+          </p:cNvPr>
+          <p:cNvSpPr>
+            <a:spLocks noGrp="1"/>
+          </p:cNvSpPr>
+          <p:nvPr>
+            <p:ph type="sldNum" sz="quarter" idx="12"/>
+          </p:nvPr>
+        </p:nvSpPr>
+        <p:spPr/>
+        <p:txBody>
+          <a:bodyPr/>
+          <a:lstStyle/>
+          <a:p>
+            <a:fld id="{0E41FC79-F70E-41D5-8DA8-CBC79D687031}" type="slidenum">
+              <a:rPr lang="it-IT" smtClean="0"/>
+              <a:t>6</a:t>
+            </a:fld>
+            <a:endParaRPr lang="it-IT" dirty="0"/>
+          </a:p>
+        </p:txBody>
+      </p:sp>
     </p:spTree>
     <p:extLst>
       <p:ext uri="{BB962C8B-B14F-4D97-AF65-F5344CB8AC3E}">
@@ -25475,6 +26437,35 @@
           </a:graphicData>
         </a:graphic>
       </p:graphicFrame>
+      <p:sp>
+        <p:nvSpPr>
+          <p:cNvPr id="2" name="Segnaposto numero diapositiva 1">
+            <a:extLst>
+              <a:ext uri="{FF2B5EF4-FFF2-40B4-BE49-F238E27FC236}">
+                <a16:creationId xmlns:a16="http://schemas.microsoft.com/office/drawing/2014/main" id="{BF79A675-2CE5-471E-86A4-D4ED7CE3DE97}"/>
+              </a:ext>
+            </a:extLst>
+          </p:cNvPr>
+          <p:cNvSpPr>
+            <a:spLocks noGrp="1"/>
+          </p:cNvSpPr>
+          <p:nvPr>
+            <p:ph type="sldNum" sz="quarter" idx="12"/>
+          </p:nvPr>
+        </p:nvSpPr>
+        <p:spPr/>
+        <p:txBody>
+          <a:bodyPr/>
+          <a:lstStyle/>
+          <a:p>
+            <a:fld id="{0E41FC79-F70E-41D5-8DA8-CBC79D687031}" type="slidenum">
+              <a:rPr lang="it-IT" smtClean="0"/>
+              <a:t>7</a:t>
+            </a:fld>
+            <a:endParaRPr lang="it-IT"/>
+          </a:p>
+        </p:txBody>
+      </p:sp>
     </p:spTree>
     <p:extLst>
       <p:ext uri="{BB962C8B-B14F-4D97-AF65-F5344CB8AC3E}">
@@ -25539,6 +26530,35 @@
               <a:t>Queries</a:t>
             </a:r>
             <a:endParaRPr lang="it-IT" sz="4800" b="1" dirty="0"/>
+          </a:p>
+        </p:txBody>
+      </p:sp>
+      <p:sp>
+        <p:nvSpPr>
+          <p:cNvPr id="2" name="Segnaposto numero diapositiva 1">
+            <a:extLst>
+              <a:ext uri="{FF2B5EF4-FFF2-40B4-BE49-F238E27FC236}">
+                <a16:creationId xmlns:a16="http://schemas.microsoft.com/office/drawing/2014/main" id="{0371B819-0A52-489C-9FA3-EA676A38ADB9}"/>
+              </a:ext>
+            </a:extLst>
+          </p:cNvPr>
+          <p:cNvSpPr>
+            <a:spLocks noGrp="1"/>
+          </p:cNvSpPr>
+          <p:nvPr>
+            <p:ph type="sldNum" sz="quarter" idx="12"/>
+          </p:nvPr>
+        </p:nvSpPr>
+        <p:spPr/>
+        <p:txBody>
+          <a:bodyPr/>
+          <a:lstStyle/>
+          <a:p>
+            <a:fld id="{0E41FC79-F70E-41D5-8DA8-CBC79D687031}" type="slidenum">
+              <a:rPr lang="it-IT" smtClean="0"/>
+              <a:t>8</a:t>
+            </a:fld>
+            <a:endParaRPr lang="it-IT"/>
           </a:p>
         </p:txBody>
       </p:sp>
@@ -25688,6 +26708,35 @@
           </a:prstGeom>
         </p:spPr>
       </p:pic>
+      <p:sp>
+        <p:nvSpPr>
+          <p:cNvPr id="2" name="Segnaposto numero diapositiva 1">
+            <a:extLst>
+              <a:ext uri="{FF2B5EF4-FFF2-40B4-BE49-F238E27FC236}">
+                <a16:creationId xmlns:a16="http://schemas.microsoft.com/office/drawing/2014/main" id="{AF743220-D2ED-43D4-A1FF-37CA562FFA98}"/>
+              </a:ext>
+            </a:extLst>
+          </p:cNvPr>
+          <p:cNvSpPr>
+            <a:spLocks noGrp="1"/>
+          </p:cNvSpPr>
+          <p:nvPr>
+            <p:ph type="sldNum" sz="quarter" idx="12"/>
+          </p:nvPr>
+        </p:nvSpPr>
+        <p:spPr/>
+        <p:txBody>
+          <a:bodyPr/>
+          <a:lstStyle/>
+          <a:p>
+            <a:fld id="{0E41FC79-F70E-41D5-8DA8-CBC79D687031}" type="slidenum">
+              <a:rPr lang="it-IT" smtClean="0"/>
+              <a:t>9</a:t>
+            </a:fld>
+            <a:endParaRPr lang="it-IT"/>
+          </a:p>
+        </p:txBody>
+      </p:sp>
     </p:spTree>
     <p:extLst>
       <p:ext uri="{BB962C8B-B14F-4D97-AF65-F5344CB8AC3E}">
@@ -25900,4 +26949,299 @@
     </a:ext>
   </a:extLst>
 </a:theme>
+</file>
+
+<file path=ppt/theme/theme2.xml><?xml version="1.0" encoding="utf-8"?>
+<a:theme xmlns:a="http://schemas.openxmlformats.org/drawingml/2006/main" name="Tema di Office">
+  <a:themeElements>
+    <a:clrScheme name="Office">
+      <a:dk1>
+        <a:sysClr val="windowText" lastClr="000000"/>
+      </a:dk1>
+      <a:lt1>
+        <a:sysClr val="window" lastClr="FFFFFF"/>
+      </a:lt1>
+      <a:dk2>
+        <a:srgbClr val="44546A"/>
+      </a:dk2>
+      <a:lt2>
+        <a:srgbClr val="E7E6E6"/>
+      </a:lt2>
+      <a:accent1>
+        <a:srgbClr val="4472C4"/>
+      </a:accent1>
+      <a:accent2>
+        <a:srgbClr val="ED7D31"/>
+      </a:accent2>
+      <a:accent3>
+        <a:srgbClr val="A5A5A5"/>
+      </a:accent3>
+      <a:accent4>
+        <a:srgbClr val="FFC000"/>
+      </a:accent4>
+      <a:accent5>
+        <a:srgbClr val="5B9BD5"/>
+      </a:accent5>
+      <a:accent6>
+        <a:srgbClr val="70AD47"/>
+      </a:accent6>
+      <a:hlink>
+        <a:srgbClr val="0563C1"/>
+      </a:hlink>
+      <a:folHlink>
+        <a:srgbClr val="954F72"/>
+      </a:folHlink>
+    </a:clrScheme>
+    <a:fontScheme name="Office">
+      <a:majorFont>
+        <a:latin typeface="Calibri Light" panose="020F0302020204030204"/>
+        <a:ea typeface=""/>
+        <a:cs typeface=""/>
+        <a:font script="Jpan" typeface="游ゴシック Light"/>
+        <a:font script="Hang" typeface="맑은 고딕"/>
+        <a:font script="Hans" typeface="等线 Light"/>
+        <a:font script="Hant" typeface="新細明體"/>
+        <a:font script="Arab" typeface="Times New Roman"/>
+        <a:font script="Hebr" typeface="Times New Roman"/>
+        <a:font script="Thai" typeface="Angsana New"/>
+        <a:font script="Ethi" typeface="Nyala"/>
+        <a:font script="Beng" typeface="Vrinda"/>
+        <a:font script="Gujr" typeface="Shruti"/>
+        <a:font script="Khmr" typeface="MoolBoran"/>
+        <a:font script="Knda" typeface="Tunga"/>
+        <a:font script="Guru" typeface="Raavi"/>
+        <a:font script="Cans" typeface="Euphemia"/>
+        <a:font script="Cher" typeface="Plantagenet Cherokee"/>
+        <a:font script="Yiii" typeface="Microsoft Yi Baiti"/>
+        <a:font script="Tibt" typeface="Microsoft Himalaya"/>
+        <a:font script="Thaa" typeface="MV Boli"/>
+        <a:font script="Deva" typeface="Mangal"/>
+        <a:font script="Telu" typeface="Gautami"/>
+        <a:font script="Taml" typeface="Latha"/>
+        <a:font script="Syrc" typeface="Estrangelo Edessa"/>
+        <a:font script="Orya" typeface="Kalinga"/>
+        <a:font script="Mlym" typeface="Kartika"/>
+        <a:font script="Laoo" typeface="DokChampa"/>
+        <a:font script="Sinh" typeface="Iskoola Pota"/>
+        <a:font script="Mong" typeface="Mongolian Baiti"/>
+        <a:font script="Viet" typeface="Times New Roman"/>
+        <a:font script="Uigh" typeface="Microsoft Uighur"/>
+        <a:font script="Geor" typeface="Sylfaen"/>
+        <a:font script="Armn" typeface="Arial"/>
+        <a:font script="Bugi" typeface="Leelawadee UI"/>
+        <a:font script="Bopo" typeface="Microsoft JhengHei"/>
+        <a:font script="Java" typeface="Javanese Text"/>
+        <a:font script="Lisu" typeface="Segoe UI"/>
+        <a:font script="Mymr" typeface="Myanmar Text"/>
+        <a:font script="Nkoo" typeface="Ebrima"/>
+        <a:font script="Olck" typeface="Nirmala UI"/>
+        <a:font script="Osma" typeface="Ebrima"/>
+        <a:font script="Phag" typeface="Phagspa"/>
+        <a:font script="Syrn" typeface="Estrangelo Edessa"/>
+        <a:font script="Syrj" typeface="Estrangelo Edessa"/>
+        <a:font script="Syre" typeface="Estrangelo Edessa"/>
+        <a:font script="Sora" typeface="Nirmala UI"/>
+        <a:font script="Tale" typeface="Microsoft Tai Le"/>
+        <a:font script="Talu" typeface="Microsoft New Tai Lue"/>
+        <a:font script="Tfng" typeface="Ebrima"/>
+      </a:majorFont>
+      <a:minorFont>
+        <a:latin typeface="Calibri" panose="020F0502020204030204"/>
+        <a:ea typeface=""/>
+        <a:cs typeface=""/>
+        <a:font script="Jpan" typeface="游ゴシック"/>
+        <a:font script="Hang" typeface="맑은 고딕"/>
+        <a:font script="Hans" typeface="等线"/>
+        <a:font script="Hant" typeface="新細明體"/>
+        <a:font script="Arab" typeface="Arial"/>
+        <a:font script="Hebr" typeface="Arial"/>
+        <a:font script="Thai" typeface="Cordia New"/>
+        <a:font script="Ethi" typeface="Nyala"/>
+        <a:font script="Beng" typeface="Vrinda"/>
+        <a:font script="Gujr" typeface="Shruti"/>
+        <a:font script="Khmr" typeface="DaunPenh"/>
+        <a:font script="Knda" typeface="Tunga"/>
+        <a:font script="Guru" typeface="Raavi"/>
+        <a:font script="Cans" typeface="Euphemia"/>
+        <a:font script="Cher" typeface="Plantagenet Cherokee"/>
+        <a:font script="Yiii" typeface="Microsoft Yi Baiti"/>
+        <a:font script="Tibt" typeface="Microsoft Himalaya"/>
+        <a:font script="Thaa" typeface="MV Boli"/>
+        <a:font script="Deva" typeface="Mangal"/>
+        <a:font script="Telu" typeface="Gautami"/>
+        <a:font script="Taml" typeface="Latha"/>
+        <a:font script="Syrc" typeface="Estrangelo Edessa"/>
+        <a:font script="Orya" typeface="Kalinga"/>
+        <a:font script="Mlym" typeface="Kartika"/>
+        <a:font script="Laoo" typeface="DokChampa"/>
+        <a:font script="Sinh" typeface="Iskoola Pota"/>
+        <a:font script="Mong" typeface="Mongolian Baiti"/>
+        <a:font script="Viet" typeface="Arial"/>
+        <a:font script="Uigh" typeface="Microsoft Uighur"/>
+        <a:font script="Geor" typeface="Sylfaen"/>
+        <a:font script="Armn" typeface="Arial"/>
+        <a:font script="Bugi" typeface="Leelawadee UI"/>
+        <a:font script="Bopo" typeface="Microsoft JhengHei"/>
+        <a:font script="Java" typeface="Javanese Text"/>
+        <a:font script="Lisu" typeface="Segoe UI"/>
+        <a:font script="Mymr" typeface="Myanmar Text"/>
+        <a:font script="Nkoo" typeface="Ebrima"/>
+        <a:font script="Olck" typeface="Nirmala UI"/>
+        <a:font script="Osma" typeface="Ebrima"/>
+        <a:font script="Phag" typeface="Phagspa"/>
+        <a:font script="Syrn" typeface="Estrangelo Edessa"/>
+        <a:font script="Syrj" typeface="Estrangelo Edessa"/>
+        <a:font script="Syre" typeface="Estrangelo Edessa"/>
+        <a:font script="Sora" typeface="Nirmala UI"/>
+        <a:font script="Tale" typeface="Microsoft Tai Le"/>
+        <a:font script="Talu" typeface="Microsoft New Tai Lue"/>
+        <a:font script="Tfng" typeface="Ebrima"/>
+      </a:minorFont>
+    </a:fontScheme>
+    <a:fmtScheme name="Office">
+      <a:fillStyleLst>
+        <a:solidFill>
+          <a:schemeClr val="phClr"/>
+        </a:solidFill>
+        <a:gradFill rotWithShape="1">
+          <a:gsLst>
+            <a:gs pos="0">
+              <a:schemeClr val="phClr">
+                <a:lumMod val="110000"/>
+                <a:satMod val="105000"/>
+                <a:tint val="67000"/>
+              </a:schemeClr>
+            </a:gs>
+            <a:gs pos="50000">
+              <a:schemeClr val="phClr">
+                <a:lumMod val="105000"/>
+                <a:satMod val="103000"/>
+                <a:tint val="73000"/>
+              </a:schemeClr>
+            </a:gs>
+            <a:gs pos="100000">
+              <a:schemeClr val="phClr">
+                <a:lumMod val="105000"/>
+                <a:satMod val="109000"/>
+                <a:tint val="81000"/>
+              </a:schemeClr>
+            </a:gs>
+          </a:gsLst>
+          <a:lin ang="5400000" scaled="0"/>
+        </a:gradFill>
+        <a:gradFill rotWithShape="1">
+          <a:gsLst>
+            <a:gs pos="0">
+              <a:schemeClr val="phClr">
+                <a:satMod val="103000"/>
+                <a:lumMod val="102000"/>
+                <a:tint val="94000"/>
+              </a:schemeClr>
+            </a:gs>
+            <a:gs pos="50000">
+              <a:schemeClr val="phClr">
+                <a:satMod val="110000"/>
+                <a:lumMod val="100000"/>
+                <a:shade val="100000"/>
+              </a:schemeClr>
+            </a:gs>
+            <a:gs pos="100000">
+              <a:schemeClr val="phClr">
+                <a:lumMod val="99000"/>
+                <a:satMod val="120000"/>
+                <a:shade val="78000"/>
+              </a:schemeClr>
+            </a:gs>
+          </a:gsLst>
+          <a:lin ang="5400000" scaled="0"/>
+        </a:gradFill>
+      </a:fillStyleLst>
+      <a:lnStyleLst>
+        <a:ln w="6350" cap="flat" cmpd="sng" algn="ctr">
+          <a:solidFill>
+            <a:schemeClr val="phClr"/>
+          </a:solidFill>
+          <a:prstDash val="solid"/>
+          <a:miter lim="800000"/>
+        </a:ln>
+        <a:ln w="12700" cap="flat" cmpd="sng" algn="ctr">
+          <a:solidFill>
+            <a:schemeClr val="phClr"/>
+          </a:solidFill>
+          <a:prstDash val="solid"/>
+          <a:miter lim="800000"/>
+        </a:ln>
+        <a:ln w="19050" cap="flat" cmpd="sng" algn="ctr">
+          <a:solidFill>
+            <a:schemeClr val="phClr"/>
+          </a:solidFill>
+          <a:prstDash val="solid"/>
+          <a:miter lim="800000"/>
+        </a:ln>
+      </a:lnStyleLst>
+      <a:effectStyleLst>
+        <a:effectStyle>
+          <a:effectLst/>
+        </a:effectStyle>
+        <a:effectStyle>
+          <a:effectLst/>
+        </a:effectStyle>
+        <a:effectStyle>
+          <a:effectLst>
+            <a:outerShdw blurRad="57150" dist="19050" dir="5400000" algn="ctr" rotWithShape="0">
+              <a:srgbClr val="000000">
+                <a:alpha val="63000"/>
+              </a:srgbClr>
+            </a:outerShdw>
+          </a:effectLst>
+        </a:effectStyle>
+      </a:effectStyleLst>
+      <a:bgFillStyleLst>
+        <a:solidFill>
+          <a:schemeClr val="phClr"/>
+        </a:solidFill>
+        <a:solidFill>
+          <a:schemeClr val="phClr">
+            <a:tint val="95000"/>
+            <a:satMod val="170000"/>
+          </a:schemeClr>
+        </a:solidFill>
+        <a:gradFill rotWithShape="1">
+          <a:gsLst>
+            <a:gs pos="0">
+              <a:schemeClr val="phClr">
+                <a:tint val="93000"/>
+                <a:satMod val="150000"/>
+                <a:shade val="98000"/>
+                <a:lumMod val="102000"/>
+              </a:schemeClr>
+            </a:gs>
+            <a:gs pos="50000">
+              <a:schemeClr val="phClr">
+                <a:tint val="98000"/>
+                <a:satMod val="130000"/>
+                <a:shade val="90000"/>
+                <a:lumMod val="103000"/>
+              </a:schemeClr>
+            </a:gs>
+            <a:gs pos="100000">
+              <a:schemeClr val="phClr">
+                <a:shade val="63000"/>
+                <a:satMod val="120000"/>
+              </a:schemeClr>
+            </a:gs>
+          </a:gsLst>
+          <a:lin ang="5400000" scaled="0"/>
+        </a:gradFill>
+      </a:bgFillStyleLst>
+    </a:fmtScheme>
+  </a:themeElements>
+  <a:objectDefaults/>
+  <a:extraClrSchemeLst/>
+  <a:extLst>
+    <a:ext uri="{05A4C25C-085E-4340-85A3-A5531E510DB2}">
+      <thm15:themeFamily xmlns:thm15="http://schemas.microsoft.com/office/thememl/2012/main" name="Office Theme" id="{62F939B6-93AF-4DB8-9C6B-D6C7DFDC589F}" vid="{4A3C46E8-61CC-4603-A589-7422A47A8E4A}"/>
+    </a:ext>
+  </a:extLst>
+</a:theme>
 </file>
--- a/Spotify_Presentation.pptx
+++ b/Spotify_Presentation.pptx
@@ -13782,7 +13782,7 @@
           <a:p>
             <a:fld id="{91CE10EA-D799-4BBA-9231-C29C1C2B6BDF}" type="datetimeFigureOut">
               <a:rPr lang="it-IT" smtClean="0"/>
-              <a:t>22/11/2021</a:t>
+              <a:t>23/11/2021</a:t>
             </a:fld>
             <a:endParaRPr lang="it-IT"/>
           </a:p>
@@ -14205,7 +14205,7 @@
           <a:p>
             <a:fld id="{BD86BDEB-5C5F-4E73-8AED-845DEF6240CC}" type="datetime1">
               <a:rPr lang="it-IT" smtClean="0"/>
-              <a:t>22/11/2021</a:t>
+              <a:t>23/11/2021</a:t>
             </a:fld>
             <a:endParaRPr lang="it-IT"/>
           </a:p>
@@ -14405,7 +14405,7 @@
           <a:p>
             <a:fld id="{0250B066-2D31-4A91-B160-4E7A7606DAC8}" type="datetime1">
               <a:rPr lang="it-IT" smtClean="0"/>
-              <a:t>22/11/2021</a:t>
+              <a:t>23/11/2021</a:t>
             </a:fld>
             <a:endParaRPr lang="it-IT"/>
           </a:p>
@@ -14615,7 +14615,7 @@
           <a:p>
             <a:fld id="{44B5FB72-32C3-4D83-B606-F8FA83F83F67}" type="datetime1">
               <a:rPr lang="it-IT" smtClean="0"/>
-              <a:t>22/11/2021</a:t>
+              <a:t>23/11/2021</a:t>
             </a:fld>
             <a:endParaRPr lang="it-IT"/>
           </a:p>
@@ -14815,7 +14815,7 @@
           <a:p>
             <a:fld id="{BB493F1E-467A-4853-9F76-6DCAD7AB8AC5}" type="datetime1">
               <a:rPr lang="it-IT" smtClean="0"/>
-              <a:t>22/11/2021</a:t>
+              <a:t>23/11/2021</a:t>
             </a:fld>
             <a:endParaRPr lang="it-IT"/>
           </a:p>
@@ -15095,7 +15095,7 @@
           <a:p>
             <a:fld id="{4D5D5B75-150E-493B-9A11-56A0A6E112AA}" type="datetime1">
               <a:rPr lang="it-IT" smtClean="0"/>
-              <a:t>22/11/2021</a:t>
+              <a:t>23/11/2021</a:t>
             </a:fld>
             <a:endParaRPr lang="it-IT"/>
           </a:p>
@@ -15363,7 +15363,7 @@
           <a:p>
             <a:fld id="{F90D01D2-E94E-4C7F-8F6B-72F7F8F70261}" type="datetime1">
               <a:rPr lang="it-IT" smtClean="0"/>
-              <a:t>22/11/2021</a:t>
+              <a:t>23/11/2021</a:t>
             </a:fld>
             <a:endParaRPr lang="it-IT"/>
           </a:p>
@@ -15782,7 +15782,7 @@
           <a:p>
             <a:fld id="{89AAD7BB-AF97-41CA-AF5F-3B39F1E63410}" type="datetime1">
               <a:rPr lang="it-IT" smtClean="0"/>
-              <a:t>22/11/2021</a:t>
+              <a:t>23/11/2021</a:t>
             </a:fld>
             <a:endParaRPr lang="it-IT"/>
           </a:p>
@@ -15924,7 +15924,7 @@
           <a:p>
             <a:fld id="{6737F2E6-11FA-4E29-966D-FB32818C28EF}" type="datetime1">
               <a:rPr lang="it-IT" smtClean="0"/>
-              <a:t>22/11/2021</a:t>
+              <a:t>23/11/2021</a:t>
             </a:fld>
             <a:endParaRPr lang="it-IT"/>
           </a:p>
@@ -16037,7 +16037,7 @@
           <a:p>
             <a:fld id="{DEBAE2BC-CFEC-4D01-A8E5-A416C3284798}" type="datetime1">
               <a:rPr lang="it-IT" smtClean="0"/>
-              <a:t>22/11/2021</a:t>
+              <a:t>23/11/2021</a:t>
             </a:fld>
             <a:endParaRPr lang="it-IT"/>
           </a:p>
@@ -16352,7 +16352,7 @@
           <a:p>
             <a:fld id="{7FDFEC0A-0EF8-412E-8856-41D63FAE24C9}" type="datetime1">
               <a:rPr lang="it-IT" smtClean="0"/>
-              <a:t>22/11/2021</a:t>
+              <a:t>23/11/2021</a:t>
             </a:fld>
             <a:endParaRPr lang="it-IT"/>
           </a:p>
@@ -16645,7 +16645,7 @@
           <a:p>
             <a:fld id="{8D1C1976-DE9F-4F58-8CC6-0555CC712AB6}" type="datetime1">
               <a:rPr lang="it-IT" smtClean="0"/>
-              <a:t>22/11/2021</a:t>
+              <a:t>23/11/2021</a:t>
             </a:fld>
             <a:endParaRPr lang="it-IT"/>
           </a:p>
@@ -16886,7 +16886,7 @@
           <a:p>
             <a:fld id="{AE9CFF95-AD70-4CBF-8009-F72101CE8362}" type="datetime1">
               <a:rPr lang="it-IT" smtClean="0"/>
-              <a:t>22/11/2021</a:t>
+              <a:t>23/11/2021</a:t>
             </a:fld>
             <a:endParaRPr lang="it-IT"/>
           </a:p>
@@ -19154,7 +19154,10 @@
               <a:rPr lang="it-IT" smtClean="0"/>
               <a:t>10</a:t>
             </a:fld>
-            <a:endParaRPr lang="it-IT"/>
+            <a:r>
+              <a:rPr lang="it-IT" dirty="0"/>
+              <a:t>/24</a:t>
+            </a:r>
           </a:p>
         </p:txBody>
       </p:sp>
@@ -19268,42 +19271,6 @@
           </a:p>
         </p:txBody>
       </p:sp>
-      <p:pic>
-        <p:nvPicPr>
-          <p:cNvPr id="3" name="Immagine 2">
-            <a:extLst>
-              <a:ext uri="{FF2B5EF4-FFF2-40B4-BE49-F238E27FC236}">
-                <a16:creationId xmlns:a16="http://schemas.microsoft.com/office/drawing/2014/main" id="{0DF93738-E1D4-4460-8560-08CBF302348C}"/>
-              </a:ext>
-            </a:extLst>
-          </p:cNvPr>
-          <p:cNvPicPr>
-            <a:picLocks noChangeAspect="1"/>
-          </p:cNvPicPr>
-          <p:nvPr/>
-        </p:nvPicPr>
-        <p:blipFill>
-          <a:blip r:embed="rId2">
-            <a:extLst>
-              <a:ext uri="{28A0092B-C50C-407E-A947-70E740481C1C}">
-                <a14:useLocalDpi xmlns:a14="http://schemas.microsoft.com/office/drawing/2010/main" val="0"/>
-              </a:ext>
-            </a:extLst>
-          </a:blip>
-          <a:stretch>
-            <a:fillRect/>
-          </a:stretch>
-        </p:blipFill>
-        <p:spPr>
-          <a:xfrm>
-            <a:off x="1096486" y="2247701"/>
-            <a:ext cx="9999028" cy="4224636"/>
-          </a:xfrm>
-          <a:prstGeom prst="rect">
-            <a:avLst/>
-          </a:prstGeom>
-        </p:spPr>
-      </p:pic>
       <p:sp>
         <p:nvSpPr>
           <p:cNvPr id="2" name="Segnaposto numero diapositiva 1">
@@ -19329,10 +19296,49 @@
               <a:rPr lang="it-IT" smtClean="0"/>
               <a:t>11</a:t>
             </a:fld>
-            <a:endParaRPr lang="it-IT"/>
+            <a:r>
+              <a:rPr lang="it-IT" dirty="0"/>
+              <a:t>/24</a:t>
+            </a:r>
           </a:p>
         </p:txBody>
       </p:sp>
+      <p:pic>
+        <p:nvPicPr>
+          <p:cNvPr id="7" name="Immagine 6">
+            <a:extLst>
+              <a:ext uri="{FF2B5EF4-FFF2-40B4-BE49-F238E27FC236}">
+                <a16:creationId xmlns:a16="http://schemas.microsoft.com/office/drawing/2014/main" id="{8B95161D-DCC7-47BC-ACFF-4233CF41C66D}"/>
+              </a:ext>
+            </a:extLst>
+          </p:cNvPr>
+          <p:cNvPicPr>
+            <a:picLocks noChangeAspect="1"/>
+          </p:cNvPicPr>
+          <p:nvPr/>
+        </p:nvPicPr>
+        <p:blipFill>
+          <a:blip r:embed="rId2">
+            <a:extLst>
+              <a:ext uri="{28A0092B-C50C-407E-A947-70E740481C1C}">
+                <a14:useLocalDpi xmlns:a14="http://schemas.microsoft.com/office/drawing/2010/main" val="0"/>
+              </a:ext>
+            </a:extLst>
+          </a:blip>
+          <a:stretch>
+            <a:fillRect/>
+          </a:stretch>
+        </p:blipFill>
+        <p:spPr>
+          <a:xfrm>
+            <a:off x="914400" y="2273434"/>
+            <a:ext cx="10575625" cy="4156076"/>
+          </a:xfrm>
+          <a:prstGeom prst="rect">
+            <a:avLst/>
+          </a:prstGeom>
+        </p:spPr>
+      </p:pic>
     </p:spTree>
     <p:extLst>
       <p:ext uri="{BB962C8B-B14F-4D97-AF65-F5344CB8AC3E}">
@@ -19468,7 +19474,10 @@
               <a:rPr lang="it-IT" smtClean="0"/>
               <a:t>12</a:t>
             </a:fld>
-            <a:endParaRPr lang="it-IT"/>
+            <a:r>
+              <a:rPr lang="it-IT" dirty="0"/>
+              <a:t>/24</a:t>
+            </a:r>
           </a:p>
         </p:txBody>
       </p:sp>
@@ -19676,7 +19685,10 @@
               <a:rPr lang="it-IT" smtClean="0"/>
               <a:t>13</a:t>
             </a:fld>
-            <a:endParaRPr lang="it-IT"/>
+            <a:r>
+              <a:rPr lang="it-IT" dirty="0"/>
+              <a:t>/24</a:t>
+            </a:r>
           </a:p>
         </p:txBody>
       </p:sp>
@@ -20106,7 +20118,10 @@
               <a:rPr lang="it-IT" smtClean="0"/>
               <a:t>14</a:t>
             </a:fld>
-            <a:endParaRPr lang="it-IT"/>
+            <a:r>
+              <a:rPr lang="it-IT" dirty="0"/>
+              <a:t>/24</a:t>
+            </a:r>
           </a:p>
         </p:txBody>
       </p:sp>
@@ -20220,42 +20235,6 @@
           </a:p>
         </p:txBody>
       </p:sp>
-      <p:pic>
-        <p:nvPicPr>
-          <p:cNvPr id="3" name="Immagine 2">
-            <a:extLst>
-              <a:ext uri="{FF2B5EF4-FFF2-40B4-BE49-F238E27FC236}">
-                <a16:creationId xmlns:a16="http://schemas.microsoft.com/office/drawing/2014/main" id="{FCAB932A-3E48-4DF7-B2D2-D2BCD2C791BB}"/>
-              </a:ext>
-            </a:extLst>
-          </p:cNvPr>
-          <p:cNvPicPr>
-            <a:picLocks noChangeAspect="1"/>
-          </p:cNvPicPr>
-          <p:nvPr/>
-        </p:nvPicPr>
-        <p:blipFill>
-          <a:blip r:embed="rId2">
-            <a:extLst>
-              <a:ext uri="{28A0092B-C50C-407E-A947-70E740481C1C}">
-                <a14:useLocalDpi xmlns:a14="http://schemas.microsoft.com/office/drawing/2010/main" val="0"/>
-              </a:ext>
-            </a:extLst>
-          </a:blip>
-          <a:stretch>
-            <a:fillRect/>
-          </a:stretch>
-        </p:blipFill>
-        <p:spPr>
-          <a:xfrm>
-            <a:off x="1285325" y="2082934"/>
-            <a:ext cx="9621349" cy="4775066"/>
-          </a:xfrm>
-          <a:prstGeom prst="rect">
-            <a:avLst/>
-          </a:prstGeom>
-        </p:spPr>
-      </p:pic>
       <p:sp>
         <p:nvSpPr>
           <p:cNvPr id="2" name="Segnaposto numero diapositiva 1">
@@ -20281,10 +20260,49 @@
               <a:rPr lang="it-IT" smtClean="0"/>
               <a:t>15</a:t>
             </a:fld>
-            <a:endParaRPr lang="it-IT"/>
+            <a:r>
+              <a:rPr lang="it-IT" dirty="0"/>
+              <a:t>/24</a:t>
+            </a:r>
           </a:p>
         </p:txBody>
       </p:sp>
+      <p:pic>
+        <p:nvPicPr>
+          <p:cNvPr id="7" name="Immagine 6">
+            <a:extLst>
+              <a:ext uri="{FF2B5EF4-FFF2-40B4-BE49-F238E27FC236}">
+                <a16:creationId xmlns:a16="http://schemas.microsoft.com/office/drawing/2014/main" id="{D51E4E29-D41D-415D-A8A0-DAB1BA767087}"/>
+              </a:ext>
+            </a:extLst>
+          </p:cNvPr>
+          <p:cNvPicPr>
+            <a:picLocks noChangeAspect="1"/>
+          </p:cNvPicPr>
+          <p:nvPr/>
+        </p:nvPicPr>
+        <p:blipFill>
+          <a:blip r:embed="rId2">
+            <a:extLst>
+              <a:ext uri="{28A0092B-C50C-407E-A947-70E740481C1C}">
+                <a14:useLocalDpi xmlns:a14="http://schemas.microsoft.com/office/drawing/2010/main" val="0"/>
+              </a:ext>
+            </a:extLst>
+          </a:blip>
+          <a:stretch>
+            <a:fillRect/>
+          </a:stretch>
+        </p:blipFill>
+        <p:spPr>
+          <a:xfrm>
+            <a:off x="914399" y="2244789"/>
+            <a:ext cx="9893595" cy="4476686"/>
+          </a:xfrm>
+          <a:prstGeom prst="rect">
+            <a:avLst/>
+          </a:prstGeom>
+        </p:spPr>
+      </p:pic>
     </p:spTree>
     <p:extLst>
       <p:ext uri="{BB962C8B-B14F-4D97-AF65-F5344CB8AC3E}">
@@ -20395,42 +20413,6 @@
           </a:p>
         </p:txBody>
       </p:sp>
-      <p:pic>
-        <p:nvPicPr>
-          <p:cNvPr id="3" name="Immagine 2">
-            <a:extLst>
-              <a:ext uri="{FF2B5EF4-FFF2-40B4-BE49-F238E27FC236}">
-                <a16:creationId xmlns:a16="http://schemas.microsoft.com/office/drawing/2014/main" id="{CB7FC4DC-489F-42A6-A3ED-BA11C84FC2CE}"/>
-              </a:ext>
-            </a:extLst>
-          </p:cNvPr>
-          <p:cNvPicPr>
-            <a:picLocks noChangeAspect="1"/>
-          </p:cNvPicPr>
-          <p:nvPr/>
-        </p:nvPicPr>
-        <p:blipFill>
-          <a:blip r:embed="rId2">
-            <a:extLst>
-              <a:ext uri="{28A0092B-C50C-407E-A947-70E740481C1C}">
-                <a14:useLocalDpi xmlns:a14="http://schemas.microsoft.com/office/drawing/2010/main" val="0"/>
-              </a:ext>
-            </a:extLst>
-          </a:blip>
-          <a:stretch>
-            <a:fillRect/>
-          </a:stretch>
-        </p:blipFill>
-        <p:spPr>
-          <a:xfrm>
-            <a:off x="1069980" y="2265680"/>
-            <a:ext cx="10040296" cy="4357833"/>
-          </a:xfrm>
-          <a:prstGeom prst="rect">
-            <a:avLst/>
-          </a:prstGeom>
-        </p:spPr>
-      </p:pic>
       <p:sp>
         <p:nvSpPr>
           <p:cNvPr id="2" name="Segnaposto numero diapositiva 1">
@@ -20456,10 +20438,49 @@
               <a:rPr lang="it-IT" smtClean="0"/>
               <a:t>16</a:t>
             </a:fld>
-            <a:endParaRPr lang="it-IT"/>
+            <a:r>
+              <a:rPr lang="it-IT" dirty="0"/>
+              <a:t>/24</a:t>
+            </a:r>
           </a:p>
         </p:txBody>
       </p:sp>
+      <p:pic>
+        <p:nvPicPr>
+          <p:cNvPr id="7" name="Immagine 6">
+            <a:extLst>
+              <a:ext uri="{FF2B5EF4-FFF2-40B4-BE49-F238E27FC236}">
+                <a16:creationId xmlns:a16="http://schemas.microsoft.com/office/drawing/2014/main" id="{3531E633-BFD3-4A6F-828F-F4B6567BAE09}"/>
+              </a:ext>
+            </a:extLst>
+          </p:cNvPr>
+          <p:cNvPicPr>
+            <a:picLocks noChangeAspect="1"/>
+          </p:cNvPicPr>
+          <p:nvPr/>
+        </p:nvPicPr>
+        <p:blipFill>
+          <a:blip r:embed="rId2">
+            <a:extLst>
+              <a:ext uri="{28A0092B-C50C-407E-A947-70E740481C1C}">
+                <a14:useLocalDpi xmlns:a14="http://schemas.microsoft.com/office/drawing/2010/main" val="0"/>
+              </a:ext>
+            </a:extLst>
+          </a:blip>
+          <a:stretch>
+            <a:fillRect/>
+          </a:stretch>
+        </p:blipFill>
+        <p:spPr>
+          <a:xfrm>
+            <a:off x="914400" y="2241350"/>
+            <a:ext cx="10616609" cy="4297562"/>
+          </a:xfrm>
+          <a:prstGeom prst="rect">
+            <a:avLst/>
+          </a:prstGeom>
+        </p:spPr>
+      </p:pic>
     </p:spTree>
     <p:extLst>
       <p:ext uri="{BB962C8B-B14F-4D97-AF65-F5344CB8AC3E}">
@@ -20585,13 +20606,13 @@
           <p:nvPr>
             <p:extLst>
               <p:ext uri="{D42A27DB-BD31-4B8C-83A1-F6EECF244321}">
-                <p14:modId xmlns:p14="http://schemas.microsoft.com/office/powerpoint/2010/main" val="2078215487"/>
+                <p14:modId xmlns:p14="http://schemas.microsoft.com/office/powerpoint/2010/main" val="929087767"/>
               </p:ext>
             </p:extLst>
           </p:nvPr>
         </p:nvGraphicFramePr>
         <p:xfrm>
-          <a:off x="914400" y="2187709"/>
+          <a:off x="914400" y="2146750"/>
           <a:ext cx="10440000" cy="4209600"/>
         </p:xfrm>
         <a:graphic>
@@ -21266,7 +21287,10 @@
               <a:rPr lang="it-IT" smtClean="0"/>
               <a:t>17</a:t>
             </a:fld>
-            <a:endParaRPr lang="it-IT"/>
+            <a:r>
+              <a:rPr lang="it-IT" dirty="0"/>
+              <a:t>/24</a:t>
+            </a:r>
           </a:p>
         </p:txBody>
       </p:sp>
@@ -21566,7 +21590,10 @@
               <a:rPr lang="it-IT" smtClean="0"/>
               <a:t>18</a:t>
             </a:fld>
-            <a:endParaRPr lang="it-IT"/>
+            <a:r>
+              <a:rPr lang="it-IT" dirty="0"/>
+              <a:t>/24</a:t>
+            </a:r>
           </a:p>
         </p:txBody>
       </p:sp>
@@ -22074,7 +22101,10 @@
               <a:rPr lang="it-IT" smtClean="0"/>
               <a:t>19</a:t>
             </a:fld>
-            <a:endParaRPr lang="it-IT"/>
+            <a:r>
+              <a:rPr lang="it-IT" dirty="0"/>
+              <a:t>/24</a:t>
+            </a:r>
           </a:p>
         </p:txBody>
       </p:sp>
@@ -22506,7 +22536,10 @@
               <a:rPr lang="it-IT" smtClean="0"/>
               <a:t>2</a:t>
             </a:fld>
-            <a:endParaRPr lang="it-IT"/>
+            <a:r>
+              <a:rPr lang="it-IT" dirty="0"/>
+              <a:t>/24</a:t>
+            </a:r>
           </a:p>
         </p:txBody>
       </p:sp>
@@ -22879,7 +22912,10 @@
               <a:rPr lang="it-IT" smtClean="0"/>
               <a:t>20</a:t>
             </a:fld>
-            <a:endParaRPr lang="it-IT"/>
+            <a:r>
+              <a:rPr lang="it-IT" dirty="0"/>
+              <a:t>/24</a:t>
+            </a:r>
           </a:p>
         </p:txBody>
       </p:sp>
@@ -23242,14 +23278,14 @@
           <p:nvPr>
             <p:extLst>
               <p:ext uri="{D42A27DB-BD31-4B8C-83A1-F6EECF244321}">
-                <p14:modId xmlns:p14="http://schemas.microsoft.com/office/powerpoint/2010/main" val="113229944"/>
+                <p14:modId xmlns:p14="http://schemas.microsoft.com/office/powerpoint/2010/main" val="1811946475"/>
               </p:ext>
             </p:extLst>
           </p:nvPr>
         </p:nvGraphicFramePr>
         <p:xfrm>
-          <a:off x="4495798" y="2216284"/>
-          <a:ext cx="7200000" cy="4321096"/>
+          <a:off x="4331009" y="2203718"/>
+          <a:ext cx="7200000" cy="3960002"/>
         </p:xfrm>
         <a:graphic>
           <a:graphicData uri="http://schemas.openxmlformats.org/drawingml/2006/table">
@@ -23273,7 +23309,7 @@
                   </a:extLst>
                 </a:gridCol>
               </a:tblGrid>
-              <a:tr h="387737">
+              <a:tr h="341648">
                 <a:tc>
                   <a:txBody>
                     <a:bodyPr/>
@@ -23318,7 +23354,7 @@
                   </a:ext>
                 </a:extLst>
               </a:tr>
-              <a:tr h="387737">
+              <a:tr h="341648">
                 <a:tc>
                   <a:txBody>
                     <a:bodyPr/>
@@ -23358,7 +23394,7 @@
                   </a:ext>
                 </a:extLst>
               </a:tr>
-              <a:tr h="609052">
+              <a:tr h="613409">
                 <a:tc>
                   <a:txBody>
                     <a:bodyPr/>
@@ -23395,7 +23431,7 @@
                   </a:ext>
                 </a:extLst>
               </a:tr>
-              <a:tr h="387737">
+              <a:tr h="341648">
                 <a:tc>
                   <a:txBody>
                     <a:bodyPr/>
@@ -23435,7 +23471,7 @@
                   </a:ext>
                 </a:extLst>
               </a:tr>
-              <a:tr h="387737">
+              <a:tr h="341648">
                 <a:tc>
                   <a:txBody>
                     <a:bodyPr/>
@@ -23472,7 +23508,7 @@
                   </a:ext>
                 </a:extLst>
               </a:tr>
-              <a:tr h="387737">
+              <a:tr h="341648">
                 <a:tc>
                   <a:txBody>
                     <a:bodyPr/>
@@ -23509,7 +23545,7 @@
                   </a:ext>
                 </a:extLst>
               </a:tr>
-              <a:tr h="387737">
+              <a:tr h="341648">
                 <a:tc>
                   <a:txBody>
                     <a:bodyPr/>
@@ -23546,7 +23582,7 @@
                   </a:ext>
                 </a:extLst>
               </a:tr>
-              <a:tr h="387737">
+              <a:tr h="341648">
                 <a:tc>
                   <a:txBody>
                     <a:bodyPr/>
@@ -23583,7 +23619,7 @@
                   </a:ext>
                 </a:extLst>
               </a:tr>
-              <a:tr h="609052">
+              <a:tr h="613409">
                 <a:tc>
                   <a:txBody>
                     <a:bodyPr/>
@@ -23620,7 +23656,7 @@
                   </a:ext>
                 </a:extLst>
               </a:tr>
-              <a:tr h="387737">
+              <a:tr h="341648">
                 <a:tc>
                   <a:txBody>
                     <a:bodyPr/>
@@ -23692,7 +23728,10 @@
               <a:rPr lang="it-IT" smtClean="0"/>
               <a:t>21</a:t>
             </a:fld>
-            <a:endParaRPr lang="it-IT"/>
+            <a:r>
+              <a:rPr lang="it-IT" dirty="0"/>
+              <a:t>/24</a:t>
+            </a:r>
           </a:p>
         </p:txBody>
       </p:sp>
@@ -23806,42 +23845,6 @@
           </a:p>
         </p:txBody>
       </p:sp>
-      <p:pic>
-        <p:nvPicPr>
-          <p:cNvPr id="3" name="Immagine 2">
-            <a:extLst>
-              <a:ext uri="{FF2B5EF4-FFF2-40B4-BE49-F238E27FC236}">
-                <a16:creationId xmlns:a16="http://schemas.microsoft.com/office/drawing/2014/main" id="{6B4882F2-A1A3-49A8-B7BE-C8BB692829A0}"/>
-              </a:ext>
-            </a:extLst>
-          </p:cNvPr>
-          <p:cNvPicPr>
-            <a:picLocks noChangeAspect="1"/>
-          </p:cNvPicPr>
-          <p:nvPr/>
-        </p:nvPicPr>
-        <p:blipFill>
-          <a:blip r:embed="rId2">
-            <a:extLst>
-              <a:ext uri="{28A0092B-C50C-407E-A947-70E740481C1C}">
-                <a14:useLocalDpi xmlns:a14="http://schemas.microsoft.com/office/drawing/2010/main" val="0"/>
-              </a:ext>
-            </a:extLst>
-          </a:blip>
-          <a:stretch>
-            <a:fillRect/>
-          </a:stretch>
-        </p:blipFill>
-        <p:spPr>
-          <a:xfrm>
-            <a:off x="1717040" y="2123441"/>
-            <a:ext cx="8757920" cy="4584069"/>
-          </a:xfrm>
-          <a:prstGeom prst="rect">
-            <a:avLst/>
-          </a:prstGeom>
-        </p:spPr>
-      </p:pic>
       <p:sp>
         <p:nvSpPr>
           <p:cNvPr id="2" name="Segnaposto numero diapositiva 1">
@@ -23867,10 +23870,49 @@
               <a:rPr lang="it-IT" smtClean="0"/>
               <a:t>22</a:t>
             </a:fld>
-            <a:endParaRPr lang="it-IT"/>
+            <a:r>
+              <a:rPr lang="it-IT" dirty="0"/>
+              <a:t>/24</a:t>
+            </a:r>
           </a:p>
         </p:txBody>
       </p:sp>
+      <p:pic>
+        <p:nvPicPr>
+          <p:cNvPr id="7" name="Immagine 6">
+            <a:extLst>
+              <a:ext uri="{FF2B5EF4-FFF2-40B4-BE49-F238E27FC236}">
+                <a16:creationId xmlns:a16="http://schemas.microsoft.com/office/drawing/2014/main" id="{48AF2972-2A4E-4889-B5B8-8F2E550C98A9}"/>
+              </a:ext>
+            </a:extLst>
+          </p:cNvPr>
+          <p:cNvPicPr>
+            <a:picLocks noChangeAspect="1"/>
+          </p:cNvPicPr>
+          <p:nvPr/>
+        </p:nvPicPr>
+        <p:blipFill>
+          <a:blip r:embed="rId2">
+            <a:extLst>
+              <a:ext uri="{28A0092B-C50C-407E-A947-70E740481C1C}">
+                <a14:useLocalDpi xmlns:a14="http://schemas.microsoft.com/office/drawing/2010/main" val="0"/>
+              </a:ext>
+            </a:extLst>
+          </a:blip>
+          <a:stretch>
+            <a:fillRect/>
+          </a:stretch>
+        </p:blipFill>
+        <p:spPr>
+          <a:xfrm>
+            <a:off x="914400" y="2153290"/>
+            <a:ext cx="9190134" cy="4385622"/>
+          </a:xfrm>
+          <a:prstGeom prst="rect">
+            <a:avLst/>
+          </a:prstGeom>
+        </p:spPr>
+      </p:pic>
     </p:spTree>
     <p:extLst>
       <p:ext uri="{BB962C8B-B14F-4D97-AF65-F5344CB8AC3E}">
@@ -23996,13 +24038,13 @@
           <p:nvPr>
             <p:extLst>
               <p:ext uri="{D42A27DB-BD31-4B8C-83A1-F6EECF244321}">
-                <p14:modId xmlns:p14="http://schemas.microsoft.com/office/powerpoint/2010/main" val="4294311010"/>
+                <p14:modId xmlns:p14="http://schemas.microsoft.com/office/powerpoint/2010/main" val="2843575492"/>
               </p:ext>
             </p:extLst>
           </p:nvPr>
         </p:nvGraphicFramePr>
         <p:xfrm>
-          <a:off x="914400" y="2657473"/>
+          <a:off x="914400" y="2576350"/>
           <a:ext cx="10440000" cy="3780000"/>
         </p:xfrm>
         <a:graphic>
@@ -24714,7 +24756,10 @@
               <a:rPr lang="it-IT" smtClean="0"/>
               <a:t>23</a:t>
             </a:fld>
-            <a:endParaRPr lang="it-IT"/>
+            <a:r>
+              <a:rPr lang="it-IT" dirty="0"/>
+              <a:t>/24</a:t>
+            </a:r>
           </a:p>
         </p:txBody>
       </p:sp>
@@ -24905,7 +24950,10 @@
               <a:rPr lang="it-IT" smtClean="0"/>
               <a:t>24</a:t>
             </a:fld>
-            <a:endParaRPr lang="it-IT"/>
+            <a:r>
+              <a:rPr lang="it-IT" dirty="0"/>
+              <a:t>/24 </a:t>
+            </a:r>
           </a:p>
         </p:txBody>
       </p:sp>
@@ -24996,11 +25044,7 @@
           <a:bodyPr/>
           <a:lstStyle/>
           <a:p>
-            <a:fld id="{0E41FC79-F70E-41D5-8DA8-CBC79D687031}" type="slidenum">
-              <a:rPr lang="it-IT" smtClean="0"/>
-              <a:t>25</a:t>
-            </a:fld>
-            <a:endParaRPr lang="it-IT"/>
+            <a:endParaRPr lang="it-IT" dirty="0"/>
           </a:p>
         </p:txBody>
       </p:sp>
@@ -25420,7 +25464,10 @@
               <a:rPr lang="it-IT" smtClean="0"/>
               <a:t>3</a:t>
             </a:fld>
-            <a:endParaRPr lang="it-IT"/>
+            <a:r>
+              <a:rPr lang="it-IT" dirty="0"/>
+              <a:t>/24</a:t>
+            </a:r>
           </a:p>
         </p:txBody>
       </p:sp>
@@ -25892,7 +25939,10 @@
               <a:rPr lang="it-IT" smtClean="0"/>
               <a:t>4</a:t>
             </a:fld>
-            <a:endParaRPr lang="it-IT"/>
+            <a:r>
+              <a:rPr lang="it-IT" dirty="0"/>
+              <a:t>/24</a:t>
+            </a:r>
           </a:p>
         </p:txBody>
       </p:sp>
@@ -26078,7 +26128,10 @@
               <a:rPr lang="it-IT" smtClean="0"/>
               <a:t>5</a:t>
             </a:fld>
-            <a:endParaRPr lang="it-IT"/>
+            <a:r>
+              <a:rPr lang="it-IT" dirty="0"/>
+              <a:t>/24</a:t>
+            </a:r>
           </a:p>
         </p:txBody>
       </p:sp>
@@ -26208,7 +26261,10 @@
               <a:rPr lang="it-IT" smtClean="0"/>
               <a:t>6</a:t>
             </a:fld>
-            <a:endParaRPr lang="it-IT" dirty="0"/>
+            <a:r>
+              <a:rPr lang="it-IT" dirty="0"/>
+              <a:t>/24</a:t>
+            </a:r>
           </a:p>
         </p:txBody>
       </p:sp>
@@ -26462,7 +26518,10 @@
               <a:rPr lang="it-IT" smtClean="0"/>
               <a:t>7</a:t>
             </a:fld>
-            <a:endParaRPr lang="it-IT"/>
+            <a:r>
+              <a:rPr lang="it-IT" dirty="0"/>
+              <a:t>/24</a:t>
+            </a:r>
           </a:p>
         </p:txBody>
       </p:sp>
@@ -26554,11 +26613,10 @@
           <a:bodyPr/>
           <a:lstStyle/>
           <a:p>
-            <a:fld id="{0E41FC79-F70E-41D5-8DA8-CBC79D687031}" type="slidenum">
-              <a:rPr lang="it-IT" smtClean="0"/>
-              <a:t>8</a:t>
-            </a:fld>
-            <a:endParaRPr lang="it-IT"/>
+            <a:r>
+              <a:rPr lang="it-IT" dirty="0"/>
+              <a:t> </a:t>
+            </a:r>
           </a:p>
         </p:txBody>
       </p:sp>
@@ -26672,42 +26730,6 @@
           </a:p>
         </p:txBody>
       </p:sp>
-      <p:pic>
-        <p:nvPicPr>
-          <p:cNvPr id="8" name="Immagine 7">
-            <a:extLst>
-              <a:ext uri="{FF2B5EF4-FFF2-40B4-BE49-F238E27FC236}">
-                <a16:creationId xmlns:a16="http://schemas.microsoft.com/office/drawing/2014/main" id="{3641F0D3-8A6E-4B04-AFD6-4A1781A0ED34}"/>
-              </a:ext>
-            </a:extLst>
-          </p:cNvPr>
-          <p:cNvPicPr>
-            <a:picLocks noChangeAspect="1"/>
-          </p:cNvPicPr>
-          <p:nvPr/>
-        </p:nvPicPr>
-        <p:blipFill>
-          <a:blip r:embed="rId2">
-            <a:extLst>
-              <a:ext uri="{28A0092B-C50C-407E-A947-70E740481C1C}">
-                <a14:useLocalDpi xmlns:a14="http://schemas.microsoft.com/office/drawing/2010/main" val="0"/>
-              </a:ext>
-            </a:extLst>
-          </a:blip>
-          <a:stretch>
-            <a:fillRect/>
-          </a:stretch>
-        </p:blipFill>
-        <p:spPr>
-          <a:xfrm>
-            <a:off x="1717040" y="2180283"/>
-            <a:ext cx="8757920" cy="4677717"/>
-          </a:xfrm>
-          <a:prstGeom prst="rect">
-            <a:avLst/>
-          </a:prstGeom>
-        </p:spPr>
-      </p:pic>
       <p:sp>
         <p:nvSpPr>
           <p:cNvPr id="2" name="Segnaposto numero diapositiva 1">
@@ -26733,10 +26755,49 @@
               <a:rPr lang="it-IT" smtClean="0"/>
               <a:t>9</a:t>
             </a:fld>
-            <a:endParaRPr lang="it-IT"/>
+            <a:r>
+              <a:rPr lang="it-IT" dirty="0"/>
+              <a:t>/24</a:t>
+            </a:r>
           </a:p>
         </p:txBody>
       </p:sp>
+      <p:pic>
+        <p:nvPicPr>
+          <p:cNvPr id="9" name="Immagine 8">
+            <a:extLst>
+              <a:ext uri="{FF2B5EF4-FFF2-40B4-BE49-F238E27FC236}">
+                <a16:creationId xmlns:a16="http://schemas.microsoft.com/office/drawing/2014/main" id="{EDB6838F-CF51-44C8-A233-DE57BF1414C2}"/>
+              </a:ext>
+            </a:extLst>
+          </p:cNvPr>
+          <p:cNvPicPr>
+            <a:picLocks noChangeAspect="1"/>
+          </p:cNvPicPr>
+          <p:nvPr/>
+        </p:nvPicPr>
+        <p:blipFill>
+          <a:blip r:embed="rId2">
+            <a:extLst>
+              <a:ext uri="{28A0092B-C50C-407E-A947-70E740481C1C}">
+                <a14:useLocalDpi xmlns:a14="http://schemas.microsoft.com/office/drawing/2010/main" val="0"/>
+              </a:ext>
+            </a:extLst>
+          </a:blip>
+          <a:stretch>
+            <a:fillRect/>
+          </a:stretch>
+        </p:blipFill>
+        <p:spPr>
+          <a:xfrm>
+            <a:off x="914400" y="2106385"/>
+            <a:ext cx="9477375" cy="4615090"/>
+          </a:xfrm>
+          <a:prstGeom prst="rect">
+            <a:avLst/>
+          </a:prstGeom>
+        </p:spPr>
+      </p:pic>
     </p:spTree>
     <p:extLst>
       <p:ext uri="{BB962C8B-B14F-4D97-AF65-F5344CB8AC3E}">
